--- a/extra/Database_Of_Things_PGConf_US_2015.pptx
+++ b/extra/Database_Of_Things_PGConf_US_2015.pptx
@@ -130,7 +130,7 @@
   </p:defaultTextStyle>
   <p:extLst>
     <p:ext uri="{EFAFB233-063F-42B5-8137-9DF3F51BA10A}">
-      <p15:sldGuideLst xmlns="" xmlns:p15="http://schemas.microsoft.com/office/powerpoint/2012/main">
+      <p15:sldGuideLst xmlns:p15="http://schemas.microsoft.com/office/powerpoint/2012/main" xmlns="">
         <p15:guide id="1" orient="horz" pos="2880">
           <p15:clr>
             <a:srgbClr val="A4A3A4"/>
@@ -4295,7 +4295,15 @@
           <a:p>
             <a:r>
               <a:rPr lang="en-US" dirty="0" smtClean="0"/>
-              <a:t>The Internet of Things</a:t>
+              <a:t>The </a:t>
+            </a:r>
+            <a:r>
+              <a:rPr lang="en-US" dirty="0" smtClean="0"/>
+              <a:t>Internet </a:t>
+            </a:r>
+            <a:r>
+              <a:rPr lang="en-US" dirty="0" smtClean="0"/>
+              <a:t>of Things</a:t>
             </a:r>
             <a:endParaRPr lang="en-US" dirty="0"/>
           </a:p>
@@ -5667,6 +5675,296 @@
           </a:graphicData>
         </a:graphic>
       </p:graphicFrame>
+      <p:sp>
+        <p:nvSpPr>
+          <p:cNvPr id="9" name="Text Placeholder 7"/>
+          <p:cNvSpPr txBox="1">
+            <a:spLocks/>
+          </p:cNvSpPr>
+          <p:nvPr/>
+        </p:nvSpPr>
+        <p:spPr>
+          <a:xfrm>
+            <a:off x="510739" y="7924768"/>
+            <a:ext cx="1370833" cy="572528"/>
+          </a:xfrm>
+          <a:prstGeom prst="rect">
+            <a:avLst/>
+          </a:prstGeom>
+          <a:ln w="12700">
+            <a:round/>
+          </a:ln>
+          <a:extLst>
+            <a:ext uri="{C572A759-6A51-4108-AA02-DFA0A04FC94B}">
+              <ma14:wrappingTextBoxFlag xmlns:ma14="http://schemas.microsoft.com/office/mac/drawingml/2011/main" val="1"/>
+            </a:ext>
+          </a:extLst>
+        </p:spPr>
+        <p:txBody>
+          <a:bodyPr lIns="38100" tIns="38100" rIns="38100" bIns="38100"/>
+          <a:lstStyle>
+            <a:lvl1pPr marL="0" indent="0" defTabSz="1219200" eaLnBrk="1" hangingPunct="1">
+              <a:lnSpc>
+                <a:spcPct val="120000"/>
+              </a:lnSpc>
+              <a:spcBef>
+                <a:spcPts val="600"/>
+              </a:spcBef>
+              <a:buClr>
+                <a:srgbClr val="F14D3A"/>
+              </a:buClr>
+              <a:buSzPct val="109999"/>
+              <a:buFontTx/>
+              <a:buNone/>
+              <a:defRPr sz="2400" i="1">
+                <a:solidFill>
+                  <a:srgbClr val="FF0000"/>
+                </a:solidFill>
+                <a:uFill>
+                  <a:solidFill>
+                    <a:srgbClr val="5E5E5E"/>
+                  </a:solidFill>
+                </a:uFill>
+                <a:latin typeface="+mn-lt"/>
+                <a:ea typeface="+mn-ea"/>
+                <a:cs typeface="+mn-cs"/>
+                <a:sym typeface="Trebuchet MS"/>
+              </a:defRPr>
+            </a:lvl1pPr>
+            <a:lvl2pPr marL="231775" indent="0" defTabSz="1219200" eaLnBrk="1" hangingPunct="1">
+              <a:lnSpc>
+                <a:spcPct val="120000"/>
+              </a:lnSpc>
+              <a:spcBef>
+                <a:spcPts val="600"/>
+              </a:spcBef>
+              <a:buClr>
+                <a:srgbClr val="F14D3A"/>
+              </a:buClr>
+              <a:buSzPct val="90000"/>
+              <a:buFontTx/>
+              <a:buNone/>
+              <a:defRPr sz="2400">
+                <a:solidFill>
+                  <a:srgbClr val="5E5E5E"/>
+                </a:solidFill>
+                <a:uFill>
+                  <a:solidFill>
+                    <a:srgbClr val="5E5E5E"/>
+                  </a:solidFill>
+                </a:uFill>
+                <a:latin typeface="+mn-lt"/>
+                <a:ea typeface="+mn-ea"/>
+                <a:cs typeface="+mn-cs"/>
+                <a:sym typeface="Trebuchet MS"/>
+              </a:defRPr>
+            </a:lvl2pPr>
+            <a:lvl3pPr marL="461962" indent="0" defTabSz="1219200" eaLnBrk="1" hangingPunct="1">
+              <a:lnSpc>
+                <a:spcPct val="120000"/>
+              </a:lnSpc>
+              <a:spcBef>
+                <a:spcPts val="600"/>
+              </a:spcBef>
+              <a:buClr>
+                <a:srgbClr val="F14D3A"/>
+              </a:buClr>
+              <a:buSzPct val="90000"/>
+              <a:buFontTx/>
+              <a:buNone/>
+              <a:defRPr sz="2400">
+                <a:solidFill>
+                  <a:srgbClr val="5E5E5E"/>
+                </a:solidFill>
+                <a:uFill>
+                  <a:solidFill>
+                    <a:srgbClr val="5E5E5E"/>
+                  </a:solidFill>
+                </a:uFill>
+                <a:latin typeface="+mn-lt"/>
+                <a:ea typeface="+mn-ea"/>
+                <a:cs typeface="+mn-cs"/>
+                <a:sym typeface="Trebuchet MS"/>
+              </a:defRPr>
+            </a:lvl3pPr>
+            <a:lvl4pPr marL="682625" indent="0" defTabSz="1219200" eaLnBrk="1" hangingPunct="1">
+              <a:lnSpc>
+                <a:spcPct val="120000"/>
+              </a:lnSpc>
+              <a:spcBef>
+                <a:spcPts val="600"/>
+              </a:spcBef>
+              <a:buClr>
+                <a:srgbClr val="F14D3A"/>
+              </a:buClr>
+              <a:buSzPct val="90000"/>
+              <a:buFontTx/>
+              <a:buNone/>
+              <a:defRPr sz="2400">
+                <a:solidFill>
+                  <a:srgbClr val="5E5E5E"/>
+                </a:solidFill>
+                <a:uFill>
+                  <a:solidFill>
+                    <a:srgbClr val="5E5E5E"/>
+                  </a:solidFill>
+                </a:uFill>
+                <a:latin typeface="+mn-lt"/>
+                <a:ea typeface="+mn-ea"/>
+                <a:cs typeface="+mn-cs"/>
+                <a:sym typeface="Trebuchet MS"/>
+              </a:defRPr>
+            </a:lvl4pPr>
+            <a:lvl5pPr marL="914400" indent="0" defTabSz="1219200" eaLnBrk="1" hangingPunct="1">
+              <a:lnSpc>
+                <a:spcPct val="100000"/>
+              </a:lnSpc>
+              <a:spcBef>
+                <a:spcPts val="600"/>
+              </a:spcBef>
+              <a:buClr>
+                <a:srgbClr val="F1492F"/>
+              </a:buClr>
+              <a:buSzPct val="90000"/>
+              <a:buFontTx/>
+              <a:buNone/>
+              <a:defRPr sz="2400">
+                <a:solidFill>
+                  <a:srgbClr val="5E5E5E"/>
+                </a:solidFill>
+                <a:uFill>
+                  <a:solidFill>
+                    <a:srgbClr val="5E5E5E"/>
+                  </a:solidFill>
+                </a:uFill>
+                <a:latin typeface="+mn-lt"/>
+                <a:ea typeface="+mn-ea"/>
+                <a:cs typeface="+mn-cs"/>
+                <a:sym typeface="Trebuchet MS"/>
+              </a:defRPr>
+            </a:lvl5pPr>
+            <a:lvl6pPr marL="1511935" indent="-365760" defTabSz="1219200" eaLnBrk="1" hangingPunct="1">
+              <a:lnSpc>
+                <a:spcPct val="120000"/>
+              </a:lnSpc>
+              <a:spcBef>
+                <a:spcPts val="600"/>
+              </a:spcBef>
+              <a:buClr>
+                <a:srgbClr val="F14D3A"/>
+              </a:buClr>
+              <a:buSzPct val="90000"/>
+              <a:buFont typeface="Wingdings"/>
+              <a:buChar char=""/>
+              <a:defRPr sz="2400">
+                <a:solidFill>
+                  <a:srgbClr val="5E5E5E"/>
+                </a:solidFill>
+                <a:uFill>
+                  <a:solidFill>
+                    <a:srgbClr val="5E5E5E"/>
+                  </a:solidFill>
+                </a:uFill>
+                <a:latin typeface="+mn-lt"/>
+                <a:ea typeface="+mn-ea"/>
+                <a:cs typeface="+mn-cs"/>
+                <a:sym typeface="Trebuchet MS"/>
+              </a:defRPr>
+            </a:lvl6pPr>
+            <a:lvl7pPr marL="1743710" indent="-365760" defTabSz="1219200" eaLnBrk="1" hangingPunct="1">
+              <a:lnSpc>
+                <a:spcPct val="120000"/>
+              </a:lnSpc>
+              <a:spcBef>
+                <a:spcPts val="600"/>
+              </a:spcBef>
+              <a:buClr>
+                <a:srgbClr val="F14D3A"/>
+              </a:buClr>
+              <a:buSzPct val="90000"/>
+              <a:buFont typeface="Wingdings"/>
+              <a:buChar char=""/>
+              <a:defRPr sz="2400">
+                <a:solidFill>
+                  <a:srgbClr val="5E5E5E"/>
+                </a:solidFill>
+                <a:uFill>
+                  <a:solidFill>
+                    <a:srgbClr val="5E5E5E"/>
+                  </a:solidFill>
+                </a:uFill>
+                <a:latin typeface="+mn-lt"/>
+                <a:ea typeface="+mn-ea"/>
+                <a:cs typeface="+mn-cs"/>
+                <a:sym typeface="Trebuchet MS"/>
+              </a:defRPr>
+            </a:lvl7pPr>
+            <a:lvl8pPr marL="1975485" indent="-365760" defTabSz="1219200" eaLnBrk="1" hangingPunct="1">
+              <a:lnSpc>
+                <a:spcPct val="120000"/>
+              </a:lnSpc>
+              <a:spcBef>
+                <a:spcPts val="600"/>
+              </a:spcBef>
+              <a:buClr>
+                <a:srgbClr val="F14D3A"/>
+              </a:buClr>
+              <a:buSzPct val="90000"/>
+              <a:buFont typeface="Wingdings"/>
+              <a:buChar char=""/>
+              <a:defRPr sz="2400">
+                <a:solidFill>
+                  <a:srgbClr val="5E5E5E"/>
+                </a:solidFill>
+                <a:uFill>
+                  <a:solidFill>
+                    <a:srgbClr val="5E5E5E"/>
+                  </a:solidFill>
+                </a:uFill>
+                <a:latin typeface="+mn-lt"/>
+                <a:ea typeface="+mn-ea"/>
+                <a:cs typeface="+mn-cs"/>
+                <a:sym typeface="Trebuchet MS"/>
+              </a:defRPr>
+            </a:lvl8pPr>
+            <a:lvl9pPr marL="2207260" indent="-365760" defTabSz="1219200" eaLnBrk="1" hangingPunct="1">
+              <a:lnSpc>
+                <a:spcPct val="120000"/>
+              </a:lnSpc>
+              <a:spcBef>
+                <a:spcPts val="600"/>
+              </a:spcBef>
+              <a:buClr>
+                <a:srgbClr val="F14D3A"/>
+              </a:buClr>
+              <a:buSzPct val="90000"/>
+              <a:buFont typeface="Wingdings"/>
+              <a:buChar char=""/>
+              <a:defRPr sz="2400">
+                <a:solidFill>
+                  <a:srgbClr val="5E5E5E"/>
+                </a:solidFill>
+                <a:uFill>
+                  <a:solidFill>
+                    <a:srgbClr val="5E5E5E"/>
+                  </a:solidFill>
+                </a:uFill>
+                <a:latin typeface="+mn-lt"/>
+                <a:ea typeface="+mn-ea"/>
+                <a:cs typeface="+mn-cs"/>
+                <a:sym typeface="Trebuchet MS"/>
+              </a:defRPr>
+            </a:lvl9pPr>
+          </a:lstStyle>
+          <a:p>
+            <a:r>
+              <a:rPr lang="en-US" dirty="0" smtClean="0"/>
+              <a:t>A Table!</a:t>
+            </a:r>
+            <a:endParaRPr lang="en-US" dirty="0"/>
+          </a:p>
+        </p:txBody>
+      </p:sp>
     </p:spTree>
     <p:extLst>
       <p:ext uri="{BB962C8B-B14F-4D97-AF65-F5344CB8AC3E}">
@@ -5692,9 +5990,331 @@
   <p:timing>
     <p:tnLst>
       <p:par>
-        <p:cTn xmlns:p14="http://schemas.microsoft.com/office/powerpoint/2010/main" id="1" dur="indefinite" restart="never" nodeType="tmRoot"/>
+        <p:cTn xmlns:p14="http://schemas.microsoft.com/office/powerpoint/2010/main" id="1" dur="indefinite" restart="never" nodeType="tmRoot">
+          <p:childTnLst>
+            <p:seq concurrent="1" nextAc="seek">
+              <p:cTn id="2" dur="indefinite" nodeType="mainSeq">
+                <p:childTnLst>
+                  <p:par>
+                    <p:cTn id="3" fill="hold">
+                      <p:stCondLst>
+                        <p:cond delay="indefinite"/>
+                      </p:stCondLst>
+                      <p:childTnLst>
+                        <p:par>
+                          <p:cTn id="4" fill="hold">
+                            <p:stCondLst>
+                              <p:cond delay="0"/>
+                            </p:stCondLst>
+                            <p:childTnLst>
+                              <p:par>
+                                <p:cTn id="5" presetID="26" presetClass="entr" presetSubtype="0" fill="hold" grpId="0" nodeType="clickEffect">
+                                  <p:stCondLst>
+                                    <p:cond delay="0"/>
+                                  </p:stCondLst>
+                                  <p:childTnLst>
+                                    <p:set>
+                                      <p:cBhvr>
+                                        <p:cTn id="6" dur="1" fill="hold">
+                                          <p:stCondLst>
+                                            <p:cond delay="0"/>
+                                          </p:stCondLst>
+                                        </p:cTn>
+                                        <p:tgtEl>
+                                          <p:spTgt spid="9"/>
+                                        </p:tgtEl>
+                                        <p:attrNameLst>
+                                          <p:attrName>style.visibility</p:attrName>
+                                        </p:attrNameLst>
+                                      </p:cBhvr>
+                                      <p:to>
+                                        <p:strVal val="visible"/>
+                                      </p:to>
+                                    </p:set>
+                                    <p:animEffect transition="in" filter="wipe(down)">
+                                      <p:cBhvr>
+                                        <p:cTn id="7" dur="580">
+                                          <p:stCondLst>
+                                            <p:cond delay="0"/>
+                                          </p:stCondLst>
+                                        </p:cTn>
+                                        <p:tgtEl>
+                                          <p:spTgt spid="9"/>
+                                        </p:tgtEl>
+                                      </p:cBhvr>
+                                    </p:animEffect>
+                                    <p:anim calcmode="lin" valueType="num">
+                                      <p:cBhvr>
+                                        <p:cTn id="8" dur="1822" tmFilter="0,0; 0.14,0.36; 0.43,0.73; 0.71,0.91; 1.0,1.0">
+                                          <p:stCondLst>
+                                            <p:cond delay="0"/>
+                                          </p:stCondLst>
+                                        </p:cTn>
+                                        <p:tgtEl>
+                                          <p:spTgt spid="9"/>
+                                        </p:tgtEl>
+                                        <p:attrNameLst>
+                                          <p:attrName>ppt_x</p:attrName>
+                                        </p:attrNameLst>
+                                      </p:cBhvr>
+                                      <p:tavLst>
+                                        <p:tav tm="0">
+                                          <p:val>
+                                            <p:strVal val="#ppt_x-0.25"/>
+                                          </p:val>
+                                        </p:tav>
+                                        <p:tav tm="100000">
+                                          <p:val>
+                                            <p:strVal val="#ppt_x"/>
+                                          </p:val>
+                                        </p:tav>
+                                      </p:tavLst>
+                                    </p:anim>
+                                    <p:anim calcmode="lin" valueType="num">
+                                      <p:cBhvr>
+                                        <p:cTn id="9" dur="664" tmFilter="0.0,0.0; 0.25,0.07; 0.50,0.2; 0.75,0.467; 1.0,1.0">
+                                          <p:stCondLst>
+                                            <p:cond delay="0"/>
+                                          </p:stCondLst>
+                                        </p:cTn>
+                                        <p:tgtEl>
+                                          <p:spTgt spid="9"/>
+                                        </p:tgtEl>
+                                        <p:attrNameLst>
+                                          <p:attrName>ppt_y</p:attrName>
+                                        </p:attrNameLst>
+                                      </p:cBhvr>
+                                      <p:tavLst>
+                                        <p:tav tm="0" fmla="#ppt_y-sin(pi*$)/3">
+                                          <p:val>
+                                            <p:fltVal val="0.5"/>
+                                          </p:val>
+                                        </p:tav>
+                                        <p:tav tm="100000">
+                                          <p:val>
+                                            <p:fltVal val="1"/>
+                                          </p:val>
+                                        </p:tav>
+                                      </p:tavLst>
+                                    </p:anim>
+                                    <p:anim calcmode="lin" valueType="num">
+                                      <p:cBhvr>
+                                        <p:cTn id="10" dur="664" tmFilter="0, 0; 0.125,0.2665; 0.25,0.4; 0.375,0.465; 0.5,0.5;  0.625,0.535; 0.75,0.6; 0.875,0.7335; 1,1">
+                                          <p:stCondLst>
+                                            <p:cond delay="664"/>
+                                          </p:stCondLst>
+                                        </p:cTn>
+                                        <p:tgtEl>
+                                          <p:spTgt spid="9"/>
+                                        </p:tgtEl>
+                                        <p:attrNameLst>
+                                          <p:attrName>ppt_y</p:attrName>
+                                        </p:attrNameLst>
+                                      </p:cBhvr>
+                                      <p:tavLst>
+                                        <p:tav tm="0" fmla="#ppt_y-sin(pi*$)/9">
+                                          <p:val>
+                                            <p:fltVal val="0"/>
+                                          </p:val>
+                                        </p:tav>
+                                        <p:tav tm="100000">
+                                          <p:val>
+                                            <p:fltVal val="1"/>
+                                          </p:val>
+                                        </p:tav>
+                                      </p:tavLst>
+                                    </p:anim>
+                                    <p:anim calcmode="lin" valueType="num">
+                                      <p:cBhvr>
+                                        <p:cTn id="11" dur="332" tmFilter="0, 0; 0.125,0.2665; 0.25,0.4; 0.375,0.465; 0.5,0.5;  0.625,0.535; 0.75,0.6; 0.875,0.7335; 1,1">
+                                          <p:stCondLst>
+                                            <p:cond delay="1324"/>
+                                          </p:stCondLst>
+                                        </p:cTn>
+                                        <p:tgtEl>
+                                          <p:spTgt spid="9"/>
+                                        </p:tgtEl>
+                                        <p:attrNameLst>
+                                          <p:attrName>ppt_y</p:attrName>
+                                        </p:attrNameLst>
+                                      </p:cBhvr>
+                                      <p:tavLst>
+                                        <p:tav tm="0" fmla="#ppt_y-sin(pi*$)/27">
+                                          <p:val>
+                                            <p:fltVal val="0"/>
+                                          </p:val>
+                                        </p:tav>
+                                        <p:tav tm="100000">
+                                          <p:val>
+                                            <p:fltVal val="1"/>
+                                          </p:val>
+                                        </p:tav>
+                                      </p:tavLst>
+                                    </p:anim>
+                                    <p:anim calcmode="lin" valueType="num">
+                                      <p:cBhvr>
+                                        <p:cTn id="12" dur="164" tmFilter="0, 0; 0.125,0.2665; 0.25,0.4; 0.375,0.465; 0.5,0.5;  0.625,0.535; 0.75,0.6; 0.875,0.7335; 1,1">
+                                          <p:stCondLst>
+                                            <p:cond delay="1656"/>
+                                          </p:stCondLst>
+                                        </p:cTn>
+                                        <p:tgtEl>
+                                          <p:spTgt spid="9"/>
+                                        </p:tgtEl>
+                                        <p:attrNameLst>
+                                          <p:attrName>ppt_y</p:attrName>
+                                        </p:attrNameLst>
+                                      </p:cBhvr>
+                                      <p:tavLst>
+                                        <p:tav tm="0" fmla="#ppt_y-sin(pi*$)/81">
+                                          <p:val>
+                                            <p:fltVal val="0"/>
+                                          </p:val>
+                                        </p:tav>
+                                        <p:tav tm="100000">
+                                          <p:val>
+                                            <p:fltVal val="1"/>
+                                          </p:val>
+                                        </p:tav>
+                                      </p:tavLst>
+                                    </p:anim>
+                                    <p:animScale>
+                                      <p:cBhvr>
+                                        <p:cTn id="13" dur="26">
+                                          <p:stCondLst>
+                                            <p:cond delay="650"/>
+                                          </p:stCondLst>
+                                        </p:cTn>
+                                        <p:tgtEl>
+                                          <p:spTgt spid="9"/>
+                                        </p:tgtEl>
+                                      </p:cBhvr>
+                                      <p:to x="100000" y="60000"/>
+                                    </p:animScale>
+                                    <p:animScale>
+                                      <p:cBhvr>
+                                        <p:cTn id="14" dur="166" decel="50000">
+                                          <p:stCondLst>
+                                            <p:cond delay="676"/>
+                                          </p:stCondLst>
+                                        </p:cTn>
+                                        <p:tgtEl>
+                                          <p:spTgt spid="9"/>
+                                        </p:tgtEl>
+                                      </p:cBhvr>
+                                      <p:to x="100000" y="100000"/>
+                                    </p:animScale>
+                                    <p:animScale>
+                                      <p:cBhvr>
+                                        <p:cTn id="15" dur="26">
+                                          <p:stCondLst>
+                                            <p:cond delay="1312"/>
+                                          </p:stCondLst>
+                                        </p:cTn>
+                                        <p:tgtEl>
+                                          <p:spTgt spid="9"/>
+                                        </p:tgtEl>
+                                      </p:cBhvr>
+                                      <p:to x="100000" y="80000"/>
+                                    </p:animScale>
+                                    <p:animScale>
+                                      <p:cBhvr>
+                                        <p:cTn id="16" dur="166" decel="50000">
+                                          <p:stCondLst>
+                                            <p:cond delay="1338"/>
+                                          </p:stCondLst>
+                                        </p:cTn>
+                                        <p:tgtEl>
+                                          <p:spTgt spid="9"/>
+                                        </p:tgtEl>
+                                      </p:cBhvr>
+                                      <p:to x="100000" y="100000"/>
+                                    </p:animScale>
+                                    <p:animScale>
+                                      <p:cBhvr>
+                                        <p:cTn id="17" dur="26">
+                                          <p:stCondLst>
+                                            <p:cond delay="1642"/>
+                                          </p:stCondLst>
+                                        </p:cTn>
+                                        <p:tgtEl>
+                                          <p:spTgt spid="9"/>
+                                        </p:tgtEl>
+                                      </p:cBhvr>
+                                      <p:to x="100000" y="90000"/>
+                                    </p:animScale>
+                                    <p:animScale>
+                                      <p:cBhvr>
+                                        <p:cTn id="18" dur="166" decel="50000">
+                                          <p:stCondLst>
+                                            <p:cond delay="1668"/>
+                                          </p:stCondLst>
+                                        </p:cTn>
+                                        <p:tgtEl>
+                                          <p:spTgt spid="9"/>
+                                        </p:tgtEl>
+                                      </p:cBhvr>
+                                      <p:to x="100000" y="100000"/>
+                                    </p:animScale>
+                                    <p:animScale>
+                                      <p:cBhvr>
+                                        <p:cTn id="19" dur="26">
+                                          <p:stCondLst>
+                                            <p:cond delay="1808"/>
+                                          </p:stCondLst>
+                                        </p:cTn>
+                                        <p:tgtEl>
+                                          <p:spTgt spid="9"/>
+                                        </p:tgtEl>
+                                      </p:cBhvr>
+                                      <p:to x="100000" y="95000"/>
+                                    </p:animScale>
+                                    <p:animScale>
+                                      <p:cBhvr>
+                                        <p:cTn id="20" dur="166" decel="50000">
+                                          <p:stCondLst>
+                                            <p:cond delay="1834"/>
+                                          </p:stCondLst>
+                                        </p:cTn>
+                                        <p:tgtEl>
+                                          <p:spTgt spid="9"/>
+                                        </p:tgtEl>
+                                      </p:cBhvr>
+                                      <p:to x="100000" y="100000"/>
+                                    </p:animScale>
+                                  </p:childTnLst>
+                                </p:cTn>
+                              </p:par>
+                            </p:childTnLst>
+                          </p:cTn>
+                        </p:par>
+                      </p:childTnLst>
+                    </p:cTn>
+                  </p:par>
+                </p:childTnLst>
+              </p:cTn>
+              <p:prevCondLst>
+                <p:cond evt="onPrev" delay="0">
+                  <p:tgtEl>
+                    <p:sldTgt/>
+                  </p:tgtEl>
+                </p:cond>
+              </p:prevCondLst>
+              <p:nextCondLst>
+                <p:cond evt="onNext" delay="0">
+                  <p:tgtEl>
+                    <p:sldTgt/>
+                  </p:tgtEl>
+                </p:cond>
+              </p:nextCondLst>
+            </p:seq>
+          </p:childTnLst>
+        </p:cTn>
       </p:par>
     </p:tnLst>
+    <p:bldLst>
+      <p:bldP spid="9" grpId="0" animBg="1"/>
+    </p:bldLst>
   </p:timing>
 </p:sld>
 </file>
@@ -5786,11 +6406,7 @@
             <a:pPr lvl="1"/>
             <a:r>
               <a:rPr lang="en-US" sz="2000" dirty="0" smtClean="0"/>
-              <a:t>What are the GPS coordinates where thing 1 was installed, who installed it, and when</a:t>
-            </a:r>
-            <a:r>
-              <a:rPr lang="en-US" sz="2000" dirty="0" smtClean="0"/>
-              <a:t>?</a:t>
+              <a:t>What are the GPS coordinates where thing 1 was installed, who installed it, and when?</a:t>
             </a:r>
           </a:p>
           <a:p>
@@ -5799,16 +6415,23 @@
               <a:rPr lang="en-US" sz="2000" dirty="0" smtClean="0"/>
               <a:t>When were the belts last changed on thing 1?</a:t>
             </a:r>
-            <a:endParaRPr lang="en-US" sz="2000" dirty="0" smtClean="0"/>
           </a:p>
           <a:p>
             <a:r>
               <a:rPr lang="en-US" dirty="0" smtClean="0"/>
-              <a:t>Join and Union with each other </a:t>
+              <a:t>Join and Union with each </a:t>
+            </a:r>
+            <a:r>
+              <a:rPr lang="en-US" dirty="0"/>
+              <a:t>other</a:t>
             </a:r>
           </a:p>
           <a:p>
             <a:pPr lvl="1"/>
+            <a:r>
+              <a:rPr lang="en-US" dirty="0" smtClean="0"/>
+              <a:t> </a:t>
+            </a:r>
             <a:r>
               <a:rPr lang="en-US" sz="2000" dirty="0" smtClean="0"/>
               <a:t>Build </a:t>
@@ -5822,8 +6445,8 @@
               <a:t>rankenstein thing </a:t>
             </a:r>
             <a:r>
-              <a:rPr lang="en-US" sz="2000" dirty="0" err="1" smtClean="0"/>
-              <a:t>monsterstr</a:t>
+              <a:rPr lang="en-US" sz="2000" dirty="0" smtClean="0"/>
+              <a:t>monsters</a:t>
             </a:r>
             <a:endParaRPr lang="en-US" sz="2000" dirty="0" smtClean="0"/>
           </a:p>
@@ -5849,13 +6472,8 @@
             </a:r>
             <a:r>
               <a:rPr lang="en-US" sz="2000" dirty="0" smtClean="0"/>
-              <a:t>or logging </a:t>
-            </a:r>
-            <a:r>
-              <a:rPr lang="en-US" sz="2000" dirty="0" smtClean="0"/>
-              <a:t>events</a:t>
-            </a:r>
-            <a:endParaRPr lang="en-US" sz="2000" dirty="0" smtClean="0"/>
+              <a:t>or logging events</a:t>
+            </a:r>
           </a:p>
           <a:p>
             <a:pPr marL="0" indent="0">
@@ -5936,7 +6554,574 @@
   <p:timing>
     <p:tnLst>
       <p:par>
-        <p:cTn xmlns:p14="http://schemas.microsoft.com/office/powerpoint/2010/main" id="1" dur="indefinite" restart="never" nodeType="tmRoot"/>
+        <p:cTn xmlns:p14="http://schemas.microsoft.com/office/powerpoint/2010/main" id="1" dur="indefinite" restart="never" nodeType="tmRoot">
+          <p:childTnLst>
+            <p:seq concurrent="1" nextAc="seek">
+              <p:cTn id="2" dur="indefinite" nodeType="mainSeq">
+                <p:childTnLst>
+                  <p:par>
+                    <p:cTn id="3" fill="hold">
+                      <p:stCondLst>
+                        <p:cond delay="indefinite"/>
+                      </p:stCondLst>
+                      <p:childTnLst>
+                        <p:par>
+                          <p:cTn id="4" fill="hold">
+                            <p:stCondLst>
+                              <p:cond delay="0"/>
+                            </p:stCondLst>
+                            <p:childTnLst>
+                              <p:par>
+                                <p:cTn id="5" presetID="10" presetClass="entr" presetSubtype="0" fill="hold" nodeType="clickEffect">
+                                  <p:stCondLst>
+                                    <p:cond delay="0"/>
+                                  </p:stCondLst>
+                                  <p:childTnLst>
+                                    <p:set>
+                                      <p:cBhvr>
+                                        <p:cTn id="6" dur="1" fill="hold">
+                                          <p:stCondLst>
+                                            <p:cond delay="0"/>
+                                          </p:stCondLst>
+                                        </p:cTn>
+                                        <p:tgtEl>
+                                          <p:spTgt spid="5">
+                                            <p:txEl>
+                                              <p:pRg st="0" end="0"/>
+                                            </p:txEl>
+                                          </p:spTgt>
+                                        </p:tgtEl>
+                                        <p:attrNameLst>
+                                          <p:attrName>style.visibility</p:attrName>
+                                        </p:attrNameLst>
+                                      </p:cBhvr>
+                                      <p:to>
+                                        <p:strVal val="visible"/>
+                                      </p:to>
+                                    </p:set>
+                                    <p:animEffect transition="in" filter="fade">
+                                      <p:cBhvr>
+                                        <p:cTn id="7" dur="500"/>
+                                        <p:tgtEl>
+                                          <p:spTgt spid="5">
+                                            <p:txEl>
+                                              <p:pRg st="0" end="0"/>
+                                            </p:txEl>
+                                          </p:spTgt>
+                                        </p:tgtEl>
+                                      </p:cBhvr>
+                                    </p:animEffect>
+                                  </p:childTnLst>
+                                </p:cTn>
+                              </p:par>
+                            </p:childTnLst>
+                          </p:cTn>
+                        </p:par>
+                      </p:childTnLst>
+                    </p:cTn>
+                  </p:par>
+                  <p:par>
+                    <p:cTn id="8" fill="hold">
+                      <p:stCondLst>
+                        <p:cond delay="indefinite"/>
+                      </p:stCondLst>
+                      <p:childTnLst>
+                        <p:par>
+                          <p:cTn id="9" fill="hold">
+                            <p:stCondLst>
+                              <p:cond delay="0"/>
+                            </p:stCondLst>
+                            <p:childTnLst>
+                              <p:par>
+                                <p:cTn id="10" presetID="10" presetClass="entr" presetSubtype="0" fill="hold" nodeType="clickEffect">
+                                  <p:stCondLst>
+                                    <p:cond delay="0"/>
+                                  </p:stCondLst>
+                                  <p:childTnLst>
+                                    <p:set>
+                                      <p:cBhvr>
+                                        <p:cTn id="11" dur="1" fill="hold">
+                                          <p:stCondLst>
+                                            <p:cond delay="0"/>
+                                          </p:stCondLst>
+                                        </p:cTn>
+                                        <p:tgtEl>
+                                          <p:spTgt spid="5">
+                                            <p:txEl>
+                                              <p:pRg st="1" end="1"/>
+                                            </p:txEl>
+                                          </p:spTgt>
+                                        </p:tgtEl>
+                                        <p:attrNameLst>
+                                          <p:attrName>style.visibility</p:attrName>
+                                        </p:attrNameLst>
+                                      </p:cBhvr>
+                                      <p:to>
+                                        <p:strVal val="visible"/>
+                                      </p:to>
+                                    </p:set>
+                                    <p:animEffect transition="in" filter="fade">
+                                      <p:cBhvr>
+                                        <p:cTn id="12" dur="500"/>
+                                        <p:tgtEl>
+                                          <p:spTgt spid="5">
+                                            <p:txEl>
+                                              <p:pRg st="1" end="1"/>
+                                            </p:txEl>
+                                          </p:spTgt>
+                                        </p:tgtEl>
+                                      </p:cBhvr>
+                                    </p:animEffect>
+                                  </p:childTnLst>
+                                </p:cTn>
+                              </p:par>
+                            </p:childTnLst>
+                          </p:cTn>
+                        </p:par>
+                      </p:childTnLst>
+                    </p:cTn>
+                  </p:par>
+                  <p:par>
+                    <p:cTn id="13" fill="hold">
+                      <p:stCondLst>
+                        <p:cond delay="indefinite"/>
+                      </p:stCondLst>
+                      <p:childTnLst>
+                        <p:par>
+                          <p:cTn id="14" fill="hold">
+                            <p:stCondLst>
+                              <p:cond delay="0"/>
+                            </p:stCondLst>
+                            <p:childTnLst>
+                              <p:par>
+                                <p:cTn id="15" presetID="10" presetClass="entr" presetSubtype="0" fill="hold" nodeType="clickEffect">
+                                  <p:stCondLst>
+                                    <p:cond delay="0"/>
+                                  </p:stCondLst>
+                                  <p:childTnLst>
+                                    <p:set>
+                                      <p:cBhvr>
+                                        <p:cTn id="16" dur="1" fill="hold">
+                                          <p:stCondLst>
+                                            <p:cond delay="0"/>
+                                          </p:stCondLst>
+                                        </p:cTn>
+                                        <p:tgtEl>
+                                          <p:spTgt spid="5">
+                                            <p:txEl>
+                                              <p:pRg st="2" end="2"/>
+                                            </p:txEl>
+                                          </p:spTgt>
+                                        </p:tgtEl>
+                                        <p:attrNameLst>
+                                          <p:attrName>style.visibility</p:attrName>
+                                        </p:attrNameLst>
+                                      </p:cBhvr>
+                                      <p:to>
+                                        <p:strVal val="visible"/>
+                                      </p:to>
+                                    </p:set>
+                                    <p:animEffect transition="in" filter="fade">
+                                      <p:cBhvr>
+                                        <p:cTn id="17" dur="500"/>
+                                        <p:tgtEl>
+                                          <p:spTgt spid="5">
+                                            <p:txEl>
+                                              <p:pRg st="2" end="2"/>
+                                            </p:txEl>
+                                          </p:spTgt>
+                                        </p:tgtEl>
+                                      </p:cBhvr>
+                                    </p:animEffect>
+                                  </p:childTnLst>
+                                </p:cTn>
+                              </p:par>
+                            </p:childTnLst>
+                          </p:cTn>
+                        </p:par>
+                      </p:childTnLst>
+                    </p:cTn>
+                  </p:par>
+                  <p:par>
+                    <p:cTn id="18" fill="hold">
+                      <p:stCondLst>
+                        <p:cond delay="indefinite"/>
+                      </p:stCondLst>
+                      <p:childTnLst>
+                        <p:par>
+                          <p:cTn id="19" fill="hold">
+                            <p:stCondLst>
+                              <p:cond delay="0"/>
+                            </p:stCondLst>
+                            <p:childTnLst>
+                              <p:par>
+                                <p:cTn id="20" presetID="10" presetClass="entr" presetSubtype="0" fill="hold" nodeType="clickEffect">
+                                  <p:stCondLst>
+                                    <p:cond delay="0"/>
+                                  </p:stCondLst>
+                                  <p:childTnLst>
+                                    <p:set>
+                                      <p:cBhvr>
+                                        <p:cTn id="21" dur="1" fill="hold">
+                                          <p:stCondLst>
+                                            <p:cond delay="0"/>
+                                          </p:stCondLst>
+                                        </p:cTn>
+                                        <p:tgtEl>
+                                          <p:spTgt spid="5">
+                                            <p:txEl>
+                                              <p:pRg st="3" end="3"/>
+                                            </p:txEl>
+                                          </p:spTgt>
+                                        </p:tgtEl>
+                                        <p:attrNameLst>
+                                          <p:attrName>style.visibility</p:attrName>
+                                        </p:attrNameLst>
+                                      </p:cBhvr>
+                                      <p:to>
+                                        <p:strVal val="visible"/>
+                                      </p:to>
+                                    </p:set>
+                                    <p:animEffect transition="in" filter="fade">
+                                      <p:cBhvr>
+                                        <p:cTn id="22" dur="500"/>
+                                        <p:tgtEl>
+                                          <p:spTgt spid="5">
+                                            <p:txEl>
+                                              <p:pRg st="3" end="3"/>
+                                            </p:txEl>
+                                          </p:spTgt>
+                                        </p:tgtEl>
+                                      </p:cBhvr>
+                                    </p:animEffect>
+                                  </p:childTnLst>
+                                </p:cTn>
+                              </p:par>
+                            </p:childTnLst>
+                          </p:cTn>
+                        </p:par>
+                      </p:childTnLst>
+                    </p:cTn>
+                  </p:par>
+                  <p:par>
+                    <p:cTn id="23" fill="hold">
+                      <p:stCondLst>
+                        <p:cond delay="indefinite"/>
+                      </p:stCondLst>
+                      <p:childTnLst>
+                        <p:par>
+                          <p:cTn id="24" fill="hold">
+                            <p:stCondLst>
+                              <p:cond delay="0"/>
+                            </p:stCondLst>
+                            <p:childTnLst>
+                              <p:par>
+                                <p:cTn id="25" presetID="1" presetClass="entr" presetSubtype="0" fill="hold" nodeType="clickEffect">
+                                  <p:stCondLst>
+                                    <p:cond delay="0"/>
+                                  </p:stCondLst>
+                                  <p:childTnLst>
+                                    <p:set>
+                                      <p:cBhvr>
+                                        <p:cTn id="26" dur="1" fill="hold">
+                                          <p:stCondLst>
+                                            <p:cond delay="0"/>
+                                          </p:stCondLst>
+                                        </p:cTn>
+                                        <p:tgtEl>
+                                          <p:spTgt spid="5">
+                                            <p:txEl>
+                                              <p:pRg st="4" end="4"/>
+                                            </p:txEl>
+                                          </p:spTgt>
+                                        </p:tgtEl>
+                                        <p:attrNameLst>
+                                          <p:attrName>style.visibility</p:attrName>
+                                        </p:attrNameLst>
+                                      </p:cBhvr>
+                                      <p:to>
+                                        <p:strVal val="visible"/>
+                                      </p:to>
+                                    </p:set>
+                                  </p:childTnLst>
+                                </p:cTn>
+                              </p:par>
+                              <p:par>
+                                <p:cTn id="27" presetID="1" presetClass="entr" presetSubtype="0" fill="hold" nodeType="withEffect">
+                                  <p:stCondLst>
+                                    <p:cond delay="0"/>
+                                  </p:stCondLst>
+                                  <p:childTnLst>
+                                    <p:set>
+                                      <p:cBhvr>
+                                        <p:cTn id="28" dur="1" fill="hold">
+                                          <p:stCondLst>
+                                            <p:cond delay="0"/>
+                                          </p:stCondLst>
+                                        </p:cTn>
+                                        <p:tgtEl>
+                                          <p:spTgt spid="5">
+                                            <p:txEl>
+                                              <p:pRg st="5" end="5"/>
+                                            </p:txEl>
+                                          </p:spTgt>
+                                        </p:tgtEl>
+                                        <p:attrNameLst>
+                                          <p:attrName>style.visibility</p:attrName>
+                                        </p:attrNameLst>
+                                      </p:cBhvr>
+                                      <p:to>
+                                        <p:strVal val="visible"/>
+                                      </p:to>
+                                    </p:set>
+                                  </p:childTnLst>
+                                </p:cTn>
+                              </p:par>
+                            </p:childTnLst>
+                          </p:cTn>
+                        </p:par>
+                      </p:childTnLst>
+                    </p:cTn>
+                  </p:par>
+                  <p:par>
+                    <p:cTn id="29" fill="hold">
+                      <p:stCondLst>
+                        <p:cond delay="indefinite"/>
+                      </p:stCondLst>
+                      <p:childTnLst>
+                        <p:par>
+                          <p:cTn id="30" fill="hold">
+                            <p:stCondLst>
+                              <p:cond delay="0"/>
+                            </p:stCondLst>
+                            <p:childTnLst>
+                              <p:par>
+                                <p:cTn id="31" presetID="10" presetClass="entr" presetSubtype="0" fill="hold" nodeType="clickEffect">
+                                  <p:stCondLst>
+                                    <p:cond delay="0"/>
+                                  </p:stCondLst>
+                                  <p:childTnLst>
+                                    <p:set>
+                                      <p:cBhvr>
+                                        <p:cTn id="32" dur="1" fill="hold">
+                                          <p:stCondLst>
+                                            <p:cond delay="0"/>
+                                          </p:stCondLst>
+                                        </p:cTn>
+                                        <p:tgtEl>
+                                          <p:spTgt spid="5">
+                                            <p:txEl>
+                                              <p:pRg st="6" end="6"/>
+                                            </p:txEl>
+                                          </p:spTgt>
+                                        </p:tgtEl>
+                                        <p:attrNameLst>
+                                          <p:attrName>style.visibility</p:attrName>
+                                        </p:attrNameLst>
+                                      </p:cBhvr>
+                                      <p:to>
+                                        <p:strVal val="visible"/>
+                                      </p:to>
+                                    </p:set>
+                                    <p:animEffect transition="in" filter="fade">
+                                      <p:cBhvr>
+                                        <p:cTn id="33" dur="500"/>
+                                        <p:tgtEl>
+                                          <p:spTgt spid="5">
+                                            <p:txEl>
+                                              <p:pRg st="6" end="6"/>
+                                            </p:txEl>
+                                          </p:spTgt>
+                                        </p:tgtEl>
+                                      </p:cBhvr>
+                                    </p:animEffect>
+                                  </p:childTnLst>
+                                </p:cTn>
+                              </p:par>
+                            </p:childTnLst>
+                          </p:cTn>
+                        </p:par>
+                      </p:childTnLst>
+                    </p:cTn>
+                  </p:par>
+                  <p:par>
+                    <p:cTn id="34" fill="hold">
+                      <p:stCondLst>
+                        <p:cond delay="indefinite"/>
+                      </p:stCondLst>
+                      <p:childTnLst>
+                        <p:par>
+                          <p:cTn id="35" fill="hold">
+                            <p:stCondLst>
+                              <p:cond delay="0"/>
+                            </p:stCondLst>
+                            <p:childTnLst>
+                              <p:par>
+                                <p:cTn id="36" presetID="1" presetClass="entr" presetSubtype="0" fill="hold" nodeType="clickEffect">
+                                  <p:stCondLst>
+                                    <p:cond delay="0"/>
+                                  </p:stCondLst>
+                                  <p:childTnLst>
+                                    <p:set>
+                                      <p:cBhvr>
+                                        <p:cTn id="37" dur="1" fill="hold">
+                                          <p:stCondLst>
+                                            <p:cond delay="0"/>
+                                          </p:stCondLst>
+                                        </p:cTn>
+                                        <p:tgtEl>
+                                          <p:spTgt spid="5">
+                                            <p:txEl>
+                                              <p:pRg st="7" end="7"/>
+                                            </p:txEl>
+                                          </p:spTgt>
+                                        </p:tgtEl>
+                                        <p:attrNameLst>
+                                          <p:attrName>style.visibility</p:attrName>
+                                        </p:attrNameLst>
+                                      </p:cBhvr>
+                                      <p:to>
+                                        <p:strVal val="visible"/>
+                                      </p:to>
+                                    </p:set>
+                                  </p:childTnLst>
+                                </p:cTn>
+                              </p:par>
+                            </p:childTnLst>
+                          </p:cTn>
+                        </p:par>
+                      </p:childTnLst>
+                    </p:cTn>
+                  </p:par>
+                  <p:par>
+                    <p:cTn id="38" fill="hold">
+                      <p:stCondLst>
+                        <p:cond delay="indefinite"/>
+                      </p:stCondLst>
+                      <p:childTnLst>
+                        <p:par>
+                          <p:cTn id="39" fill="hold">
+                            <p:stCondLst>
+                              <p:cond delay="0"/>
+                            </p:stCondLst>
+                            <p:childTnLst>
+                              <p:par>
+                                <p:cTn id="40" presetID="10" presetClass="entr" presetSubtype="0" fill="hold" nodeType="clickEffect">
+                                  <p:stCondLst>
+                                    <p:cond delay="0"/>
+                                  </p:stCondLst>
+                                  <p:childTnLst>
+                                    <p:set>
+                                      <p:cBhvr>
+                                        <p:cTn id="41" dur="1" fill="hold">
+                                          <p:stCondLst>
+                                            <p:cond delay="0"/>
+                                          </p:stCondLst>
+                                        </p:cTn>
+                                        <p:tgtEl>
+                                          <p:spTgt spid="5">
+                                            <p:txEl>
+                                              <p:pRg st="8" end="8"/>
+                                            </p:txEl>
+                                          </p:spTgt>
+                                        </p:tgtEl>
+                                        <p:attrNameLst>
+                                          <p:attrName>style.visibility</p:attrName>
+                                        </p:attrNameLst>
+                                      </p:cBhvr>
+                                      <p:to>
+                                        <p:strVal val="visible"/>
+                                      </p:to>
+                                    </p:set>
+                                    <p:animEffect transition="in" filter="fade">
+                                      <p:cBhvr>
+                                        <p:cTn id="42" dur="500"/>
+                                        <p:tgtEl>
+                                          <p:spTgt spid="5">
+                                            <p:txEl>
+                                              <p:pRg st="8" end="8"/>
+                                            </p:txEl>
+                                          </p:spTgt>
+                                        </p:tgtEl>
+                                      </p:cBhvr>
+                                    </p:animEffect>
+                                  </p:childTnLst>
+                                </p:cTn>
+                              </p:par>
+                            </p:childTnLst>
+                          </p:cTn>
+                        </p:par>
+                      </p:childTnLst>
+                    </p:cTn>
+                  </p:par>
+                  <p:par>
+                    <p:cTn id="43" fill="hold">
+                      <p:stCondLst>
+                        <p:cond delay="indefinite"/>
+                      </p:stCondLst>
+                      <p:childTnLst>
+                        <p:par>
+                          <p:cTn id="44" fill="hold">
+                            <p:stCondLst>
+                              <p:cond delay="0"/>
+                            </p:stCondLst>
+                            <p:childTnLst>
+                              <p:par>
+                                <p:cTn id="45" presetID="1" presetClass="entr" presetSubtype="0" fill="hold" nodeType="clickEffect">
+                                  <p:stCondLst>
+                                    <p:cond delay="0"/>
+                                  </p:stCondLst>
+                                  <p:childTnLst>
+                                    <p:set>
+                                      <p:cBhvr>
+                                        <p:cTn id="46" dur="1" fill="hold">
+                                          <p:stCondLst>
+                                            <p:cond delay="0"/>
+                                          </p:stCondLst>
+                                        </p:cTn>
+                                        <p:tgtEl>
+                                          <p:spTgt spid="5">
+                                            <p:txEl>
+                                              <p:pRg st="9" end="9"/>
+                                            </p:txEl>
+                                          </p:spTgt>
+                                        </p:tgtEl>
+                                        <p:attrNameLst>
+                                          <p:attrName>style.visibility</p:attrName>
+                                        </p:attrNameLst>
+                                      </p:cBhvr>
+                                      <p:to>
+                                        <p:strVal val="visible"/>
+                                      </p:to>
+                                    </p:set>
+                                  </p:childTnLst>
+                                </p:cTn>
+                              </p:par>
+                            </p:childTnLst>
+                          </p:cTn>
+                        </p:par>
+                      </p:childTnLst>
+                    </p:cTn>
+                  </p:par>
+                </p:childTnLst>
+              </p:cTn>
+              <p:prevCondLst>
+                <p:cond evt="onPrev" delay="0">
+                  <p:tgtEl>
+                    <p:sldTgt/>
+                  </p:tgtEl>
+                </p:cond>
+              </p:prevCondLst>
+              <p:nextCondLst>
+                <p:cond evt="onNext" delay="0">
+                  <p:tgtEl>
+                    <p:sldTgt/>
+                  </p:tgtEl>
+                </p:cond>
+              </p:nextCondLst>
+            </p:seq>
+          </p:childTnLst>
+        </p:cTn>
       </p:par>
     </p:tnLst>
   </p:timing>
@@ -6475,14 +7660,12 @@
               <a:rPr lang="en-US" sz="2800" dirty="0" smtClean="0"/>
               <a:t>UPDATE</a:t>
             </a:r>
-            <a:endParaRPr lang="en-US" sz="2800" dirty="0" smtClean="0"/>
           </a:p>
           <a:p>
             <a:r>
               <a:rPr lang="en-US" sz="2800" dirty="0" smtClean="0"/>
               <a:t>INSERT</a:t>
             </a:r>
-            <a:endParaRPr lang="en-US" sz="2800" dirty="0" smtClean="0"/>
           </a:p>
           <a:p>
             <a:r>
@@ -6616,45 +7799,7 @@
                 <a:latin typeface="+mn-lt"/>
                 <a:sym typeface="Open Sans"/>
               </a:rPr>
-              <a:t> these </a:t>
-            </a:r>
-            <a:r>
-              <a:rPr kumimoji="0" lang="en-US" sz="2800" b="1" i="0" u="none" strike="noStrike" cap="none" spc="0" normalizeH="0" dirty="0" smtClean="0">
-                <a:ln>
-                  <a:noFill/>
-                </a:ln>
-                <a:solidFill>
-                  <a:schemeClr val="tx1"/>
-                </a:solidFill>
-                <a:effectLst/>
-                <a:uFill>
-                  <a:solidFill>
-                    <a:srgbClr val="000000"/>
-                  </a:solidFill>
-                </a:uFill>
-                <a:latin typeface="+mn-lt"/>
-                <a:sym typeface="Open Sans"/>
-              </a:rPr>
-              <a:t>Database </a:t>
-            </a:r>
-            <a:r>
-              <a:rPr kumimoji="0" lang="en-US" sz="2800" b="1" i="0" u="none" strike="noStrike" cap="none" spc="0" normalizeH="0" dirty="0" smtClean="0">
-                <a:ln>
-                  <a:noFill/>
-                </a:ln>
-                <a:solidFill>
-                  <a:schemeClr val="tx1"/>
-                </a:solidFill>
-                <a:effectLst/>
-                <a:uFill>
-                  <a:solidFill>
-                    <a:srgbClr val="000000"/>
-                  </a:solidFill>
-                </a:uFill>
-                <a:latin typeface="+mn-lt"/>
-                <a:sym typeface="Open Sans"/>
-              </a:rPr>
-              <a:t>Functions:</a:t>
+              <a:t> these Database Functions:</a:t>
             </a:r>
             <a:endParaRPr kumimoji="0" lang="en-US" sz="2800" b="1" i="0" u="none" strike="noStrike" cap="none" spc="0" normalizeH="0" baseline="0" dirty="0" smtClean="0">
               <a:ln>
@@ -6684,7 +7829,7 @@
         <p:spPr>
           <a:xfrm>
             <a:off x="939800" y="7927334"/>
-            <a:ext cx="7519336" cy="533479"/>
+            <a:ext cx="10370703" cy="533479"/>
           </a:xfrm>
           <a:prstGeom prst="rect">
             <a:avLst/>
@@ -6770,7 +7915,28 @@
                 <a:cs typeface="Open Sans"/>
                 <a:sym typeface="Open Sans"/>
               </a:rPr>
-              <a:t> else takes place in the database.</a:t>
+              <a:t> else takes place in the </a:t>
+            </a:r>
+            <a:r>
+              <a:rPr kumimoji="0" lang="en-US" sz="2800" b="1" i="0" u="none" strike="noStrike" cap="none" spc="0" normalizeH="0" dirty="0" smtClean="0">
+                <a:ln>
+                  <a:noFill/>
+                </a:ln>
+                <a:solidFill>
+                  <a:schemeClr val="tx1"/>
+                </a:solidFill>
+                <a:effectLst/>
+                <a:uFill>
+                  <a:solidFill>
+                    <a:srgbClr val="000000"/>
+                  </a:solidFill>
+                </a:uFill>
+                <a:latin typeface="+mn-lt"/>
+                <a:ea typeface="Open Sans"/>
+                <a:cs typeface="Open Sans"/>
+                <a:sym typeface="Open Sans"/>
+              </a:rPr>
+              <a:t>database (or in Multicorn).</a:t>
             </a:r>
             <a:endParaRPr kumimoji="0" lang="en-US" sz="2800" b="1" i="0" u="none" strike="noStrike" cap="none" spc="0" normalizeH="0" baseline="0" dirty="0" smtClean="0">
               <a:ln>
@@ -6977,9 +8143,1002 @@
   <p:timing>
     <p:tnLst>
       <p:par>
-        <p:cTn xmlns:p14="http://schemas.microsoft.com/office/powerpoint/2010/main" id="1" dur="indefinite" restart="never" nodeType="tmRoot"/>
+        <p:cTn xmlns:p14="http://schemas.microsoft.com/office/powerpoint/2010/main" id="1" dur="indefinite" restart="never" nodeType="tmRoot">
+          <p:childTnLst>
+            <p:seq concurrent="1" nextAc="seek">
+              <p:cTn id="2" dur="indefinite" nodeType="mainSeq">
+                <p:childTnLst>
+                  <p:par>
+                    <p:cTn id="3" fill="hold">
+                      <p:stCondLst>
+                        <p:cond delay="indefinite"/>
+                      </p:stCondLst>
+                      <p:childTnLst>
+                        <p:par>
+                          <p:cTn id="4" fill="hold">
+                            <p:stCondLst>
+                              <p:cond delay="0"/>
+                            </p:stCondLst>
+                            <p:childTnLst>
+                              <p:par>
+                                <p:cTn id="5" presetID="37" presetClass="entr" presetSubtype="0" fill="hold" nodeType="clickEffect">
+                                  <p:stCondLst>
+                                    <p:cond delay="0"/>
+                                  </p:stCondLst>
+                                  <p:childTnLst>
+                                    <p:set>
+                                      <p:cBhvr>
+                                        <p:cTn id="6" dur="1" fill="hold">
+                                          <p:stCondLst>
+                                            <p:cond delay="0"/>
+                                          </p:stCondLst>
+                                        </p:cTn>
+                                        <p:tgtEl>
+                                          <p:spTgt spid="9">
+                                            <p:txEl>
+                                              <p:pRg st="0" end="0"/>
+                                            </p:txEl>
+                                          </p:spTgt>
+                                        </p:tgtEl>
+                                        <p:attrNameLst>
+                                          <p:attrName>style.visibility</p:attrName>
+                                        </p:attrNameLst>
+                                      </p:cBhvr>
+                                      <p:to>
+                                        <p:strVal val="visible"/>
+                                      </p:to>
+                                    </p:set>
+                                    <p:animEffect transition="in" filter="fade">
+                                      <p:cBhvr>
+                                        <p:cTn id="7" dur="1000"/>
+                                        <p:tgtEl>
+                                          <p:spTgt spid="9">
+                                            <p:txEl>
+                                              <p:pRg st="0" end="0"/>
+                                            </p:txEl>
+                                          </p:spTgt>
+                                        </p:tgtEl>
+                                      </p:cBhvr>
+                                    </p:animEffect>
+                                    <p:anim calcmode="lin" valueType="num">
+                                      <p:cBhvr>
+                                        <p:cTn id="8" dur="1000" fill="hold"/>
+                                        <p:tgtEl>
+                                          <p:spTgt spid="9">
+                                            <p:txEl>
+                                              <p:pRg st="0" end="0"/>
+                                            </p:txEl>
+                                          </p:spTgt>
+                                        </p:tgtEl>
+                                        <p:attrNameLst>
+                                          <p:attrName>ppt_x</p:attrName>
+                                        </p:attrNameLst>
+                                      </p:cBhvr>
+                                      <p:tavLst>
+                                        <p:tav tm="0">
+                                          <p:val>
+                                            <p:strVal val="#ppt_x"/>
+                                          </p:val>
+                                        </p:tav>
+                                        <p:tav tm="100000">
+                                          <p:val>
+                                            <p:strVal val="#ppt_x"/>
+                                          </p:val>
+                                        </p:tav>
+                                      </p:tavLst>
+                                    </p:anim>
+                                    <p:anim calcmode="lin" valueType="num">
+                                      <p:cBhvr>
+                                        <p:cTn id="9" dur="900" decel="100000" fill="hold"/>
+                                        <p:tgtEl>
+                                          <p:spTgt spid="9">
+                                            <p:txEl>
+                                              <p:pRg st="0" end="0"/>
+                                            </p:txEl>
+                                          </p:spTgt>
+                                        </p:tgtEl>
+                                        <p:attrNameLst>
+                                          <p:attrName>ppt_y</p:attrName>
+                                        </p:attrNameLst>
+                                      </p:cBhvr>
+                                      <p:tavLst>
+                                        <p:tav tm="0">
+                                          <p:val>
+                                            <p:strVal val="#ppt_y+1"/>
+                                          </p:val>
+                                        </p:tav>
+                                        <p:tav tm="100000">
+                                          <p:val>
+                                            <p:strVal val="#ppt_y-.03"/>
+                                          </p:val>
+                                        </p:tav>
+                                      </p:tavLst>
+                                    </p:anim>
+                                    <p:anim calcmode="lin" valueType="num">
+                                      <p:cBhvr>
+                                        <p:cTn id="10" dur="100" accel="100000" fill="hold">
+                                          <p:stCondLst>
+                                            <p:cond delay="900"/>
+                                          </p:stCondLst>
+                                        </p:cTn>
+                                        <p:tgtEl>
+                                          <p:spTgt spid="9">
+                                            <p:txEl>
+                                              <p:pRg st="0" end="0"/>
+                                            </p:txEl>
+                                          </p:spTgt>
+                                        </p:tgtEl>
+                                        <p:attrNameLst>
+                                          <p:attrName>ppt_y</p:attrName>
+                                        </p:attrNameLst>
+                                      </p:cBhvr>
+                                      <p:tavLst>
+                                        <p:tav tm="0">
+                                          <p:val>
+                                            <p:strVal val="#ppt_y-.03"/>
+                                          </p:val>
+                                        </p:tav>
+                                        <p:tav tm="100000">
+                                          <p:val>
+                                            <p:strVal val="#ppt_y"/>
+                                          </p:val>
+                                        </p:tav>
+                                      </p:tavLst>
+                                    </p:anim>
+                                  </p:childTnLst>
+                                </p:cTn>
+                              </p:par>
+                            </p:childTnLst>
+                          </p:cTn>
+                        </p:par>
+                      </p:childTnLst>
+                    </p:cTn>
+                  </p:par>
+                  <p:par>
+                    <p:cTn id="11" fill="hold">
+                      <p:stCondLst>
+                        <p:cond delay="indefinite"/>
+                      </p:stCondLst>
+                      <p:childTnLst>
+                        <p:par>
+                          <p:cTn id="12" fill="hold">
+                            <p:stCondLst>
+                              <p:cond delay="0"/>
+                            </p:stCondLst>
+                            <p:childTnLst>
+                              <p:par>
+                                <p:cTn id="13" presetID="37" presetClass="entr" presetSubtype="0" fill="hold" nodeType="clickEffect">
+                                  <p:stCondLst>
+                                    <p:cond delay="0"/>
+                                  </p:stCondLst>
+                                  <p:childTnLst>
+                                    <p:set>
+                                      <p:cBhvr>
+                                        <p:cTn id="14" dur="1" fill="hold">
+                                          <p:stCondLst>
+                                            <p:cond delay="0"/>
+                                          </p:stCondLst>
+                                        </p:cTn>
+                                        <p:tgtEl>
+                                          <p:spTgt spid="9">
+                                            <p:txEl>
+                                              <p:pRg st="1" end="1"/>
+                                            </p:txEl>
+                                          </p:spTgt>
+                                        </p:tgtEl>
+                                        <p:attrNameLst>
+                                          <p:attrName>style.visibility</p:attrName>
+                                        </p:attrNameLst>
+                                      </p:cBhvr>
+                                      <p:to>
+                                        <p:strVal val="visible"/>
+                                      </p:to>
+                                    </p:set>
+                                    <p:animEffect transition="in" filter="fade">
+                                      <p:cBhvr>
+                                        <p:cTn id="15" dur="1000"/>
+                                        <p:tgtEl>
+                                          <p:spTgt spid="9">
+                                            <p:txEl>
+                                              <p:pRg st="1" end="1"/>
+                                            </p:txEl>
+                                          </p:spTgt>
+                                        </p:tgtEl>
+                                      </p:cBhvr>
+                                    </p:animEffect>
+                                    <p:anim calcmode="lin" valueType="num">
+                                      <p:cBhvr>
+                                        <p:cTn id="16" dur="1000" fill="hold"/>
+                                        <p:tgtEl>
+                                          <p:spTgt spid="9">
+                                            <p:txEl>
+                                              <p:pRg st="1" end="1"/>
+                                            </p:txEl>
+                                          </p:spTgt>
+                                        </p:tgtEl>
+                                        <p:attrNameLst>
+                                          <p:attrName>ppt_x</p:attrName>
+                                        </p:attrNameLst>
+                                      </p:cBhvr>
+                                      <p:tavLst>
+                                        <p:tav tm="0">
+                                          <p:val>
+                                            <p:strVal val="#ppt_x"/>
+                                          </p:val>
+                                        </p:tav>
+                                        <p:tav tm="100000">
+                                          <p:val>
+                                            <p:strVal val="#ppt_x"/>
+                                          </p:val>
+                                        </p:tav>
+                                      </p:tavLst>
+                                    </p:anim>
+                                    <p:anim calcmode="lin" valueType="num">
+                                      <p:cBhvr>
+                                        <p:cTn id="17" dur="900" decel="100000" fill="hold"/>
+                                        <p:tgtEl>
+                                          <p:spTgt spid="9">
+                                            <p:txEl>
+                                              <p:pRg st="1" end="1"/>
+                                            </p:txEl>
+                                          </p:spTgt>
+                                        </p:tgtEl>
+                                        <p:attrNameLst>
+                                          <p:attrName>ppt_y</p:attrName>
+                                        </p:attrNameLst>
+                                      </p:cBhvr>
+                                      <p:tavLst>
+                                        <p:tav tm="0">
+                                          <p:val>
+                                            <p:strVal val="#ppt_y+1"/>
+                                          </p:val>
+                                        </p:tav>
+                                        <p:tav tm="100000">
+                                          <p:val>
+                                            <p:strVal val="#ppt_y-.03"/>
+                                          </p:val>
+                                        </p:tav>
+                                      </p:tavLst>
+                                    </p:anim>
+                                    <p:anim calcmode="lin" valueType="num">
+                                      <p:cBhvr>
+                                        <p:cTn id="18" dur="100" accel="100000" fill="hold">
+                                          <p:stCondLst>
+                                            <p:cond delay="900"/>
+                                          </p:stCondLst>
+                                        </p:cTn>
+                                        <p:tgtEl>
+                                          <p:spTgt spid="9">
+                                            <p:txEl>
+                                              <p:pRg st="1" end="1"/>
+                                            </p:txEl>
+                                          </p:spTgt>
+                                        </p:tgtEl>
+                                        <p:attrNameLst>
+                                          <p:attrName>ppt_y</p:attrName>
+                                        </p:attrNameLst>
+                                      </p:cBhvr>
+                                      <p:tavLst>
+                                        <p:tav tm="0">
+                                          <p:val>
+                                            <p:strVal val="#ppt_y-.03"/>
+                                          </p:val>
+                                        </p:tav>
+                                        <p:tav tm="100000">
+                                          <p:val>
+                                            <p:strVal val="#ppt_y"/>
+                                          </p:val>
+                                        </p:tav>
+                                      </p:tavLst>
+                                    </p:anim>
+                                  </p:childTnLst>
+                                </p:cTn>
+                              </p:par>
+                            </p:childTnLst>
+                          </p:cTn>
+                        </p:par>
+                      </p:childTnLst>
+                    </p:cTn>
+                  </p:par>
+                  <p:par>
+                    <p:cTn id="19" fill="hold">
+                      <p:stCondLst>
+                        <p:cond delay="indefinite"/>
+                      </p:stCondLst>
+                      <p:childTnLst>
+                        <p:par>
+                          <p:cTn id="20" fill="hold">
+                            <p:stCondLst>
+                              <p:cond delay="0"/>
+                            </p:stCondLst>
+                            <p:childTnLst>
+                              <p:par>
+                                <p:cTn id="21" presetID="37" presetClass="entr" presetSubtype="0" fill="hold" nodeType="clickEffect">
+                                  <p:stCondLst>
+                                    <p:cond delay="0"/>
+                                  </p:stCondLst>
+                                  <p:childTnLst>
+                                    <p:set>
+                                      <p:cBhvr>
+                                        <p:cTn id="22" dur="1" fill="hold">
+                                          <p:stCondLst>
+                                            <p:cond delay="0"/>
+                                          </p:stCondLst>
+                                        </p:cTn>
+                                        <p:tgtEl>
+                                          <p:spTgt spid="9">
+                                            <p:txEl>
+                                              <p:pRg st="2" end="2"/>
+                                            </p:txEl>
+                                          </p:spTgt>
+                                        </p:tgtEl>
+                                        <p:attrNameLst>
+                                          <p:attrName>style.visibility</p:attrName>
+                                        </p:attrNameLst>
+                                      </p:cBhvr>
+                                      <p:to>
+                                        <p:strVal val="visible"/>
+                                      </p:to>
+                                    </p:set>
+                                    <p:animEffect transition="in" filter="fade">
+                                      <p:cBhvr>
+                                        <p:cTn id="23" dur="1000"/>
+                                        <p:tgtEl>
+                                          <p:spTgt spid="9">
+                                            <p:txEl>
+                                              <p:pRg st="2" end="2"/>
+                                            </p:txEl>
+                                          </p:spTgt>
+                                        </p:tgtEl>
+                                      </p:cBhvr>
+                                    </p:animEffect>
+                                    <p:anim calcmode="lin" valueType="num">
+                                      <p:cBhvr>
+                                        <p:cTn id="24" dur="1000" fill="hold"/>
+                                        <p:tgtEl>
+                                          <p:spTgt spid="9">
+                                            <p:txEl>
+                                              <p:pRg st="2" end="2"/>
+                                            </p:txEl>
+                                          </p:spTgt>
+                                        </p:tgtEl>
+                                        <p:attrNameLst>
+                                          <p:attrName>ppt_x</p:attrName>
+                                        </p:attrNameLst>
+                                      </p:cBhvr>
+                                      <p:tavLst>
+                                        <p:tav tm="0">
+                                          <p:val>
+                                            <p:strVal val="#ppt_x"/>
+                                          </p:val>
+                                        </p:tav>
+                                        <p:tav tm="100000">
+                                          <p:val>
+                                            <p:strVal val="#ppt_x"/>
+                                          </p:val>
+                                        </p:tav>
+                                      </p:tavLst>
+                                    </p:anim>
+                                    <p:anim calcmode="lin" valueType="num">
+                                      <p:cBhvr>
+                                        <p:cTn id="25" dur="900" decel="100000" fill="hold"/>
+                                        <p:tgtEl>
+                                          <p:spTgt spid="9">
+                                            <p:txEl>
+                                              <p:pRg st="2" end="2"/>
+                                            </p:txEl>
+                                          </p:spTgt>
+                                        </p:tgtEl>
+                                        <p:attrNameLst>
+                                          <p:attrName>ppt_y</p:attrName>
+                                        </p:attrNameLst>
+                                      </p:cBhvr>
+                                      <p:tavLst>
+                                        <p:tav tm="0">
+                                          <p:val>
+                                            <p:strVal val="#ppt_y+1"/>
+                                          </p:val>
+                                        </p:tav>
+                                        <p:tav tm="100000">
+                                          <p:val>
+                                            <p:strVal val="#ppt_y-.03"/>
+                                          </p:val>
+                                        </p:tav>
+                                      </p:tavLst>
+                                    </p:anim>
+                                    <p:anim calcmode="lin" valueType="num">
+                                      <p:cBhvr>
+                                        <p:cTn id="26" dur="100" accel="100000" fill="hold">
+                                          <p:stCondLst>
+                                            <p:cond delay="900"/>
+                                          </p:stCondLst>
+                                        </p:cTn>
+                                        <p:tgtEl>
+                                          <p:spTgt spid="9">
+                                            <p:txEl>
+                                              <p:pRg st="2" end="2"/>
+                                            </p:txEl>
+                                          </p:spTgt>
+                                        </p:tgtEl>
+                                        <p:attrNameLst>
+                                          <p:attrName>ppt_y</p:attrName>
+                                        </p:attrNameLst>
+                                      </p:cBhvr>
+                                      <p:tavLst>
+                                        <p:tav tm="0">
+                                          <p:val>
+                                            <p:strVal val="#ppt_y-.03"/>
+                                          </p:val>
+                                        </p:tav>
+                                        <p:tav tm="100000">
+                                          <p:val>
+                                            <p:strVal val="#ppt_y"/>
+                                          </p:val>
+                                        </p:tav>
+                                      </p:tavLst>
+                                    </p:anim>
+                                  </p:childTnLst>
+                                </p:cTn>
+                              </p:par>
+                              <p:par>
+                                <p:cTn id="27" presetID="37" presetClass="entr" presetSubtype="0" fill="hold" nodeType="withEffect">
+                                  <p:stCondLst>
+                                    <p:cond delay="0"/>
+                                  </p:stCondLst>
+                                  <p:childTnLst>
+                                    <p:set>
+                                      <p:cBhvr>
+                                        <p:cTn id="28" dur="1" fill="hold">
+                                          <p:stCondLst>
+                                            <p:cond delay="0"/>
+                                          </p:stCondLst>
+                                        </p:cTn>
+                                        <p:tgtEl>
+                                          <p:spTgt spid="9">
+                                            <p:txEl>
+                                              <p:pRg st="3" end="3"/>
+                                            </p:txEl>
+                                          </p:spTgt>
+                                        </p:tgtEl>
+                                        <p:attrNameLst>
+                                          <p:attrName>style.visibility</p:attrName>
+                                        </p:attrNameLst>
+                                      </p:cBhvr>
+                                      <p:to>
+                                        <p:strVal val="visible"/>
+                                      </p:to>
+                                    </p:set>
+                                    <p:animEffect transition="in" filter="fade">
+                                      <p:cBhvr>
+                                        <p:cTn id="29" dur="1000"/>
+                                        <p:tgtEl>
+                                          <p:spTgt spid="9">
+                                            <p:txEl>
+                                              <p:pRg st="3" end="3"/>
+                                            </p:txEl>
+                                          </p:spTgt>
+                                        </p:tgtEl>
+                                      </p:cBhvr>
+                                    </p:animEffect>
+                                    <p:anim calcmode="lin" valueType="num">
+                                      <p:cBhvr>
+                                        <p:cTn id="30" dur="1000" fill="hold"/>
+                                        <p:tgtEl>
+                                          <p:spTgt spid="9">
+                                            <p:txEl>
+                                              <p:pRg st="3" end="3"/>
+                                            </p:txEl>
+                                          </p:spTgt>
+                                        </p:tgtEl>
+                                        <p:attrNameLst>
+                                          <p:attrName>ppt_x</p:attrName>
+                                        </p:attrNameLst>
+                                      </p:cBhvr>
+                                      <p:tavLst>
+                                        <p:tav tm="0">
+                                          <p:val>
+                                            <p:strVal val="#ppt_x"/>
+                                          </p:val>
+                                        </p:tav>
+                                        <p:tav tm="100000">
+                                          <p:val>
+                                            <p:strVal val="#ppt_x"/>
+                                          </p:val>
+                                        </p:tav>
+                                      </p:tavLst>
+                                    </p:anim>
+                                    <p:anim calcmode="lin" valueType="num">
+                                      <p:cBhvr>
+                                        <p:cTn id="31" dur="900" decel="100000" fill="hold"/>
+                                        <p:tgtEl>
+                                          <p:spTgt spid="9">
+                                            <p:txEl>
+                                              <p:pRg st="3" end="3"/>
+                                            </p:txEl>
+                                          </p:spTgt>
+                                        </p:tgtEl>
+                                        <p:attrNameLst>
+                                          <p:attrName>ppt_y</p:attrName>
+                                        </p:attrNameLst>
+                                      </p:cBhvr>
+                                      <p:tavLst>
+                                        <p:tav tm="0">
+                                          <p:val>
+                                            <p:strVal val="#ppt_y+1"/>
+                                          </p:val>
+                                        </p:tav>
+                                        <p:tav tm="100000">
+                                          <p:val>
+                                            <p:strVal val="#ppt_y-.03"/>
+                                          </p:val>
+                                        </p:tav>
+                                      </p:tavLst>
+                                    </p:anim>
+                                    <p:anim calcmode="lin" valueType="num">
+                                      <p:cBhvr>
+                                        <p:cTn id="32" dur="100" accel="100000" fill="hold">
+                                          <p:stCondLst>
+                                            <p:cond delay="900"/>
+                                          </p:stCondLst>
+                                        </p:cTn>
+                                        <p:tgtEl>
+                                          <p:spTgt spid="9">
+                                            <p:txEl>
+                                              <p:pRg st="3" end="3"/>
+                                            </p:txEl>
+                                          </p:spTgt>
+                                        </p:tgtEl>
+                                        <p:attrNameLst>
+                                          <p:attrName>ppt_y</p:attrName>
+                                        </p:attrNameLst>
+                                      </p:cBhvr>
+                                      <p:tavLst>
+                                        <p:tav tm="0">
+                                          <p:val>
+                                            <p:strVal val="#ppt_y-.03"/>
+                                          </p:val>
+                                        </p:tav>
+                                        <p:tav tm="100000">
+                                          <p:val>
+                                            <p:strVal val="#ppt_y"/>
+                                          </p:val>
+                                        </p:tav>
+                                      </p:tavLst>
+                                    </p:anim>
+                                  </p:childTnLst>
+                                </p:cTn>
+                              </p:par>
+                            </p:childTnLst>
+                          </p:cTn>
+                        </p:par>
+                      </p:childTnLst>
+                    </p:cTn>
+                  </p:par>
+                  <p:par>
+                    <p:cTn id="33" fill="hold">
+                      <p:stCondLst>
+                        <p:cond delay="indefinite"/>
+                      </p:stCondLst>
+                      <p:childTnLst>
+                        <p:par>
+                          <p:cTn id="34" fill="hold">
+                            <p:stCondLst>
+                              <p:cond delay="0"/>
+                            </p:stCondLst>
+                            <p:childTnLst>
+                              <p:par>
+                                <p:cTn id="35" presetID="41" presetClass="entr" presetSubtype="0" fill="hold" nodeType="clickEffect">
+                                  <p:stCondLst>
+                                    <p:cond delay="0"/>
+                                  </p:stCondLst>
+                                  <p:iterate type="lt">
+                                    <p:tmPct val="10000"/>
+                                  </p:iterate>
+                                  <p:childTnLst>
+                                    <p:set>
+                                      <p:cBhvr>
+                                        <p:cTn id="36" dur="1" fill="hold">
+                                          <p:stCondLst>
+                                            <p:cond delay="0"/>
+                                          </p:stCondLst>
+                                        </p:cTn>
+                                        <p:tgtEl>
+                                          <p:spTgt spid="9">
+                                            <p:txEl>
+                                              <p:pRg st="5" end="5"/>
+                                            </p:txEl>
+                                          </p:spTgt>
+                                        </p:tgtEl>
+                                        <p:attrNameLst>
+                                          <p:attrName>style.visibility</p:attrName>
+                                        </p:attrNameLst>
+                                      </p:cBhvr>
+                                      <p:to>
+                                        <p:strVal val="visible"/>
+                                      </p:to>
+                                    </p:set>
+                                    <p:anim calcmode="lin" valueType="num">
+                                      <p:cBhvr>
+                                        <p:cTn id="37" dur="500" fill="hold"/>
+                                        <p:tgtEl>
+                                          <p:spTgt spid="9">
+                                            <p:txEl>
+                                              <p:pRg st="5" end="5"/>
+                                            </p:txEl>
+                                          </p:spTgt>
+                                        </p:tgtEl>
+                                        <p:attrNameLst>
+                                          <p:attrName>ppt_x</p:attrName>
+                                        </p:attrNameLst>
+                                      </p:cBhvr>
+                                      <p:tavLst>
+                                        <p:tav tm="0">
+                                          <p:val>
+                                            <p:strVal val="#ppt_x"/>
+                                          </p:val>
+                                        </p:tav>
+                                        <p:tav tm="50000">
+                                          <p:val>
+                                            <p:strVal val="#ppt_x+.1"/>
+                                          </p:val>
+                                        </p:tav>
+                                        <p:tav tm="100000">
+                                          <p:val>
+                                            <p:strVal val="#ppt_x"/>
+                                          </p:val>
+                                        </p:tav>
+                                      </p:tavLst>
+                                    </p:anim>
+                                    <p:anim calcmode="lin" valueType="num">
+                                      <p:cBhvr>
+                                        <p:cTn id="38" dur="500" fill="hold"/>
+                                        <p:tgtEl>
+                                          <p:spTgt spid="9">
+                                            <p:txEl>
+                                              <p:pRg st="5" end="5"/>
+                                            </p:txEl>
+                                          </p:spTgt>
+                                        </p:tgtEl>
+                                        <p:attrNameLst>
+                                          <p:attrName>ppt_y</p:attrName>
+                                        </p:attrNameLst>
+                                      </p:cBhvr>
+                                      <p:tavLst>
+                                        <p:tav tm="0">
+                                          <p:val>
+                                            <p:strVal val="#ppt_y"/>
+                                          </p:val>
+                                        </p:tav>
+                                        <p:tav tm="100000">
+                                          <p:val>
+                                            <p:strVal val="#ppt_y"/>
+                                          </p:val>
+                                        </p:tav>
+                                      </p:tavLst>
+                                    </p:anim>
+                                    <p:anim calcmode="lin" valueType="num">
+                                      <p:cBhvr>
+                                        <p:cTn id="39" dur="500" fill="hold"/>
+                                        <p:tgtEl>
+                                          <p:spTgt spid="9">
+                                            <p:txEl>
+                                              <p:pRg st="5" end="5"/>
+                                            </p:txEl>
+                                          </p:spTgt>
+                                        </p:tgtEl>
+                                        <p:attrNameLst>
+                                          <p:attrName>ppt_h</p:attrName>
+                                        </p:attrNameLst>
+                                      </p:cBhvr>
+                                      <p:tavLst>
+                                        <p:tav tm="0">
+                                          <p:val>
+                                            <p:strVal val="#ppt_h/10"/>
+                                          </p:val>
+                                        </p:tav>
+                                        <p:tav tm="50000">
+                                          <p:val>
+                                            <p:strVal val="#ppt_h+.01"/>
+                                          </p:val>
+                                        </p:tav>
+                                        <p:tav tm="100000">
+                                          <p:val>
+                                            <p:strVal val="#ppt_h"/>
+                                          </p:val>
+                                        </p:tav>
+                                      </p:tavLst>
+                                    </p:anim>
+                                    <p:anim calcmode="lin" valueType="num">
+                                      <p:cBhvr>
+                                        <p:cTn id="40" dur="500" fill="hold"/>
+                                        <p:tgtEl>
+                                          <p:spTgt spid="9">
+                                            <p:txEl>
+                                              <p:pRg st="5" end="5"/>
+                                            </p:txEl>
+                                          </p:spTgt>
+                                        </p:tgtEl>
+                                        <p:attrNameLst>
+                                          <p:attrName>ppt_w</p:attrName>
+                                        </p:attrNameLst>
+                                      </p:cBhvr>
+                                      <p:tavLst>
+                                        <p:tav tm="0">
+                                          <p:val>
+                                            <p:strVal val="#ppt_w/10"/>
+                                          </p:val>
+                                        </p:tav>
+                                        <p:tav tm="50000">
+                                          <p:val>
+                                            <p:strVal val="#ppt_w+.01"/>
+                                          </p:val>
+                                        </p:tav>
+                                        <p:tav tm="100000">
+                                          <p:val>
+                                            <p:strVal val="#ppt_w"/>
+                                          </p:val>
+                                        </p:tav>
+                                      </p:tavLst>
+                                    </p:anim>
+                                    <p:animEffect transition="in" filter="fade">
+                                      <p:cBhvr>
+                                        <p:cTn id="41" dur="500" tmFilter="0,0; .5, 1; 1, 1"/>
+                                        <p:tgtEl>
+                                          <p:spTgt spid="9">
+                                            <p:txEl>
+                                              <p:pRg st="5" end="5"/>
+                                            </p:txEl>
+                                          </p:spTgt>
+                                        </p:tgtEl>
+                                      </p:cBhvr>
+                                    </p:animEffect>
+                                  </p:childTnLst>
+                                </p:cTn>
+                              </p:par>
+                              <p:par>
+                                <p:cTn id="42" presetID="41" presetClass="entr" presetSubtype="0" fill="hold" nodeType="withEffect">
+                                  <p:stCondLst>
+                                    <p:cond delay="0"/>
+                                  </p:stCondLst>
+                                  <p:iterate type="lt">
+                                    <p:tmPct val="10000"/>
+                                  </p:iterate>
+                                  <p:childTnLst>
+                                    <p:set>
+                                      <p:cBhvr>
+                                        <p:cTn id="43" dur="1" fill="hold">
+                                          <p:stCondLst>
+                                            <p:cond delay="0"/>
+                                          </p:stCondLst>
+                                        </p:cTn>
+                                        <p:tgtEl>
+                                          <p:spTgt spid="9">
+                                            <p:txEl>
+                                              <p:pRg st="6" end="6"/>
+                                            </p:txEl>
+                                          </p:spTgt>
+                                        </p:tgtEl>
+                                        <p:attrNameLst>
+                                          <p:attrName>style.visibility</p:attrName>
+                                        </p:attrNameLst>
+                                      </p:cBhvr>
+                                      <p:to>
+                                        <p:strVal val="visible"/>
+                                      </p:to>
+                                    </p:set>
+                                    <p:anim calcmode="lin" valueType="num">
+                                      <p:cBhvr>
+                                        <p:cTn id="44" dur="500" fill="hold"/>
+                                        <p:tgtEl>
+                                          <p:spTgt spid="9">
+                                            <p:txEl>
+                                              <p:pRg st="6" end="6"/>
+                                            </p:txEl>
+                                          </p:spTgt>
+                                        </p:tgtEl>
+                                        <p:attrNameLst>
+                                          <p:attrName>ppt_x</p:attrName>
+                                        </p:attrNameLst>
+                                      </p:cBhvr>
+                                      <p:tavLst>
+                                        <p:tav tm="0">
+                                          <p:val>
+                                            <p:strVal val="#ppt_x"/>
+                                          </p:val>
+                                        </p:tav>
+                                        <p:tav tm="50000">
+                                          <p:val>
+                                            <p:strVal val="#ppt_x+.1"/>
+                                          </p:val>
+                                        </p:tav>
+                                        <p:tav tm="100000">
+                                          <p:val>
+                                            <p:strVal val="#ppt_x"/>
+                                          </p:val>
+                                        </p:tav>
+                                      </p:tavLst>
+                                    </p:anim>
+                                    <p:anim calcmode="lin" valueType="num">
+                                      <p:cBhvr>
+                                        <p:cTn id="45" dur="500" fill="hold"/>
+                                        <p:tgtEl>
+                                          <p:spTgt spid="9">
+                                            <p:txEl>
+                                              <p:pRg st="6" end="6"/>
+                                            </p:txEl>
+                                          </p:spTgt>
+                                        </p:tgtEl>
+                                        <p:attrNameLst>
+                                          <p:attrName>ppt_y</p:attrName>
+                                        </p:attrNameLst>
+                                      </p:cBhvr>
+                                      <p:tavLst>
+                                        <p:tav tm="0">
+                                          <p:val>
+                                            <p:strVal val="#ppt_y"/>
+                                          </p:val>
+                                        </p:tav>
+                                        <p:tav tm="100000">
+                                          <p:val>
+                                            <p:strVal val="#ppt_y"/>
+                                          </p:val>
+                                        </p:tav>
+                                      </p:tavLst>
+                                    </p:anim>
+                                    <p:anim calcmode="lin" valueType="num">
+                                      <p:cBhvr>
+                                        <p:cTn id="46" dur="500" fill="hold"/>
+                                        <p:tgtEl>
+                                          <p:spTgt spid="9">
+                                            <p:txEl>
+                                              <p:pRg st="6" end="6"/>
+                                            </p:txEl>
+                                          </p:spTgt>
+                                        </p:tgtEl>
+                                        <p:attrNameLst>
+                                          <p:attrName>ppt_h</p:attrName>
+                                        </p:attrNameLst>
+                                      </p:cBhvr>
+                                      <p:tavLst>
+                                        <p:tav tm="0">
+                                          <p:val>
+                                            <p:strVal val="#ppt_h/10"/>
+                                          </p:val>
+                                        </p:tav>
+                                        <p:tav tm="50000">
+                                          <p:val>
+                                            <p:strVal val="#ppt_h+.01"/>
+                                          </p:val>
+                                        </p:tav>
+                                        <p:tav tm="100000">
+                                          <p:val>
+                                            <p:strVal val="#ppt_h"/>
+                                          </p:val>
+                                        </p:tav>
+                                      </p:tavLst>
+                                    </p:anim>
+                                    <p:anim calcmode="lin" valueType="num">
+                                      <p:cBhvr>
+                                        <p:cTn id="47" dur="500" fill="hold"/>
+                                        <p:tgtEl>
+                                          <p:spTgt spid="9">
+                                            <p:txEl>
+                                              <p:pRg st="6" end="6"/>
+                                            </p:txEl>
+                                          </p:spTgt>
+                                        </p:tgtEl>
+                                        <p:attrNameLst>
+                                          <p:attrName>ppt_w</p:attrName>
+                                        </p:attrNameLst>
+                                      </p:cBhvr>
+                                      <p:tavLst>
+                                        <p:tav tm="0">
+                                          <p:val>
+                                            <p:strVal val="#ppt_w/10"/>
+                                          </p:val>
+                                        </p:tav>
+                                        <p:tav tm="50000">
+                                          <p:val>
+                                            <p:strVal val="#ppt_w+.01"/>
+                                          </p:val>
+                                        </p:tav>
+                                        <p:tav tm="100000">
+                                          <p:val>
+                                            <p:strVal val="#ppt_w"/>
+                                          </p:val>
+                                        </p:tav>
+                                      </p:tavLst>
+                                    </p:anim>
+                                    <p:animEffect transition="in" filter="fade">
+                                      <p:cBhvr>
+                                        <p:cTn id="48" dur="500" tmFilter="0,0; .5, 1; 1, 1"/>
+                                        <p:tgtEl>
+                                          <p:spTgt spid="9">
+                                            <p:txEl>
+                                              <p:pRg st="6" end="6"/>
+                                            </p:txEl>
+                                          </p:spTgt>
+                                        </p:tgtEl>
+                                      </p:cBhvr>
+                                    </p:animEffect>
+                                  </p:childTnLst>
+                                </p:cTn>
+                              </p:par>
+                            </p:childTnLst>
+                          </p:cTn>
+                        </p:par>
+                      </p:childTnLst>
+                    </p:cTn>
+                  </p:par>
+                  <p:par>
+                    <p:cTn id="49" fill="hold">
+                      <p:stCondLst>
+                        <p:cond delay="indefinite"/>
+                      </p:stCondLst>
+                      <p:childTnLst>
+                        <p:par>
+                          <p:cTn id="50" fill="hold">
+                            <p:stCondLst>
+                              <p:cond delay="0"/>
+                            </p:stCondLst>
+                            <p:childTnLst>
+                              <p:par>
+                                <p:cTn id="51" presetID="1" presetClass="entr" presetSubtype="0" fill="hold" grpId="0" nodeType="clickEffect">
+                                  <p:stCondLst>
+                                    <p:cond delay="0"/>
+                                  </p:stCondLst>
+                                  <p:childTnLst>
+                                    <p:set>
+                                      <p:cBhvr>
+                                        <p:cTn id="52" dur="1" fill="hold">
+                                          <p:stCondLst>
+                                            <p:cond delay="0"/>
+                                          </p:stCondLst>
+                                        </p:cTn>
+                                        <p:tgtEl>
+                                          <p:spTgt spid="10"/>
+                                        </p:tgtEl>
+                                        <p:attrNameLst>
+                                          <p:attrName>style.visibility</p:attrName>
+                                        </p:attrNameLst>
+                                      </p:cBhvr>
+                                      <p:to>
+                                        <p:strVal val="visible"/>
+                                      </p:to>
+                                    </p:set>
+                                  </p:childTnLst>
+                                </p:cTn>
+                              </p:par>
+                            </p:childTnLst>
+                          </p:cTn>
+                        </p:par>
+                      </p:childTnLst>
+                    </p:cTn>
+                  </p:par>
+                </p:childTnLst>
+              </p:cTn>
+              <p:prevCondLst>
+                <p:cond evt="onPrev" delay="0">
+                  <p:tgtEl>
+                    <p:sldTgt/>
+                  </p:tgtEl>
+                </p:cond>
+              </p:prevCondLst>
+              <p:nextCondLst>
+                <p:cond evt="onNext" delay="0">
+                  <p:tgtEl>
+                    <p:sldTgt/>
+                  </p:tgtEl>
+                </p:cond>
+              </p:nextCondLst>
+            </p:seq>
+          </p:childTnLst>
+        </p:cTn>
       </p:par>
     </p:tnLst>
+    <p:bldLst>
+      <p:bldP spid="10" grpId="0"/>
+    </p:bldLst>
   </p:timing>
 </p:sld>
 </file>
@@ -7152,7 +9311,47 @@
           <a:p>
             <a:r>
               <a:rPr lang="en-US" dirty="0" smtClean="0"/>
-              <a:t>The Internet of Things -- </a:t>
+              <a:t>The </a:t>
+            </a:r>
+            <a:r>
+              <a:rPr lang="en-US" dirty="0" smtClean="0">
+                <a:solidFill>
+                  <a:schemeClr val="accent3"/>
+                </a:solidFill>
+              </a:rPr>
+              <a:t>I</a:t>
+            </a:r>
+            <a:r>
+              <a:rPr lang="en-US" dirty="0" smtClean="0"/>
+              <a:t>nternet </a:t>
+            </a:r>
+            <a:r>
+              <a:rPr lang="en-US" dirty="0" smtClean="0">
+                <a:solidFill>
+                  <a:srgbClr val="0C0C0C"/>
+                </a:solidFill>
+              </a:rPr>
+              <a:t>o</a:t>
+            </a:r>
+            <a:r>
+              <a:rPr lang="en-US" dirty="0" smtClean="0"/>
+              <a:t>f </a:t>
+            </a:r>
+            <a:r>
+              <a:rPr lang="en-US" dirty="0" smtClean="0">
+                <a:solidFill>
+                  <a:srgbClr val="0C0C0C"/>
+                </a:solidFill>
+              </a:rPr>
+              <a:t>T</a:t>
+            </a:r>
+            <a:r>
+              <a:rPr lang="en-US" dirty="0" smtClean="0"/>
+              <a:t>hings </a:t>
+            </a:r>
+            <a:r>
+              <a:rPr lang="en-US" dirty="0" smtClean="0"/>
+              <a:t>– </a:t>
             </a:r>
             <a:r>
               <a:rPr lang="en-US" b="1" dirty="0" err="1" smtClean="0">
@@ -7162,7 +9361,7 @@
               </a:rPr>
               <a:t>IoT</a:t>
             </a:r>
-            <a:endParaRPr lang="en-US" b="1" dirty="0">
+            <a:endParaRPr lang="en-US" dirty="0">
               <a:solidFill>
                 <a:srgbClr val="2F2F2F"/>
               </a:solidFill>
@@ -7293,7 +9492,6 @@
               <a:rPr lang="en-US" sz="1600" dirty="0" smtClean="0"/>
               <a:t> </a:t>
             </a:r>
-            <a:endParaRPr lang="en-US" sz="1600" dirty="0" smtClean="0"/>
           </a:p>
           <a:p>
             <a:r>
@@ -7327,7 +9525,6 @@
               <a:rPr lang="en-US" sz="1600" dirty="0" smtClean="0"/>
               <a:t> </a:t>
             </a:r>
-            <a:endParaRPr lang="en-US" sz="1600" dirty="0" smtClean="0"/>
           </a:p>
           <a:p>
             <a:r>
@@ -7424,7 +9621,446 @@
   <p:timing>
     <p:tnLst>
       <p:par>
-        <p:cTn xmlns:p14="http://schemas.microsoft.com/office/powerpoint/2010/main" id="1" dur="indefinite" restart="never" nodeType="tmRoot"/>
+        <p:cTn xmlns:p14="http://schemas.microsoft.com/office/powerpoint/2010/main" id="1" dur="indefinite" restart="never" nodeType="tmRoot">
+          <p:childTnLst>
+            <p:seq concurrent="1" nextAc="seek">
+              <p:cTn id="2" dur="indefinite" nodeType="mainSeq">
+                <p:childTnLst>
+                  <p:par>
+                    <p:cTn id="3" fill="hold">
+                      <p:stCondLst>
+                        <p:cond delay="indefinite"/>
+                      </p:stCondLst>
+                      <p:childTnLst>
+                        <p:par>
+                          <p:cTn id="4" fill="hold">
+                            <p:stCondLst>
+                              <p:cond delay="0"/>
+                            </p:stCondLst>
+                            <p:childTnLst>
+                              <p:par>
+                                <p:cTn id="5" presetID="9" presetClass="entr" presetSubtype="0" fill="hold" nodeType="clickEffect">
+                                  <p:stCondLst>
+                                    <p:cond delay="0"/>
+                                  </p:stCondLst>
+                                  <p:childTnLst>
+                                    <p:set>
+                                      <p:cBhvr>
+                                        <p:cTn id="6" dur="1" fill="hold">
+                                          <p:stCondLst>
+                                            <p:cond delay="0"/>
+                                          </p:stCondLst>
+                                        </p:cTn>
+                                        <p:tgtEl>
+                                          <p:spTgt spid="5">
+                                            <p:txEl>
+                                              <p:pRg st="0" end="0"/>
+                                            </p:txEl>
+                                          </p:spTgt>
+                                        </p:tgtEl>
+                                        <p:attrNameLst>
+                                          <p:attrName>style.visibility</p:attrName>
+                                        </p:attrNameLst>
+                                      </p:cBhvr>
+                                      <p:to>
+                                        <p:strVal val="visible"/>
+                                      </p:to>
+                                    </p:set>
+                                    <p:animEffect transition="in" filter="dissolve">
+                                      <p:cBhvr>
+                                        <p:cTn id="7" dur="500"/>
+                                        <p:tgtEl>
+                                          <p:spTgt spid="5">
+                                            <p:txEl>
+                                              <p:pRg st="0" end="0"/>
+                                            </p:txEl>
+                                          </p:spTgt>
+                                        </p:tgtEl>
+                                      </p:cBhvr>
+                                    </p:animEffect>
+                                  </p:childTnLst>
+                                </p:cTn>
+                              </p:par>
+                              <p:par>
+                                <p:cTn id="8" presetID="9" presetClass="entr" presetSubtype="0" fill="hold" nodeType="withEffect">
+                                  <p:stCondLst>
+                                    <p:cond delay="0"/>
+                                  </p:stCondLst>
+                                  <p:childTnLst>
+                                    <p:set>
+                                      <p:cBhvr>
+                                        <p:cTn id="9" dur="1" fill="hold">
+                                          <p:stCondLst>
+                                            <p:cond delay="0"/>
+                                          </p:stCondLst>
+                                        </p:cTn>
+                                        <p:tgtEl>
+                                          <p:spTgt spid="5">
+                                            <p:txEl>
+                                              <p:pRg st="1" end="1"/>
+                                            </p:txEl>
+                                          </p:spTgt>
+                                        </p:tgtEl>
+                                        <p:attrNameLst>
+                                          <p:attrName>style.visibility</p:attrName>
+                                        </p:attrNameLst>
+                                      </p:cBhvr>
+                                      <p:to>
+                                        <p:strVal val="visible"/>
+                                      </p:to>
+                                    </p:set>
+                                    <p:animEffect transition="in" filter="dissolve">
+                                      <p:cBhvr>
+                                        <p:cTn id="10" dur="500"/>
+                                        <p:tgtEl>
+                                          <p:spTgt spid="5">
+                                            <p:txEl>
+                                              <p:pRg st="1" end="1"/>
+                                            </p:txEl>
+                                          </p:spTgt>
+                                        </p:tgtEl>
+                                      </p:cBhvr>
+                                    </p:animEffect>
+                                  </p:childTnLst>
+                                </p:cTn>
+                              </p:par>
+                            </p:childTnLst>
+                          </p:cTn>
+                        </p:par>
+                      </p:childTnLst>
+                    </p:cTn>
+                  </p:par>
+                  <p:par>
+                    <p:cTn id="11" fill="hold">
+                      <p:stCondLst>
+                        <p:cond delay="indefinite"/>
+                      </p:stCondLst>
+                      <p:childTnLst>
+                        <p:par>
+                          <p:cTn id="12" fill="hold">
+                            <p:stCondLst>
+                              <p:cond delay="0"/>
+                            </p:stCondLst>
+                            <p:childTnLst>
+                              <p:par>
+                                <p:cTn id="13" presetID="9" presetClass="entr" presetSubtype="0" fill="hold" nodeType="clickEffect">
+                                  <p:stCondLst>
+                                    <p:cond delay="0"/>
+                                  </p:stCondLst>
+                                  <p:childTnLst>
+                                    <p:set>
+                                      <p:cBhvr>
+                                        <p:cTn id="14" dur="1" fill="hold">
+                                          <p:stCondLst>
+                                            <p:cond delay="0"/>
+                                          </p:stCondLst>
+                                        </p:cTn>
+                                        <p:tgtEl>
+                                          <p:spTgt spid="5">
+                                            <p:txEl>
+                                              <p:pRg st="2" end="2"/>
+                                            </p:txEl>
+                                          </p:spTgt>
+                                        </p:tgtEl>
+                                        <p:attrNameLst>
+                                          <p:attrName>style.visibility</p:attrName>
+                                        </p:attrNameLst>
+                                      </p:cBhvr>
+                                      <p:to>
+                                        <p:strVal val="visible"/>
+                                      </p:to>
+                                    </p:set>
+                                    <p:animEffect transition="in" filter="dissolve">
+                                      <p:cBhvr>
+                                        <p:cTn id="15" dur="500"/>
+                                        <p:tgtEl>
+                                          <p:spTgt spid="5">
+                                            <p:txEl>
+                                              <p:pRg st="2" end="2"/>
+                                            </p:txEl>
+                                          </p:spTgt>
+                                        </p:tgtEl>
+                                      </p:cBhvr>
+                                    </p:animEffect>
+                                  </p:childTnLst>
+                                </p:cTn>
+                              </p:par>
+                              <p:par>
+                                <p:cTn id="16" presetID="9" presetClass="entr" presetSubtype="0" fill="hold" nodeType="withEffect">
+                                  <p:stCondLst>
+                                    <p:cond delay="0"/>
+                                  </p:stCondLst>
+                                  <p:childTnLst>
+                                    <p:set>
+                                      <p:cBhvr>
+                                        <p:cTn id="17" dur="1" fill="hold">
+                                          <p:stCondLst>
+                                            <p:cond delay="0"/>
+                                          </p:stCondLst>
+                                        </p:cTn>
+                                        <p:tgtEl>
+                                          <p:spTgt spid="5">
+                                            <p:txEl>
+                                              <p:pRg st="3" end="3"/>
+                                            </p:txEl>
+                                          </p:spTgt>
+                                        </p:tgtEl>
+                                        <p:attrNameLst>
+                                          <p:attrName>style.visibility</p:attrName>
+                                        </p:attrNameLst>
+                                      </p:cBhvr>
+                                      <p:to>
+                                        <p:strVal val="visible"/>
+                                      </p:to>
+                                    </p:set>
+                                    <p:animEffect transition="in" filter="dissolve">
+                                      <p:cBhvr>
+                                        <p:cTn id="18" dur="500"/>
+                                        <p:tgtEl>
+                                          <p:spTgt spid="5">
+                                            <p:txEl>
+                                              <p:pRg st="3" end="3"/>
+                                            </p:txEl>
+                                          </p:spTgt>
+                                        </p:tgtEl>
+                                      </p:cBhvr>
+                                    </p:animEffect>
+                                  </p:childTnLst>
+                                </p:cTn>
+                              </p:par>
+                            </p:childTnLst>
+                          </p:cTn>
+                        </p:par>
+                      </p:childTnLst>
+                    </p:cTn>
+                  </p:par>
+                  <p:par>
+                    <p:cTn id="19" fill="hold">
+                      <p:stCondLst>
+                        <p:cond delay="indefinite"/>
+                      </p:stCondLst>
+                      <p:childTnLst>
+                        <p:par>
+                          <p:cTn id="20" fill="hold">
+                            <p:stCondLst>
+                              <p:cond delay="0"/>
+                            </p:stCondLst>
+                            <p:childTnLst>
+                              <p:par>
+                                <p:cTn id="21" presetID="9" presetClass="entr" presetSubtype="0" fill="hold" nodeType="clickEffect">
+                                  <p:stCondLst>
+                                    <p:cond delay="0"/>
+                                  </p:stCondLst>
+                                  <p:childTnLst>
+                                    <p:set>
+                                      <p:cBhvr>
+                                        <p:cTn id="22" dur="1" fill="hold">
+                                          <p:stCondLst>
+                                            <p:cond delay="0"/>
+                                          </p:stCondLst>
+                                        </p:cTn>
+                                        <p:tgtEl>
+                                          <p:spTgt spid="5">
+                                            <p:txEl>
+                                              <p:pRg st="4" end="4"/>
+                                            </p:txEl>
+                                          </p:spTgt>
+                                        </p:tgtEl>
+                                        <p:attrNameLst>
+                                          <p:attrName>style.visibility</p:attrName>
+                                        </p:attrNameLst>
+                                      </p:cBhvr>
+                                      <p:to>
+                                        <p:strVal val="visible"/>
+                                      </p:to>
+                                    </p:set>
+                                    <p:animEffect transition="in" filter="dissolve">
+                                      <p:cBhvr>
+                                        <p:cTn id="23" dur="500"/>
+                                        <p:tgtEl>
+                                          <p:spTgt spid="5">
+                                            <p:txEl>
+                                              <p:pRg st="4" end="4"/>
+                                            </p:txEl>
+                                          </p:spTgt>
+                                        </p:tgtEl>
+                                      </p:cBhvr>
+                                    </p:animEffect>
+                                  </p:childTnLst>
+                                </p:cTn>
+                              </p:par>
+                              <p:par>
+                                <p:cTn id="24" presetID="9" presetClass="entr" presetSubtype="0" fill="hold" nodeType="withEffect">
+                                  <p:stCondLst>
+                                    <p:cond delay="0"/>
+                                  </p:stCondLst>
+                                  <p:childTnLst>
+                                    <p:set>
+                                      <p:cBhvr>
+                                        <p:cTn id="25" dur="1" fill="hold">
+                                          <p:stCondLst>
+                                            <p:cond delay="0"/>
+                                          </p:stCondLst>
+                                        </p:cTn>
+                                        <p:tgtEl>
+                                          <p:spTgt spid="5">
+                                            <p:txEl>
+                                              <p:pRg st="5" end="5"/>
+                                            </p:txEl>
+                                          </p:spTgt>
+                                        </p:tgtEl>
+                                        <p:attrNameLst>
+                                          <p:attrName>style.visibility</p:attrName>
+                                        </p:attrNameLst>
+                                      </p:cBhvr>
+                                      <p:to>
+                                        <p:strVal val="visible"/>
+                                      </p:to>
+                                    </p:set>
+                                    <p:animEffect transition="in" filter="dissolve">
+                                      <p:cBhvr>
+                                        <p:cTn id="26" dur="500"/>
+                                        <p:tgtEl>
+                                          <p:spTgt spid="5">
+                                            <p:txEl>
+                                              <p:pRg st="5" end="5"/>
+                                            </p:txEl>
+                                          </p:spTgt>
+                                        </p:tgtEl>
+                                      </p:cBhvr>
+                                    </p:animEffect>
+                                  </p:childTnLst>
+                                </p:cTn>
+                              </p:par>
+                            </p:childTnLst>
+                          </p:cTn>
+                        </p:par>
+                      </p:childTnLst>
+                    </p:cTn>
+                  </p:par>
+                  <p:par>
+                    <p:cTn id="27" fill="hold">
+                      <p:stCondLst>
+                        <p:cond delay="indefinite"/>
+                      </p:stCondLst>
+                      <p:childTnLst>
+                        <p:par>
+                          <p:cTn id="28" fill="hold">
+                            <p:stCondLst>
+                              <p:cond delay="0"/>
+                            </p:stCondLst>
+                            <p:childTnLst>
+                              <p:par>
+                                <p:cTn id="29" presetID="9" presetClass="entr" presetSubtype="0" fill="hold" nodeType="clickEffect">
+                                  <p:stCondLst>
+                                    <p:cond delay="0"/>
+                                  </p:stCondLst>
+                                  <p:childTnLst>
+                                    <p:set>
+                                      <p:cBhvr>
+                                        <p:cTn id="30" dur="1" fill="hold">
+                                          <p:stCondLst>
+                                            <p:cond delay="0"/>
+                                          </p:stCondLst>
+                                        </p:cTn>
+                                        <p:tgtEl>
+                                          <p:spTgt spid="5">
+                                            <p:txEl>
+                                              <p:pRg st="6" end="6"/>
+                                            </p:txEl>
+                                          </p:spTgt>
+                                        </p:tgtEl>
+                                        <p:attrNameLst>
+                                          <p:attrName>style.visibility</p:attrName>
+                                        </p:attrNameLst>
+                                      </p:cBhvr>
+                                      <p:to>
+                                        <p:strVal val="visible"/>
+                                      </p:to>
+                                    </p:set>
+                                    <p:animEffect transition="in" filter="dissolve">
+                                      <p:cBhvr>
+                                        <p:cTn id="31" dur="500"/>
+                                        <p:tgtEl>
+                                          <p:spTgt spid="5">
+                                            <p:txEl>
+                                              <p:pRg st="6" end="6"/>
+                                            </p:txEl>
+                                          </p:spTgt>
+                                        </p:tgtEl>
+                                      </p:cBhvr>
+                                    </p:animEffect>
+                                  </p:childTnLst>
+                                </p:cTn>
+                              </p:par>
+                              <p:par>
+                                <p:cTn id="32" presetID="9" presetClass="entr" presetSubtype="0" fill="hold" nodeType="withEffect">
+                                  <p:stCondLst>
+                                    <p:cond delay="0"/>
+                                  </p:stCondLst>
+                                  <p:childTnLst>
+                                    <p:set>
+                                      <p:cBhvr>
+                                        <p:cTn id="33" dur="1" fill="hold">
+                                          <p:stCondLst>
+                                            <p:cond delay="0"/>
+                                          </p:stCondLst>
+                                        </p:cTn>
+                                        <p:tgtEl>
+                                          <p:spTgt spid="5">
+                                            <p:txEl>
+                                              <p:pRg st="7" end="7"/>
+                                            </p:txEl>
+                                          </p:spTgt>
+                                        </p:tgtEl>
+                                        <p:attrNameLst>
+                                          <p:attrName>style.visibility</p:attrName>
+                                        </p:attrNameLst>
+                                      </p:cBhvr>
+                                      <p:to>
+                                        <p:strVal val="visible"/>
+                                      </p:to>
+                                    </p:set>
+                                    <p:animEffect transition="in" filter="dissolve">
+                                      <p:cBhvr>
+                                        <p:cTn id="34" dur="500"/>
+                                        <p:tgtEl>
+                                          <p:spTgt spid="5">
+                                            <p:txEl>
+                                              <p:pRg st="7" end="7"/>
+                                            </p:txEl>
+                                          </p:spTgt>
+                                        </p:tgtEl>
+                                      </p:cBhvr>
+                                    </p:animEffect>
+                                  </p:childTnLst>
+                                </p:cTn>
+                              </p:par>
+                            </p:childTnLst>
+                          </p:cTn>
+                        </p:par>
+                      </p:childTnLst>
+                    </p:cTn>
+                  </p:par>
+                </p:childTnLst>
+              </p:cTn>
+              <p:prevCondLst>
+                <p:cond evt="onPrev" delay="0">
+                  <p:tgtEl>
+                    <p:sldTgt/>
+                  </p:tgtEl>
+                </p:cond>
+              </p:prevCondLst>
+              <p:nextCondLst>
+                <p:cond evt="onNext" delay="0">
+                  <p:tgtEl>
+                    <p:sldTgt/>
+                  </p:tgtEl>
+                </p:cond>
+              </p:nextCondLst>
+            </p:seq>
+          </p:childTnLst>
+        </p:cTn>
       </p:par>
     </p:tnLst>
   </p:timing>
@@ -7860,7 +10496,669 @@
   <p:timing>
     <p:tnLst>
       <p:par>
-        <p:cTn xmlns:p14="http://schemas.microsoft.com/office/powerpoint/2010/main" id="1" dur="indefinite" restart="never" nodeType="tmRoot"/>
+        <p:cTn xmlns:p14="http://schemas.microsoft.com/office/powerpoint/2010/main" id="1" dur="indefinite" restart="never" nodeType="tmRoot">
+          <p:childTnLst>
+            <p:seq concurrent="1" nextAc="seek">
+              <p:cTn id="2" dur="indefinite" nodeType="mainSeq">
+                <p:childTnLst>
+                  <p:par>
+                    <p:cTn id="3" fill="hold">
+                      <p:stCondLst>
+                        <p:cond delay="indefinite"/>
+                      </p:stCondLst>
+                      <p:childTnLst>
+                        <p:par>
+                          <p:cTn id="4" fill="hold">
+                            <p:stCondLst>
+                              <p:cond delay="0"/>
+                            </p:stCondLst>
+                            <p:childTnLst>
+                              <p:par>
+                                <p:cTn id="5" presetID="52" presetClass="entr" presetSubtype="0" fill="hold" nodeType="clickEffect">
+                                  <p:stCondLst>
+                                    <p:cond delay="0"/>
+                                  </p:stCondLst>
+                                  <p:childTnLst>
+                                    <p:set>
+                                      <p:cBhvr>
+                                        <p:cTn id="6" dur="1" fill="hold">
+                                          <p:stCondLst>
+                                            <p:cond delay="0"/>
+                                          </p:stCondLst>
+                                        </p:cTn>
+                                        <p:tgtEl>
+                                          <p:spTgt spid="5">
+                                            <p:txEl>
+                                              <p:pRg st="2" end="2"/>
+                                            </p:txEl>
+                                          </p:spTgt>
+                                        </p:tgtEl>
+                                        <p:attrNameLst>
+                                          <p:attrName>style.visibility</p:attrName>
+                                        </p:attrNameLst>
+                                      </p:cBhvr>
+                                      <p:to>
+                                        <p:strVal val="visible"/>
+                                      </p:to>
+                                    </p:set>
+                                    <p:animScale>
+                                      <p:cBhvr>
+                                        <p:cTn id="7" dur="1000" decel="50000" fill="hold">
+                                          <p:stCondLst>
+                                            <p:cond delay="0"/>
+                                          </p:stCondLst>
+                                        </p:cTn>
+                                        <p:tgtEl>
+                                          <p:spTgt spid="5">
+                                            <p:txEl>
+                                              <p:pRg st="2" end="2"/>
+                                            </p:txEl>
+                                          </p:spTgt>
+                                        </p:tgtEl>
+                                      </p:cBhvr>
+                                      <p:from x="250000" y="250000"/>
+                                      <p:to x="100000" y="100000"/>
+                                    </p:animScale>
+                                    <p:animMotion origin="layout" path="M -0.46736 0.92887  C -0.37517 0.88508  -0.02552 0.75279  0.0908 0.66613  C  0.20747 0.57948  0.21649 0.50394  0.23177 0.40825  C 0.24705 0.31256  0.22118 0.15964   0.18264 0.09152  C 0.1441 0.02341  0.03802 0.0  0.0 0.0  " pathEditMode="relative" ptsTypes="">
+                                      <p:cBhvr>
+                                        <p:cTn id="8" dur="1000" decel="50000" fill="hold">
+                                          <p:stCondLst>
+                                            <p:cond delay="0"/>
+                                          </p:stCondLst>
+                                        </p:cTn>
+                                        <p:tgtEl>
+                                          <p:spTgt spid="5">
+                                            <p:txEl>
+                                              <p:pRg st="2" end="2"/>
+                                            </p:txEl>
+                                          </p:spTgt>
+                                        </p:tgtEl>
+                                        <p:attrNameLst>
+                                          <p:attrName>ppt_x</p:attrName>
+                                          <p:attrName>ppt_y</p:attrName>
+                                        </p:attrNameLst>
+                                      </p:cBhvr>
+                                    </p:animMotion>
+                                    <p:animEffect transition="in" filter="fade">
+                                      <p:cBhvr>
+                                        <p:cTn id="9" dur="1000"/>
+                                        <p:tgtEl>
+                                          <p:spTgt spid="5">
+                                            <p:txEl>
+                                              <p:pRg st="2" end="2"/>
+                                            </p:txEl>
+                                          </p:spTgt>
+                                        </p:tgtEl>
+                                      </p:cBhvr>
+                                    </p:animEffect>
+                                  </p:childTnLst>
+                                </p:cTn>
+                              </p:par>
+                              <p:par>
+                                <p:cTn id="10" presetID="52" presetClass="entr" presetSubtype="0" fill="hold" nodeType="withEffect">
+                                  <p:stCondLst>
+                                    <p:cond delay="0"/>
+                                  </p:stCondLst>
+                                  <p:childTnLst>
+                                    <p:set>
+                                      <p:cBhvr>
+                                        <p:cTn id="11" dur="1" fill="hold">
+                                          <p:stCondLst>
+                                            <p:cond delay="0"/>
+                                          </p:stCondLst>
+                                        </p:cTn>
+                                        <p:tgtEl>
+                                          <p:spTgt spid="5">
+                                            <p:txEl>
+                                              <p:pRg st="3" end="3"/>
+                                            </p:txEl>
+                                          </p:spTgt>
+                                        </p:tgtEl>
+                                        <p:attrNameLst>
+                                          <p:attrName>style.visibility</p:attrName>
+                                        </p:attrNameLst>
+                                      </p:cBhvr>
+                                      <p:to>
+                                        <p:strVal val="visible"/>
+                                      </p:to>
+                                    </p:set>
+                                    <p:animScale>
+                                      <p:cBhvr>
+                                        <p:cTn id="12" dur="1000" decel="50000" fill="hold">
+                                          <p:stCondLst>
+                                            <p:cond delay="0"/>
+                                          </p:stCondLst>
+                                        </p:cTn>
+                                        <p:tgtEl>
+                                          <p:spTgt spid="5">
+                                            <p:txEl>
+                                              <p:pRg st="3" end="3"/>
+                                            </p:txEl>
+                                          </p:spTgt>
+                                        </p:tgtEl>
+                                      </p:cBhvr>
+                                      <p:from x="250000" y="250000"/>
+                                      <p:to x="100000" y="100000"/>
+                                    </p:animScale>
+                                    <p:animMotion origin="layout" path="M -0.46736 0.92887  C -0.37517 0.88508  -0.02552 0.75279  0.0908 0.66613  C  0.20747 0.57948  0.21649 0.50394  0.23177 0.40825  C 0.24705 0.31256  0.22118 0.15964   0.18264 0.09152  C 0.1441 0.02341  0.03802 0.0  0.0 0.0  " pathEditMode="relative" ptsTypes="">
+                                      <p:cBhvr>
+                                        <p:cTn id="13" dur="1000" decel="50000" fill="hold">
+                                          <p:stCondLst>
+                                            <p:cond delay="0"/>
+                                          </p:stCondLst>
+                                        </p:cTn>
+                                        <p:tgtEl>
+                                          <p:spTgt spid="5">
+                                            <p:txEl>
+                                              <p:pRg st="3" end="3"/>
+                                            </p:txEl>
+                                          </p:spTgt>
+                                        </p:tgtEl>
+                                        <p:attrNameLst>
+                                          <p:attrName>ppt_x</p:attrName>
+                                          <p:attrName>ppt_y</p:attrName>
+                                        </p:attrNameLst>
+                                      </p:cBhvr>
+                                    </p:animMotion>
+                                    <p:animEffect transition="in" filter="fade">
+                                      <p:cBhvr>
+                                        <p:cTn id="14" dur="1000"/>
+                                        <p:tgtEl>
+                                          <p:spTgt spid="5">
+                                            <p:txEl>
+                                              <p:pRg st="3" end="3"/>
+                                            </p:txEl>
+                                          </p:spTgt>
+                                        </p:tgtEl>
+                                      </p:cBhvr>
+                                    </p:animEffect>
+                                  </p:childTnLst>
+                                </p:cTn>
+                              </p:par>
+                            </p:childTnLst>
+                          </p:cTn>
+                        </p:par>
+                      </p:childTnLst>
+                    </p:cTn>
+                  </p:par>
+                  <p:par>
+                    <p:cTn id="15" fill="hold">
+                      <p:stCondLst>
+                        <p:cond delay="indefinite"/>
+                      </p:stCondLst>
+                      <p:childTnLst>
+                        <p:par>
+                          <p:cTn id="16" fill="hold">
+                            <p:stCondLst>
+                              <p:cond delay="0"/>
+                            </p:stCondLst>
+                            <p:childTnLst>
+                              <p:par>
+                                <p:cTn id="17" presetID="52" presetClass="entr" presetSubtype="0" fill="hold" nodeType="clickEffect">
+                                  <p:stCondLst>
+                                    <p:cond delay="0"/>
+                                  </p:stCondLst>
+                                  <p:childTnLst>
+                                    <p:set>
+                                      <p:cBhvr>
+                                        <p:cTn id="18" dur="1" fill="hold">
+                                          <p:stCondLst>
+                                            <p:cond delay="0"/>
+                                          </p:stCondLst>
+                                        </p:cTn>
+                                        <p:tgtEl>
+                                          <p:spTgt spid="5">
+                                            <p:txEl>
+                                              <p:pRg st="4" end="4"/>
+                                            </p:txEl>
+                                          </p:spTgt>
+                                        </p:tgtEl>
+                                        <p:attrNameLst>
+                                          <p:attrName>style.visibility</p:attrName>
+                                        </p:attrNameLst>
+                                      </p:cBhvr>
+                                      <p:to>
+                                        <p:strVal val="visible"/>
+                                      </p:to>
+                                    </p:set>
+                                    <p:animScale>
+                                      <p:cBhvr>
+                                        <p:cTn id="19" dur="1000" decel="50000" fill="hold">
+                                          <p:stCondLst>
+                                            <p:cond delay="0"/>
+                                          </p:stCondLst>
+                                        </p:cTn>
+                                        <p:tgtEl>
+                                          <p:spTgt spid="5">
+                                            <p:txEl>
+                                              <p:pRg st="4" end="4"/>
+                                            </p:txEl>
+                                          </p:spTgt>
+                                        </p:tgtEl>
+                                      </p:cBhvr>
+                                      <p:from x="250000" y="250000"/>
+                                      <p:to x="100000" y="100000"/>
+                                    </p:animScale>
+                                    <p:animMotion origin="layout" path="M -0.46736 0.92887  C -0.37517 0.88508  -0.02552 0.75279  0.0908 0.66613  C  0.20747 0.57948  0.21649 0.50394  0.23177 0.40825  C 0.24705 0.31256  0.22118 0.15964   0.18264 0.09152  C 0.1441 0.02341  0.03802 0.0  0.0 0.0  " pathEditMode="relative" ptsTypes="">
+                                      <p:cBhvr>
+                                        <p:cTn id="20" dur="1000" decel="50000" fill="hold">
+                                          <p:stCondLst>
+                                            <p:cond delay="0"/>
+                                          </p:stCondLst>
+                                        </p:cTn>
+                                        <p:tgtEl>
+                                          <p:spTgt spid="5">
+                                            <p:txEl>
+                                              <p:pRg st="4" end="4"/>
+                                            </p:txEl>
+                                          </p:spTgt>
+                                        </p:tgtEl>
+                                        <p:attrNameLst>
+                                          <p:attrName>ppt_x</p:attrName>
+                                          <p:attrName>ppt_y</p:attrName>
+                                        </p:attrNameLst>
+                                      </p:cBhvr>
+                                    </p:animMotion>
+                                    <p:animEffect transition="in" filter="fade">
+                                      <p:cBhvr>
+                                        <p:cTn id="21" dur="1000"/>
+                                        <p:tgtEl>
+                                          <p:spTgt spid="5">
+                                            <p:txEl>
+                                              <p:pRg st="4" end="4"/>
+                                            </p:txEl>
+                                          </p:spTgt>
+                                        </p:tgtEl>
+                                      </p:cBhvr>
+                                    </p:animEffect>
+                                  </p:childTnLst>
+                                </p:cTn>
+                              </p:par>
+                              <p:par>
+                                <p:cTn id="22" presetID="52" presetClass="entr" presetSubtype="0" fill="hold" nodeType="withEffect">
+                                  <p:stCondLst>
+                                    <p:cond delay="0"/>
+                                  </p:stCondLst>
+                                  <p:childTnLst>
+                                    <p:set>
+                                      <p:cBhvr>
+                                        <p:cTn id="23" dur="1" fill="hold">
+                                          <p:stCondLst>
+                                            <p:cond delay="0"/>
+                                          </p:stCondLst>
+                                        </p:cTn>
+                                        <p:tgtEl>
+                                          <p:spTgt spid="5">
+                                            <p:txEl>
+                                              <p:pRg st="5" end="5"/>
+                                            </p:txEl>
+                                          </p:spTgt>
+                                        </p:tgtEl>
+                                        <p:attrNameLst>
+                                          <p:attrName>style.visibility</p:attrName>
+                                        </p:attrNameLst>
+                                      </p:cBhvr>
+                                      <p:to>
+                                        <p:strVal val="visible"/>
+                                      </p:to>
+                                    </p:set>
+                                    <p:animScale>
+                                      <p:cBhvr>
+                                        <p:cTn id="24" dur="1000" decel="50000" fill="hold">
+                                          <p:stCondLst>
+                                            <p:cond delay="0"/>
+                                          </p:stCondLst>
+                                        </p:cTn>
+                                        <p:tgtEl>
+                                          <p:spTgt spid="5">
+                                            <p:txEl>
+                                              <p:pRg st="5" end="5"/>
+                                            </p:txEl>
+                                          </p:spTgt>
+                                        </p:tgtEl>
+                                      </p:cBhvr>
+                                      <p:from x="250000" y="250000"/>
+                                      <p:to x="100000" y="100000"/>
+                                    </p:animScale>
+                                    <p:animMotion origin="layout" path="M -0.46736 0.92887  C -0.37517 0.88508  -0.02552 0.75279  0.0908 0.66613  C  0.20747 0.57948  0.21649 0.50394  0.23177 0.40825  C 0.24705 0.31256  0.22118 0.15964   0.18264 0.09152  C 0.1441 0.02341  0.03802 0.0  0.0 0.0  " pathEditMode="relative" ptsTypes="">
+                                      <p:cBhvr>
+                                        <p:cTn id="25" dur="1000" decel="50000" fill="hold">
+                                          <p:stCondLst>
+                                            <p:cond delay="0"/>
+                                          </p:stCondLst>
+                                        </p:cTn>
+                                        <p:tgtEl>
+                                          <p:spTgt spid="5">
+                                            <p:txEl>
+                                              <p:pRg st="5" end="5"/>
+                                            </p:txEl>
+                                          </p:spTgt>
+                                        </p:tgtEl>
+                                        <p:attrNameLst>
+                                          <p:attrName>ppt_x</p:attrName>
+                                          <p:attrName>ppt_y</p:attrName>
+                                        </p:attrNameLst>
+                                      </p:cBhvr>
+                                    </p:animMotion>
+                                    <p:animEffect transition="in" filter="fade">
+                                      <p:cBhvr>
+                                        <p:cTn id="26" dur="1000"/>
+                                        <p:tgtEl>
+                                          <p:spTgt spid="5">
+                                            <p:txEl>
+                                              <p:pRg st="5" end="5"/>
+                                            </p:txEl>
+                                          </p:spTgt>
+                                        </p:tgtEl>
+                                      </p:cBhvr>
+                                    </p:animEffect>
+                                  </p:childTnLst>
+                                </p:cTn>
+                              </p:par>
+                            </p:childTnLst>
+                          </p:cTn>
+                        </p:par>
+                      </p:childTnLst>
+                    </p:cTn>
+                  </p:par>
+                  <p:par>
+                    <p:cTn id="27" fill="hold">
+                      <p:stCondLst>
+                        <p:cond delay="indefinite"/>
+                      </p:stCondLst>
+                      <p:childTnLst>
+                        <p:par>
+                          <p:cTn id="28" fill="hold">
+                            <p:stCondLst>
+                              <p:cond delay="0"/>
+                            </p:stCondLst>
+                            <p:childTnLst>
+                              <p:par>
+                                <p:cTn id="29" presetID="52" presetClass="entr" presetSubtype="0" fill="hold" nodeType="clickEffect">
+                                  <p:stCondLst>
+                                    <p:cond delay="0"/>
+                                  </p:stCondLst>
+                                  <p:childTnLst>
+                                    <p:set>
+                                      <p:cBhvr>
+                                        <p:cTn id="30" dur="1" fill="hold">
+                                          <p:stCondLst>
+                                            <p:cond delay="0"/>
+                                          </p:stCondLst>
+                                        </p:cTn>
+                                        <p:tgtEl>
+                                          <p:spTgt spid="5">
+                                            <p:txEl>
+                                              <p:pRg st="6" end="6"/>
+                                            </p:txEl>
+                                          </p:spTgt>
+                                        </p:tgtEl>
+                                        <p:attrNameLst>
+                                          <p:attrName>style.visibility</p:attrName>
+                                        </p:attrNameLst>
+                                      </p:cBhvr>
+                                      <p:to>
+                                        <p:strVal val="visible"/>
+                                      </p:to>
+                                    </p:set>
+                                    <p:animScale>
+                                      <p:cBhvr>
+                                        <p:cTn id="31" dur="1000" decel="50000" fill="hold">
+                                          <p:stCondLst>
+                                            <p:cond delay="0"/>
+                                          </p:stCondLst>
+                                        </p:cTn>
+                                        <p:tgtEl>
+                                          <p:spTgt spid="5">
+                                            <p:txEl>
+                                              <p:pRg st="6" end="6"/>
+                                            </p:txEl>
+                                          </p:spTgt>
+                                        </p:tgtEl>
+                                      </p:cBhvr>
+                                      <p:from x="250000" y="250000"/>
+                                      <p:to x="100000" y="100000"/>
+                                    </p:animScale>
+                                    <p:animMotion origin="layout" path="M -0.46736 0.92887  C -0.37517 0.88508  -0.02552 0.75279  0.0908 0.66613  C  0.20747 0.57948  0.21649 0.50394  0.23177 0.40825  C 0.24705 0.31256  0.22118 0.15964   0.18264 0.09152  C 0.1441 0.02341  0.03802 0.0  0.0 0.0  " pathEditMode="relative" ptsTypes="">
+                                      <p:cBhvr>
+                                        <p:cTn id="32" dur="1000" decel="50000" fill="hold">
+                                          <p:stCondLst>
+                                            <p:cond delay="0"/>
+                                          </p:stCondLst>
+                                        </p:cTn>
+                                        <p:tgtEl>
+                                          <p:spTgt spid="5">
+                                            <p:txEl>
+                                              <p:pRg st="6" end="6"/>
+                                            </p:txEl>
+                                          </p:spTgt>
+                                        </p:tgtEl>
+                                        <p:attrNameLst>
+                                          <p:attrName>ppt_x</p:attrName>
+                                          <p:attrName>ppt_y</p:attrName>
+                                        </p:attrNameLst>
+                                      </p:cBhvr>
+                                    </p:animMotion>
+                                    <p:animEffect transition="in" filter="fade">
+                                      <p:cBhvr>
+                                        <p:cTn id="33" dur="1000"/>
+                                        <p:tgtEl>
+                                          <p:spTgt spid="5">
+                                            <p:txEl>
+                                              <p:pRg st="6" end="6"/>
+                                            </p:txEl>
+                                          </p:spTgt>
+                                        </p:tgtEl>
+                                      </p:cBhvr>
+                                    </p:animEffect>
+                                  </p:childTnLst>
+                                </p:cTn>
+                              </p:par>
+                              <p:par>
+                                <p:cTn id="34" presetID="52" presetClass="entr" presetSubtype="0" fill="hold" nodeType="withEffect">
+                                  <p:stCondLst>
+                                    <p:cond delay="0"/>
+                                  </p:stCondLst>
+                                  <p:childTnLst>
+                                    <p:set>
+                                      <p:cBhvr>
+                                        <p:cTn id="35" dur="1" fill="hold">
+                                          <p:stCondLst>
+                                            <p:cond delay="0"/>
+                                          </p:stCondLst>
+                                        </p:cTn>
+                                        <p:tgtEl>
+                                          <p:spTgt spid="5">
+                                            <p:txEl>
+                                              <p:pRg st="7" end="7"/>
+                                            </p:txEl>
+                                          </p:spTgt>
+                                        </p:tgtEl>
+                                        <p:attrNameLst>
+                                          <p:attrName>style.visibility</p:attrName>
+                                        </p:attrNameLst>
+                                      </p:cBhvr>
+                                      <p:to>
+                                        <p:strVal val="visible"/>
+                                      </p:to>
+                                    </p:set>
+                                    <p:animScale>
+                                      <p:cBhvr>
+                                        <p:cTn id="36" dur="1000" decel="50000" fill="hold">
+                                          <p:stCondLst>
+                                            <p:cond delay="0"/>
+                                          </p:stCondLst>
+                                        </p:cTn>
+                                        <p:tgtEl>
+                                          <p:spTgt spid="5">
+                                            <p:txEl>
+                                              <p:pRg st="7" end="7"/>
+                                            </p:txEl>
+                                          </p:spTgt>
+                                        </p:tgtEl>
+                                      </p:cBhvr>
+                                      <p:from x="250000" y="250000"/>
+                                      <p:to x="100000" y="100000"/>
+                                    </p:animScale>
+                                    <p:animMotion origin="layout" path="M -0.46736 0.92887  C -0.37517 0.88508  -0.02552 0.75279  0.0908 0.66613  C  0.20747 0.57948  0.21649 0.50394  0.23177 0.40825  C 0.24705 0.31256  0.22118 0.15964   0.18264 0.09152  C 0.1441 0.02341  0.03802 0.0  0.0 0.0  " pathEditMode="relative" ptsTypes="">
+                                      <p:cBhvr>
+                                        <p:cTn id="37" dur="1000" decel="50000" fill="hold">
+                                          <p:stCondLst>
+                                            <p:cond delay="0"/>
+                                          </p:stCondLst>
+                                        </p:cTn>
+                                        <p:tgtEl>
+                                          <p:spTgt spid="5">
+                                            <p:txEl>
+                                              <p:pRg st="7" end="7"/>
+                                            </p:txEl>
+                                          </p:spTgt>
+                                        </p:tgtEl>
+                                        <p:attrNameLst>
+                                          <p:attrName>ppt_x</p:attrName>
+                                          <p:attrName>ppt_y</p:attrName>
+                                        </p:attrNameLst>
+                                      </p:cBhvr>
+                                    </p:animMotion>
+                                    <p:animEffect transition="in" filter="fade">
+                                      <p:cBhvr>
+                                        <p:cTn id="38" dur="1000"/>
+                                        <p:tgtEl>
+                                          <p:spTgt spid="5">
+                                            <p:txEl>
+                                              <p:pRg st="7" end="7"/>
+                                            </p:txEl>
+                                          </p:spTgt>
+                                        </p:tgtEl>
+                                      </p:cBhvr>
+                                    </p:animEffect>
+                                  </p:childTnLst>
+                                </p:cTn>
+                              </p:par>
+                            </p:childTnLst>
+                          </p:cTn>
+                        </p:par>
+                      </p:childTnLst>
+                    </p:cTn>
+                  </p:par>
+                  <p:par>
+                    <p:cTn id="39" fill="hold">
+                      <p:stCondLst>
+                        <p:cond delay="indefinite"/>
+                      </p:stCondLst>
+                      <p:childTnLst>
+                        <p:par>
+                          <p:cTn id="40" fill="hold">
+                            <p:stCondLst>
+                              <p:cond delay="0"/>
+                            </p:stCondLst>
+                            <p:childTnLst>
+                              <p:par>
+                                <p:cTn id="41" presetID="27" presetClass="emph" presetSubtype="0" fill="remove" nodeType="clickEffect">
+                                  <p:stCondLst>
+                                    <p:cond delay="0"/>
+                                  </p:stCondLst>
+                                  <p:childTnLst>
+                                    <p:animClr clrSpc="rgb" dir="cw">
+                                      <p:cBhvr override="childStyle">
+                                        <p:cTn id="42" dur="250" autoRev="1" fill="remove"/>
+                                        <p:tgtEl>
+                                          <p:spTgt spid="5">
+                                            <p:txEl>
+                                              <p:pRg st="7" end="7"/>
+                                            </p:txEl>
+                                          </p:spTgt>
+                                        </p:tgtEl>
+                                        <p:attrNameLst>
+                                          <p:attrName>style.color</p:attrName>
+                                        </p:attrNameLst>
+                                      </p:cBhvr>
+                                      <p:to>
+                                        <a:schemeClr val="bg1"/>
+                                      </p:to>
+                                    </p:animClr>
+                                    <p:animClr clrSpc="rgb" dir="cw">
+                                      <p:cBhvr>
+                                        <p:cTn id="43" dur="250" autoRev="1" fill="remove"/>
+                                        <p:tgtEl>
+                                          <p:spTgt spid="5">
+                                            <p:txEl>
+                                              <p:pRg st="7" end="7"/>
+                                            </p:txEl>
+                                          </p:spTgt>
+                                        </p:tgtEl>
+                                        <p:attrNameLst>
+                                          <p:attrName>fillcolor</p:attrName>
+                                        </p:attrNameLst>
+                                      </p:cBhvr>
+                                      <p:to>
+                                        <a:schemeClr val="bg1"/>
+                                      </p:to>
+                                    </p:animClr>
+                                    <p:set>
+                                      <p:cBhvr>
+                                        <p:cTn id="44" dur="250" autoRev="1" fill="remove"/>
+                                        <p:tgtEl>
+                                          <p:spTgt spid="5">
+                                            <p:txEl>
+                                              <p:pRg st="7" end="7"/>
+                                            </p:txEl>
+                                          </p:spTgt>
+                                        </p:tgtEl>
+                                        <p:attrNameLst>
+                                          <p:attrName>fill.type</p:attrName>
+                                        </p:attrNameLst>
+                                      </p:cBhvr>
+                                      <p:to>
+                                        <p:strVal val="solid"/>
+                                      </p:to>
+                                    </p:set>
+                                    <p:set>
+                                      <p:cBhvr>
+                                        <p:cTn id="45" dur="250" autoRev="1" fill="remove"/>
+                                        <p:tgtEl>
+                                          <p:spTgt spid="5">
+                                            <p:txEl>
+                                              <p:pRg st="7" end="7"/>
+                                            </p:txEl>
+                                          </p:spTgt>
+                                        </p:tgtEl>
+                                        <p:attrNameLst>
+                                          <p:attrName>fill.on</p:attrName>
+                                        </p:attrNameLst>
+                                      </p:cBhvr>
+                                      <p:to>
+                                        <p:strVal val="true"/>
+                                      </p:to>
+                                    </p:set>
+                                  </p:childTnLst>
+                                </p:cTn>
+                              </p:par>
+                            </p:childTnLst>
+                          </p:cTn>
+                        </p:par>
+                      </p:childTnLst>
+                    </p:cTn>
+                  </p:par>
+                </p:childTnLst>
+              </p:cTn>
+              <p:prevCondLst>
+                <p:cond evt="onPrev" delay="0">
+                  <p:tgtEl>
+                    <p:sldTgt/>
+                  </p:tgtEl>
+                </p:cond>
+              </p:prevCondLst>
+              <p:nextCondLst>
+                <p:cond evt="onNext" delay="0">
+                  <p:tgtEl>
+                    <p:sldTgt/>
+                  </p:tgtEl>
+                </p:cond>
+              </p:nextCondLst>
+            </p:seq>
+          </p:childTnLst>
+        </p:cTn>
       </p:par>
     </p:tnLst>
   </p:timing>
@@ -8567,7 +11865,813 @@
   <p:timing>
     <p:tnLst>
       <p:par>
-        <p:cTn xmlns:p14="http://schemas.microsoft.com/office/powerpoint/2010/main" id="1" dur="indefinite" restart="never" nodeType="tmRoot"/>
+        <p:cTn xmlns:p14="http://schemas.microsoft.com/office/powerpoint/2010/main" id="1" dur="indefinite" restart="never" nodeType="tmRoot">
+          <p:childTnLst>
+            <p:seq concurrent="1" nextAc="seek">
+              <p:cTn id="2" dur="indefinite" nodeType="mainSeq">
+                <p:childTnLst>
+                  <p:par>
+                    <p:cTn id="3" fill="hold">
+                      <p:stCondLst>
+                        <p:cond delay="indefinite"/>
+                      </p:stCondLst>
+                      <p:childTnLst>
+                        <p:par>
+                          <p:cTn id="4" fill="hold">
+                            <p:stCondLst>
+                              <p:cond delay="0"/>
+                            </p:stCondLst>
+                            <p:childTnLst>
+                              <p:par>
+                                <p:cTn id="5" presetID="9" presetClass="entr" presetSubtype="0" fill="hold" nodeType="clickEffect">
+                                  <p:stCondLst>
+                                    <p:cond delay="0"/>
+                                  </p:stCondLst>
+                                  <p:childTnLst>
+                                    <p:set>
+                                      <p:cBhvr>
+                                        <p:cTn id="6" dur="1" fill="hold">
+                                          <p:stCondLst>
+                                            <p:cond delay="0"/>
+                                          </p:stCondLst>
+                                        </p:cTn>
+                                        <p:tgtEl>
+                                          <p:spTgt spid="5">
+                                            <p:txEl>
+                                              <p:pRg st="0" end="0"/>
+                                            </p:txEl>
+                                          </p:spTgt>
+                                        </p:tgtEl>
+                                        <p:attrNameLst>
+                                          <p:attrName>style.visibility</p:attrName>
+                                        </p:attrNameLst>
+                                      </p:cBhvr>
+                                      <p:to>
+                                        <p:strVal val="visible"/>
+                                      </p:to>
+                                    </p:set>
+                                    <p:animEffect transition="in" filter="dissolve">
+                                      <p:cBhvr>
+                                        <p:cTn id="7" dur="500"/>
+                                        <p:tgtEl>
+                                          <p:spTgt spid="5">
+                                            <p:txEl>
+                                              <p:pRg st="0" end="0"/>
+                                            </p:txEl>
+                                          </p:spTgt>
+                                        </p:tgtEl>
+                                      </p:cBhvr>
+                                    </p:animEffect>
+                                  </p:childTnLst>
+                                </p:cTn>
+                              </p:par>
+                            </p:childTnLst>
+                          </p:cTn>
+                        </p:par>
+                      </p:childTnLst>
+                    </p:cTn>
+                  </p:par>
+                  <p:par>
+                    <p:cTn id="8" fill="hold">
+                      <p:stCondLst>
+                        <p:cond delay="indefinite"/>
+                      </p:stCondLst>
+                      <p:childTnLst>
+                        <p:par>
+                          <p:cTn id="9" fill="hold">
+                            <p:stCondLst>
+                              <p:cond delay="0"/>
+                            </p:stCondLst>
+                            <p:childTnLst>
+                              <p:par>
+                                <p:cTn id="10" presetID="9" presetClass="entr" presetSubtype="0" fill="hold" nodeType="clickEffect">
+                                  <p:stCondLst>
+                                    <p:cond delay="0"/>
+                                  </p:stCondLst>
+                                  <p:childTnLst>
+                                    <p:set>
+                                      <p:cBhvr>
+                                        <p:cTn id="11" dur="1" fill="hold">
+                                          <p:stCondLst>
+                                            <p:cond delay="0"/>
+                                          </p:stCondLst>
+                                        </p:cTn>
+                                        <p:tgtEl>
+                                          <p:spTgt spid="5">
+                                            <p:txEl>
+                                              <p:pRg st="1" end="1"/>
+                                            </p:txEl>
+                                          </p:spTgt>
+                                        </p:tgtEl>
+                                        <p:attrNameLst>
+                                          <p:attrName>style.visibility</p:attrName>
+                                        </p:attrNameLst>
+                                      </p:cBhvr>
+                                      <p:to>
+                                        <p:strVal val="visible"/>
+                                      </p:to>
+                                    </p:set>
+                                    <p:animEffect transition="in" filter="dissolve">
+                                      <p:cBhvr>
+                                        <p:cTn id="12" dur="500"/>
+                                        <p:tgtEl>
+                                          <p:spTgt spid="5">
+                                            <p:txEl>
+                                              <p:pRg st="1" end="1"/>
+                                            </p:txEl>
+                                          </p:spTgt>
+                                        </p:tgtEl>
+                                      </p:cBhvr>
+                                    </p:animEffect>
+                                  </p:childTnLst>
+                                </p:cTn>
+                              </p:par>
+                            </p:childTnLst>
+                          </p:cTn>
+                        </p:par>
+                      </p:childTnLst>
+                    </p:cTn>
+                  </p:par>
+                  <p:par>
+                    <p:cTn id="13" fill="hold">
+                      <p:stCondLst>
+                        <p:cond delay="indefinite"/>
+                      </p:stCondLst>
+                      <p:childTnLst>
+                        <p:par>
+                          <p:cTn id="14" fill="hold">
+                            <p:stCondLst>
+                              <p:cond delay="0"/>
+                            </p:stCondLst>
+                            <p:childTnLst>
+                              <p:par>
+                                <p:cTn id="15" presetID="1" presetClass="entr" presetSubtype="0" fill="hold" nodeType="clickEffect">
+                                  <p:stCondLst>
+                                    <p:cond delay="0"/>
+                                  </p:stCondLst>
+                                  <p:childTnLst>
+                                    <p:set>
+                                      <p:cBhvr>
+                                        <p:cTn id="16" dur="1" fill="hold">
+                                          <p:stCondLst>
+                                            <p:cond delay="0"/>
+                                          </p:stCondLst>
+                                        </p:cTn>
+                                        <p:tgtEl>
+                                          <p:spTgt spid="5">
+                                            <p:txEl>
+                                              <p:pRg st="2" end="2"/>
+                                            </p:txEl>
+                                          </p:spTgt>
+                                        </p:tgtEl>
+                                        <p:attrNameLst>
+                                          <p:attrName>style.visibility</p:attrName>
+                                        </p:attrNameLst>
+                                      </p:cBhvr>
+                                      <p:to>
+                                        <p:strVal val="visible"/>
+                                      </p:to>
+                                    </p:set>
+                                  </p:childTnLst>
+                                </p:cTn>
+                              </p:par>
+                            </p:childTnLst>
+                          </p:cTn>
+                        </p:par>
+                      </p:childTnLst>
+                    </p:cTn>
+                  </p:par>
+                  <p:par>
+                    <p:cTn id="17" fill="hold">
+                      <p:stCondLst>
+                        <p:cond delay="indefinite"/>
+                      </p:stCondLst>
+                      <p:childTnLst>
+                        <p:par>
+                          <p:cTn id="18" fill="hold">
+                            <p:stCondLst>
+                              <p:cond delay="0"/>
+                            </p:stCondLst>
+                            <p:childTnLst>
+                              <p:par>
+                                <p:cTn id="19" presetID="9" presetClass="entr" presetSubtype="0" fill="hold" nodeType="clickEffect">
+                                  <p:stCondLst>
+                                    <p:cond delay="0"/>
+                                  </p:stCondLst>
+                                  <p:childTnLst>
+                                    <p:set>
+                                      <p:cBhvr>
+                                        <p:cTn id="20" dur="1" fill="hold">
+                                          <p:stCondLst>
+                                            <p:cond delay="0"/>
+                                          </p:stCondLst>
+                                        </p:cTn>
+                                        <p:tgtEl>
+                                          <p:spTgt spid="5">
+                                            <p:txEl>
+                                              <p:pRg st="3" end="3"/>
+                                            </p:txEl>
+                                          </p:spTgt>
+                                        </p:tgtEl>
+                                        <p:attrNameLst>
+                                          <p:attrName>style.visibility</p:attrName>
+                                        </p:attrNameLst>
+                                      </p:cBhvr>
+                                      <p:to>
+                                        <p:strVal val="visible"/>
+                                      </p:to>
+                                    </p:set>
+                                    <p:animEffect transition="in" filter="dissolve">
+                                      <p:cBhvr>
+                                        <p:cTn id="21" dur="500"/>
+                                        <p:tgtEl>
+                                          <p:spTgt spid="5">
+                                            <p:txEl>
+                                              <p:pRg st="3" end="3"/>
+                                            </p:txEl>
+                                          </p:spTgt>
+                                        </p:tgtEl>
+                                      </p:cBhvr>
+                                    </p:animEffect>
+                                  </p:childTnLst>
+                                </p:cTn>
+                              </p:par>
+                            </p:childTnLst>
+                          </p:cTn>
+                        </p:par>
+                      </p:childTnLst>
+                    </p:cTn>
+                  </p:par>
+                  <p:par>
+                    <p:cTn id="22" fill="hold">
+                      <p:stCondLst>
+                        <p:cond delay="indefinite"/>
+                      </p:stCondLst>
+                      <p:childTnLst>
+                        <p:par>
+                          <p:cTn id="23" fill="hold">
+                            <p:stCondLst>
+                              <p:cond delay="0"/>
+                            </p:stCondLst>
+                            <p:childTnLst>
+                              <p:par>
+                                <p:cTn id="24" presetID="1" presetClass="entr" presetSubtype="0" fill="hold" nodeType="clickEffect">
+                                  <p:stCondLst>
+                                    <p:cond delay="0"/>
+                                  </p:stCondLst>
+                                  <p:childTnLst>
+                                    <p:set>
+                                      <p:cBhvr>
+                                        <p:cTn id="25" dur="1" fill="hold">
+                                          <p:stCondLst>
+                                            <p:cond delay="0"/>
+                                          </p:stCondLst>
+                                        </p:cTn>
+                                        <p:tgtEl>
+                                          <p:spTgt spid="5">
+                                            <p:txEl>
+                                              <p:pRg st="4" end="4"/>
+                                            </p:txEl>
+                                          </p:spTgt>
+                                        </p:tgtEl>
+                                        <p:attrNameLst>
+                                          <p:attrName>style.visibility</p:attrName>
+                                        </p:attrNameLst>
+                                      </p:cBhvr>
+                                      <p:to>
+                                        <p:strVal val="visible"/>
+                                      </p:to>
+                                    </p:set>
+                                  </p:childTnLst>
+                                </p:cTn>
+                              </p:par>
+                            </p:childTnLst>
+                          </p:cTn>
+                        </p:par>
+                      </p:childTnLst>
+                    </p:cTn>
+                  </p:par>
+                  <p:par>
+                    <p:cTn id="26" fill="hold">
+                      <p:stCondLst>
+                        <p:cond delay="indefinite"/>
+                      </p:stCondLst>
+                      <p:childTnLst>
+                        <p:par>
+                          <p:cTn id="27" fill="hold">
+                            <p:stCondLst>
+                              <p:cond delay="0"/>
+                            </p:stCondLst>
+                            <p:childTnLst>
+                              <p:par>
+                                <p:cTn id="28" presetID="9" presetClass="entr" presetSubtype="0" fill="hold" nodeType="clickEffect">
+                                  <p:stCondLst>
+                                    <p:cond delay="0"/>
+                                  </p:stCondLst>
+                                  <p:childTnLst>
+                                    <p:set>
+                                      <p:cBhvr>
+                                        <p:cTn id="29" dur="1" fill="hold">
+                                          <p:stCondLst>
+                                            <p:cond delay="0"/>
+                                          </p:stCondLst>
+                                        </p:cTn>
+                                        <p:tgtEl>
+                                          <p:spTgt spid="5">
+                                            <p:txEl>
+                                              <p:pRg st="5" end="5"/>
+                                            </p:txEl>
+                                          </p:spTgt>
+                                        </p:tgtEl>
+                                        <p:attrNameLst>
+                                          <p:attrName>style.visibility</p:attrName>
+                                        </p:attrNameLst>
+                                      </p:cBhvr>
+                                      <p:to>
+                                        <p:strVal val="visible"/>
+                                      </p:to>
+                                    </p:set>
+                                    <p:animEffect transition="in" filter="dissolve">
+                                      <p:cBhvr>
+                                        <p:cTn id="30" dur="500"/>
+                                        <p:tgtEl>
+                                          <p:spTgt spid="5">
+                                            <p:txEl>
+                                              <p:pRg st="5" end="5"/>
+                                            </p:txEl>
+                                          </p:spTgt>
+                                        </p:tgtEl>
+                                      </p:cBhvr>
+                                    </p:animEffect>
+                                  </p:childTnLst>
+                                </p:cTn>
+                              </p:par>
+                            </p:childTnLst>
+                          </p:cTn>
+                        </p:par>
+                      </p:childTnLst>
+                    </p:cTn>
+                  </p:par>
+                  <p:par>
+                    <p:cTn id="31" fill="hold">
+                      <p:stCondLst>
+                        <p:cond delay="indefinite"/>
+                      </p:stCondLst>
+                      <p:childTnLst>
+                        <p:par>
+                          <p:cTn id="32" fill="hold">
+                            <p:stCondLst>
+                              <p:cond delay="0"/>
+                            </p:stCondLst>
+                            <p:childTnLst>
+                              <p:par>
+                                <p:cTn id="33" presetID="9" presetClass="entr" presetSubtype="0" fill="hold" nodeType="clickEffect">
+                                  <p:stCondLst>
+                                    <p:cond delay="0"/>
+                                  </p:stCondLst>
+                                  <p:childTnLst>
+                                    <p:set>
+                                      <p:cBhvr>
+                                        <p:cTn id="34" dur="1" fill="hold">
+                                          <p:stCondLst>
+                                            <p:cond delay="0"/>
+                                          </p:stCondLst>
+                                        </p:cTn>
+                                        <p:tgtEl>
+                                          <p:spTgt spid="5">
+                                            <p:txEl>
+                                              <p:pRg st="6" end="6"/>
+                                            </p:txEl>
+                                          </p:spTgt>
+                                        </p:tgtEl>
+                                        <p:attrNameLst>
+                                          <p:attrName>style.visibility</p:attrName>
+                                        </p:attrNameLst>
+                                      </p:cBhvr>
+                                      <p:to>
+                                        <p:strVal val="visible"/>
+                                      </p:to>
+                                    </p:set>
+                                    <p:animEffect transition="in" filter="dissolve">
+                                      <p:cBhvr>
+                                        <p:cTn id="35" dur="500"/>
+                                        <p:tgtEl>
+                                          <p:spTgt spid="5">
+                                            <p:txEl>
+                                              <p:pRg st="6" end="6"/>
+                                            </p:txEl>
+                                          </p:spTgt>
+                                        </p:tgtEl>
+                                      </p:cBhvr>
+                                    </p:animEffect>
+                                  </p:childTnLst>
+                                </p:cTn>
+                              </p:par>
+                            </p:childTnLst>
+                          </p:cTn>
+                        </p:par>
+                      </p:childTnLst>
+                    </p:cTn>
+                  </p:par>
+                  <p:par>
+                    <p:cTn id="36" fill="hold">
+                      <p:stCondLst>
+                        <p:cond delay="indefinite"/>
+                      </p:stCondLst>
+                      <p:childTnLst>
+                        <p:par>
+                          <p:cTn id="37" fill="hold">
+                            <p:stCondLst>
+                              <p:cond delay="0"/>
+                            </p:stCondLst>
+                            <p:childTnLst>
+                              <p:par>
+                                <p:cTn id="38" presetID="9" presetClass="entr" presetSubtype="0" fill="hold" nodeType="clickEffect">
+                                  <p:stCondLst>
+                                    <p:cond delay="0"/>
+                                  </p:stCondLst>
+                                  <p:childTnLst>
+                                    <p:set>
+                                      <p:cBhvr>
+                                        <p:cTn id="39" dur="1" fill="hold">
+                                          <p:stCondLst>
+                                            <p:cond delay="0"/>
+                                          </p:stCondLst>
+                                        </p:cTn>
+                                        <p:tgtEl>
+                                          <p:spTgt spid="5">
+                                            <p:txEl>
+                                              <p:pRg st="7" end="7"/>
+                                            </p:txEl>
+                                          </p:spTgt>
+                                        </p:tgtEl>
+                                        <p:attrNameLst>
+                                          <p:attrName>style.visibility</p:attrName>
+                                        </p:attrNameLst>
+                                      </p:cBhvr>
+                                      <p:to>
+                                        <p:strVal val="visible"/>
+                                      </p:to>
+                                    </p:set>
+                                    <p:animEffect transition="in" filter="dissolve">
+                                      <p:cBhvr>
+                                        <p:cTn id="40" dur="500"/>
+                                        <p:tgtEl>
+                                          <p:spTgt spid="5">
+                                            <p:txEl>
+                                              <p:pRg st="7" end="7"/>
+                                            </p:txEl>
+                                          </p:spTgt>
+                                        </p:tgtEl>
+                                      </p:cBhvr>
+                                    </p:animEffect>
+                                  </p:childTnLst>
+                                </p:cTn>
+                              </p:par>
+                            </p:childTnLst>
+                          </p:cTn>
+                        </p:par>
+                      </p:childTnLst>
+                    </p:cTn>
+                  </p:par>
+                  <p:par>
+                    <p:cTn id="41" fill="hold">
+                      <p:stCondLst>
+                        <p:cond delay="indefinite"/>
+                      </p:stCondLst>
+                      <p:childTnLst>
+                        <p:par>
+                          <p:cTn id="42" fill="hold">
+                            <p:stCondLst>
+                              <p:cond delay="0"/>
+                            </p:stCondLst>
+                            <p:childTnLst>
+                              <p:par>
+                                <p:cTn id="43" presetID="9" presetClass="entr" presetSubtype="0" fill="hold" nodeType="clickEffect">
+                                  <p:stCondLst>
+                                    <p:cond delay="0"/>
+                                  </p:stCondLst>
+                                  <p:childTnLst>
+                                    <p:set>
+                                      <p:cBhvr>
+                                        <p:cTn id="44" dur="1" fill="hold">
+                                          <p:stCondLst>
+                                            <p:cond delay="0"/>
+                                          </p:stCondLst>
+                                        </p:cTn>
+                                        <p:tgtEl>
+                                          <p:spTgt spid="5">
+                                            <p:txEl>
+                                              <p:pRg st="5" end="5"/>
+                                            </p:txEl>
+                                          </p:spTgt>
+                                        </p:tgtEl>
+                                        <p:attrNameLst>
+                                          <p:attrName>style.visibility</p:attrName>
+                                        </p:attrNameLst>
+                                      </p:cBhvr>
+                                      <p:to>
+                                        <p:strVal val="visible"/>
+                                      </p:to>
+                                    </p:set>
+                                    <p:animEffect transition="in" filter="dissolve">
+                                      <p:cBhvr>
+                                        <p:cTn id="45" dur="500"/>
+                                        <p:tgtEl>
+                                          <p:spTgt spid="5">
+                                            <p:txEl>
+                                              <p:pRg st="5" end="5"/>
+                                            </p:txEl>
+                                          </p:spTgt>
+                                        </p:tgtEl>
+                                      </p:cBhvr>
+                                    </p:animEffect>
+                                  </p:childTnLst>
+                                </p:cTn>
+                              </p:par>
+                              <p:par>
+                                <p:cTn id="46" presetID="9" presetClass="entr" presetSubtype="0" fill="hold" nodeType="withEffect">
+                                  <p:stCondLst>
+                                    <p:cond delay="0"/>
+                                  </p:stCondLst>
+                                  <p:childTnLst>
+                                    <p:set>
+                                      <p:cBhvr>
+                                        <p:cTn id="47" dur="1" fill="hold">
+                                          <p:stCondLst>
+                                            <p:cond delay="0"/>
+                                          </p:stCondLst>
+                                        </p:cTn>
+                                        <p:tgtEl>
+                                          <p:spTgt spid="5">
+                                            <p:txEl>
+                                              <p:pRg st="6" end="6"/>
+                                            </p:txEl>
+                                          </p:spTgt>
+                                        </p:tgtEl>
+                                        <p:attrNameLst>
+                                          <p:attrName>style.visibility</p:attrName>
+                                        </p:attrNameLst>
+                                      </p:cBhvr>
+                                      <p:to>
+                                        <p:strVal val="visible"/>
+                                      </p:to>
+                                    </p:set>
+                                    <p:animEffect transition="in" filter="dissolve">
+                                      <p:cBhvr>
+                                        <p:cTn id="48" dur="500"/>
+                                        <p:tgtEl>
+                                          <p:spTgt spid="5">
+                                            <p:txEl>
+                                              <p:pRg st="6" end="6"/>
+                                            </p:txEl>
+                                          </p:spTgt>
+                                        </p:tgtEl>
+                                      </p:cBhvr>
+                                    </p:animEffect>
+                                  </p:childTnLst>
+                                </p:cTn>
+                              </p:par>
+                              <p:par>
+                                <p:cTn id="49" presetID="9" presetClass="entr" presetSubtype="0" fill="hold" nodeType="withEffect">
+                                  <p:stCondLst>
+                                    <p:cond delay="0"/>
+                                  </p:stCondLst>
+                                  <p:childTnLst>
+                                    <p:set>
+                                      <p:cBhvr>
+                                        <p:cTn id="50" dur="1" fill="hold">
+                                          <p:stCondLst>
+                                            <p:cond delay="0"/>
+                                          </p:stCondLst>
+                                        </p:cTn>
+                                        <p:tgtEl>
+                                          <p:spTgt spid="5">
+                                            <p:txEl>
+                                              <p:pRg st="7" end="7"/>
+                                            </p:txEl>
+                                          </p:spTgt>
+                                        </p:tgtEl>
+                                        <p:attrNameLst>
+                                          <p:attrName>style.visibility</p:attrName>
+                                        </p:attrNameLst>
+                                      </p:cBhvr>
+                                      <p:to>
+                                        <p:strVal val="visible"/>
+                                      </p:to>
+                                    </p:set>
+                                    <p:animEffect transition="in" filter="dissolve">
+                                      <p:cBhvr>
+                                        <p:cTn id="51" dur="500"/>
+                                        <p:tgtEl>
+                                          <p:spTgt spid="5">
+                                            <p:txEl>
+                                              <p:pRg st="7" end="7"/>
+                                            </p:txEl>
+                                          </p:spTgt>
+                                        </p:tgtEl>
+                                      </p:cBhvr>
+                                    </p:animEffect>
+                                  </p:childTnLst>
+                                </p:cTn>
+                              </p:par>
+                              <p:par>
+                                <p:cTn id="52" presetID="9" presetClass="entr" presetSubtype="0" fill="hold" nodeType="withEffect">
+                                  <p:stCondLst>
+                                    <p:cond delay="0"/>
+                                  </p:stCondLst>
+                                  <p:childTnLst>
+                                    <p:set>
+                                      <p:cBhvr>
+                                        <p:cTn id="53" dur="1" fill="hold">
+                                          <p:stCondLst>
+                                            <p:cond delay="0"/>
+                                          </p:stCondLst>
+                                        </p:cTn>
+                                        <p:tgtEl>
+                                          <p:spTgt spid="5">
+                                            <p:txEl>
+                                              <p:pRg st="8" end="8"/>
+                                            </p:txEl>
+                                          </p:spTgt>
+                                        </p:tgtEl>
+                                        <p:attrNameLst>
+                                          <p:attrName>style.visibility</p:attrName>
+                                        </p:attrNameLst>
+                                      </p:cBhvr>
+                                      <p:to>
+                                        <p:strVal val="visible"/>
+                                      </p:to>
+                                    </p:set>
+                                    <p:animEffect transition="in" filter="dissolve">
+                                      <p:cBhvr>
+                                        <p:cTn id="54" dur="500"/>
+                                        <p:tgtEl>
+                                          <p:spTgt spid="5">
+                                            <p:txEl>
+                                              <p:pRg st="8" end="8"/>
+                                            </p:txEl>
+                                          </p:spTgt>
+                                        </p:tgtEl>
+                                      </p:cBhvr>
+                                    </p:animEffect>
+                                  </p:childTnLst>
+                                </p:cTn>
+                              </p:par>
+                              <p:par>
+                                <p:cTn id="55" presetID="9" presetClass="entr" presetSubtype="0" fill="hold" nodeType="withEffect">
+                                  <p:stCondLst>
+                                    <p:cond delay="0"/>
+                                  </p:stCondLst>
+                                  <p:childTnLst>
+                                    <p:set>
+                                      <p:cBhvr>
+                                        <p:cTn id="56" dur="1" fill="hold">
+                                          <p:stCondLst>
+                                            <p:cond delay="0"/>
+                                          </p:stCondLst>
+                                        </p:cTn>
+                                        <p:tgtEl>
+                                          <p:spTgt spid="5">
+                                            <p:txEl>
+                                              <p:pRg st="9" end="9"/>
+                                            </p:txEl>
+                                          </p:spTgt>
+                                        </p:tgtEl>
+                                        <p:attrNameLst>
+                                          <p:attrName>style.visibility</p:attrName>
+                                        </p:attrNameLst>
+                                      </p:cBhvr>
+                                      <p:to>
+                                        <p:strVal val="visible"/>
+                                      </p:to>
+                                    </p:set>
+                                    <p:animEffect transition="in" filter="dissolve">
+                                      <p:cBhvr>
+                                        <p:cTn id="57" dur="500"/>
+                                        <p:tgtEl>
+                                          <p:spTgt spid="5">
+                                            <p:txEl>
+                                              <p:pRg st="9" end="9"/>
+                                            </p:txEl>
+                                          </p:spTgt>
+                                        </p:tgtEl>
+                                      </p:cBhvr>
+                                    </p:animEffect>
+                                  </p:childTnLst>
+                                </p:cTn>
+                              </p:par>
+                              <p:par>
+                                <p:cTn id="58" presetID="9" presetClass="entr" presetSubtype="0" fill="hold" nodeType="withEffect">
+                                  <p:stCondLst>
+                                    <p:cond delay="0"/>
+                                  </p:stCondLst>
+                                  <p:childTnLst>
+                                    <p:set>
+                                      <p:cBhvr>
+                                        <p:cTn id="59" dur="1" fill="hold">
+                                          <p:stCondLst>
+                                            <p:cond delay="0"/>
+                                          </p:stCondLst>
+                                        </p:cTn>
+                                        <p:tgtEl>
+                                          <p:spTgt spid="5">
+                                            <p:txEl>
+                                              <p:pRg st="10" end="10"/>
+                                            </p:txEl>
+                                          </p:spTgt>
+                                        </p:tgtEl>
+                                        <p:attrNameLst>
+                                          <p:attrName>style.visibility</p:attrName>
+                                        </p:attrNameLst>
+                                      </p:cBhvr>
+                                      <p:to>
+                                        <p:strVal val="visible"/>
+                                      </p:to>
+                                    </p:set>
+                                    <p:animEffect transition="in" filter="dissolve">
+                                      <p:cBhvr>
+                                        <p:cTn id="60" dur="500"/>
+                                        <p:tgtEl>
+                                          <p:spTgt spid="5">
+                                            <p:txEl>
+                                              <p:pRg st="10" end="10"/>
+                                            </p:txEl>
+                                          </p:spTgt>
+                                        </p:tgtEl>
+                                      </p:cBhvr>
+                                    </p:animEffect>
+                                  </p:childTnLst>
+                                </p:cTn>
+                              </p:par>
+                              <p:par>
+                                <p:cTn id="61" presetID="9" presetClass="entr" presetSubtype="0" fill="hold" nodeType="withEffect">
+                                  <p:stCondLst>
+                                    <p:cond delay="0"/>
+                                  </p:stCondLst>
+                                  <p:childTnLst>
+                                    <p:set>
+                                      <p:cBhvr>
+                                        <p:cTn id="62" dur="1" fill="hold">
+                                          <p:stCondLst>
+                                            <p:cond delay="0"/>
+                                          </p:stCondLst>
+                                        </p:cTn>
+                                        <p:tgtEl>
+                                          <p:spTgt spid="5">
+                                            <p:txEl>
+                                              <p:pRg st="11" end="11"/>
+                                            </p:txEl>
+                                          </p:spTgt>
+                                        </p:tgtEl>
+                                        <p:attrNameLst>
+                                          <p:attrName>style.visibility</p:attrName>
+                                        </p:attrNameLst>
+                                      </p:cBhvr>
+                                      <p:to>
+                                        <p:strVal val="visible"/>
+                                      </p:to>
+                                    </p:set>
+                                    <p:animEffect transition="in" filter="dissolve">
+                                      <p:cBhvr>
+                                        <p:cTn id="63" dur="500"/>
+                                        <p:tgtEl>
+                                          <p:spTgt spid="5">
+                                            <p:txEl>
+                                              <p:pRg st="11" end="11"/>
+                                            </p:txEl>
+                                          </p:spTgt>
+                                        </p:tgtEl>
+                                      </p:cBhvr>
+                                    </p:animEffect>
+                                  </p:childTnLst>
+                                </p:cTn>
+                              </p:par>
+                            </p:childTnLst>
+                          </p:cTn>
+                        </p:par>
+                      </p:childTnLst>
+                    </p:cTn>
+                  </p:par>
+                </p:childTnLst>
+              </p:cTn>
+              <p:prevCondLst>
+                <p:cond evt="onPrev" delay="0">
+                  <p:tgtEl>
+                    <p:sldTgt/>
+                  </p:tgtEl>
+                </p:cond>
+              </p:prevCondLst>
+              <p:nextCondLst>
+                <p:cond evt="onNext" delay="0">
+                  <p:tgtEl>
+                    <p:sldTgt/>
+                  </p:tgtEl>
+                </p:cond>
+              </p:nextCondLst>
+            </p:seq>
+          </p:childTnLst>
+        </p:cTn>
       </p:par>
     </p:tnLst>
   </p:timing>
@@ -8626,8 +12730,8 @@
         </p:nvSpPr>
         <p:spPr>
           <a:xfrm>
-            <a:off x="939800" y="2642583"/>
-            <a:ext cx="3311057" cy="5750591"/>
+            <a:off x="939801" y="2642583"/>
+            <a:ext cx="2697906" cy="5242381"/>
           </a:xfrm>
         </p:spPr>
         <p:txBody>
@@ -9077,7 +13181,7 @@
         <p:spPr>
           <a:xfrm>
             <a:off x="4066745" y="2642583"/>
-            <a:ext cx="3311057" cy="5242381"/>
+            <a:ext cx="2973471" cy="5242381"/>
           </a:xfrm>
           <a:prstGeom prst="rect">
             <a:avLst/>
@@ -9747,9 +13851,1599 @@
   <p:timing>
     <p:tnLst>
       <p:par>
-        <p:cTn xmlns:p14="http://schemas.microsoft.com/office/powerpoint/2010/main" id="1" dur="indefinite" restart="never" nodeType="tmRoot"/>
+        <p:cTn xmlns:p14="http://schemas.microsoft.com/office/powerpoint/2010/main" id="1" dur="indefinite" restart="never" nodeType="tmRoot">
+          <p:childTnLst>
+            <p:seq concurrent="1" nextAc="seek">
+              <p:cTn id="2" dur="indefinite" nodeType="mainSeq">
+                <p:childTnLst>
+                  <p:par>
+                    <p:cTn id="3" fill="hold">
+                      <p:stCondLst>
+                        <p:cond delay="indefinite"/>
+                      </p:stCondLst>
+                      <p:childTnLst>
+                        <p:par>
+                          <p:cTn id="4" fill="hold">
+                            <p:stCondLst>
+                              <p:cond delay="0"/>
+                            </p:stCondLst>
+                            <p:childTnLst>
+                              <p:par>
+                                <p:cTn id="5" presetID="2" presetClass="entr" presetSubtype="4" fill="hold" grpId="0" nodeType="clickEffect">
+                                  <p:stCondLst>
+                                    <p:cond delay="0"/>
+                                  </p:stCondLst>
+                                  <p:childTnLst>
+                                    <p:set>
+                                      <p:cBhvr>
+                                        <p:cTn id="6" dur="1" fill="hold">
+                                          <p:stCondLst>
+                                            <p:cond delay="0"/>
+                                          </p:stCondLst>
+                                        </p:cTn>
+                                        <p:tgtEl>
+                                          <p:spTgt spid="5">
+                                            <p:bg/>
+                                          </p:spTgt>
+                                        </p:tgtEl>
+                                        <p:attrNameLst>
+                                          <p:attrName>style.visibility</p:attrName>
+                                        </p:attrNameLst>
+                                      </p:cBhvr>
+                                      <p:to>
+                                        <p:strVal val="visible"/>
+                                      </p:to>
+                                    </p:set>
+                                    <p:anim calcmode="lin" valueType="num">
+                                      <p:cBhvr additive="base">
+                                        <p:cTn id="7" dur="500" fill="hold"/>
+                                        <p:tgtEl>
+                                          <p:spTgt spid="5">
+                                            <p:bg/>
+                                          </p:spTgt>
+                                        </p:tgtEl>
+                                        <p:attrNameLst>
+                                          <p:attrName>ppt_x</p:attrName>
+                                        </p:attrNameLst>
+                                      </p:cBhvr>
+                                      <p:tavLst>
+                                        <p:tav tm="0">
+                                          <p:val>
+                                            <p:strVal val="#ppt_x"/>
+                                          </p:val>
+                                        </p:tav>
+                                        <p:tav tm="100000">
+                                          <p:val>
+                                            <p:strVal val="#ppt_x"/>
+                                          </p:val>
+                                        </p:tav>
+                                      </p:tavLst>
+                                    </p:anim>
+                                    <p:anim calcmode="lin" valueType="num">
+                                      <p:cBhvr additive="base">
+                                        <p:cTn id="8" dur="500" fill="hold"/>
+                                        <p:tgtEl>
+                                          <p:spTgt spid="5">
+                                            <p:bg/>
+                                          </p:spTgt>
+                                        </p:tgtEl>
+                                        <p:attrNameLst>
+                                          <p:attrName>ppt_y</p:attrName>
+                                        </p:attrNameLst>
+                                      </p:cBhvr>
+                                      <p:tavLst>
+                                        <p:tav tm="0">
+                                          <p:val>
+                                            <p:strVal val="1+#ppt_h/2"/>
+                                          </p:val>
+                                        </p:tav>
+                                        <p:tav tm="100000">
+                                          <p:val>
+                                            <p:strVal val="#ppt_y"/>
+                                          </p:val>
+                                        </p:tav>
+                                      </p:tavLst>
+                                    </p:anim>
+                                  </p:childTnLst>
+                                </p:cTn>
+                              </p:par>
+                            </p:childTnLst>
+                          </p:cTn>
+                        </p:par>
+                      </p:childTnLst>
+                    </p:cTn>
+                  </p:par>
+                  <p:par>
+                    <p:cTn id="9" fill="hold">
+                      <p:stCondLst>
+                        <p:cond delay="indefinite"/>
+                      </p:stCondLst>
+                      <p:childTnLst>
+                        <p:par>
+                          <p:cTn id="10" fill="hold">
+                            <p:stCondLst>
+                              <p:cond delay="0"/>
+                            </p:stCondLst>
+                            <p:childTnLst>
+                              <p:par>
+                                <p:cTn id="11" presetID="2" presetClass="entr" presetSubtype="4" fill="hold" grpId="0" nodeType="clickEffect">
+                                  <p:stCondLst>
+                                    <p:cond delay="0"/>
+                                  </p:stCondLst>
+                                  <p:childTnLst>
+                                    <p:set>
+                                      <p:cBhvr>
+                                        <p:cTn id="12" dur="1" fill="hold">
+                                          <p:stCondLst>
+                                            <p:cond delay="0"/>
+                                          </p:stCondLst>
+                                        </p:cTn>
+                                        <p:tgtEl>
+                                          <p:spTgt spid="5">
+                                            <p:txEl>
+                                              <p:pRg st="0" end="0"/>
+                                            </p:txEl>
+                                          </p:spTgt>
+                                        </p:tgtEl>
+                                        <p:attrNameLst>
+                                          <p:attrName>style.visibility</p:attrName>
+                                        </p:attrNameLst>
+                                      </p:cBhvr>
+                                      <p:to>
+                                        <p:strVal val="visible"/>
+                                      </p:to>
+                                    </p:set>
+                                    <p:anim calcmode="lin" valueType="num">
+                                      <p:cBhvr additive="base">
+                                        <p:cTn id="13" dur="500" fill="hold"/>
+                                        <p:tgtEl>
+                                          <p:spTgt spid="5">
+                                            <p:txEl>
+                                              <p:pRg st="0" end="0"/>
+                                            </p:txEl>
+                                          </p:spTgt>
+                                        </p:tgtEl>
+                                        <p:attrNameLst>
+                                          <p:attrName>ppt_x</p:attrName>
+                                        </p:attrNameLst>
+                                      </p:cBhvr>
+                                      <p:tavLst>
+                                        <p:tav tm="0">
+                                          <p:val>
+                                            <p:strVal val="#ppt_x"/>
+                                          </p:val>
+                                        </p:tav>
+                                        <p:tav tm="100000">
+                                          <p:val>
+                                            <p:strVal val="#ppt_x"/>
+                                          </p:val>
+                                        </p:tav>
+                                      </p:tavLst>
+                                    </p:anim>
+                                    <p:anim calcmode="lin" valueType="num">
+                                      <p:cBhvr additive="base">
+                                        <p:cTn id="14" dur="500" fill="hold"/>
+                                        <p:tgtEl>
+                                          <p:spTgt spid="5">
+                                            <p:txEl>
+                                              <p:pRg st="0" end="0"/>
+                                            </p:txEl>
+                                          </p:spTgt>
+                                        </p:tgtEl>
+                                        <p:attrNameLst>
+                                          <p:attrName>ppt_y</p:attrName>
+                                        </p:attrNameLst>
+                                      </p:cBhvr>
+                                      <p:tavLst>
+                                        <p:tav tm="0">
+                                          <p:val>
+                                            <p:strVal val="1+#ppt_h/2"/>
+                                          </p:val>
+                                        </p:tav>
+                                        <p:tav tm="100000">
+                                          <p:val>
+                                            <p:strVal val="#ppt_y"/>
+                                          </p:val>
+                                        </p:tav>
+                                      </p:tavLst>
+                                    </p:anim>
+                                  </p:childTnLst>
+                                </p:cTn>
+                              </p:par>
+                            </p:childTnLst>
+                          </p:cTn>
+                        </p:par>
+                      </p:childTnLst>
+                    </p:cTn>
+                  </p:par>
+                  <p:par>
+                    <p:cTn id="15" fill="hold">
+                      <p:stCondLst>
+                        <p:cond delay="indefinite"/>
+                      </p:stCondLst>
+                      <p:childTnLst>
+                        <p:par>
+                          <p:cTn id="16" fill="hold">
+                            <p:stCondLst>
+                              <p:cond delay="0"/>
+                            </p:stCondLst>
+                            <p:childTnLst>
+                              <p:par>
+                                <p:cTn id="17" presetID="2" presetClass="entr" presetSubtype="4" fill="hold" grpId="0" nodeType="clickEffect">
+                                  <p:stCondLst>
+                                    <p:cond delay="0"/>
+                                  </p:stCondLst>
+                                  <p:childTnLst>
+                                    <p:set>
+                                      <p:cBhvr>
+                                        <p:cTn id="18" dur="1" fill="hold">
+                                          <p:stCondLst>
+                                            <p:cond delay="0"/>
+                                          </p:stCondLst>
+                                        </p:cTn>
+                                        <p:tgtEl>
+                                          <p:spTgt spid="5">
+                                            <p:txEl>
+                                              <p:pRg st="1" end="1"/>
+                                            </p:txEl>
+                                          </p:spTgt>
+                                        </p:tgtEl>
+                                        <p:attrNameLst>
+                                          <p:attrName>style.visibility</p:attrName>
+                                        </p:attrNameLst>
+                                      </p:cBhvr>
+                                      <p:to>
+                                        <p:strVal val="visible"/>
+                                      </p:to>
+                                    </p:set>
+                                    <p:anim calcmode="lin" valueType="num">
+                                      <p:cBhvr additive="base">
+                                        <p:cTn id="19" dur="500" fill="hold"/>
+                                        <p:tgtEl>
+                                          <p:spTgt spid="5">
+                                            <p:txEl>
+                                              <p:pRg st="1" end="1"/>
+                                            </p:txEl>
+                                          </p:spTgt>
+                                        </p:tgtEl>
+                                        <p:attrNameLst>
+                                          <p:attrName>ppt_x</p:attrName>
+                                        </p:attrNameLst>
+                                      </p:cBhvr>
+                                      <p:tavLst>
+                                        <p:tav tm="0">
+                                          <p:val>
+                                            <p:strVal val="#ppt_x"/>
+                                          </p:val>
+                                        </p:tav>
+                                        <p:tav tm="100000">
+                                          <p:val>
+                                            <p:strVal val="#ppt_x"/>
+                                          </p:val>
+                                        </p:tav>
+                                      </p:tavLst>
+                                    </p:anim>
+                                    <p:anim calcmode="lin" valueType="num">
+                                      <p:cBhvr additive="base">
+                                        <p:cTn id="20" dur="500" fill="hold"/>
+                                        <p:tgtEl>
+                                          <p:spTgt spid="5">
+                                            <p:txEl>
+                                              <p:pRg st="1" end="1"/>
+                                            </p:txEl>
+                                          </p:spTgt>
+                                        </p:tgtEl>
+                                        <p:attrNameLst>
+                                          <p:attrName>ppt_y</p:attrName>
+                                        </p:attrNameLst>
+                                      </p:cBhvr>
+                                      <p:tavLst>
+                                        <p:tav tm="0">
+                                          <p:val>
+                                            <p:strVal val="1+#ppt_h/2"/>
+                                          </p:val>
+                                        </p:tav>
+                                        <p:tav tm="100000">
+                                          <p:val>
+                                            <p:strVal val="#ppt_y"/>
+                                          </p:val>
+                                        </p:tav>
+                                      </p:tavLst>
+                                    </p:anim>
+                                  </p:childTnLst>
+                                </p:cTn>
+                              </p:par>
+                            </p:childTnLst>
+                          </p:cTn>
+                        </p:par>
+                      </p:childTnLst>
+                    </p:cTn>
+                  </p:par>
+                  <p:par>
+                    <p:cTn id="21" fill="hold">
+                      <p:stCondLst>
+                        <p:cond delay="indefinite"/>
+                      </p:stCondLst>
+                      <p:childTnLst>
+                        <p:par>
+                          <p:cTn id="22" fill="hold">
+                            <p:stCondLst>
+                              <p:cond delay="0"/>
+                            </p:stCondLst>
+                            <p:childTnLst>
+                              <p:par>
+                                <p:cTn id="23" presetID="2" presetClass="entr" presetSubtype="4" fill="hold" grpId="0" nodeType="clickEffect">
+                                  <p:stCondLst>
+                                    <p:cond delay="0"/>
+                                  </p:stCondLst>
+                                  <p:childTnLst>
+                                    <p:set>
+                                      <p:cBhvr>
+                                        <p:cTn id="24" dur="1" fill="hold">
+                                          <p:stCondLst>
+                                            <p:cond delay="0"/>
+                                          </p:stCondLst>
+                                        </p:cTn>
+                                        <p:tgtEl>
+                                          <p:spTgt spid="5">
+                                            <p:txEl>
+                                              <p:pRg st="2" end="2"/>
+                                            </p:txEl>
+                                          </p:spTgt>
+                                        </p:tgtEl>
+                                        <p:attrNameLst>
+                                          <p:attrName>style.visibility</p:attrName>
+                                        </p:attrNameLst>
+                                      </p:cBhvr>
+                                      <p:to>
+                                        <p:strVal val="visible"/>
+                                      </p:to>
+                                    </p:set>
+                                    <p:anim calcmode="lin" valueType="num">
+                                      <p:cBhvr additive="base">
+                                        <p:cTn id="25" dur="500" fill="hold"/>
+                                        <p:tgtEl>
+                                          <p:spTgt spid="5">
+                                            <p:txEl>
+                                              <p:pRg st="2" end="2"/>
+                                            </p:txEl>
+                                          </p:spTgt>
+                                        </p:tgtEl>
+                                        <p:attrNameLst>
+                                          <p:attrName>ppt_x</p:attrName>
+                                        </p:attrNameLst>
+                                      </p:cBhvr>
+                                      <p:tavLst>
+                                        <p:tav tm="0">
+                                          <p:val>
+                                            <p:strVal val="#ppt_x"/>
+                                          </p:val>
+                                        </p:tav>
+                                        <p:tav tm="100000">
+                                          <p:val>
+                                            <p:strVal val="#ppt_x"/>
+                                          </p:val>
+                                        </p:tav>
+                                      </p:tavLst>
+                                    </p:anim>
+                                    <p:anim calcmode="lin" valueType="num">
+                                      <p:cBhvr additive="base">
+                                        <p:cTn id="26" dur="500" fill="hold"/>
+                                        <p:tgtEl>
+                                          <p:spTgt spid="5">
+                                            <p:txEl>
+                                              <p:pRg st="2" end="2"/>
+                                            </p:txEl>
+                                          </p:spTgt>
+                                        </p:tgtEl>
+                                        <p:attrNameLst>
+                                          <p:attrName>ppt_y</p:attrName>
+                                        </p:attrNameLst>
+                                      </p:cBhvr>
+                                      <p:tavLst>
+                                        <p:tav tm="0">
+                                          <p:val>
+                                            <p:strVal val="1+#ppt_h/2"/>
+                                          </p:val>
+                                        </p:tav>
+                                        <p:tav tm="100000">
+                                          <p:val>
+                                            <p:strVal val="#ppt_y"/>
+                                          </p:val>
+                                        </p:tav>
+                                      </p:tavLst>
+                                    </p:anim>
+                                  </p:childTnLst>
+                                </p:cTn>
+                              </p:par>
+                            </p:childTnLst>
+                          </p:cTn>
+                        </p:par>
+                      </p:childTnLst>
+                    </p:cTn>
+                  </p:par>
+                  <p:par>
+                    <p:cTn id="27" fill="hold">
+                      <p:stCondLst>
+                        <p:cond delay="indefinite"/>
+                      </p:stCondLst>
+                      <p:childTnLst>
+                        <p:par>
+                          <p:cTn id="28" fill="hold">
+                            <p:stCondLst>
+                              <p:cond delay="0"/>
+                            </p:stCondLst>
+                            <p:childTnLst>
+                              <p:par>
+                                <p:cTn id="29" presetID="2" presetClass="entr" presetSubtype="4" fill="hold" grpId="0" nodeType="clickEffect">
+                                  <p:stCondLst>
+                                    <p:cond delay="0"/>
+                                  </p:stCondLst>
+                                  <p:childTnLst>
+                                    <p:set>
+                                      <p:cBhvr>
+                                        <p:cTn id="30" dur="1" fill="hold">
+                                          <p:stCondLst>
+                                            <p:cond delay="0"/>
+                                          </p:stCondLst>
+                                        </p:cTn>
+                                        <p:tgtEl>
+                                          <p:spTgt spid="5">
+                                            <p:txEl>
+                                              <p:pRg st="3" end="3"/>
+                                            </p:txEl>
+                                          </p:spTgt>
+                                        </p:tgtEl>
+                                        <p:attrNameLst>
+                                          <p:attrName>style.visibility</p:attrName>
+                                        </p:attrNameLst>
+                                      </p:cBhvr>
+                                      <p:to>
+                                        <p:strVal val="visible"/>
+                                      </p:to>
+                                    </p:set>
+                                    <p:anim calcmode="lin" valueType="num">
+                                      <p:cBhvr additive="base">
+                                        <p:cTn id="31" dur="500" fill="hold"/>
+                                        <p:tgtEl>
+                                          <p:spTgt spid="5">
+                                            <p:txEl>
+                                              <p:pRg st="3" end="3"/>
+                                            </p:txEl>
+                                          </p:spTgt>
+                                        </p:tgtEl>
+                                        <p:attrNameLst>
+                                          <p:attrName>ppt_x</p:attrName>
+                                        </p:attrNameLst>
+                                      </p:cBhvr>
+                                      <p:tavLst>
+                                        <p:tav tm="0">
+                                          <p:val>
+                                            <p:strVal val="#ppt_x"/>
+                                          </p:val>
+                                        </p:tav>
+                                        <p:tav tm="100000">
+                                          <p:val>
+                                            <p:strVal val="#ppt_x"/>
+                                          </p:val>
+                                        </p:tav>
+                                      </p:tavLst>
+                                    </p:anim>
+                                    <p:anim calcmode="lin" valueType="num">
+                                      <p:cBhvr additive="base">
+                                        <p:cTn id="32" dur="500" fill="hold"/>
+                                        <p:tgtEl>
+                                          <p:spTgt spid="5">
+                                            <p:txEl>
+                                              <p:pRg st="3" end="3"/>
+                                            </p:txEl>
+                                          </p:spTgt>
+                                        </p:tgtEl>
+                                        <p:attrNameLst>
+                                          <p:attrName>ppt_y</p:attrName>
+                                        </p:attrNameLst>
+                                      </p:cBhvr>
+                                      <p:tavLst>
+                                        <p:tav tm="0">
+                                          <p:val>
+                                            <p:strVal val="1+#ppt_h/2"/>
+                                          </p:val>
+                                        </p:tav>
+                                        <p:tav tm="100000">
+                                          <p:val>
+                                            <p:strVal val="#ppt_y"/>
+                                          </p:val>
+                                        </p:tav>
+                                      </p:tavLst>
+                                    </p:anim>
+                                  </p:childTnLst>
+                                </p:cTn>
+                              </p:par>
+                            </p:childTnLst>
+                          </p:cTn>
+                        </p:par>
+                      </p:childTnLst>
+                    </p:cTn>
+                  </p:par>
+                  <p:par>
+                    <p:cTn id="33" fill="hold">
+                      <p:stCondLst>
+                        <p:cond delay="indefinite"/>
+                      </p:stCondLst>
+                      <p:childTnLst>
+                        <p:par>
+                          <p:cTn id="34" fill="hold">
+                            <p:stCondLst>
+                              <p:cond delay="0"/>
+                            </p:stCondLst>
+                            <p:childTnLst>
+                              <p:par>
+                                <p:cTn id="35" presetID="2" presetClass="entr" presetSubtype="4" fill="hold" grpId="0" nodeType="clickEffect">
+                                  <p:stCondLst>
+                                    <p:cond delay="0"/>
+                                  </p:stCondLst>
+                                  <p:childTnLst>
+                                    <p:set>
+                                      <p:cBhvr>
+                                        <p:cTn id="36" dur="1" fill="hold">
+                                          <p:stCondLst>
+                                            <p:cond delay="0"/>
+                                          </p:stCondLst>
+                                        </p:cTn>
+                                        <p:tgtEl>
+                                          <p:spTgt spid="5">
+                                            <p:txEl>
+                                              <p:pRg st="4" end="4"/>
+                                            </p:txEl>
+                                          </p:spTgt>
+                                        </p:tgtEl>
+                                        <p:attrNameLst>
+                                          <p:attrName>style.visibility</p:attrName>
+                                        </p:attrNameLst>
+                                      </p:cBhvr>
+                                      <p:to>
+                                        <p:strVal val="visible"/>
+                                      </p:to>
+                                    </p:set>
+                                    <p:anim calcmode="lin" valueType="num">
+                                      <p:cBhvr additive="base">
+                                        <p:cTn id="37" dur="500" fill="hold"/>
+                                        <p:tgtEl>
+                                          <p:spTgt spid="5">
+                                            <p:txEl>
+                                              <p:pRg st="4" end="4"/>
+                                            </p:txEl>
+                                          </p:spTgt>
+                                        </p:tgtEl>
+                                        <p:attrNameLst>
+                                          <p:attrName>ppt_x</p:attrName>
+                                        </p:attrNameLst>
+                                      </p:cBhvr>
+                                      <p:tavLst>
+                                        <p:tav tm="0">
+                                          <p:val>
+                                            <p:strVal val="#ppt_x"/>
+                                          </p:val>
+                                        </p:tav>
+                                        <p:tav tm="100000">
+                                          <p:val>
+                                            <p:strVal val="#ppt_x"/>
+                                          </p:val>
+                                        </p:tav>
+                                      </p:tavLst>
+                                    </p:anim>
+                                    <p:anim calcmode="lin" valueType="num">
+                                      <p:cBhvr additive="base">
+                                        <p:cTn id="38" dur="500" fill="hold"/>
+                                        <p:tgtEl>
+                                          <p:spTgt spid="5">
+                                            <p:txEl>
+                                              <p:pRg st="4" end="4"/>
+                                            </p:txEl>
+                                          </p:spTgt>
+                                        </p:tgtEl>
+                                        <p:attrNameLst>
+                                          <p:attrName>ppt_y</p:attrName>
+                                        </p:attrNameLst>
+                                      </p:cBhvr>
+                                      <p:tavLst>
+                                        <p:tav tm="0">
+                                          <p:val>
+                                            <p:strVal val="1+#ppt_h/2"/>
+                                          </p:val>
+                                        </p:tav>
+                                        <p:tav tm="100000">
+                                          <p:val>
+                                            <p:strVal val="#ppt_y"/>
+                                          </p:val>
+                                        </p:tav>
+                                      </p:tavLst>
+                                    </p:anim>
+                                  </p:childTnLst>
+                                </p:cTn>
+                              </p:par>
+                            </p:childTnLst>
+                          </p:cTn>
+                        </p:par>
+                      </p:childTnLst>
+                    </p:cTn>
+                  </p:par>
+                  <p:par>
+                    <p:cTn id="39" fill="hold">
+                      <p:stCondLst>
+                        <p:cond delay="indefinite"/>
+                      </p:stCondLst>
+                      <p:childTnLst>
+                        <p:par>
+                          <p:cTn id="40" fill="hold">
+                            <p:stCondLst>
+                              <p:cond delay="0"/>
+                            </p:stCondLst>
+                            <p:childTnLst>
+                              <p:par>
+                                <p:cTn id="41" presetID="2" presetClass="entr" presetSubtype="4" fill="hold" grpId="0" nodeType="clickEffect">
+                                  <p:stCondLst>
+                                    <p:cond delay="0"/>
+                                  </p:stCondLst>
+                                  <p:childTnLst>
+                                    <p:set>
+                                      <p:cBhvr>
+                                        <p:cTn id="42" dur="1" fill="hold">
+                                          <p:stCondLst>
+                                            <p:cond delay="0"/>
+                                          </p:stCondLst>
+                                        </p:cTn>
+                                        <p:tgtEl>
+                                          <p:spTgt spid="5">
+                                            <p:txEl>
+                                              <p:pRg st="5" end="5"/>
+                                            </p:txEl>
+                                          </p:spTgt>
+                                        </p:tgtEl>
+                                        <p:attrNameLst>
+                                          <p:attrName>style.visibility</p:attrName>
+                                        </p:attrNameLst>
+                                      </p:cBhvr>
+                                      <p:to>
+                                        <p:strVal val="visible"/>
+                                      </p:to>
+                                    </p:set>
+                                    <p:anim calcmode="lin" valueType="num">
+                                      <p:cBhvr additive="base">
+                                        <p:cTn id="43" dur="500" fill="hold"/>
+                                        <p:tgtEl>
+                                          <p:spTgt spid="5">
+                                            <p:txEl>
+                                              <p:pRg st="5" end="5"/>
+                                            </p:txEl>
+                                          </p:spTgt>
+                                        </p:tgtEl>
+                                        <p:attrNameLst>
+                                          <p:attrName>ppt_x</p:attrName>
+                                        </p:attrNameLst>
+                                      </p:cBhvr>
+                                      <p:tavLst>
+                                        <p:tav tm="0">
+                                          <p:val>
+                                            <p:strVal val="#ppt_x"/>
+                                          </p:val>
+                                        </p:tav>
+                                        <p:tav tm="100000">
+                                          <p:val>
+                                            <p:strVal val="#ppt_x"/>
+                                          </p:val>
+                                        </p:tav>
+                                      </p:tavLst>
+                                    </p:anim>
+                                    <p:anim calcmode="lin" valueType="num">
+                                      <p:cBhvr additive="base">
+                                        <p:cTn id="44" dur="500" fill="hold"/>
+                                        <p:tgtEl>
+                                          <p:spTgt spid="5">
+                                            <p:txEl>
+                                              <p:pRg st="5" end="5"/>
+                                            </p:txEl>
+                                          </p:spTgt>
+                                        </p:tgtEl>
+                                        <p:attrNameLst>
+                                          <p:attrName>ppt_y</p:attrName>
+                                        </p:attrNameLst>
+                                      </p:cBhvr>
+                                      <p:tavLst>
+                                        <p:tav tm="0">
+                                          <p:val>
+                                            <p:strVal val="1+#ppt_h/2"/>
+                                          </p:val>
+                                        </p:tav>
+                                        <p:tav tm="100000">
+                                          <p:val>
+                                            <p:strVal val="#ppt_y"/>
+                                          </p:val>
+                                        </p:tav>
+                                      </p:tavLst>
+                                    </p:anim>
+                                  </p:childTnLst>
+                                </p:cTn>
+                              </p:par>
+                            </p:childTnLst>
+                          </p:cTn>
+                        </p:par>
+                      </p:childTnLst>
+                    </p:cTn>
+                  </p:par>
+                  <p:par>
+                    <p:cTn id="45" fill="hold">
+                      <p:stCondLst>
+                        <p:cond delay="indefinite"/>
+                      </p:stCondLst>
+                      <p:childTnLst>
+                        <p:par>
+                          <p:cTn id="46" fill="hold">
+                            <p:stCondLst>
+                              <p:cond delay="0"/>
+                            </p:stCondLst>
+                            <p:childTnLst>
+                              <p:par>
+                                <p:cTn id="47" presetID="2" presetClass="entr" presetSubtype="4" fill="hold" grpId="0" nodeType="clickEffect">
+                                  <p:stCondLst>
+                                    <p:cond delay="0"/>
+                                  </p:stCondLst>
+                                  <p:childTnLst>
+                                    <p:set>
+                                      <p:cBhvr>
+                                        <p:cTn id="48" dur="1" fill="hold">
+                                          <p:stCondLst>
+                                            <p:cond delay="0"/>
+                                          </p:stCondLst>
+                                        </p:cTn>
+                                        <p:tgtEl>
+                                          <p:spTgt spid="5">
+                                            <p:txEl>
+                                              <p:pRg st="6" end="6"/>
+                                            </p:txEl>
+                                          </p:spTgt>
+                                        </p:tgtEl>
+                                        <p:attrNameLst>
+                                          <p:attrName>style.visibility</p:attrName>
+                                        </p:attrNameLst>
+                                      </p:cBhvr>
+                                      <p:to>
+                                        <p:strVal val="visible"/>
+                                      </p:to>
+                                    </p:set>
+                                    <p:anim calcmode="lin" valueType="num">
+                                      <p:cBhvr additive="base">
+                                        <p:cTn id="49" dur="500" fill="hold"/>
+                                        <p:tgtEl>
+                                          <p:spTgt spid="5">
+                                            <p:txEl>
+                                              <p:pRg st="6" end="6"/>
+                                            </p:txEl>
+                                          </p:spTgt>
+                                        </p:tgtEl>
+                                        <p:attrNameLst>
+                                          <p:attrName>ppt_x</p:attrName>
+                                        </p:attrNameLst>
+                                      </p:cBhvr>
+                                      <p:tavLst>
+                                        <p:tav tm="0">
+                                          <p:val>
+                                            <p:strVal val="#ppt_x"/>
+                                          </p:val>
+                                        </p:tav>
+                                        <p:tav tm="100000">
+                                          <p:val>
+                                            <p:strVal val="#ppt_x"/>
+                                          </p:val>
+                                        </p:tav>
+                                      </p:tavLst>
+                                    </p:anim>
+                                    <p:anim calcmode="lin" valueType="num">
+                                      <p:cBhvr additive="base">
+                                        <p:cTn id="50" dur="500" fill="hold"/>
+                                        <p:tgtEl>
+                                          <p:spTgt spid="5">
+                                            <p:txEl>
+                                              <p:pRg st="6" end="6"/>
+                                            </p:txEl>
+                                          </p:spTgt>
+                                        </p:tgtEl>
+                                        <p:attrNameLst>
+                                          <p:attrName>ppt_y</p:attrName>
+                                        </p:attrNameLst>
+                                      </p:cBhvr>
+                                      <p:tavLst>
+                                        <p:tav tm="0">
+                                          <p:val>
+                                            <p:strVal val="1+#ppt_h/2"/>
+                                          </p:val>
+                                        </p:tav>
+                                        <p:tav tm="100000">
+                                          <p:val>
+                                            <p:strVal val="#ppt_y"/>
+                                          </p:val>
+                                        </p:tav>
+                                      </p:tavLst>
+                                    </p:anim>
+                                  </p:childTnLst>
+                                </p:cTn>
+                              </p:par>
+                            </p:childTnLst>
+                          </p:cTn>
+                        </p:par>
+                      </p:childTnLst>
+                    </p:cTn>
+                  </p:par>
+                  <p:par>
+                    <p:cTn id="51" fill="hold">
+                      <p:stCondLst>
+                        <p:cond delay="indefinite"/>
+                      </p:stCondLst>
+                      <p:childTnLst>
+                        <p:par>
+                          <p:cTn id="52" fill="hold">
+                            <p:stCondLst>
+                              <p:cond delay="0"/>
+                            </p:stCondLst>
+                            <p:childTnLst>
+                              <p:par>
+                                <p:cTn id="53" presetID="2" presetClass="entr" presetSubtype="4" fill="hold" grpId="0" nodeType="clickEffect">
+                                  <p:stCondLst>
+                                    <p:cond delay="0"/>
+                                  </p:stCondLst>
+                                  <p:childTnLst>
+                                    <p:set>
+                                      <p:cBhvr>
+                                        <p:cTn id="54" dur="1" fill="hold">
+                                          <p:stCondLst>
+                                            <p:cond delay="0"/>
+                                          </p:stCondLst>
+                                        </p:cTn>
+                                        <p:tgtEl>
+                                          <p:spTgt spid="5">
+                                            <p:txEl>
+                                              <p:pRg st="7" end="7"/>
+                                            </p:txEl>
+                                          </p:spTgt>
+                                        </p:tgtEl>
+                                        <p:attrNameLst>
+                                          <p:attrName>style.visibility</p:attrName>
+                                        </p:attrNameLst>
+                                      </p:cBhvr>
+                                      <p:to>
+                                        <p:strVal val="visible"/>
+                                      </p:to>
+                                    </p:set>
+                                    <p:anim calcmode="lin" valueType="num">
+                                      <p:cBhvr additive="base">
+                                        <p:cTn id="55" dur="500" fill="hold"/>
+                                        <p:tgtEl>
+                                          <p:spTgt spid="5">
+                                            <p:txEl>
+                                              <p:pRg st="7" end="7"/>
+                                            </p:txEl>
+                                          </p:spTgt>
+                                        </p:tgtEl>
+                                        <p:attrNameLst>
+                                          <p:attrName>ppt_x</p:attrName>
+                                        </p:attrNameLst>
+                                      </p:cBhvr>
+                                      <p:tavLst>
+                                        <p:tav tm="0">
+                                          <p:val>
+                                            <p:strVal val="#ppt_x"/>
+                                          </p:val>
+                                        </p:tav>
+                                        <p:tav tm="100000">
+                                          <p:val>
+                                            <p:strVal val="#ppt_x"/>
+                                          </p:val>
+                                        </p:tav>
+                                      </p:tavLst>
+                                    </p:anim>
+                                    <p:anim calcmode="lin" valueType="num">
+                                      <p:cBhvr additive="base">
+                                        <p:cTn id="56" dur="500" fill="hold"/>
+                                        <p:tgtEl>
+                                          <p:spTgt spid="5">
+                                            <p:txEl>
+                                              <p:pRg st="7" end="7"/>
+                                            </p:txEl>
+                                          </p:spTgt>
+                                        </p:tgtEl>
+                                        <p:attrNameLst>
+                                          <p:attrName>ppt_y</p:attrName>
+                                        </p:attrNameLst>
+                                      </p:cBhvr>
+                                      <p:tavLst>
+                                        <p:tav tm="0">
+                                          <p:val>
+                                            <p:strVal val="1+#ppt_h/2"/>
+                                          </p:val>
+                                        </p:tav>
+                                        <p:tav tm="100000">
+                                          <p:val>
+                                            <p:strVal val="#ppt_y"/>
+                                          </p:val>
+                                        </p:tav>
+                                      </p:tavLst>
+                                    </p:anim>
+                                  </p:childTnLst>
+                                </p:cTn>
+                              </p:par>
+                            </p:childTnLst>
+                          </p:cTn>
+                        </p:par>
+                      </p:childTnLst>
+                    </p:cTn>
+                  </p:par>
+                  <p:par>
+                    <p:cTn id="57" fill="hold">
+                      <p:stCondLst>
+                        <p:cond delay="indefinite"/>
+                      </p:stCondLst>
+                      <p:childTnLst>
+                        <p:par>
+                          <p:cTn id="58" fill="hold">
+                            <p:stCondLst>
+                              <p:cond delay="0"/>
+                            </p:stCondLst>
+                            <p:childTnLst>
+                              <p:par>
+                                <p:cTn id="59" presetID="2" presetClass="entr" presetSubtype="4" fill="hold" grpId="0" nodeType="clickEffect">
+                                  <p:stCondLst>
+                                    <p:cond delay="0"/>
+                                  </p:stCondLst>
+                                  <p:childTnLst>
+                                    <p:set>
+                                      <p:cBhvr>
+                                        <p:cTn id="60" dur="1" fill="hold">
+                                          <p:stCondLst>
+                                            <p:cond delay="0"/>
+                                          </p:stCondLst>
+                                        </p:cTn>
+                                        <p:tgtEl>
+                                          <p:spTgt spid="5">
+                                            <p:txEl>
+                                              <p:pRg st="8" end="8"/>
+                                            </p:txEl>
+                                          </p:spTgt>
+                                        </p:tgtEl>
+                                        <p:attrNameLst>
+                                          <p:attrName>style.visibility</p:attrName>
+                                        </p:attrNameLst>
+                                      </p:cBhvr>
+                                      <p:to>
+                                        <p:strVal val="visible"/>
+                                      </p:to>
+                                    </p:set>
+                                    <p:anim calcmode="lin" valueType="num">
+                                      <p:cBhvr additive="base">
+                                        <p:cTn id="61" dur="500" fill="hold"/>
+                                        <p:tgtEl>
+                                          <p:spTgt spid="5">
+                                            <p:txEl>
+                                              <p:pRg st="8" end="8"/>
+                                            </p:txEl>
+                                          </p:spTgt>
+                                        </p:tgtEl>
+                                        <p:attrNameLst>
+                                          <p:attrName>ppt_x</p:attrName>
+                                        </p:attrNameLst>
+                                      </p:cBhvr>
+                                      <p:tavLst>
+                                        <p:tav tm="0">
+                                          <p:val>
+                                            <p:strVal val="#ppt_x"/>
+                                          </p:val>
+                                        </p:tav>
+                                        <p:tav tm="100000">
+                                          <p:val>
+                                            <p:strVal val="#ppt_x"/>
+                                          </p:val>
+                                        </p:tav>
+                                      </p:tavLst>
+                                    </p:anim>
+                                    <p:anim calcmode="lin" valueType="num">
+                                      <p:cBhvr additive="base">
+                                        <p:cTn id="62" dur="500" fill="hold"/>
+                                        <p:tgtEl>
+                                          <p:spTgt spid="5">
+                                            <p:txEl>
+                                              <p:pRg st="8" end="8"/>
+                                            </p:txEl>
+                                          </p:spTgt>
+                                        </p:tgtEl>
+                                        <p:attrNameLst>
+                                          <p:attrName>ppt_y</p:attrName>
+                                        </p:attrNameLst>
+                                      </p:cBhvr>
+                                      <p:tavLst>
+                                        <p:tav tm="0">
+                                          <p:val>
+                                            <p:strVal val="1+#ppt_h/2"/>
+                                          </p:val>
+                                        </p:tav>
+                                        <p:tav tm="100000">
+                                          <p:val>
+                                            <p:strVal val="#ppt_y"/>
+                                          </p:val>
+                                        </p:tav>
+                                      </p:tavLst>
+                                    </p:anim>
+                                  </p:childTnLst>
+                                </p:cTn>
+                              </p:par>
+                            </p:childTnLst>
+                          </p:cTn>
+                        </p:par>
+                      </p:childTnLst>
+                    </p:cTn>
+                  </p:par>
+                  <p:par>
+                    <p:cTn id="63" fill="hold">
+                      <p:stCondLst>
+                        <p:cond delay="indefinite"/>
+                      </p:stCondLst>
+                      <p:childTnLst>
+                        <p:par>
+                          <p:cTn id="64" fill="hold">
+                            <p:stCondLst>
+                              <p:cond delay="0"/>
+                            </p:stCondLst>
+                            <p:childTnLst>
+                              <p:par>
+                                <p:cTn id="65" presetID="2" presetClass="entr" presetSubtype="4" fill="hold" grpId="0" nodeType="clickEffect">
+                                  <p:stCondLst>
+                                    <p:cond delay="0"/>
+                                  </p:stCondLst>
+                                  <p:childTnLst>
+                                    <p:set>
+                                      <p:cBhvr>
+                                        <p:cTn id="66" dur="1" fill="hold">
+                                          <p:stCondLst>
+                                            <p:cond delay="0"/>
+                                          </p:stCondLst>
+                                        </p:cTn>
+                                        <p:tgtEl>
+                                          <p:spTgt spid="7"/>
+                                        </p:tgtEl>
+                                        <p:attrNameLst>
+                                          <p:attrName>style.visibility</p:attrName>
+                                        </p:attrNameLst>
+                                      </p:cBhvr>
+                                      <p:to>
+                                        <p:strVal val="visible"/>
+                                      </p:to>
+                                    </p:set>
+                                    <p:anim calcmode="lin" valueType="num">
+                                      <p:cBhvr additive="base">
+                                        <p:cTn id="67" dur="500" fill="hold"/>
+                                        <p:tgtEl>
+                                          <p:spTgt spid="7"/>
+                                        </p:tgtEl>
+                                        <p:attrNameLst>
+                                          <p:attrName>ppt_x</p:attrName>
+                                        </p:attrNameLst>
+                                      </p:cBhvr>
+                                      <p:tavLst>
+                                        <p:tav tm="0">
+                                          <p:val>
+                                            <p:strVal val="#ppt_x"/>
+                                          </p:val>
+                                        </p:tav>
+                                        <p:tav tm="100000">
+                                          <p:val>
+                                            <p:strVal val="#ppt_x"/>
+                                          </p:val>
+                                        </p:tav>
+                                      </p:tavLst>
+                                    </p:anim>
+                                    <p:anim calcmode="lin" valueType="num">
+                                      <p:cBhvr additive="base">
+                                        <p:cTn id="68" dur="500" fill="hold"/>
+                                        <p:tgtEl>
+                                          <p:spTgt spid="7"/>
+                                        </p:tgtEl>
+                                        <p:attrNameLst>
+                                          <p:attrName>ppt_y</p:attrName>
+                                        </p:attrNameLst>
+                                      </p:cBhvr>
+                                      <p:tavLst>
+                                        <p:tav tm="0">
+                                          <p:val>
+                                            <p:strVal val="1+#ppt_h/2"/>
+                                          </p:val>
+                                        </p:tav>
+                                        <p:tav tm="100000">
+                                          <p:val>
+                                            <p:strVal val="#ppt_y"/>
+                                          </p:val>
+                                        </p:tav>
+                                      </p:tavLst>
+                                    </p:anim>
+                                  </p:childTnLst>
+                                </p:cTn>
+                              </p:par>
+                            </p:childTnLst>
+                          </p:cTn>
+                        </p:par>
+                      </p:childTnLst>
+                    </p:cTn>
+                  </p:par>
+                  <p:par>
+                    <p:cTn id="69" fill="hold">
+                      <p:stCondLst>
+                        <p:cond delay="indefinite"/>
+                      </p:stCondLst>
+                      <p:childTnLst>
+                        <p:par>
+                          <p:cTn id="70" fill="hold">
+                            <p:stCondLst>
+                              <p:cond delay="0"/>
+                            </p:stCondLst>
+                            <p:childTnLst>
+                              <p:par>
+                                <p:cTn id="71" presetID="2" presetClass="entr" presetSubtype="4" fill="hold" grpId="0" nodeType="clickEffect">
+                                  <p:stCondLst>
+                                    <p:cond delay="0"/>
+                                  </p:stCondLst>
+                                  <p:childTnLst>
+                                    <p:set>
+                                      <p:cBhvr>
+                                        <p:cTn id="72" dur="1" fill="hold">
+                                          <p:stCondLst>
+                                            <p:cond delay="0"/>
+                                          </p:stCondLst>
+                                        </p:cTn>
+                                        <p:tgtEl>
+                                          <p:spTgt spid="6"/>
+                                        </p:tgtEl>
+                                        <p:attrNameLst>
+                                          <p:attrName>style.visibility</p:attrName>
+                                        </p:attrNameLst>
+                                      </p:cBhvr>
+                                      <p:to>
+                                        <p:strVal val="visible"/>
+                                      </p:to>
+                                    </p:set>
+                                    <p:anim calcmode="lin" valueType="num">
+                                      <p:cBhvr additive="base">
+                                        <p:cTn id="73" dur="500" fill="hold"/>
+                                        <p:tgtEl>
+                                          <p:spTgt spid="6"/>
+                                        </p:tgtEl>
+                                        <p:attrNameLst>
+                                          <p:attrName>ppt_x</p:attrName>
+                                        </p:attrNameLst>
+                                      </p:cBhvr>
+                                      <p:tavLst>
+                                        <p:tav tm="0">
+                                          <p:val>
+                                            <p:strVal val="#ppt_x"/>
+                                          </p:val>
+                                        </p:tav>
+                                        <p:tav tm="100000">
+                                          <p:val>
+                                            <p:strVal val="#ppt_x"/>
+                                          </p:val>
+                                        </p:tav>
+                                      </p:tavLst>
+                                    </p:anim>
+                                    <p:anim calcmode="lin" valueType="num">
+                                      <p:cBhvr additive="base">
+                                        <p:cTn id="74" dur="500" fill="hold"/>
+                                        <p:tgtEl>
+                                          <p:spTgt spid="6"/>
+                                        </p:tgtEl>
+                                        <p:attrNameLst>
+                                          <p:attrName>ppt_y</p:attrName>
+                                        </p:attrNameLst>
+                                      </p:cBhvr>
+                                      <p:tavLst>
+                                        <p:tav tm="0">
+                                          <p:val>
+                                            <p:strVal val="1+#ppt_h/2"/>
+                                          </p:val>
+                                        </p:tav>
+                                        <p:tav tm="100000">
+                                          <p:val>
+                                            <p:strVal val="#ppt_y"/>
+                                          </p:val>
+                                        </p:tav>
+                                      </p:tavLst>
+                                    </p:anim>
+                                  </p:childTnLst>
+                                </p:cTn>
+                              </p:par>
+                            </p:childTnLst>
+                          </p:cTn>
+                        </p:par>
+                      </p:childTnLst>
+                    </p:cTn>
+                  </p:par>
+                  <p:par>
+                    <p:cTn id="75" fill="hold">
+                      <p:stCondLst>
+                        <p:cond delay="indefinite"/>
+                      </p:stCondLst>
+                      <p:childTnLst>
+                        <p:par>
+                          <p:cTn id="76" fill="hold">
+                            <p:stCondLst>
+                              <p:cond delay="0"/>
+                            </p:stCondLst>
+                            <p:childTnLst>
+                              <p:par>
+                                <p:cTn id="77" presetID="26" presetClass="entr" presetSubtype="0" fill="hold" nodeType="clickEffect">
+                                  <p:stCondLst>
+                                    <p:cond delay="0"/>
+                                  </p:stCondLst>
+                                  <p:childTnLst>
+                                    <p:set>
+                                      <p:cBhvr>
+                                        <p:cTn id="78" dur="1" fill="hold">
+                                          <p:stCondLst>
+                                            <p:cond delay="0"/>
+                                          </p:stCondLst>
+                                        </p:cTn>
+                                        <p:tgtEl>
+                                          <p:spTgt spid="9">
+                                            <p:txEl>
+                                              <p:pRg st="0" end="0"/>
+                                            </p:txEl>
+                                          </p:spTgt>
+                                        </p:tgtEl>
+                                        <p:attrNameLst>
+                                          <p:attrName>style.visibility</p:attrName>
+                                        </p:attrNameLst>
+                                      </p:cBhvr>
+                                      <p:to>
+                                        <p:strVal val="visible"/>
+                                      </p:to>
+                                    </p:set>
+                                    <p:animEffect transition="in" filter="wipe(down)">
+                                      <p:cBhvr>
+                                        <p:cTn id="79" dur="580">
+                                          <p:stCondLst>
+                                            <p:cond delay="0"/>
+                                          </p:stCondLst>
+                                        </p:cTn>
+                                        <p:tgtEl>
+                                          <p:spTgt spid="9">
+                                            <p:txEl>
+                                              <p:pRg st="0" end="0"/>
+                                            </p:txEl>
+                                          </p:spTgt>
+                                        </p:tgtEl>
+                                      </p:cBhvr>
+                                    </p:animEffect>
+                                    <p:anim calcmode="lin" valueType="num">
+                                      <p:cBhvr>
+                                        <p:cTn id="80" dur="1822" tmFilter="0,0; 0.14,0.36; 0.43,0.73; 0.71,0.91; 1.0,1.0">
+                                          <p:stCondLst>
+                                            <p:cond delay="0"/>
+                                          </p:stCondLst>
+                                        </p:cTn>
+                                        <p:tgtEl>
+                                          <p:spTgt spid="9">
+                                            <p:txEl>
+                                              <p:pRg st="0" end="0"/>
+                                            </p:txEl>
+                                          </p:spTgt>
+                                        </p:tgtEl>
+                                        <p:attrNameLst>
+                                          <p:attrName>ppt_x</p:attrName>
+                                        </p:attrNameLst>
+                                      </p:cBhvr>
+                                      <p:tavLst>
+                                        <p:tav tm="0">
+                                          <p:val>
+                                            <p:strVal val="#ppt_x-0.25"/>
+                                          </p:val>
+                                        </p:tav>
+                                        <p:tav tm="100000">
+                                          <p:val>
+                                            <p:strVal val="#ppt_x"/>
+                                          </p:val>
+                                        </p:tav>
+                                      </p:tavLst>
+                                    </p:anim>
+                                    <p:anim calcmode="lin" valueType="num">
+                                      <p:cBhvr>
+                                        <p:cTn id="81" dur="664" tmFilter="0.0,0.0; 0.25,0.07; 0.50,0.2; 0.75,0.467; 1.0,1.0">
+                                          <p:stCondLst>
+                                            <p:cond delay="0"/>
+                                          </p:stCondLst>
+                                        </p:cTn>
+                                        <p:tgtEl>
+                                          <p:spTgt spid="9">
+                                            <p:txEl>
+                                              <p:pRg st="0" end="0"/>
+                                            </p:txEl>
+                                          </p:spTgt>
+                                        </p:tgtEl>
+                                        <p:attrNameLst>
+                                          <p:attrName>ppt_y</p:attrName>
+                                        </p:attrNameLst>
+                                      </p:cBhvr>
+                                      <p:tavLst>
+                                        <p:tav tm="0" fmla="#ppt_y-sin(pi*$)/3">
+                                          <p:val>
+                                            <p:fltVal val="0.5"/>
+                                          </p:val>
+                                        </p:tav>
+                                        <p:tav tm="100000">
+                                          <p:val>
+                                            <p:fltVal val="1"/>
+                                          </p:val>
+                                        </p:tav>
+                                      </p:tavLst>
+                                    </p:anim>
+                                    <p:anim calcmode="lin" valueType="num">
+                                      <p:cBhvr>
+                                        <p:cTn id="82" dur="664" tmFilter="0, 0; 0.125,0.2665; 0.25,0.4; 0.375,0.465; 0.5,0.5;  0.625,0.535; 0.75,0.6; 0.875,0.7335; 1,1">
+                                          <p:stCondLst>
+                                            <p:cond delay="664"/>
+                                          </p:stCondLst>
+                                        </p:cTn>
+                                        <p:tgtEl>
+                                          <p:spTgt spid="9">
+                                            <p:txEl>
+                                              <p:pRg st="0" end="0"/>
+                                            </p:txEl>
+                                          </p:spTgt>
+                                        </p:tgtEl>
+                                        <p:attrNameLst>
+                                          <p:attrName>ppt_y</p:attrName>
+                                        </p:attrNameLst>
+                                      </p:cBhvr>
+                                      <p:tavLst>
+                                        <p:tav tm="0" fmla="#ppt_y-sin(pi*$)/9">
+                                          <p:val>
+                                            <p:fltVal val="0"/>
+                                          </p:val>
+                                        </p:tav>
+                                        <p:tav tm="100000">
+                                          <p:val>
+                                            <p:fltVal val="1"/>
+                                          </p:val>
+                                        </p:tav>
+                                      </p:tavLst>
+                                    </p:anim>
+                                    <p:anim calcmode="lin" valueType="num">
+                                      <p:cBhvr>
+                                        <p:cTn id="83" dur="332" tmFilter="0, 0; 0.125,0.2665; 0.25,0.4; 0.375,0.465; 0.5,0.5;  0.625,0.535; 0.75,0.6; 0.875,0.7335; 1,1">
+                                          <p:stCondLst>
+                                            <p:cond delay="1324"/>
+                                          </p:stCondLst>
+                                        </p:cTn>
+                                        <p:tgtEl>
+                                          <p:spTgt spid="9">
+                                            <p:txEl>
+                                              <p:pRg st="0" end="0"/>
+                                            </p:txEl>
+                                          </p:spTgt>
+                                        </p:tgtEl>
+                                        <p:attrNameLst>
+                                          <p:attrName>ppt_y</p:attrName>
+                                        </p:attrNameLst>
+                                      </p:cBhvr>
+                                      <p:tavLst>
+                                        <p:tav tm="0" fmla="#ppt_y-sin(pi*$)/27">
+                                          <p:val>
+                                            <p:fltVal val="0"/>
+                                          </p:val>
+                                        </p:tav>
+                                        <p:tav tm="100000">
+                                          <p:val>
+                                            <p:fltVal val="1"/>
+                                          </p:val>
+                                        </p:tav>
+                                      </p:tavLst>
+                                    </p:anim>
+                                    <p:anim calcmode="lin" valueType="num">
+                                      <p:cBhvr>
+                                        <p:cTn id="84" dur="164" tmFilter="0, 0; 0.125,0.2665; 0.25,0.4; 0.375,0.465; 0.5,0.5;  0.625,0.535; 0.75,0.6; 0.875,0.7335; 1,1">
+                                          <p:stCondLst>
+                                            <p:cond delay="1656"/>
+                                          </p:stCondLst>
+                                        </p:cTn>
+                                        <p:tgtEl>
+                                          <p:spTgt spid="9">
+                                            <p:txEl>
+                                              <p:pRg st="0" end="0"/>
+                                            </p:txEl>
+                                          </p:spTgt>
+                                        </p:tgtEl>
+                                        <p:attrNameLst>
+                                          <p:attrName>ppt_y</p:attrName>
+                                        </p:attrNameLst>
+                                      </p:cBhvr>
+                                      <p:tavLst>
+                                        <p:tav tm="0" fmla="#ppt_y-sin(pi*$)/81">
+                                          <p:val>
+                                            <p:fltVal val="0"/>
+                                          </p:val>
+                                        </p:tav>
+                                        <p:tav tm="100000">
+                                          <p:val>
+                                            <p:fltVal val="1"/>
+                                          </p:val>
+                                        </p:tav>
+                                      </p:tavLst>
+                                    </p:anim>
+                                    <p:animScale>
+                                      <p:cBhvr>
+                                        <p:cTn id="85" dur="26">
+                                          <p:stCondLst>
+                                            <p:cond delay="650"/>
+                                          </p:stCondLst>
+                                        </p:cTn>
+                                        <p:tgtEl>
+                                          <p:spTgt spid="9">
+                                            <p:txEl>
+                                              <p:pRg st="0" end="0"/>
+                                            </p:txEl>
+                                          </p:spTgt>
+                                        </p:tgtEl>
+                                      </p:cBhvr>
+                                      <p:to x="100000" y="60000"/>
+                                    </p:animScale>
+                                    <p:animScale>
+                                      <p:cBhvr>
+                                        <p:cTn id="86" dur="166" decel="50000">
+                                          <p:stCondLst>
+                                            <p:cond delay="676"/>
+                                          </p:stCondLst>
+                                        </p:cTn>
+                                        <p:tgtEl>
+                                          <p:spTgt spid="9">
+                                            <p:txEl>
+                                              <p:pRg st="0" end="0"/>
+                                            </p:txEl>
+                                          </p:spTgt>
+                                        </p:tgtEl>
+                                      </p:cBhvr>
+                                      <p:to x="100000" y="100000"/>
+                                    </p:animScale>
+                                    <p:animScale>
+                                      <p:cBhvr>
+                                        <p:cTn id="87" dur="26">
+                                          <p:stCondLst>
+                                            <p:cond delay="1312"/>
+                                          </p:stCondLst>
+                                        </p:cTn>
+                                        <p:tgtEl>
+                                          <p:spTgt spid="9">
+                                            <p:txEl>
+                                              <p:pRg st="0" end="0"/>
+                                            </p:txEl>
+                                          </p:spTgt>
+                                        </p:tgtEl>
+                                      </p:cBhvr>
+                                      <p:to x="100000" y="80000"/>
+                                    </p:animScale>
+                                    <p:animScale>
+                                      <p:cBhvr>
+                                        <p:cTn id="88" dur="166" decel="50000">
+                                          <p:stCondLst>
+                                            <p:cond delay="1338"/>
+                                          </p:stCondLst>
+                                        </p:cTn>
+                                        <p:tgtEl>
+                                          <p:spTgt spid="9">
+                                            <p:txEl>
+                                              <p:pRg st="0" end="0"/>
+                                            </p:txEl>
+                                          </p:spTgt>
+                                        </p:tgtEl>
+                                      </p:cBhvr>
+                                      <p:to x="100000" y="100000"/>
+                                    </p:animScale>
+                                    <p:animScale>
+                                      <p:cBhvr>
+                                        <p:cTn id="89" dur="26">
+                                          <p:stCondLst>
+                                            <p:cond delay="1642"/>
+                                          </p:stCondLst>
+                                        </p:cTn>
+                                        <p:tgtEl>
+                                          <p:spTgt spid="9">
+                                            <p:txEl>
+                                              <p:pRg st="0" end="0"/>
+                                            </p:txEl>
+                                          </p:spTgt>
+                                        </p:tgtEl>
+                                      </p:cBhvr>
+                                      <p:to x="100000" y="90000"/>
+                                    </p:animScale>
+                                    <p:animScale>
+                                      <p:cBhvr>
+                                        <p:cTn id="90" dur="166" decel="50000">
+                                          <p:stCondLst>
+                                            <p:cond delay="1668"/>
+                                          </p:stCondLst>
+                                        </p:cTn>
+                                        <p:tgtEl>
+                                          <p:spTgt spid="9">
+                                            <p:txEl>
+                                              <p:pRg st="0" end="0"/>
+                                            </p:txEl>
+                                          </p:spTgt>
+                                        </p:tgtEl>
+                                      </p:cBhvr>
+                                      <p:to x="100000" y="100000"/>
+                                    </p:animScale>
+                                    <p:animScale>
+                                      <p:cBhvr>
+                                        <p:cTn id="91" dur="26">
+                                          <p:stCondLst>
+                                            <p:cond delay="1808"/>
+                                          </p:stCondLst>
+                                        </p:cTn>
+                                        <p:tgtEl>
+                                          <p:spTgt spid="9">
+                                            <p:txEl>
+                                              <p:pRg st="0" end="0"/>
+                                            </p:txEl>
+                                          </p:spTgt>
+                                        </p:tgtEl>
+                                      </p:cBhvr>
+                                      <p:to x="100000" y="95000"/>
+                                    </p:animScale>
+                                    <p:animScale>
+                                      <p:cBhvr>
+                                        <p:cTn id="92" dur="166" decel="50000">
+                                          <p:stCondLst>
+                                            <p:cond delay="1834"/>
+                                          </p:stCondLst>
+                                        </p:cTn>
+                                        <p:tgtEl>
+                                          <p:spTgt spid="9">
+                                            <p:txEl>
+                                              <p:pRg st="0" end="0"/>
+                                            </p:txEl>
+                                          </p:spTgt>
+                                        </p:tgtEl>
+                                      </p:cBhvr>
+                                      <p:to x="100000" y="100000"/>
+                                    </p:animScale>
+                                  </p:childTnLst>
+                                </p:cTn>
+                              </p:par>
+                            </p:childTnLst>
+                          </p:cTn>
+                        </p:par>
+                      </p:childTnLst>
+                    </p:cTn>
+                  </p:par>
+                </p:childTnLst>
+              </p:cTn>
+              <p:prevCondLst>
+                <p:cond evt="onPrev" delay="0">
+                  <p:tgtEl>
+                    <p:sldTgt/>
+                  </p:tgtEl>
+                </p:cond>
+              </p:prevCondLst>
+              <p:nextCondLst>
+                <p:cond evt="onNext" delay="0">
+                  <p:tgtEl>
+                    <p:sldTgt/>
+                  </p:tgtEl>
+                </p:cond>
+              </p:nextCondLst>
+            </p:seq>
+          </p:childTnLst>
+        </p:cTn>
       </p:par>
     </p:tnLst>
+    <p:bldLst>
+      <p:bldP spid="5" grpId="0" build="p" animBg="1"/>
+      <p:bldP spid="6" grpId="0" animBg="1"/>
+      <p:bldP spid="7" grpId="0" animBg="1"/>
+    </p:bldLst>
   </p:timing>
 </p:sld>
 </file>
@@ -9806,8 +15500,8 @@
         </p:nvSpPr>
         <p:spPr>
           <a:xfrm>
-            <a:off x="939800" y="2642583"/>
-            <a:ext cx="7561914" cy="4889586"/>
+            <a:off x="939799" y="2642583"/>
+            <a:ext cx="10114437" cy="4889586"/>
           </a:xfrm>
         </p:spPr>
         <p:txBody>
@@ -10455,7 +16149,7 @@
         <p:spPr>
           <a:xfrm>
             <a:off x="939492" y="1949736"/>
-            <a:ext cx="14554201" cy="6352123"/>
+            <a:ext cx="14554201" cy="6686232"/>
           </a:xfrm>
         </p:spPr>
         <p:txBody>
@@ -10499,10 +16193,22 @@
             </a:r>
           </a:p>
           <a:p>
-            <a:pPr lvl="1"/>
+            <a:pPr marL="0" indent="0">
+              <a:buNone/>
+            </a:pPr>
+            <a:endParaRPr lang="en-US" sz="1600" dirty="0" smtClean="0"/>
+          </a:p>
+          <a:p>
+            <a:pPr marL="0" indent="0">
+              <a:buNone/>
+            </a:pPr>
             <a:r>
               <a:rPr lang="en-US" dirty="0" smtClean="0"/>
-              <a:t> using technology such as:</a:t>
+              <a:t>Using </a:t>
+            </a:r>
+            <a:r>
+              <a:rPr lang="en-US" dirty="0" smtClean="0"/>
+              <a:t>technology such as:</a:t>
             </a:r>
           </a:p>
           <a:p>
@@ -10511,7 +16217,6 @@
               <a:rPr lang="en-US" dirty="0" smtClean="0"/>
               <a:t>Synchronous or Streaming Replication</a:t>
             </a:r>
-            <a:endParaRPr lang="en-US" dirty="0" smtClean="0"/>
           </a:p>
           <a:p>
             <a:pPr lvl="2"/>
@@ -10576,7 +16281,6 @@
               <a:rPr lang="en-US" dirty="0" smtClean="0"/>
               <a:t>Batch jobs</a:t>
             </a:r>
-            <a:endParaRPr lang="en-US" dirty="0" smtClean="0"/>
           </a:p>
           <a:p>
             <a:pPr lvl="2"/>
@@ -10678,7 +16382,529 @@
   <p:timing>
     <p:tnLst>
       <p:par>
-        <p:cTn xmlns:p14="http://schemas.microsoft.com/office/powerpoint/2010/main" id="1" dur="indefinite" restart="never" nodeType="tmRoot"/>
+        <p:cTn xmlns:p14="http://schemas.microsoft.com/office/powerpoint/2010/main" id="1" dur="indefinite" restart="never" nodeType="tmRoot">
+          <p:childTnLst>
+            <p:seq concurrent="1" nextAc="seek">
+              <p:cTn id="2" dur="indefinite" nodeType="mainSeq">
+                <p:childTnLst>
+                  <p:par>
+                    <p:cTn id="3" fill="hold">
+                      <p:stCondLst>
+                        <p:cond delay="indefinite"/>
+                      </p:stCondLst>
+                      <p:childTnLst>
+                        <p:par>
+                          <p:cTn id="4" fill="hold">
+                            <p:stCondLst>
+                              <p:cond delay="0"/>
+                            </p:stCondLst>
+                            <p:childTnLst>
+                              <p:par>
+                                <p:cTn id="5" presetID="1" presetClass="entr" presetSubtype="0" fill="hold" nodeType="clickEffect">
+                                  <p:stCondLst>
+                                    <p:cond delay="0"/>
+                                  </p:stCondLst>
+                                  <p:childTnLst>
+                                    <p:set>
+                                      <p:cBhvr>
+                                        <p:cTn id="6" dur="1" fill="hold">
+                                          <p:stCondLst>
+                                            <p:cond delay="0"/>
+                                          </p:stCondLst>
+                                        </p:cTn>
+                                        <p:tgtEl>
+                                          <p:spTgt spid="5">
+                                            <p:txEl>
+                                              <p:pRg st="1" end="1"/>
+                                            </p:txEl>
+                                          </p:spTgt>
+                                        </p:tgtEl>
+                                        <p:attrNameLst>
+                                          <p:attrName>style.visibility</p:attrName>
+                                        </p:attrNameLst>
+                                      </p:cBhvr>
+                                      <p:to>
+                                        <p:strVal val="visible"/>
+                                      </p:to>
+                                    </p:set>
+                                  </p:childTnLst>
+                                </p:cTn>
+                              </p:par>
+                            </p:childTnLst>
+                          </p:cTn>
+                        </p:par>
+                      </p:childTnLst>
+                    </p:cTn>
+                  </p:par>
+                  <p:par>
+                    <p:cTn id="7" fill="hold">
+                      <p:stCondLst>
+                        <p:cond delay="indefinite"/>
+                      </p:stCondLst>
+                      <p:childTnLst>
+                        <p:par>
+                          <p:cTn id="8" fill="hold">
+                            <p:stCondLst>
+                              <p:cond delay="0"/>
+                            </p:stCondLst>
+                            <p:childTnLst>
+                              <p:par>
+                                <p:cTn id="9" presetID="1" presetClass="entr" presetSubtype="0" fill="hold" nodeType="clickEffect">
+                                  <p:stCondLst>
+                                    <p:cond delay="0"/>
+                                  </p:stCondLst>
+                                  <p:childTnLst>
+                                    <p:set>
+                                      <p:cBhvr>
+                                        <p:cTn id="10" dur="1" fill="hold">
+                                          <p:stCondLst>
+                                            <p:cond delay="0"/>
+                                          </p:stCondLst>
+                                        </p:cTn>
+                                        <p:tgtEl>
+                                          <p:spTgt spid="5">
+                                            <p:txEl>
+                                              <p:pRg st="2" end="2"/>
+                                            </p:txEl>
+                                          </p:spTgt>
+                                        </p:tgtEl>
+                                        <p:attrNameLst>
+                                          <p:attrName>style.visibility</p:attrName>
+                                        </p:attrNameLst>
+                                      </p:cBhvr>
+                                      <p:to>
+                                        <p:strVal val="visible"/>
+                                      </p:to>
+                                    </p:set>
+                                  </p:childTnLst>
+                                </p:cTn>
+                              </p:par>
+                            </p:childTnLst>
+                          </p:cTn>
+                        </p:par>
+                      </p:childTnLst>
+                    </p:cTn>
+                  </p:par>
+                  <p:par>
+                    <p:cTn id="11" fill="hold">
+                      <p:stCondLst>
+                        <p:cond delay="indefinite"/>
+                      </p:stCondLst>
+                      <p:childTnLst>
+                        <p:par>
+                          <p:cTn id="12" fill="hold">
+                            <p:stCondLst>
+                              <p:cond delay="0"/>
+                            </p:stCondLst>
+                            <p:childTnLst>
+                              <p:par>
+                                <p:cTn id="13" presetID="1" presetClass="entr" presetSubtype="0" fill="hold" nodeType="clickEffect">
+                                  <p:stCondLst>
+                                    <p:cond delay="0"/>
+                                  </p:stCondLst>
+                                  <p:childTnLst>
+                                    <p:set>
+                                      <p:cBhvr>
+                                        <p:cTn id="14" dur="1" fill="hold">
+                                          <p:stCondLst>
+                                            <p:cond delay="0"/>
+                                          </p:stCondLst>
+                                        </p:cTn>
+                                        <p:tgtEl>
+                                          <p:spTgt spid="5">
+                                            <p:txEl>
+                                              <p:pRg st="3" end="3"/>
+                                            </p:txEl>
+                                          </p:spTgt>
+                                        </p:tgtEl>
+                                        <p:attrNameLst>
+                                          <p:attrName>style.visibility</p:attrName>
+                                        </p:attrNameLst>
+                                      </p:cBhvr>
+                                      <p:to>
+                                        <p:strVal val="visible"/>
+                                      </p:to>
+                                    </p:set>
+                                  </p:childTnLst>
+                                </p:cTn>
+                              </p:par>
+                            </p:childTnLst>
+                          </p:cTn>
+                        </p:par>
+                      </p:childTnLst>
+                    </p:cTn>
+                  </p:par>
+                  <p:par>
+                    <p:cTn id="15" fill="hold">
+                      <p:stCondLst>
+                        <p:cond delay="indefinite"/>
+                      </p:stCondLst>
+                      <p:childTnLst>
+                        <p:par>
+                          <p:cTn id="16" fill="hold">
+                            <p:stCondLst>
+                              <p:cond delay="0"/>
+                            </p:stCondLst>
+                            <p:childTnLst>
+                              <p:par>
+                                <p:cTn id="17" presetID="1" presetClass="entr" presetSubtype="0" fill="hold" nodeType="clickEffect">
+                                  <p:stCondLst>
+                                    <p:cond delay="0"/>
+                                  </p:stCondLst>
+                                  <p:childTnLst>
+                                    <p:set>
+                                      <p:cBhvr>
+                                        <p:cTn id="18" dur="1" fill="hold">
+                                          <p:stCondLst>
+                                            <p:cond delay="0"/>
+                                          </p:stCondLst>
+                                        </p:cTn>
+                                        <p:tgtEl>
+                                          <p:spTgt spid="5">
+                                            <p:txEl>
+                                              <p:pRg st="4" end="4"/>
+                                            </p:txEl>
+                                          </p:spTgt>
+                                        </p:tgtEl>
+                                        <p:attrNameLst>
+                                          <p:attrName>style.visibility</p:attrName>
+                                        </p:attrNameLst>
+                                      </p:cBhvr>
+                                      <p:to>
+                                        <p:strVal val="visible"/>
+                                      </p:to>
+                                    </p:set>
+                                  </p:childTnLst>
+                                </p:cTn>
+                              </p:par>
+                            </p:childTnLst>
+                          </p:cTn>
+                        </p:par>
+                      </p:childTnLst>
+                    </p:cTn>
+                  </p:par>
+                  <p:par>
+                    <p:cTn id="19" fill="hold">
+                      <p:stCondLst>
+                        <p:cond delay="indefinite"/>
+                      </p:stCondLst>
+                      <p:childTnLst>
+                        <p:par>
+                          <p:cTn id="20" fill="hold">
+                            <p:stCondLst>
+                              <p:cond delay="0"/>
+                            </p:stCondLst>
+                            <p:childTnLst>
+                              <p:par>
+                                <p:cTn id="21" presetID="1" presetClass="entr" presetSubtype="0" fill="hold" nodeType="clickEffect">
+                                  <p:stCondLst>
+                                    <p:cond delay="0"/>
+                                  </p:stCondLst>
+                                  <p:childTnLst>
+                                    <p:set>
+                                      <p:cBhvr>
+                                        <p:cTn id="22" dur="1" fill="hold">
+                                          <p:stCondLst>
+                                            <p:cond delay="0"/>
+                                          </p:stCondLst>
+                                        </p:cTn>
+                                        <p:tgtEl>
+                                          <p:spTgt spid="5">
+                                            <p:txEl>
+                                              <p:pRg st="6" end="6"/>
+                                            </p:txEl>
+                                          </p:spTgt>
+                                        </p:tgtEl>
+                                        <p:attrNameLst>
+                                          <p:attrName>style.visibility</p:attrName>
+                                        </p:attrNameLst>
+                                      </p:cBhvr>
+                                      <p:to>
+                                        <p:strVal val="visible"/>
+                                      </p:to>
+                                    </p:set>
+                                  </p:childTnLst>
+                                </p:cTn>
+                              </p:par>
+                              <p:par>
+                                <p:cTn id="23" presetID="1" presetClass="entr" presetSubtype="0" fill="hold" nodeType="withEffect">
+                                  <p:stCondLst>
+                                    <p:cond delay="0"/>
+                                  </p:stCondLst>
+                                  <p:childTnLst>
+                                    <p:set>
+                                      <p:cBhvr>
+                                        <p:cTn id="24" dur="1" fill="hold">
+                                          <p:stCondLst>
+                                            <p:cond delay="0"/>
+                                          </p:stCondLst>
+                                        </p:cTn>
+                                        <p:tgtEl>
+                                          <p:spTgt spid="5">
+                                            <p:txEl>
+                                              <p:pRg st="7" end="7"/>
+                                            </p:txEl>
+                                          </p:spTgt>
+                                        </p:tgtEl>
+                                        <p:attrNameLst>
+                                          <p:attrName>style.visibility</p:attrName>
+                                        </p:attrNameLst>
+                                      </p:cBhvr>
+                                      <p:to>
+                                        <p:strVal val="visible"/>
+                                      </p:to>
+                                    </p:set>
+                                  </p:childTnLst>
+                                </p:cTn>
+                              </p:par>
+                              <p:par>
+                                <p:cTn id="25" presetID="1" presetClass="entr" presetSubtype="0" fill="hold" nodeType="withEffect">
+                                  <p:stCondLst>
+                                    <p:cond delay="0"/>
+                                  </p:stCondLst>
+                                  <p:childTnLst>
+                                    <p:set>
+                                      <p:cBhvr>
+                                        <p:cTn id="26" dur="1" fill="hold">
+                                          <p:stCondLst>
+                                            <p:cond delay="0"/>
+                                          </p:stCondLst>
+                                        </p:cTn>
+                                        <p:tgtEl>
+                                          <p:spTgt spid="5">
+                                            <p:txEl>
+                                              <p:pRg st="8" end="8"/>
+                                            </p:txEl>
+                                          </p:spTgt>
+                                        </p:tgtEl>
+                                        <p:attrNameLst>
+                                          <p:attrName>style.visibility</p:attrName>
+                                        </p:attrNameLst>
+                                      </p:cBhvr>
+                                      <p:to>
+                                        <p:strVal val="visible"/>
+                                      </p:to>
+                                    </p:set>
+                                  </p:childTnLst>
+                                </p:cTn>
+                              </p:par>
+                              <p:par>
+                                <p:cTn id="27" presetID="1" presetClass="entr" presetSubtype="0" fill="hold" nodeType="withEffect">
+                                  <p:stCondLst>
+                                    <p:cond delay="0"/>
+                                  </p:stCondLst>
+                                  <p:childTnLst>
+                                    <p:set>
+                                      <p:cBhvr>
+                                        <p:cTn id="28" dur="1" fill="hold">
+                                          <p:stCondLst>
+                                            <p:cond delay="0"/>
+                                          </p:stCondLst>
+                                        </p:cTn>
+                                        <p:tgtEl>
+                                          <p:spTgt spid="5">
+                                            <p:txEl>
+                                              <p:pRg st="9" end="9"/>
+                                            </p:txEl>
+                                          </p:spTgt>
+                                        </p:tgtEl>
+                                        <p:attrNameLst>
+                                          <p:attrName>style.visibility</p:attrName>
+                                        </p:attrNameLst>
+                                      </p:cBhvr>
+                                      <p:to>
+                                        <p:strVal val="visible"/>
+                                      </p:to>
+                                    </p:set>
+                                  </p:childTnLst>
+                                </p:cTn>
+                              </p:par>
+                              <p:par>
+                                <p:cTn id="29" presetID="1" presetClass="entr" presetSubtype="0" fill="hold" nodeType="withEffect">
+                                  <p:stCondLst>
+                                    <p:cond delay="0"/>
+                                  </p:stCondLst>
+                                  <p:childTnLst>
+                                    <p:set>
+                                      <p:cBhvr>
+                                        <p:cTn id="30" dur="1" fill="hold">
+                                          <p:stCondLst>
+                                            <p:cond delay="0"/>
+                                          </p:stCondLst>
+                                        </p:cTn>
+                                        <p:tgtEl>
+                                          <p:spTgt spid="5">
+                                            <p:txEl>
+                                              <p:pRg st="10" end="10"/>
+                                            </p:txEl>
+                                          </p:spTgt>
+                                        </p:tgtEl>
+                                        <p:attrNameLst>
+                                          <p:attrName>style.visibility</p:attrName>
+                                        </p:attrNameLst>
+                                      </p:cBhvr>
+                                      <p:to>
+                                        <p:strVal val="visible"/>
+                                      </p:to>
+                                    </p:set>
+                                  </p:childTnLst>
+                                </p:cTn>
+                              </p:par>
+                              <p:par>
+                                <p:cTn id="31" presetID="1" presetClass="entr" presetSubtype="0" fill="hold" nodeType="withEffect">
+                                  <p:stCondLst>
+                                    <p:cond delay="0"/>
+                                  </p:stCondLst>
+                                  <p:childTnLst>
+                                    <p:set>
+                                      <p:cBhvr>
+                                        <p:cTn id="32" dur="1" fill="hold">
+                                          <p:stCondLst>
+                                            <p:cond delay="0"/>
+                                          </p:stCondLst>
+                                        </p:cTn>
+                                        <p:tgtEl>
+                                          <p:spTgt spid="5">
+                                            <p:txEl>
+                                              <p:pRg st="11" end="11"/>
+                                            </p:txEl>
+                                          </p:spTgt>
+                                        </p:tgtEl>
+                                        <p:attrNameLst>
+                                          <p:attrName>style.visibility</p:attrName>
+                                        </p:attrNameLst>
+                                      </p:cBhvr>
+                                      <p:to>
+                                        <p:strVal val="visible"/>
+                                      </p:to>
+                                    </p:set>
+                                  </p:childTnLst>
+                                </p:cTn>
+                              </p:par>
+                            </p:childTnLst>
+                          </p:cTn>
+                        </p:par>
+                      </p:childTnLst>
+                    </p:cTn>
+                  </p:par>
+                  <p:par>
+                    <p:cTn id="33" fill="hold">
+                      <p:stCondLst>
+                        <p:cond delay="indefinite"/>
+                      </p:stCondLst>
+                      <p:childTnLst>
+                        <p:par>
+                          <p:cTn id="34" fill="hold">
+                            <p:stCondLst>
+                              <p:cond delay="0"/>
+                            </p:stCondLst>
+                            <p:childTnLst>
+                              <p:par>
+                                <p:cTn id="35" presetID="52" presetClass="entr" presetSubtype="0" fill="hold" nodeType="clickEffect">
+                                  <p:stCondLst>
+                                    <p:cond delay="0"/>
+                                  </p:stCondLst>
+                                  <p:childTnLst>
+                                    <p:set>
+                                      <p:cBhvr>
+                                        <p:cTn id="36" dur="1" fill="hold">
+                                          <p:stCondLst>
+                                            <p:cond delay="0"/>
+                                          </p:stCondLst>
+                                        </p:cTn>
+                                        <p:tgtEl>
+                                          <p:spTgt spid="5">
+                                            <p:txEl>
+                                              <p:pRg st="12" end="12"/>
+                                            </p:txEl>
+                                          </p:spTgt>
+                                        </p:tgtEl>
+                                        <p:attrNameLst>
+                                          <p:attrName>style.visibility</p:attrName>
+                                        </p:attrNameLst>
+                                      </p:cBhvr>
+                                      <p:to>
+                                        <p:strVal val="visible"/>
+                                      </p:to>
+                                    </p:set>
+                                    <p:animScale>
+                                      <p:cBhvr>
+                                        <p:cTn id="37" dur="1500" decel="50000" fill="hold">
+                                          <p:stCondLst>
+                                            <p:cond delay="0"/>
+                                          </p:stCondLst>
+                                        </p:cTn>
+                                        <p:tgtEl>
+                                          <p:spTgt spid="5">
+                                            <p:txEl>
+                                              <p:pRg st="12" end="12"/>
+                                            </p:txEl>
+                                          </p:spTgt>
+                                        </p:tgtEl>
+                                      </p:cBhvr>
+                                      <p:from x="250000" y="250000"/>
+                                      <p:to x="100000" y="100000"/>
+                                    </p:animScale>
+                                    <p:animMotion origin="layout" path="M -0.46736 0.92887  C -0.37517 0.88508  -0.02552 0.75279  0.0908 0.66613  C  0.20747 0.57948  0.21649 0.50394  0.23177 0.40825  C 0.24705 0.31256  0.22118 0.15964   0.18264 0.09152  C 0.1441 0.02341  0.03802 0.0  0.0 0.0  " pathEditMode="relative" ptsTypes="">
+                                      <p:cBhvr>
+                                        <p:cTn id="38" dur="1500" decel="50000" fill="hold">
+                                          <p:stCondLst>
+                                            <p:cond delay="0"/>
+                                          </p:stCondLst>
+                                        </p:cTn>
+                                        <p:tgtEl>
+                                          <p:spTgt spid="5">
+                                            <p:txEl>
+                                              <p:pRg st="12" end="12"/>
+                                            </p:txEl>
+                                          </p:spTgt>
+                                        </p:tgtEl>
+                                        <p:attrNameLst>
+                                          <p:attrName>ppt_x</p:attrName>
+                                          <p:attrName>ppt_y</p:attrName>
+                                        </p:attrNameLst>
+                                      </p:cBhvr>
+                                    </p:animMotion>
+                                    <p:animEffect transition="in" filter="fade">
+                                      <p:cBhvr>
+                                        <p:cTn id="39" dur="1500"/>
+                                        <p:tgtEl>
+                                          <p:spTgt spid="5">
+                                            <p:txEl>
+                                              <p:pRg st="12" end="12"/>
+                                            </p:txEl>
+                                          </p:spTgt>
+                                        </p:tgtEl>
+                                      </p:cBhvr>
+                                    </p:animEffect>
+                                  </p:childTnLst>
+                                </p:cTn>
+                              </p:par>
+                            </p:childTnLst>
+                          </p:cTn>
+                        </p:par>
+                      </p:childTnLst>
+                    </p:cTn>
+                  </p:par>
+                </p:childTnLst>
+              </p:cTn>
+              <p:prevCondLst>
+                <p:cond evt="onPrev" delay="0">
+                  <p:tgtEl>
+                    <p:sldTgt/>
+                  </p:tgtEl>
+                </p:cond>
+              </p:prevCondLst>
+              <p:nextCondLst>
+                <p:cond evt="onNext" delay="0">
+                  <p:tgtEl>
+                    <p:sldTgt/>
+                  </p:tgtEl>
+                </p:cond>
+              </p:nextCondLst>
+            </p:seq>
+          </p:childTnLst>
+        </p:cTn>
       </p:par>
     </p:tnLst>
   </p:timing>

--- a/extra/Database_Of_Things_PGConf_US_2015.pptx
+++ b/extra/Database_Of_Things_PGConf_US_2015.pptx
@@ -5,7 +5,7 @@
     <p:sldMasterId id="2147483648" r:id="rId1"/>
   </p:sldMasterIdLst>
   <p:notesMasterIdLst>
-    <p:notesMasterId r:id="rId27"/>
+    <p:notesMasterId r:id="rId28"/>
   </p:notesMasterIdLst>
   <p:sldIdLst>
     <p:sldId id="473" r:id="rId2"/>
@@ -17,22 +17,23 @@
     <p:sldId id="547" r:id="rId8"/>
     <p:sldId id="548" r:id="rId9"/>
     <p:sldId id="474" r:id="rId10"/>
-    <p:sldId id="551" r:id="rId11"/>
-    <p:sldId id="550" r:id="rId12"/>
-    <p:sldId id="552" r:id="rId13"/>
-    <p:sldId id="555" r:id="rId14"/>
-    <p:sldId id="553" r:id="rId15"/>
-    <p:sldId id="554" r:id="rId16"/>
-    <p:sldId id="556" r:id="rId17"/>
-    <p:sldId id="564" r:id="rId18"/>
-    <p:sldId id="560" r:id="rId19"/>
-    <p:sldId id="561" r:id="rId20"/>
-    <p:sldId id="562" r:id="rId21"/>
-    <p:sldId id="563" r:id="rId22"/>
-    <p:sldId id="565" r:id="rId23"/>
-    <p:sldId id="566" r:id="rId24"/>
-    <p:sldId id="567" r:id="rId25"/>
-    <p:sldId id="568" r:id="rId26"/>
+    <p:sldId id="569" r:id="rId11"/>
+    <p:sldId id="551" r:id="rId12"/>
+    <p:sldId id="550" r:id="rId13"/>
+    <p:sldId id="552" r:id="rId14"/>
+    <p:sldId id="555" r:id="rId15"/>
+    <p:sldId id="553" r:id="rId16"/>
+    <p:sldId id="554" r:id="rId17"/>
+    <p:sldId id="556" r:id="rId18"/>
+    <p:sldId id="564" r:id="rId19"/>
+    <p:sldId id="560" r:id="rId20"/>
+    <p:sldId id="561" r:id="rId21"/>
+    <p:sldId id="562" r:id="rId22"/>
+    <p:sldId id="563" r:id="rId23"/>
+    <p:sldId id="565" r:id="rId24"/>
+    <p:sldId id="566" r:id="rId25"/>
+    <p:sldId id="567" r:id="rId26"/>
+    <p:sldId id="568" r:id="rId27"/>
   </p:sldIdLst>
   <p:sldSz cx="16256000" cy="9144000"/>
   <p:notesSz cx="9283700" cy="6985000"/>
@@ -1113,6 +1114,67 @@
 </file>
 
 <file path=ppt/notesSlides/notesSlide21.xml><?xml version="1.0" encoding="utf-8"?>
+<p:notes xmlns:a="http://schemas.openxmlformats.org/drawingml/2006/main" xmlns:r="http://schemas.openxmlformats.org/officeDocument/2006/relationships" xmlns:p="http://schemas.openxmlformats.org/presentationml/2006/main">
+  <p:cSld>
+    <p:spTree>
+      <p:nvGrpSpPr>
+        <p:cNvPr id="1" name=""/>
+        <p:cNvGrpSpPr/>
+        <p:nvPr/>
+      </p:nvGrpSpPr>
+      <p:grpSpPr>
+        <a:xfrm>
+          <a:off x="0" y="0"/>
+          <a:ext cx="0" cy="0"/>
+          <a:chOff x="0" y="0"/>
+          <a:chExt cx="0" cy="0"/>
+        </a:xfrm>
+      </p:grpSpPr>
+      <p:sp>
+        <p:nvSpPr>
+          <p:cNvPr id="2" name="Slide Image Placeholder 1"/>
+          <p:cNvSpPr>
+            <a:spLocks noGrp="1" noRot="1" noChangeAspect="1"/>
+          </p:cNvSpPr>
+          <p:nvPr>
+            <p:ph type="sldImg"/>
+          </p:nvPr>
+        </p:nvSpPr>
+        <p:spPr/>
+      </p:sp>
+      <p:sp>
+        <p:nvSpPr>
+          <p:cNvPr id="3" name="Notes Placeholder 2"/>
+          <p:cNvSpPr>
+            <a:spLocks noGrp="1"/>
+          </p:cNvSpPr>
+          <p:nvPr>
+            <p:ph type="body" idx="1"/>
+          </p:nvPr>
+        </p:nvSpPr>
+        <p:spPr/>
+        <p:txBody>
+          <a:bodyPr/>
+          <a:lstStyle/>
+          <a:p>
+            <a:endParaRPr lang="en-US" dirty="0"/>
+          </a:p>
+        </p:txBody>
+      </p:sp>
+    </p:spTree>
+    <p:extLst>
+      <p:ext uri="{BB962C8B-B14F-4D97-AF65-F5344CB8AC3E}">
+        <p14:creationId xmlns:p14="http://schemas.microsoft.com/office/powerpoint/2010/main" val="3945733692"/>
+      </p:ext>
+    </p:extLst>
+  </p:cSld>
+  <p:clrMapOvr>
+    <a:masterClrMapping/>
+  </p:clrMapOvr>
+</p:notes>
+</file>
+
+<file path=ppt/notesSlides/notesSlide22.xml><?xml version="1.0" encoding="utf-8"?>
 <p:notes xmlns:a="http://schemas.openxmlformats.org/drawingml/2006/main" xmlns:r="http://schemas.openxmlformats.org/officeDocument/2006/relationships" xmlns:p="http://schemas.openxmlformats.org/presentationml/2006/main">
   <p:cSld>
     <p:spTree>
@@ -4494,6 +4556,682 @@
       </p:grpSpPr>
       <p:sp>
         <p:nvSpPr>
+          <p:cNvPr id="3" name="Title 2"/>
+          <p:cNvSpPr>
+            <a:spLocks noGrp="1"/>
+          </p:cNvSpPr>
+          <p:nvPr>
+            <p:ph type="title"/>
+          </p:nvPr>
+        </p:nvSpPr>
+        <p:spPr>
+          <a:xfrm>
+            <a:off x="939800" y="254000"/>
+            <a:ext cx="14554200" cy="984536"/>
+          </a:xfrm>
+        </p:spPr>
+        <p:txBody>
+          <a:bodyPr/>
+          <a:lstStyle/>
+          <a:p>
+            <a:r>
+              <a:rPr lang="en-US" dirty="0" smtClean="0"/>
+              <a:t>Foreign Data Wrappers</a:t>
+            </a:r>
+            <a:endParaRPr lang="en-US" dirty="0"/>
+          </a:p>
+        </p:txBody>
+      </p:sp>
+      <p:sp>
+        <p:nvSpPr>
+          <p:cNvPr id="5" name="Text Placeholder 4"/>
+          <p:cNvSpPr>
+            <a:spLocks noGrp="1"/>
+          </p:cNvSpPr>
+          <p:nvPr>
+            <p:ph type="body" idx="1"/>
+          </p:nvPr>
+        </p:nvSpPr>
+        <p:spPr>
+          <a:xfrm>
+            <a:off x="2164453" y="3241544"/>
+            <a:ext cx="4825935" cy="5277459"/>
+          </a:xfrm>
+        </p:spPr>
+        <p:style>
+          <a:lnRef idx="2">
+            <a:schemeClr val="accent3">
+              <a:shade val="50000"/>
+            </a:schemeClr>
+          </a:lnRef>
+          <a:fillRef idx="1">
+            <a:schemeClr val="accent3"/>
+          </a:fillRef>
+          <a:effectRef idx="0">
+            <a:schemeClr val="accent3"/>
+          </a:effectRef>
+          <a:fontRef idx="minor">
+            <a:schemeClr val="lt1"/>
+          </a:fontRef>
+        </p:style>
+        <p:txBody>
+          <a:bodyPr/>
+          <a:lstStyle/>
+          <a:p>
+            <a:pPr marL="0" indent="0">
+              <a:buNone/>
+            </a:pPr>
+            <a:r>
+              <a:rPr lang="en-US" sz="2000" dirty="0"/>
+              <a:t>things-# </a:t>
+            </a:r>
+            <a:r>
+              <a:rPr lang="en-US" b="1" dirty="0"/>
+              <a:t>\</a:t>
+            </a:r>
+            <a:r>
+              <a:rPr lang="en-US" b="1" dirty="0" err="1"/>
+              <a:t>det</a:t>
+            </a:r>
+            <a:endParaRPr lang="en-US" b="1" dirty="0"/>
+          </a:p>
+          <a:p>
+            <a:pPr marL="0" indent="0">
+              <a:buNone/>
+            </a:pPr>
+            <a:r>
+              <a:rPr lang="en-US" sz="2000" dirty="0" smtClean="0"/>
+              <a:t>List </a:t>
+            </a:r>
+            <a:r>
+              <a:rPr lang="en-US" sz="2000" dirty="0"/>
+              <a:t>of foreign tables</a:t>
+            </a:r>
+          </a:p>
+          <a:p>
+            <a:pPr marL="0" indent="0">
+              <a:buNone/>
+            </a:pPr>
+            <a:endParaRPr lang="en-US" sz="1600" dirty="0" smtClean="0"/>
+          </a:p>
+          <a:p>
+            <a:pPr marL="0" indent="0">
+              <a:buNone/>
+            </a:pPr>
+            <a:r>
+              <a:rPr lang="en-US" sz="2000" dirty="0" smtClean="0"/>
+              <a:t>things</a:t>
+            </a:r>
+            <a:r>
+              <a:rPr lang="en-US" sz="2000" dirty="0"/>
+              <a:t>-# </a:t>
+            </a:r>
+            <a:r>
+              <a:rPr lang="en-US" b="1" dirty="0"/>
+              <a:t>\dew</a:t>
+            </a:r>
+          </a:p>
+          <a:p>
+            <a:pPr marL="0" indent="0">
+              <a:buNone/>
+            </a:pPr>
+            <a:r>
+              <a:rPr lang="en-US" sz="2000" dirty="0" smtClean="0"/>
+              <a:t>List </a:t>
+            </a:r>
+            <a:r>
+              <a:rPr lang="en-US" sz="2000" dirty="0"/>
+              <a:t>of foreign-data wrappers</a:t>
+            </a:r>
+          </a:p>
+          <a:p>
+            <a:pPr marL="0" indent="0">
+              <a:buNone/>
+            </a:pPr>
+            <a:endParaRPr lang="en-US" sz="1600" dirty="0" smtClean="0"/>
+          </a:p>
+          <a:p>
+            <a:pPr marL="0" indent="0">
+              <a:buNone/>
+            </a:pPr>
+            <a:r>
+              <a:rPr lang="en-US" sz="2000" dirty="0" smtClean="0"/>
+              <a:t>things</a:t>
+            </a:r>
+            <a:r>
+              <a:rPr lang="en-US" sz="2000" dirty="0"/>
+              <a:t>-# </a:t>
+            </a:r>
+            <a:r>
+              <a:rPr lang="en-US" b="1" dirty="0"/>
+              <a:t>\des</a:t>
+            </a:r>
+          </a:p>
+          <a:p>
+            <a:pPr marL="0" indent="0">
+              <a:buNone/>
+            </a:pPr>
+            <a:r>
+              <a:rPr lang="en-US" sz="2000" dirty="0" smtClean="0"/>
+              <a:t>List </a:t>
+            </a:r>
+            <a:r>
+              <a:rPr lang="en-US" sz="2000" dirty="0"/>
+              <a:t>of foreign servers</a:t>
+            </a:r>
+          </a:p>
+          <a:p>
+            <a:pPr marL="0" indent="0">
+              <a:buNone/>
+            </a:pPr>
+            <a:endParaRPr lang="en-US" sz="1600" dirty="0" smtClean="0"/>
+          </a:p>
+          <a:p>
+            <a:pPr marL="0" indent="0">
+              <a:buNone/>
+            </a:pPr>
+            <a:r>
+              <a:rPr lang="en-US" sz="2000" dirty="0" smtClean="0"/>
+              <a:t>things-# </a:t>
+            </a:r>
+            <a:r>
+              <a:rPr lang="en-US" b="1" dirty="0" smtClean="0"/>
+              <a:t>\</a:t>
+            </a:r>
+            <a:r>
+              <a:rPr lang="en-US" b="1" dirty="0" err="1" smtClean="0"/>
+              <a:t>deu</a:t>
+            </a:r>
+            <a:endParaRPr lang="en-US" b="1" dirty="0" smtClean="0"/>
+          </a:p>
+          <a:p>
+            <a:pPr marL="0" indent="0">
+              <a:buNone/>
+            </a:pPr>
+            <a:r>
+              <a:rPr lang="en-US" sz="2000" dirty="0" smtClean="0"/>
+              <a:t>List </a:t>
+            </a:r>
+            <a:r>
+              <a:rPr lang="en-US" sz="2000" dirty="0"/>
+              <a:t>of user </a:t>
+            </a:r>
+            <a:r>
+              <a:rPr lang="en-US" sz="2000" dirty="0" smtClean="0"/>
+              <a:t>mappings</a:t>
+            </a:r>
+            <a:endParaRPr lang="en-US" sz="2000" dirty="0"/>
+          </a:p>
+        </p:txBody>
+      </p:sp>
+      <p:sp>
+        <p:nvSpPr>
+          <p:cNvPr id="2" name="Slide Number Placeholder 1"/>
+          <p:cNvSpPr>
+            <a:spLocks noGrp="1"/>
+          </p:cNvSpPr>
+          <p:nvPr>
+            <p:ph type="sldNum" sz="quarter" idx="2"/>
+          </p:nvPr>
+        </p:nvSpPr>
+        <p:spPr/>
+        <p:txBody>
+          <a:bodyPr/>
+          <a:lstStyle/>
+          <a:p>
+            <a:fld id="{B08C2786-D3C6-A741-908B-9F349F99BB9B}" type="slidenum">
+              <a:rPr lang="en-US" smtClean="0"/>
+              <a:pPr/>
+              <a:t>10</a:t>
+            </a:fld>
+            <a:endParaRPr lang="en-US" dirty="0"/>
+          </a:p>
+        </p:txBody>
+      </p:sp>
+      <p:sp>
+        <p:nvSpPr>
+          <p:cNvPr id="8" name="Text Placeholder 7"/>
+          <p:cNvSpPr>
+            <a:spLocks noGrp="1"/>
+          </p:cNvSpPr>
+          <p:nvPr>
+            <p:ph type="body" sz="quarter" idx="10"/>
+          </p:nvPr>
+        </p:nvSpPr>
+        <p:spPr>
+          <a:xfrm>
+            <a:off x="939800" y="934956"/>
+            <a:ext cx="14554200" cy="711200"/>
+          </a:xfrm>
+        </p:spPr>
+        <p:txBody>
+          <a:bodyPr/>
+          <a:lstStyle/>
+          <a:p>
+            <a:r>
+              <a:rPr lang="en-US" dirty="0" smtClean="0"/>
+              <a:t>Rules of Thumb</a:t>
+            </a:r>
+            <a:endParaRPr lang="en-US" dirty="0"/>
+          </a:p>
+        </p:txBody>
+      </p:sp>
+      <p:sp>
+        <p:nvSpPr>
+          <p:cNvPr id="4" name="TextBox 3"/>
+          <p:cNvSpPr txBox="1"/>
+          <p:nvPr/>
+        </p:nvSpPr>
+        <p:spPr>
+          <a:xfrm>
+            <a:off x="939800" y="1917463"/>
+            <a:ext cx="5382133" cy="471924"/>
+          </a:xfrm>
+          <a:prstGeom prst="rect">
+            <a:avLst/>
+          </a:prstGeom>
+          <a:noFill/>
+          <a:ln w="12700" cap="flat">
+            <a:noFill/>
+            <a:miter lim="400000"/>
+          </a:ln>
+          <a:effectLst/>
+        </p:spPr>
+        <p:style>
+          <a:lnRef idx="0">
+            <a:scrgbClr r="0" g="0" b="0"/>
+          </a:lnRef>
+          <a:fillRef idx="0">
+            <a:scrgbClr r="0" g="0" b="0"/>
+          </a:fillRef>
+          <a:effectRef idx="0">
+            <a:scrgbClr r="0" g="0" b="0"/>
+          </a:effectRef>
+          <a:fontRef idx="none"/>
+        </p:style>
+        <p:txBody>
+          <a:bodyPr rot="0" spcFirstLastPara="1" vertOverflow="overflow" horzOverflow="overflow" vert="horz" wrap="none" lIns="50800" tIns="50800" rIns="50800" bIns="50800" numCol="1" spcCol="38100" rtlCol="0" anchor="ctr">
+            <a:spAutoFit/>
+          </a:bodyPr>
+          <a:lstStyle/>
+          <a:p>
+            <a:pPr marL="0" marR="0" indent="0" algn="l" defTabSz="1219200" rtl="0" fontAlgn="auto" latinLnBrk="1" hangingPunct="0">
+              <a:lnSpc>
+                <a:spcPct val="100000"/>
+              </a:lnSpc>
+              <a:spcBef>
+                <a:spcPts val="0"/>
+              </a:spcBef>
+              <a:spcAft>
+                <a:spcPts val="0"/>
+              </a:spcAft>
+              <a:buClrTx/>
+              <a:buSzTx/>
+              <a:buFontTx/>
+              <a:buNone/>
+              <a:tabLst/>
+            </a:pPr>
+            <a:r>
+              <a:rPr kumimoji="0" lang="en-US" b="0" i="0" u="none" strike="noStrike" cap="none" spc="0" normalizeH="0" baseline="0" dirty="0" smtClean="0">
+                <a:ln>
+                  <a:noFill/>
+                </a:ln>
+                <a:solidFill>
+                  <a:schemeClr val="tx1"/>
+                </a:solidFill>
+                <a:effectLst/>
+                <a:uFill>
+                  <a:solidFill>
+                    <a:srgbClr val="000000"/>
+                  </a:solidFill>
+                </a:uFill>
+                <a:latin typeface="+mn-lt"/>
+                <a:ea typeface="Open Sans"/>
+                <a:cs typeface="Open Sans"/>
+                <a:sym typeface="Open Sans"/>
+              </a:rPr>
+              <a:t>Most </a:t>
+            </a:r>
+            <a:r>
+              <a:rPr kumimoji="0" lang="en-US" b="0" i="0" u="none" strike="noStrike" cap="none" spc="0" normalizeH="0" baseline="0" dirty="0" smtClean="0">
+                <a:ln>
+                  <a:noFill/>
+                </a:ln>
+                <a:solidFill>
+                  <a:schemeClr val="tx1"/>
+                </a:solidFill>
+                <a:effectLst/>
+                <a:uFill>
+                  <a:solidFill>
+                    <a:srgbClr val="000000"/>
+                  </a:solidFill>
+                </a:uFill>
+                <a:latin typeface="Calibri"/>
+                <a:ea typeface="Open Sans"/>
+                <a:cs typeface="Calibri"/>
+                <a:sym typeface="Open Sans"/>
+              </a:rPr>
+              <a:t>graphical</a:t>
+            </a:r>
+            <a:r>
+              <a:rPr kumimoji="0" lang="en-US" b="0" i="0" u="none" strike="noStrike" cap="none" spc="0" normalizeH="0" baseline="0" dirty="0" smtClean="0">
+                <a:ln>
+                  <a:noFill/>
+                </a:ln>
+                <a:solidFill>
+                  <a:schemeClr val="tx1"/>
+                </a:solidFill>
+                <a:effectLst/>
+                <a:uFill>
+                  <a:solidFill>
+                    <a:srgbClr val="000000"/>
+                  </a:solidFill>
+                </a:uFill>
+                <a:latin typeface="+mn-lt"/>
+                <a:ea typeface="Open Sans"/>
+                <a:cs typeface="Open Sans"/>
+                <a:sym typeface="Open Sans"/>
+              </a:rPr>
+              <a:t> clients can’t see them!</a:t>
+            </a:r>
+            <a:endParaRPr kumimoji="0" lang="en-US" b="0" i="0" u="none" strike="noStrike" cap="none" spc="0" normalizeH="0" baseline="0" dirty="0" smtClean="0">
+              <a:ln>
+                <a:noFill/>
+              </a:ln>
+              <a:solidFill>
+                <a:schemeClr val="tx1"/>
+              </a:solidFill>
+              <a:effectLst/>
+              <a:uFill>
+                <a:solidFill>
+                  <a:srgbClr val="000000"/>
+                </a:solidFill>
+              </a:uFill>
+              <a:latin typeface="+mn-lt"/>
+              <a:ea typeface="Open Sans"/>
+              <a:cs typeface="Open Sans"/>
+              <a:sym typeface="Open Sans"/>
+            </a:endParaRPr>
+          </a:p>
+        </p:txBody>
+      </p:sp>
+      <p:sp>
+        <p:nvSpPr>
+          <p:cNvPr id="6" name="TextBox 5"/>
+          <p:cNvSpPr txBox="1"/>
+          <p:nvPr/>
+        </p:nvSpPr>
+        <p:spPr>
+          <a:xfrm>
+            <a:off x="1470602" y="2504314"/>
+            <a:ext cx="4435509" cy="471924"/>
+          </a:xfrm>
+          <a:prstGeom prst="rect">
+            <a:avLst/>
+          </a:prstGeom>
+          <a:noFill/>
+          <a:ln w="12700" cap="flat">
+            <a:noFill/>
+            <a:miter lim="400000"/>
+          </a:ln>
+          <a:effectLst/>
+        </p:spPr>
+        <p:style>
+          <a:lnRef idx="0">
+            <a:scrgbClr r="0" g="0" b="0"/>
+          </a:lnRef>
+          <a:fillRef idx="0">
+            <a:scrgbClr r="0" g="0" b="0"/>
+          </a:fillRef>
+          <a:effectRef idx="0">
+            <a:scrgbClr r="0" g="0" b="0"/>
+          </a:effectRef>
+          <a:fontRef idx="none"/>
+        </p:style>
+        <p:txBody>
+          <a:bodyPr rot="0" spcFirstLastPara="1" vertOverflow="overflow" horzOverflow="overflow" vert="horz" wrap="none" lIns="50800" tIns="50800" rIns="50800" bIns="50800" numCol="1" spcCol="38100" rtlCol="0" anchor="ctr">
+            <a:spAutoFit/>
+          </a:bodyPr>
+          <a:lstStyle/>
+          <a:p>
+            <a:pPr marL="0" marR="0" indent="0" algn="l" defTabSz="1219200" rtl="0" fontAlgn="auto" latinLnBrk="1" hangingPunct="0">
+              <a:lnSpc>
+                <a:spcPct val="100000"/>
+              </a:lnSpc>
+              <a:spcBef>
+                <a:spcPts val="0"/>
+              </a:spcBef>
+              <a:spcAft>
+                <a:spcPts val="0"/>
+              </a:spcAft>
+              <a:buClrTx/>
+              <a:buSzTx/>
+              <a:buFontTx/>
+              <a:buNone/>
+              <a:tabLst/>
+            </a:pPr>
+            <a:r>
+              <a:rPr kumimoji="0" lang="en-US" b="0" i="0" u="none" strike="noStrike" cap="none" spc="0" normalizeH="0" baseline="0" dirty="0" smtClean="0">
+                <a:ln>
+                  <a:noFill/>
+                </a:ln>
+                <a:solidFill>
+                  <a:schemeClr val="tx1"/>
+                </a:solidFill>
+                <a:effectLst/>
+                <a:uFill>
+                  <a:solidFill>
+                    <a:srgbClr val="000000"/>
+                  </a:solidFill>
+                </a:uFill>
+                <a:latin typeface="+mn-lt"/>
+                <a:ea typeface="Open Sans"/>
+                <a:cs typeface="Open Sans"/>
+                <a:sym typeface="Open Sans"/>
+              </a:rPr>
+              <a:t>Use Views or the command line</a:t>
+            </a:r>
+            <a:endParaRPr kumimoji="0" lang="en-US" b="0" i="0" u="none" strike="noStrike" cap="none" spc="0" normalizeH="0" baseline="0" dirty="0" smtClean="0">
+              <a:ln>
+                <a:noFill/>
+              </a:ln>
+              <a:solidFill>
+                <a:schemeClr val="tx1"/>
+              </a:solidFill>
+              <a:effectLst/>
+              <a:uFill>
+                <a:solidFill>
+                  <a:srgbClr val="000000"/>
+                </a:solidFill>
+              </a:uFill>
+              <a:latin typeface="+mn-lt"/>
+              <a:ea typeface="Open Sans"/>
+              <a:cs typeface="Open Sans"/>
+              <a:sym typeface="Open Sans"/>
+            </a:endParaRPr>
+          </a:p>
+        </p:txBody>
+      </p:sp>
+    </p:spTree>
+    <p:extLst>
+      <p:ext uri="{BB962C8B-B14F-4D97-AF65-F5344CB8AC3E}">
+        <p14:creationId xmlns:p14="http://schemas.microsoft.com/office/powerpoint/2010/main" val="2287190858"/>
+      </p:ext>
+    </p:extLst>
+  </p:cSld>
+  <p:clrMapOvr>
+    <a:masterClrMapping/>
+  </p:clrMapOvr>
+  <mc:AlternateContent xmlns:mc="http://schemas.openxmlformats.org/markup-compatibility/2006" xmlns:p14="http://schemas.microsoft.com/office/powerpoint/2010/main">
+    <mc:Choice Requires="p14">
+      <p:transition spd="med" p14:dur="700">
+        <p:fade/>
+      </p:transition>
+    </mc:Choice>
+    <mc:Fallback xmlns="">
+      <p:transition spd="med">
+        <p:fade/>
+      </p:transition>
+    </mc:Fallback>
+  </mc:AlternateContent>
+  <p:timing>
+    <p:tnLst>
+      <p:par>
+        <p:cTn xmlns:p14="http://schemas.microsoft.com/office/powerpoint/2010/main" id="1" dur="indefinite" restart="never" nodeType="tmRoot">
+          <p:childTnLst>
+            <p:seq concurrent="1" nextAc="seek">
+              <p:cTn id="2" dur="indefinite" nodeType="mainSeq">
+                <p:childTnLst>
+                  <p:par>
+                    <p:cTn id="3" fill="hold">
+                      <p:stCondLst>
+                        <p:cond delay="indefinite"/>
+                      </p:stCondLst>
+                      <p:childTnLst>
+                        <p:par>
+                          <p:cTn id="4" fill="hold">
+                            <p:stCondLst>
+                              <p:cond delay="0"/>
+                            </p:stCondLst>
+                            <p:childTnLst>
+                              <p:par>
+                                <p:cTn id="5" presetID="1" presetClass="entr" presetSubtype="0" fill="hold" grpId="0" nodeType="clickEffect">
+                                  <p:stCondLst>
+                                    <p:cond delay="0"/>
+                                  </p:stCondLst>
+                                  <p:childTnLst>
+                                    <p:set>
+                                      <p:cBhvr>
+                                        <p:cTn id="6" dur="1" fill="hold">
+                                          <p:stCondLst>
+                                            <p:cond delay="0"/>
+                                          </p:stCondLst>
+                                        </p:cTn>
+                                        <p:tgtEl>
+                                          <p:spTgt spid="6"/>
+                                        </p:tgtEl>
+                                        <p:attrNameLst>
+                                          <p:attrName>style.visibility</p:attrName>
+                                        </p:attrNameLst>
+                                      </p:cBhvr>
+                                      <p:to>
+                                        <p:strVal val="visible"/>
+                                      </p:to>
+                                    </p:set>
+                                  </p:childTnLst>
+                                </p:cTn>
+                              </p:par>
+                            </p:childTnLst>
+                          </p:cTn>
+                        </p:par>
+                      </p:childTnLst>
+                    </p:cTn>
+                  </p:par>
+                  <p:par>
+                    <p:cTn id="7" fill="hold">
+                      <p:stCondLst>
+                        <p:cond delay="indefinite"/>
+                      </p:stCondLst>
+                      <p:childTnLst>
+                        <p:par>
+                          <p:cTn id="8" fill="hold">
+                            <p:stCondLst>
+                              <p:cond delay="0"/>
+                            </p:stCondLst>
+                            <p:childTnLst>
+                              <p:par>
+                                <p:cTn id="9" presetID="3" presetClass="entr" presetSubtype="10" fill="hold" grpId="0" nodeType="clickEffect">
+                                  <p:stCondLst>
+                                    <p:cond delay="0"/>
+                                  </p:stCondLst>
+                                  <p:childTnLst>
+                                    <p:set>
+                                      <p:cBhvr>
+                                        <p:cTn id="10" dur="1" fill="hold">
+                                          <p:stCondLst>
+                                            <p:cond delay="0"/>
+                                          </p:stCondLst>
+                                        </p:cTn>
+                                        <p:tgtEl>
+                                          <p:spTgt spid="5">
+                                            <p:bg/>
+                                          </p:spTgt>
+                                        </p:tgtEl>
+                                        <p:attrNameLst>
+                                          <p:attrName>style.visibility</p:attrName>
+                                        </p:attrNameLst>
+                                      </p:cBhvr>
+                                      <p:to>
+                                        <p:strVal val="visible"/>
+                                      </p:to>
+                                    </p:set>
+                                    <p:animEffect transition="in" filter="blinds(horizontal)">
+                                      <p:cBhvr>
+                                        <p:cTn id="11" dur="500"/>
+                                        <p:tgtEl>
+                                          <p:spTgt spid="5">
+                                            <p:bg/>
+                                          </p:spTgt>
+                                        </p:tgtEl>
+                                      </p:cBhvr>
+                                    </p:animEffect>
+                                  </p:childTnLst>
+                                </p:cTn>
+                              </p:par>
+                            </p:childTnLst>
+                          </p:cTn>
+                        </p:par>
+                      </p:childTnLst>
+                    </p:cTn>
+                  </p:par>
+                </p:childTnLst>
+              </p:cTn>
+              <p:prevCondLst>
+                <p:cond evt="onPrev" delay="0">
+                  <p:tgtEl>
+                    <p:sldTgt/>
+                  </p:tgtEl>
+                </p:cond>
+              </p:prevCondLst>
+              <p:nextCondLst>
+                <p:cond evt="onNext" delay="0">
+                  <p:tgtEl>
+                    <p:sldTgt/>
+                  </p:tgtEl>
+                </p:cond>
+              </p:nextCondLst>
+            </p:seq>
+          </p:childTnLst>
+        </p:cTn>
+      </p:par>
+    </p:tnLst>
+    <p:bldLst>
+      <p:bldP spid="5" grpId="0" uiExpand="1" build="p" animBg="1"/>
+      <p:bldP spid="6" grpId="0"/>
+    </p:bldLst>
+  </p:timing>
+</p:sld>
+</file>
+
+<file path=ppt/slides/slide11.xml><?xml version="1.0" encoding="utf-8"?>
+<p:sld xmlns:a="http://schemas.openxmlformats.org/drawingml/2006/main" xmlns:r="http://schemas.openxmlformats.org/officeDocument/2006/relationships" xmlns:p="http://schemas.openxmlformats.org/presentationml/2006/main">
+  <p:cSld>
+    <p:spTree>
+      <p:nvGrpSpPr>
+        <p:cNvPr id="1" name=""/>
+        <p:cNvGrpSpPr/>
+        <p:nvPr/>
+      </p:nvGrpSpPr>
+      <p:grpSpPr>
+        <a:xfrm>
+          <a:off x="0" y="0"/>
+          <a:ext cx="0" cy="0"/>
+          <a:chOff x="0" y="0"/>
+          <a:chExt cx="0" cy="0"/>
+        </a:xfrm>
+      </p:grpSpPr>
+      <p:sp>
+        <p:nvSpPr>
           <p:cNvPr id="2" name="Title 1"/>
           <p:cNvSpPr>
             <a:spLocks noGrp="1"/>
@@ -4555,7 +5293,7 @@
 </p:sld>
 </file>
 
-<file path=ppt/slides/slide11.xml><?xml version="1.0" encoding="utf-8"?>
+<file path=ppt/slides/slide12.xml><?xml version="1.0" encoding="utf-8"?>
 <p:sld xmlns:a="http://schemas.openxmlformats.org/drawingml/2006/main" xmlns:r="http://schemas.openxmlformats.org/officeDocument/2006/relationships" xmlns:p="http://schemas.openxmlformats.org/presentationml/2006/main">
   <p:cSld>
     <p:spTree>
@@ -4717,7 +5455,7 @@
             <a:fld id="{B08C2786-D3C6-A741-908B-9F349F99BB9B}" type="slidenum">
               <a:rPr lang="en-US" smtClean="0"/>
               <a:pPr/>
-              <a:t>11</a:t>
+              <a:t>12</a:t>
             </a:fld>
             <a:endParaRPr lang="en-US" dirty="0"/>
           </a:p>
@@ -5938,7 +6676,7 @@
 </p:sld>
 </file>
 
-<file path=ppt/slides/slide12.xml><?xml version="1.0" encoding="utf-8"?>
+<file path=ppt/slides/slide13.xml><?xml version="1.0" encoding="utf-8"?>
 <p:sld xmlns:a="http://schemas.openxmlformats.org/drawingml/2006/main" xmlns:r="http://schemas.openxmlformats.org/officeDocument/2006/relationships" xmlns:p="http://schemas.openxmlformats.org/presentationml/2006/main">
   <p:cSld>
     <p:spTree>
@@ -6050,7 +6788,7 @@
             <a:fld id="{B08C2786-D3C6-A741-908B-9F349F99BB9B}" type="slidenum">
               <a:rPr lang="en-US" smtClean="0"/>
               <a:pPr/>
-              <a:t>12</a:t>
+              <a:t>13</a:t>
             </a:fld>
             <a:endParaRPr lang="en-US" dirty="0"/>
           </a:p>
@@ -8127,7 +8865,7 @@
 </p:sld>
 </file>
 
-<file path=ppt/slides/slide13.xml><?xml version="1.0" encoding="utf-8"?>
+<file path=ppt/slides/slide14.xml><?xml version="1.0" encoding="utf-8"?>
 <p:sld xmlns:a="http://schemas.openxmlformats.org/drawingml/2006/main" xmlns:r="http://schemas.openxmlformats.org/officeDocument/2006/relationships" xmlns:p="http://schemas.openxmlformats.org/presentationml/2006/main">
   <p:cSld>
     <p:spTree>
@@ -8235,9 +8973,10 @@
               <a:t>Join and Union with each </a:t>
             </a:r>
             <a:r>
-              <a:rPr lang="en-US" dirty="0"/>
+              <a:rPr lang="en-US" dirty="0" smtClean="0"/>
               <a:t>other</a:t>
             </a:r>
+            <a:endParaRPr lang="en-US" dirty="0"/>
           </a:p>
           <a:p>
             <a:pPr lvl="1"/>
@@ -8260,6 +8999,13 @@
             <a:r>
               <a:rPr lang="en-US" sz="2000" dirty="0" smtClean="0"/>
               <a:t>monsters</a:t>
+            </a:r>
+          </a:p>
+          <a:p>
+            <a:pPr lvl="1"/>
+            <a:r>
+              <a:rPr lang="en-US" sz="2000" dirty="0" smtClean="0"/>
+              <a:t>If you can’t beat them, join them!</a:t>
             </a:r>
             <a:endParaRPr lang="en-US" sz="2000" dirty="0" smtClean="0"/>
           </a:p>
@@ -8314,7 +9060,7 @@
             <a:fld id="{B08C2786-D3C6-A741-908B-9F349F99BB9B}" type="slidenum">
               <a:rPr lang="en-US" smtClean="0"/>
               <a:pPr/>
-              <a:t>13</a:t>
+              <a:t>14</a:t>
             </a:fld>
             <a:endParaRPr lang="en-US" dirty="0"/>
           </a:p>
@@ -8824,7 +9570,7 @@
                             </p:stCondLst>
                             <p:childTnLst>
                               <p:par>
-                                <p:cTn id="40" presetID="10" presetClass="entr" presetSubtype="0" fill="hold" nodeType="clickEffect">
+                                <p:cTn id="40" presetID="1" presetClass="entr" presetSubtype="0" fill="hold" nodeType="clickEffect">
                                   <p:stCondLst>
                                     <p:cond delay="0"/>
                                   </p:stCondLst>
@@ -8851,13 +9597,62 @@
                                         <p:strVal val="visible"/>
                                       </p:to>
                                     </p:set>
-                                    <p:animEffect transition="in" filter="fade">
+                                  </p:childTnLst>
+                                </p:cTn>
+                              </p:par>
+                            </p:childTnLst>
+                          </p:cTn>
+                        </p:par>
+                      </p:childTnLst>
+                    </p:cTn>
+                  </p:par>
+                  <p:par>
+                    <p:cTn id="42" fill="hold">
+                      <p:stCondLst>
+                        <p:cond delay="indefinite"/>
+                      </p:stCondLst>
+                      <p:childTnLst>
+                        <p:par>
+                          <p:cTn id="43" fill="hold">
+                            <p:stCondLst>
+                              <p:cond delay="0"/>
+                            </p:stCondLst>
+                            <p:childTnLst>
+                              <p:par>
+                                <p:cTn id="44" presetID="10" presetClass="entr" presetSubtype="0" fill="hold" nodeType="clickEffect">
+                                  <p:stCondLst>
+                                    <p:cond delay="0"/>
+                                  </p:stCondLst>
+                                  <p:childTnLst>
+                                    <p:set>
                                       <p:cBhvr>
-                                        <p:cTn id="42" dur="500"/>
+                                        <p:cTn id="45" dur="1" fill="hold">
+                                          <p:stCondLst>
+                                            <p:cond delay="0"/>
+                                          </p:stCondLst>
+                                        </p:cTn>
                                         <p:tgtEl>
                                           <p:spTgt spid="5">
                                             <p:txEl>
-                                              <p:pRg st="8" end="8"/>
+                                              <p:pRg st="9" end="9"/>
+                                            </p:txEl>
+                                          </p:spTgt>
+                                        </p:tgtEl>
+                                        <p:attrNameLst>
+                                          <p:attrName>style.visibility</p:attrName>
+                                        </p:attrNameLst>
+                                      </p:cBhvr>
+                                      <p:to>
+                                        <p:strVal val="visible"/>
+                                      </p:to>
+                                    </p:set>
+                                    <p:animEffect transition="in" filter="fade">
+                                      <p:cBhvr>
+                                        <p:cTn id="46" dur="500"/>
+                                        <p:tgtEl>
+                                          <p:spTgt spid="5">
+                                            <p:txEl>
+                                              <p:pRg st="9" end="9"/>
                                             </p:txEl>
                                           </p:spTgt>
                                         </p:tgtEl>
@@ -8873,26 +9668,26 @@
                     </p:cTn>
                   </p:par>
                   <p:par>
-                    <p:cTn id="43" fill="hold">
+                    <p:cTn id="47" fill="hold">
                       <p:stCondLst>
                         <p:cond delay="indefinite"/>
                       </p:stCondLst>
                       <p:childTnLst>
                         <p:par>
-                          <p:cTn id="44" fill="hold">
+                          <p:cTn id="48" fill="hold">
                             <p:stCondLst>
                               <p:cond delay="0"/>
                             </p:stCondLst>
                             <p:childTnLst>
                               <p:par>
-                                <p:cTn id="45" presetID="1" presetClass="entr" presetSubtype="0" fill="hold" nodeType="clickEffect">
+                                <p:cTn id="49" presetID="1" presetClass="entr" presetSubtype="0" fill="hold" nodeType="clickEffect">
                                   <p:stCondLst>
                                     <p:cond delay="0"/>
                                   </p:stCondLst>
                                   <p:childTnLst>
                                     <p:set>
                                       <p:cBhvr>
-                                        <p:cTn id="46" dur="1" fill="hold">
+                                        <p:cTn id="50" dur="1" fill="hold">
                                           <p:stCondLst>
                                             <p:cond delay="0"/>
                                           </p:stCondLst>
@@ -8900,7 +9695,7 @@
                                         <p:tgtEl>
                                           <p:spTgt spid="5">
                                             <p:txEl>
-                                              <p:pRg st="9" end="9"/>
+                                              <p:pRg st="10" end="10"/>
                                             </p:txEl>
                                           </p:spTgt>
                                         </p:tgtEl>
@@ -8946,7 +9741,7 @@
 </p:sld>
 </file>
 
-<file path=ppt/slides/slide14.xml><?xml version="1.0" encoding="utf-8"?>
+<file path=ppt/slides/slide15.xml><?xml version="1.0" encoding="utf-8"?>
 <p:sld xmlns:a="http://schemas.openxmlformats.org/drawingml/2006/main" xmlns:r="http://schemas.openxmlformats.org/officeDocument/2006/relationships" xmlns:p="http://schemas.openxmlformats.org/presentationml/2006/main">
   <p:cSld>
     <p:spTree>
@@ -9056,7 +9851,7 @@
 </p:sld>
 </file>
 
-<file path=ppt/slides/slide15.xml><?xml version="1.0" encoding="utf-8"?>
+<file path=ppt/slides/slide16.xml><?xml version="1.0" encoding="utf-8"?>
 <p:sld xmlns:a="http://schemas.openxmlformats.org/drawingml/2006/main" xmlns:r="http://schemas.openxmlformats.org/officeDocument/2006/relationships" xmlns:p="http://schemas.openxmlformats.org/presentationml/2006/main">
   <p:cSld>
     <p:spTree>
@@ -9202,7 +9997,7 @@
             <a:fld id="{B08C2786-D3C6-A741-908B-9F349F99BB9B}" type="slidenum">
               <a:rPr lang="en-US" smtClean="0"/>
               <a:pPr/>
-              <a:t>15</a:t>
+              <a:t>16</a:t>
             </a:fld>
             <a:endParaRPr lang="en-US" dirty="0"/>
           </a:p>
@@ -11041,7 +11836,7 @@
 </p:sld>
 </file>
 
-<file path=ppt/slides/slide16.xml><?xml version="1.0" encoding="utf-8"?>
+<file path=ppt/slides/slide17.xml><?xml version="1.0" encoding="utf-8"?>
 <p:sld xmlns:a="http://schemas.openxmlformats.org/drawingml/2006/main" xmlns:r="http://schemas.openxmlformats.org/officeDocument/2006/relationships" xmlns:p="http://schemas.openxmlformats.org/presentationml/2006/main">
   <p:cSld>
     <p:spTree>
@@ -11104,7 +11899,7 @@
             <a:fld id="{B08C2786-D3C6-A741-908B-9F349F99BB9B}" type="slidenum">
               <a:rPr lang="en-US" smtClean="0"/>
               <a:pPr/>
-              <a:t>16</a:t>
+              <a:t>17</a:t>
             </a:fld>
             <a:endParaRPr lang="en-US" dirty="0"/>
           </a:p>
@@ -12021,7 +12816,7 @@
 </p:sld>
 </file>
 
-<file path=ppt/slides/slide17.xml><?xml version="1.0" encoding="utf-8"?>
+<file path=ppt/slides/slide18.xml><?xml version="1.0" encoding="utf-8"?>
 <p:sld xmlns:a="http://schemas.openxmlformats.org/drawingml/2006/main" xmlns:r="http://schemas.openxmlformats.org/officeDocument/2006/relationships" xmlns:p="http://schemas.openxmlformats.org/presentationml/2006/main">
   <p:cSld>
     <p:spTree>
@@ -12084,7 +12879,7 @@
             <a:fld id="{B08C2786-D3C6-A741-908B-9F349F99BB9B}" type="slidenum">
               <a:rPr lang="en-US" smtClean="0"/>
               <a:pPr/>
-              <a:t>17</a:t>
+              <a:t>18</a:t>
             </a:fld>
             <a:endParaRPr lang="en-US" dirty="0"/>
           </a:p>
@@ -12911,7 +13706,7 @@
 </p:sld>
 </file>
 
-<file path=ppt/slides/slide18.xml><?xml version="1.0" encoding="utf-8"?>
+<file path=ppt/slides/slide19.xml><?xml version="1.0" encoding="utf-8"?>
 <p:sld xmlns:a="http://schemas.openxmlformats.org/drawingml/2006/main" xmlns:r="http://schemas.openxmlformats.org/officeDocument/2006/relationships" xmlns:p="http://schemas.openxmlformats.org/presentationml/2006/main">
   <p:cSld>
     <p:spTree>
@@ -12974,7 +13769,7 @@
             <a:fld id="{B08C2786-D3C6-A741-908B-9F349F99BB9B}" type="slidenum">
               <a:rPr lang="en-US" smtClean="0"/>
               <a:pPr/>
-              <a:t>18</a:t>
+              <a:t>19</a:t>
             </a:fld>
             <a:endParaRPr lang="en-US" dirty="0"/>
           </a:p>
@@ -13855,852 +14650,6 @@
 </p:sld>
 </file>
 
-<file path=ppt/slides/slide19.xml><?xml version="1.0" encoding="utf-8"?>
-<p:sld xmlns:a="http://schemas.openxmlformats.org/drawingml/2006/main" xmlns:r="http://schemas.openxmlformats.org/officeDocument/2006/relationships" xmlns:p="http://schemas.openxmlformats.org/presentationml/2006/main">
-  <p:cSld>
-    <p:spTree>
-      <p:nvGrpSpPr>
-        <p:cNvPr id="1" name=""/>
-        <p:cNvGrpSpPr/>
-        <p:nvPr/>
-      </p:nvGrpSpPr>
-      <p:grpSpPr>
-        <a:xfrm>
-          <a:off x="0" y="0"/>
-          <a:ext cx="0" cy="0"/>
-          <a:chOff x="0" y="0"/>
-          <a:chExt cx="0" cy="0"/>
-        </a:xfrm>
-      </p:grpSpPr>
-      <p:sp>
-        <p:nvSpPr>
-          <p:cNvPr id="3" name="Title 2"/>
-          <p:cNvSpPr>
-            <a:spLocks noGrp="1"/>
-          </p:cNvSpPr>
-          <p:nvPr>
-            <p:ph type="title"/>
-          </p:nvPr>
-        </p:nvSpPr>
-        <p:spPr>
-          <a:xfrm>
-            <a:off x="1188850" y="254000"/>
-            <a:ext cx="9166535" cy="801077"/>
-          </a:xfrm>
-        </p:spPr>
-        <p:txBody>
-          <a:bodyPr/>
-          <a:lstStyle/>
-          <a:p>
-            <a:r>
-              <a:rPr lang="en-US" dirty="0" smtClean="0"/>
-              <a:t>Multicorn</a:t>
-            </a:r>
-            <a:endParaRPr lang="en-US" dirty="0"/>
-          </a:p>
-        </p:txBody>
-      </p:sp>
-      <p:sp>
-        <p:nvSpPr>
-          <p:cNvPr id="2" name="Slide Number Placeholder 1"/>
-          <p:cNvSpPr>
-            <a:spLocks noGrp="1"/>
-          </p:cNvSpPr>
-          <p:nvPr>
-            <p:ph type="sldNum" sz="quarter" idx="2"/>
-          </p:nvPr>
-        </p:nvSpPr>
-        <p:spPr/>
-        <p:txBody>
-          <a:bodyPr/>
-          <a:lstStyle/>
-          <a:p>
-            <a:fld id="{B08C2786-D3C6-A741-908B-9F349F99BB9B}" type="slidenum">
-              <a:rPr lang="en-US" smtClean="0"/>
-              <a:pPr/>
-              <a:t>19</a:t>
-            </a:fld>
-            <a:endParaRPr lang="en-US" dirty="0"/>
-          </a:p>
-        </p:txBody>
-      </p:sp>
-      <p:sp>
-        <p:nvSpPr>
-          <p:cNvPr id="8" name="Text Placeholder 7"/>
-          <p:cNvSpPr>
-            <a:spLocks noGrp="1"/>
-          </p:cNvSpPr>
-          <p:nvPr>
-            <p:ph type="body" sz="quarter" idx="10"/>
-          </p:nvPr>
-        </p:nvSpPr>
-        <p:spPr>
-          <a:xfrm>
-            <a:off x="1188850" y="1257299"/>
-            <a:ext cx="14305150" cy="1198923"/>
-          </a:xfrm>
-        </p:spPr>
-        <p:txBody>
-          <a:bodyPr/>
-          <a:lstStyle/>
-          <a:p>
-            <a:r>
-              <a:rPr lang="en-US" dirty="0" smtClean="0"/>
-              <a:t>Execute (SELECT)</a:t>
-            </a:r>
-          </a:p>
-          <a:p>
-            <a:r>
-              <a:rPr lang="en-US" dirty="0" err="1" smtClean="0"/>
-              <a:t>getOperatorFunction</a:t>
-            </a:r>
-            <a:r>
-              <a:rPr lang="en-US" dirty="0" smtClean="0"/>
-              <a:t>(</a:t>
-            </a:r>
-            <a:r>
-              <a:rPr lang="en-US" dirty="0" err="1" smtClean="0"/>
-              <a:t>qual.operator</a:t>
-            </a:r>
-            <a:r>
-              <a:rPr lang="en-US" dirty="0" smtClean="0"/>
-              <a:t>)</a:t>
-            </a:r>
-            <a:endParaRPr lang="en-US" dirty="0"/>
-          </a:p>
-        </p:txBody>
-      </p:sp>
-      <p:sp>
-        <p:nvSpPr>
-          <p:cNvPr id="6" name="TextBox 5"/>
-          <p:cNvSpPr txBox="1"/>
-          <p:nvPr/>
-        </p:nvSpPr>
-        <p:spPr>
-          <a:xfrm>
-            <a:off x="1188849" y="2917140"/>
-            <a:ext cx="4610001" cy="3426579"/>
-          </a:xfrm>
-          <a:prstGeom prst="rect">
-            <a:avLst/>
-          </a:prstGeom>
-          <a:ln/>
-        </p:spPr>
-        <p:style>
-          <a:lnRef idx="2">
-            <a:schemeClr val="accent3">
-              <a:shade val="50000"/>
-            </a:schemeClr>
-          </a:lnRef>
-          <a:fillRef idx="1">
-            <a:schemeClr val="accent3"/>
-          </a:fillRef>
-          <a:effectRef idx="0">
-            <a:schemeClr val="accent3"/>
-          </a:effectRef>
-          <a:fontRef idx="minor">
-            <a:schemeClr val="lt1"/>
-          </a:fontRef>
-        </p:style>
-        <p:txBody>
-          <a:bodyPr rot="0" spcFirstLastPara="1" vertOverflow="overflow" horzOverflow="overflow" vert="horz" wrap="square" lIns="50800" tIns="50800" rIns="50800" bIns="50800" numCol="1" spcCol="38100" rtlCol="0" anchor="ctr">
-            <a:spAutoFit/>
-          </a:bodyPr>
-          <a:lstStyle/>
-          <a:p>
-            <a:pPr algn="l" rtl="0" latinLnBrk="1" hangingPunct="0"/>
-            <a:r>
-              <a:rPr lang="en-US" dirty="0" err="1">
-                <a:solidFill>
-                  <a:srgbClr val="FFFFFF"/>
-                </a:solidFill>
-                <a:uFill>
-                  <a:solidFill>
-                    <a:srgbClr val="000000"/>
-                  </a:solidFill>
-                </a:uFill>
-                <a:latin typeface="+mn-lt"/>
-              </a:rPr>
-              <a:t>def</a:t>
-            </a:r>
-            <a:r>
-              <a:rPr lang="en-US" dirty="0">
-                <a:solidFill>
-                  <a:srgbClr val="FFFFFF"/>
-                </a:solidFill>
-                <a:uFill>
-                  <a:solidFill>
-                    <a:srgbClr val="000000"/>
-                  </a:solidFill>
-                </a:uFill>
-                <a:latin typeface="+mn-lt"/>
-              </a:rPr>
-              <a:t> </a:t>
-            </a:r>
-            <a:r>
-              <a:rPr lang="en-US" dirty="0" err="1">
-                <a:solidFill>
-                  <a:srgbClr val="FFFFFF"/>
-                </a:solidFill>
-                <a:uFill>
-                  <a:solidFill>
-                    <a:srgbClr val="000000"/>
-                  </a:solidFill>
-                </a:uFill>
-                <a:latin typeface="+mn-lt"/>
-              </a:rPr>
-              <a:t>getOperatorFunction</a:t>
-            </a:r>
-            <a:r>
-              <a:rPr lang="en-US" dirty="0">
-                <a:solidFill>
-                  <a:srgbClr val="FFFFFF"/>
-                </a:solidFill>
-                <a:uFill>
-                  <a:solidFill>
-                    <a:srgbClr val="000000"/>
-                  </a:solidFill>
-                </a:uFill>
-                <a:latin typeface="+mn-lt"/>
-              </a:rPr>
-              <a:t>(</a:t>
-            </a:r>
-            <a:r>
-              <a:rPr lang="en-US" dirty="0" err="1">
-                <a:solidFill>
-                  <a:srgbClr val="FFFFFF"/>
-                </a:solidFill>
-                <a:uFill>
-                  <a:solidFill>
-                    <a:srgbClr val="000000"/>
-                  </a:solidFill>
-                </a:uFill>
-                <a:latin typeface="+mn-lt"/>
-              </a:rPr>
-              <a:t>opr</a:t>
-            </a:r>
-            <a:r>
-              <a:rPr lang="en-US" dirty="0">
-                <a:solidFill>
-                  <a:srgbClr val="FFFFFF"/>
-                </a:solidFill>
-                <a:uFill>
-                  <a:solidFill>
-                    <a:srgbClr val="000000"/>
-                  </a:solidFill>
-                </a:uFill>
-                <a:latin typeface="+mn-lt"/>
-              </a:rPr>
-              <a:t>):</a:t>
-            </a:r>
-          </a:p>
-          <a:p>
-            <a:pPr algn="l" rtl="0" latinLnBrk="1" hangingPunct="0"/>
-            <a:endParaRPr lang="en-US" dirty="0">
-              <a:solidFill>
-                <a:srgbClr val="FFFFFF"/>
-              </a:solidFill>
-              <a:uFill>
-                <a:solidFill>
-                  <a:srgbClr val="000000"/>
-                </a:solidFill>
-              </a:uFill>
-              <a:latin typeface="+mn-lt"/>
-            </a:endParaRPr>
-          </a:p>
-          <a:p>
-            <a:pPr algn="l" rtl="0" latinLnBrk="1" hangingPunct="0"/>
-            <a:r>
-              <a:rPr lang="en-US" dirty="0">
-                <a:solidFill>
-                  <a:srgbClr val="FFFFFF"/>
-                </a:solidFill>
-                <a:uFill>
-                  <a:solidFill>
-                    <a:srgbClr val="000000"/>
-                  </a:solidFill>
-                </a:uFill>
-                <a:latin typeface="+mn-lt"/>
-              </a:rPr>
-              <a:t>  </a:t>
-            </a:r>
-            <a:r>
-              <a:rPr lang="en-US" dirty="0" smtClean="0">
-                <a:solidFill>
-                  <a:srgbClr val="FFFFFF"/>
-                </a:solidFill>
-                <a:uFill>
-                  <a:solidFill>
-                    <a:srgbClr val="000000"/>
-                  </a:solidFill>
-                </a:uFill>
-                <a:latin typeface="+mn-lt"/>
-              </a:rPr>
-              <a:t>  </a:t>
-            </a:r>
-            <a:r>
-              <a:rPr lang="en-US" dirty="0" err="1" smtClean="0">
-                <a:solidFill>
-                  <a:srgbClr val="FFFFFF"/>
-                </a:solidFill>
-                <a:uFill>
-                  <a:solidFill>
-                    <a:srgbClr val="000000"/>
-                  </a:solidFill>
-                </a:uFill>
-                <a:latin typeface="+mn-lt"/>
-              </a:rPr>
-              <a:t>operatorFunctionMap</a:t>
-            </a:r>
-            <a:r>
-              <a:rPr lang="en-US" dirty="0" smtClean="0">
-                <a:solidFill>
-                  <a:srgbClr val="FFFFFF"/>
-                </a:solidFill>
-                <a:uFill>
-                  <a:solidFill>
-                    <a:srgbClr val="000000"/>
-                  </a:solidFill>
-                </a:uFill>
-                <a:latin typeface="+mn-lt"/>
-              </a:rPr>
-              <a:t> </a:t>
-            </a:r>
-            <a:r>
-              <a:rPr lang="en-US" dirty="0">
-                <a:solidFill>
-                  <a:srgbClr val="FFFFFF"/>
-                </a:solidFill>
-                <a:uFill>
-                  <a:solidFill>
-                    <a:srgbClr val="000000"/>
-                  </a:solidFill>
-                </a:uFill>
-                <a:latin typeface="+mn-lt"/>
-              </a:rPr>
-              <a:t>= {</a:t>
-            </a:r>
-          </a:p>
-          <a:p>
-            <a:pPr algn="l" rtl="0" latinLnBrk="1" hangingPunct="0"/>
-            <a:r>
-              <a:rPr lang="en-US" dirty="0">
-                <a:solidFill>
-                  <a:srgbClr val="FFFFFF"/>
-                </a:solidFill>
-                <a:uFill>
-                  <a:solidFill>
-                    <a:srgbClr val="000000"/>
-                  </a:solidFill>
-                </a:uFill>
-                <a:latin typeface="+mn-lt"/>
-              </a:rPr>
-              <a:t>    </a:t>
-            </a:r>
-            <a:r>
-              <a:rPr lang="en-US" dirty="0" smtClean="0">
-                <a:solidFill>
-                  <a:srgbClr val="FFFFFF"/>
-                </a:solidFill>
-                <a:uFill>
-                  <a:solidFill>
-                    <a:srgbClr val="000000"/>
-                  </a:solidFill>
-                </a:uFill>
-                <a:latin typeface="+mn-lt"/>
-              </a:rPr>
-              <a:t>    </a:t>
-            </a:r>
-            <a:r>
-              <a:rPr lang="en-US" dirty="0">
-                <a:solidFill>
-                  <a:srgbClr val="FFFFFF"/>
-                </a:solidFill>
-                <a:uFill>
-                  <a:solidFill>
-                    <a:srgbClr val="000000"/>
-                  </a:solidFill>
-                </a:uFill>
-                <a:latin typeface="+mn-lt"/>
-              </a:rPr>
-              <a:t>'&lt;':          </a:t>
-            </a:r>
-            <a:r>
-              <a:rPr lang="en-US" dirty="0" err="1">
-                <a:solidFill>
-                  <a:srgbClr val="FFFFFF"/>
-                </a:solidFill>
-                <a:uFill>
-                  <a:solidFill>
-                    <a:srgbClr val="000000"/>
-                  </a:solidFill>
-                </a:uFill>
-                <a:latin typeface="+mn-lt"/>
-              </a:rPr>
-              <a:t>operator.lt</a:t>
-            </a:r>
-            <a:r>
-              <a:rPr lang="en-US" dirty="0">
-                <a:solidFill>
-                  <a:srgbClr val="FFFFFF"/>
-                </a:solidFill>
-                <a:uFill>
-                  <a:solidFill>
-                    <a:srgbClr val="000000"/>
-                  </a:solidFill>
-                </a:uFill>
-                <a:latin typeface="+mn-lt"/>
-              </a:rPr>
-              <a:t>,</a:t>
-            </a:r>
-          </a:p>
-          <a:p>
-            <a:pPr algn="l" rtl="0" latinLnBrk="1" hangingPunct="0"/>
-            <a:r>
-              <a:rPr lang="en-US" dirty="0">
-                <a:solidFill>
-                  <a:srgbClr val="FFFFFF"/>
-                </a:solidFill>
-                <a:uFill>
-                  <a:solidFill>
-                    <a:srgbClr val="000000"/>
-                  </a:solidFill>
-                </a:uFill>
-                <a:latin typeface="+mn-lt"/>
-              </a:rPr>
-              <a:t>   </a:t>
-            </a:r>
-            <a:r>
-              <a:rPr lang="en-US" dirty="0" smtClean="0">
-                <a:solidFill>
-                  <a:srgbClr val="FFFFFF"/>
-                </a:solidFill>
-                <a:uFill>
-                  <a:solidFill>
-                    <a:srgbClr val="000000"/>
-                  </a:solidFill>
-                </a:uFill>
-                <a:latin typeface="+mn-lt"/>
-              </a:rPr>
-              <a:t>     </a:t>
-            </a:r>
-            <a:r>
-              <a:rPr lang="en-US" dirty="0">
-                <a:solidFill>
-                  <a:srgbClr val="FFFFFF"/>
-                </a:solidFill>
-                <a:uFill>
-                  <a:solidFill>
-                    <a:srgbClr val="000000"/>
-                  </a:solidFill>
-                </a:uFill>
-                <a:latin typeface="+mn-lt"/>
-              </a:rPr>
-              <a:t>'&gt;':          </a:t>
-            </a:r>
-            <a:r>
-              <a:rPr lang="en-US" dirty="0" err="1">
-                <a:solidFill>
-                  <a:srgbClr val="FFFFFF"/>
-                </a:solidFill>
-                <a:uFill>
-                  <a:solidFill>
-                    <a:srgbClr val="000000"/>
-                  </a:solidFill>
-                </a:uFill>
-                <a:latin typeface="+mn-lt"/>
-              </a:rPr>
-              <a:t>operator.gt</a:t>
-            </a:r>
-            <a:r>
-              <a:rPr lang="en-US" dirty="0">
-                <a:solidFill>
-                  <a:srgbClr val="FFFFFF"/>
-                </a:solidFill>
-                <a:uFill>
-                  <a:solidFill>
-                    <a:srgbClr val="000000"/>
-                  </a:solidFill>
-                </a:uFill>
-                <a:latin typeface="+mn-lt"/>
-              </a:rPr>
-              <a:t>,</a:t>
-            </a:r>
-          </a:p>
-          <a:p>
-            <a:pPr algn="l" rtl="0" latinLnBrk="1" hangingPunct="0"/>
-            <a:r>
-              <a:rPr lang="en-US" dirty="0">
-                <a:solidFill>
-                  <a:srgbClr val="FFFFFF"/>
-                </a:solidFill>
-                <a:uFill>
-                  <a:solidFill>
-                    <a:srgbClr val="000000"/>
-                  </a:solidFill>
-                </a:uFill>
-                <a:latin typeface="+mn-lt"/>
-              </a:rPr>
-              <a:t>   </a:t>
-            </a:r>
-            <a:r>
-              <a:rPr lang="en-US" dirty="0" smtClean="0">
-                <a:solidFill>
-                  <a:srgbClr val="FFFFFF"/>
-                </a:solidFill>
-                <a:uFill>
-                  <a:solidFill>
-                    <a:srgbClr val="000000"/>
-                  </a:solidFill>
-                </a:uFill>
-                <a:latin typeface="+mn-lt"/>
-              </a:rPr>
-              <a:t>     </a:t>
-            </a:r>
-            <a:r>
-              <a:rPr lang="en-US" dirty="0">
-                <a:solidFill>
-                  <a:srgbClr val="FFFFFF"/>
-                </a:solidFill>
-                <a:uFill>
-                  <a:solidFill>
-                    <a:srgbClr val="000000"/>
-                  </a:solidFill>
-                </a:uFill>
-                <a:latin typeface="+mn-lt"/>
-              </a:rPr>
-              <a:t>'&lt;=':         </a:t>
-            </a:r>
-            <a:r>
-              <a:rPr lang="en-US" dirty="0" err="1">
-                <a:solidFill>
-                  <a:srgbClr val="FFFFFF"/>
-                </a:solidFill>
-                <a:uFill>
-                  <a:solidFill>
-                    <a:srgbClr val="000000"/>
-                  </a:solidFill>
-                </a:uFill>
-                <a:latin typeface="+mn-lt"/>
-              </a:rPr>
-              <a:t>operator.le</a:t>
-            </a:r>
-            <a:r>
-              <a:rPr lang="en-US" dirty="0">
-                <a:solidFill>
-                  <a:srgbClr val="FFFFFF"/>
-                </a:solidFill>
-                <a:uFill>
-                  <a:solidFill>
-                    <a:srgbClr val="000000"/>
-                  </a:solidFill>
-                </a:uFill>
-                <a:latin typeface="+mn-lt"/>
-              </a:rPr>
-              <a:t>,</a:t>
-            </a:r>
-          </a:p>
-          <a:p>
-            <a:pPr algn="l" rtl="0" latinLnBrk="1" hangingPunct="0"/>
-            <a:r>
-              <a:rPr lang="en-US" dirty="0">
-                <a:solidFill>
-                  <a:srgbClr val="FFFFFF"/>
-                </a:solidFill>
-                <a:uFill>
-                  <a:solidFill>
-                    <a:srgbClr val="000000"/>
-                  </a:solidFill>
-                </a:uFill>
-                <a:latin typeface="+mn-lt"/>
-              </a:rPr>
-              <a:t>    </a:t>
-            </a:r>
-            <a:r>
-              <a:rPr lang="en-US" dirty="0" smtClean="0">
-                <a:solidFill>
-                  <a:srgbClr val="FFFFFF"/>
-                </a:solidFill>
-                <a:uFill>
-                  <a:solidFill>
-                    <a:srgbClr val="000000"/>
-                  </a:solidFill>
-                </a:uFill>
-                <a:latin typeface="+mn-lt"/>
-              </a:rPr>
-              <a:t>    </a:t>
-            </a:r>
-            <a:r>
-              <a:rPr lang="en-US" dirty="0">
-                <a:solidFill>
-                  <a:srgbClr val="FFFFFF"/>
-                </a:solidFill>
-                <a:uFill>
-                  <a:solidFill>
-                    <a:srgbClr val="000000"/>
-                  </a:solidFill>
-                </a:uFill>
-                <a:latin typeface="+mn-lt"/>
-              </a:rPr>
-              <a:t>'&gt;=':         </a:t>
-            </a:r>
-            <a:r>
-              <a:rPr lang="en-US" dirty="0" err="1">
-                <a:solidFill>
-                  <a:srgbClr val="FFFFFF"/>
-                </a:solidFill>
-                <a:uFill>
-                  <a:solidFill>
-                    <a:srgbClr val="000000"/>
-                  </a:solidFill>
-                </a:uFill>
-                <a:latin typeface="+mn-lt"/>
-              </a:rPr>
-              <a:t>operator.ge</a:t>
-            </a:r>
-            <a:r>
-              <a:rPr lang="en-US" dirty="0">
-                <a:solidFill>
-                  <a:srgbClr val="FFFFFF"/>
-                </a:solidFill>
-                <a:uFill>
-                  <a:solidFill>
-                    <a:srgbClr val="000000"/>
-                  </a:solidFill>
-                </a:uFill>
-                <a:latin typeface="+mn-lt"/>
-              </a:rPr>
-              <a:t>,</a:t>
-            </a:r>
-          </a:p>
-          <a:p>
-            <a:pPr algn="l" rtl="0" latinLnBrk="1" hangingPunct="0"/>
-            <a:r>
-              <a:rPr lang="en-US" dirty="0">
-                <a:solidFill>
-                  <a:srgbClr val="FFFFFF"/>
-                </a:solidFill>
-                <a:uFill>
-                  <a:solidFill>
-                    <a:srgbClr val="000000"/>
-                  </a:solidFill>
-                </a:uFill>
-                <a:latin typeface="+mn-lt"/>
-              </a:rPr>
-              <a:t>    </a:t>
-            </a:r>
-            <a:r>
-              <a:rPr lang="en-US" dirty="0" smtClean="0">
-                <a:solidFill>
-                  <a:srgbClr val="FFFFFF"/>
-                </a:solidFill>
-                <a:uFill>
-                  <a:solidFill>
-                    <a:srgbClr val="000000"/>
-                  </a:solidFill>
-                </a:uFill>
-                <a:latin typeface="+mn-lt"/>
-              </a:rPr>
-              <a:t>    </a:t>
-            </a:r>
-            <a:r>
-              <a:rPr lang="en-US" dirty="0">
-                <a:solidFill>
-                  <a:srgbClr val="FFFFFF"/>
-                </a:solidFill>
-                <a:uFill>
-                  <a:solidFill>
-                    <a:srgbClr val="000000"/>
-                  </a:solidFill>
-                </a:uFill>
-                <a:latin typeface="+mn-lt"/>
-              </a:rPr>
-              <a:t>'=':          </a:t>
-            </a:r>
-            <a:r>
-              <a:rPr lang="en-US" dirty="0" err="1">
-                <a:solidFill>
-                  <a:srgbClr val="FFFFFF"/>
-                </a:solidFill>
-                <a:uFill>
-                  <a:solidFill>
-                    <a:srgbClr val="000000"/>
-                  </a:solidFill>
-                </a:uFill>
-                <a:latin typeface="+mn-lt"/>
-              </a:rPr>
-              <a:t>operator.eq</a:t>
-            </a:r>
-            <a:r>
-              <a:rPr lang="en-US" dirty="0">
-                <a:solidFill>
-                  <a:srgbClr val="FFFFFF"/>
-                </a:solidFill>
-                <a:uFill>
-                  <a:solidFill>
-                    <a:srgbClr val="000000"/>
-                  </a:solidFill>
-                </a:uFill>
-                <a:latin typeface="+mn-lt"/>
-              </a:rPr>
-              <a:t>,</a:t>
-            </a:r>
-          </a:p>
-          <a:p>
-            <a:pPr algn="l" rtl="0" latinLnBrk="1" hangingPunct="0"/>
-            <a:r>
-              <a:rPr lang="en-US" dirty="0">
-                <a:solidFill>
-                  <a:srgbClr val="FFFFFF"/>
-                </a:solidFill>
-                <a:uFill>
-                  <a:solidFill>
-                    <a:srgbClr val="000000"/>
-                  </a:solidFill>
-                </a:uFill>
-                <a:latin typeface="+mn-lt"/>
-              </a:rPr>
-              <a:t>    </a:t>
-            </a:r>
-            <a:r>
-              <a:rPr lang="en-US" dirty="0" smtClean="0">
-                <a:solidFill>
-                  <a:srgbClr val="FFFFFF"/>
-                </a:solidFill>
-                <a:uFill>
-                  <a:solidFill>
-                    <a:srgbClr val="000000"/>
-                  </a:solidFill>
-                </a:uFill>
-                <a:latin typeface="+mn-lt"/>
-              </a:rPr>
-              <a:t>    </a:t>
-            </a:r>
-            <a:r>
-              <a:rPr lang="en-US" dirty="0">
-                <a:solidFill>
-                  <a:srgbClr val="FFFFFF"/>
-                </a:solidFill>
-                <a:uFill>
-                  <a:solidFill>
-                    <a:srgbClr val="000000"/>
-                  </a:solidFill>
-                </a:uFill>
-                <a:latin typeface="+mn-lt"/>
-              </a:rPr>
-              <a:t>'&lt;&gt;':         </a:t>
-            </a:r>
-            <a:r>
-              <a:rPr lang="en-US" dirty="0" err="1">
-                <a:solidFill>
-                  <a:srgbClr val="FFFFFF"/>
-                </a:solidFill>
-                <a:uFill>
-                  <a:solidFill>
-                    <a:srgbClr val="000000"/>
-                  </a:solidFill>
-                </a:uFill>
-                <a:latin typeface="+mn-lt"/>
-              </a:rPr>
-              <a:t>operator.ne</a:t>
-            </a:r>
-            <a:r>
-              <a:rPr lang="en-US" dirty="0">
-                <a:solidFill>
-                  <a:srgbClr val="FFFFFF"/>
-                </a:solidFill>
-                <a:uFill>
-                  <a:solidFill>
-                    <a:srgbClr val="000000"/>
-                  </a:solidFill>
-                </a:uFill>
-                <a:latin typeface="+mn-lt"/>
-              </a:rPr>
-              <a:t>,</a:t>
-            </a:r>
-            <a:endParaRPr kumimoji="0" lang="en-US" b="0" i="0" u="none" strike="noStrike" cap="none" spc="0" normalizeH="0" baseline="0" dirty="0" smtClean="0">
-              <a:ln>
-                <a:noFill/>
-              </a:ln>
-              <a:solidFill>
-                <a:srgbClr val="FFFFFF"/>
-              </a:solidFill>
-              <a:effectLst/>
-              <a:uFill>
-                <a:solidFill>
-                  <a:srgbClr val="000000"/>
-                </a:solidFill>
-              </a:uFill>
-              <a:latin typeface="+mn-lt"/>
-              <a:ea typeface="Open Sans"/>
-              <a:cs typeface="Open Sans"/>
-              <a:sym typeface="Open Sans"/>
-            </a:endParaRPr>
-          </a:p>
-        </p:txBody>
-      </p:sp>
-      <p:pic>
-        <p:nvPicPr>
-          <p:cNvPr id="11" name="Picture 10" descr="multicorn.png"/>
-          <p:cNvPicPr>
-            <a:picLocks noChangeAspect="1"/>
-          </p:cNvPicPr>
-          <p:nvPr/>
-        </p:nvPicPr>
-        <p:blipFill>
-          <a:blip r:embed="rId3">
-            <a:extLst>
-              <a:ext uri="{28A0092B-C50C-407E-A947-70E740481C1C}">
-                <a14:useLocalDpi xmlns:a14="http://schemas.microsoft.com/office/drawing/2010/main"/>
-              </a:ext>
-            </a:extLst>
-          </a:blip>
-          <a:stretch>
-            <a:fillRect/>
-          </a:stretch>
-        </p:blipFill>
-        <p:spPr>
-          <a:xfrm>
-            <a:off x="241934" y="81858"/>
-            <a:ext cx="946916" cy="973219"/>
-          </a:xfrm>
-          <a:prstGeom prst="rect">
-            <a:avLst/>
-          </a:prstGeom>
-        </p:spPr>
-      </p:pic>
-    </p:spTree>
-    <p:extLst>
-      <p:ext uri="{BB962C8B-B14F-4D97-AF65-F5344CB8AC3E}">
-        <p14:creationId xmlns:p14="http://schemas.microsoft.com/office/powerpoint/2010/main" val="1795777695"/>
-      </p:ext>
-    </p:extLst>
-  </p:cSld>
-  <p:clrMapOvr>
-    <a:masterClrMapping/>
-  </p:clrMapOvr>
-  <mc:AlternateContent xmlns:mc="http://schemas.openxmlformats.org/markup-compatibility/2006" xmlns:p14="http://schemas.microsoft.com/office/powerpoint/2010/main">
-    <mc:Choice Requires="p14">
-      <p:transition spd="med" p14:dur="700">
-        <p:fade/>
-      </p:transition>
-    </mc:Choice>
-    <mc:Fallback xmlns="">
-      <p:transition spd="med">
-        <p:fade/>
-      </p:transition>
-    </mc:Fallback>
-  </mc:AlternateContent>
-  <p:timing>
-    <p:tnLst>
-      <p:par>
-        <p:cTn xmlns:p14="http://schemas.microsoft.com/office/powerpoint/2010/main" id="1" dur="indefinite" restart="never" nodeType="tmRoot"/>
-      </p:par>
-    </p:tnLst>
-  </p:timing>
-</p:sld>
-</file>
-
 <file path=ppt/slides/slide2.xml><?xml version="1.0" encoding="utf-8"?>
 <p:sld xmlns:a="http://schemas.openxmlformats.org/drawingml/2006/main" xmlns:r="http://schemas.openxmlformats.org/officeDocument/2006/relationships" xmlns:p="http://schemas.openxmlformats.org/presentationml/2006/main">
   <p:cSld>
@@ -14927,7 +14876,7 @@
             <a:pPr marL="231775" lvl="1" indent="0">
               <a:buNone/>
             </a:pPr>
-            <a:endParaRPr lang="en-US" sz="1600" dirty="0" smtClean="0"/>
+            <a:endParaRPr lang="en-US" dirty="0" smtClean="0"/>
           </a:p>
           <a:p>
             <a:r>
@@ -15584,6 +15533,852 @@
         </p:nvSpPr>
         <p:spPr>
           <a:xfrm>
+            <a:off x="1188850" y="1257299"/>
+            <a:ext cx="14305150" cy="1198923"/>
+          </a:xfrm>
+        </p:spPr>
+        <p:txBody>
+          <a:bodyPr/>
+          <a:lstStyle/>
+          <a:p>
+            <a:r>
+              <a:rPr lang="en-US" dirty="0" smtClean="0"/>
+              <a:t>Execute (SELECT)</a:t>
+            </a:r>
+          </a:p>
+          <a:p>
+            <a:r>
+              <a:rPr lang="en-US" dirty="0" err="1" smtClean="0"/>
+              <a:t>getOperatorFunction</a:t>
+            </a:r>
+            <a:r>
+              <a:rPr lang="en-US" dirty="0" smtClean="0"/>
+              <a:t>(</a:t>
+            </a:r>
+            <a:r>
+              <a:rPr lang="en-US" dirty="0" err="1" smtClean="0"/>
+              <a:t>qual.operator</a:t>
+            </a:r>
+            <a:r>
+              <a:rPr lang="en-US" dirty="0" smtClean="0"/>
+              <a:t>)</a:t>
+            </a:r>
+            <a:endParaRPr lang="en-US" dirty="0"/>
+          </a:p>
+        </p:txBody>
+      </p:sp>
+      <p:sp>
+        <p:nvSpPr>
+          <p:cNvPr id="6" name="TextBox 5"/>
+          <p:cNvSpPr txBox="1"/>
+          <p:nvPr/>
+        </p:nvSpPr>
+        <p:spPr>
+          <a:xfrm>
+            <a:off x="1188849" y="2917140"/>
+            <a:ext cx="4610001" cy="3426579"/>
+          </a:xfrm>
+          <a:prstGeom prst="rect">
+            <a:avLst/>
+          </a:prstGeom>
+          <a:ln/>
+        </p:spPr>
+        <p:style>
+          <a:lnRef idx="2">
+            <a:schemeClr val="accent3">
+              <a:shade val="50000"/>
+            </a:schemeClr>
+          </a:lnRef>
+          <a:fillRef idx="1">
+            <a:schemeClr val="accent3"/>
+          </a:fillRef>
+          <a:effectRef idx="0">
+            <a:schemeClr val="accent3"/>
+          </a:effectRef>
+          <a:fontRef idx="minor">
+            <a:schemeClr val="lt1"/>
+          </a:fontRef>
+        </p:style>
+        <p:txBody>
+          <a:bodyPr rot="0" spcFirstLastPara="1" vertOverflow="overflow" horzOverflow="overflow" vert="horz" wrap="square" lIns="50800" tIns="50800" rIns="50800" bIns="50800" numCol="1" spcCol="38100" rtlCol="0" anchor="ctr">
+            <a:spAutoFit/>
+          </a:bodyPr>
+          <a:lstStyle/>
+          <a:p>
+            <a:pPr algn="l" rtl="0" latinLnBrk="1" hangingPunct="0"/>
+            <a:r>
+              <a:rPr lang="en-US" dirty="0" err="1">
+                <a:solidFill>
+                  <a:srgbClr val="FFFFFF"/>
+                </a:solidFill>
+                <a:uFill>
+                  <a:solidFill>
+                    <a:srgbClr val="000000"/>
+                  </a:solidFill>
+                </a:uFill>
+                <a:latin typeface="+mn-lt"/>
+              </a:rPr>
+              <a:t>def</a:t>
+            </a:r>
+            <a:r>
+              <a:rPr lang="en-US" dirty="0">
+                <a:solidFill>
+                  <a:srgbClr val="FFFFFF"/>
+                </a:solidFill>
+                <a:uFill>
+                  <a:solidFill>
+                    <a:srgbClr val="000000"/>
+                  </a:solidFill>
+                </a:uFill>
+                <a:latin typeface="+mn-lt"/>
+              </a:rPr>
+              <a:t> </a:t>
+            </a:r>
+            <a:r>
+              <a:rPr lang="en-US" dirty="0" err="1">
+                <a:solidFill>
+                  <a:srgbClr val="FFFFFF"/>
+                </a:solidFill>
+                <a:uFill>
+                  <a:solidFill>
+                    <a:srgbClr val="000000"/>
+                  </a:solidFill>
+                </a:uFill>
+                <a:latin typeface="+mn-lt"/>
+              </a:rPr>
+              <a:t>getOperatorFunction</a:t>
+            </a:r>
+            <a:r>
+              <a:rPr lang="en-US" dirty="0">
+                <a:solidFill>
+                  <a:srgbClr val="FFFFFF"/>
+                </a:solidFill>
+                <a:uFill>
+                  <a:solidFill>
+                    <a:srgbClr val="000000"/>
+                  </a:solidFill>
+                </a:uFill>
+                <a:latin typeface="+mn-lt"/>
+              </a:rPr>
+              <a:t>(</a:t>
+            </a:r>
+            <a:r>
+              <a:rPr lang="en-US" dirty="0" err="1">
+                <a:solidFill>
+                  <a:srgbClr val="FFFFFF"/>
+                </a:solidFill>
+                <a:uFill>
+                  <a:solidFill>
+                    <a:srgbClr val="000000"/>
+                  </a:solidFill>
+                </a:uFill>
+                <a:latin typeface="+mn-lt"/>
+              </a:rPr>
+              <a:t>opr</a:t>
+            </a:r>
+            <a:r>
+              <a:rPr lang="en-US" dirty="0">
+                <a:solidFill>
+                  <a:srgbClr val="FFFFFF"/>
+                </a:solidFill>
+                <a:uFill>
+                  <a:solidFill>
+                    <a:srgbClr val="000000"/>
+                  </a:solidFill>
+                </a:uFill>
+                <a:latin typeface="+mn-lt"/>
+              </a:rPr>
+              <a:t>):</a:t>
+            </a:r>
+          </a:p>
+          <a:p>
+            <a:pPr algn="l" rtl="0" latinLnBrk="1" hangingPunct="0"/>
+            <a:endParaRPr lang="en-US" dirty="0">
+              <a:solidFill>
+                <a:srgbClr val="FFFFFF"/>
+              </a:solidFill>
+              <a:uFill>
+                <a:solidFill>
+                  <a:srgbClr val="000000"/>
+                </a:solidFill>
+              </a:uFill>
+              <a:latin typeface="+mn-lt"/>
+            </a:endParaRPr>
+          </a:p>
+          <a:p>
+            <a:pPr algn="l" rtl="0" latinLnBrk="1" hangingPunct="0"/>
+            <a:r>
+              <a:rPr lang="en-US" dirty="0">
+                <a:solidFill>
+                  <a:srgbClr val="FFFFFF"/>
+                </a:solidFill>
+                <a:uFill>
+                  <a:solidFill>
+                    <a:srgbClr val="000000"/>
+                  </a:solidFill>
+                </a:uFill>
+                <a:latin typeface="+mn-lt"/>
+              </a:rPr>
+              <a:t>  </a:t>
+            </a:r>
+            <a:r>
+              <a:rPr lang="en-US" dirty="0" smtClean="0">
+                <a:solidFill>
+                  <a:srgbClr val="FFFFFF"/>
+                </a:solidFill>
+                <a:uFill>
+                  <a:solidFill>
+                    <a:srgbClr val="000000"/>
+                  </a:solidFill>
+                </a:uFill>
+                <a:latin typeface="+mn-lt"/>
+              </a:rPr>
+              <a:t>  </a:t>
+            </a:r>
+            <a:r>
+              <a:rPr lang="en-US" dirty="0" err="1" smtClean="0">
+                <a:solidFill>
+                  <a:srgbClr val="FFFFFF"/>
+                </a:solidFill>
+                <a:uFill>
+                  <a:solidFill>
+                    <a:srgbClr val="000000"/>
+                  </a:solidFill>
+                </a:uFill>
+                <a:latin typeface="+mn-lt"/>
+              </a:rPr>
+              <a:t>operatorFunctionMap</a:t>
+            </a:r>
+            <a:r>
+              <a:rPr lang="en-US" dirty="0" smtClean="0">
+                <a:solidFill>
+                  <a:srgbClr val="FFFFFF"/>
+                </a:solidFill>
+                <a:uFill>
+                  <a:solidFill>
+                    <a:srgbClr val="000000"/>
+                  </a:solidFill>
+                </a:uFill>
+                <a:latin typeface="+mn-lt"/>
+              </a:rPr>
+              <a:t> </a:t>
+            </a:r>
+            <a:r>
+              <a:rPr lang="en-US" dirty="0">
+                <a:solidFill>
+                  <a:srgbClr val="FFFFFF"/>
+                </a:solidFill>
+                <a:uFill>
+                  <a:solidFill>
+                    <a:srgbClr val="000000"/>
+                  </a:solidFill>
+                </a:uFill>
+                <a:latin typeface="+mn-lt"/>
+              </a:rPr>
+              <a:t>= {</a:t>
+            </a:r>
+          </a:p>
+          <a:p>
+            <a:pPr algn="l" rtl="0" latinLnBrk="1" hangingPunct="0"/>
+            <a:r>
+              <a:rPr lang="en-US" dirty="0">
+                <a:solidFill>
+                  <a:srgbClr val="FFFFFF"/>
+                </a:solidFill>
+                <a:uFill>
+                  <a:solidFill>
+                    <a:srgbClr val="000000"/>
+                  </a:solidFill>
+                </a:uFill>
+                <a:latin typeface="+mn-lt"/>
+              </a:rPr>
+              <a:t>    </a:t>
+            </a:r>
+            <a:r>
+              <a:rPr lang="en-US" dirty="0" smtClean="0">
+                <a:solidFill>
+                  <a:srgbClr val="FFFFFF"/>
+                </a:solidFill>
+                <a:uFill>
+                  <a:solidFill>
+                    <a:srgbClr val="000000"/>
+                  </a:solidFill>
+                </a:uFill>
+                <a:latin typeface="+mn-lt"/>
+              </a:rPr>
+              <a:t>    </a:t>
+            </a:r>
+            <a:r>
+              <a:rPr lang="en-US" dirty="0">
+                <a:solidFill>
+                  <a:srgbClr val="FFFFFF"/>
+                </a:solidFill>
+                <a:uFill>
+                  <a:solidFill>
+                    <a:srgbClr val="000000"/>
+                  </a:solidFill>
+                </a:uFill>
+                <a:latin typeface="+mn-lt"/>
+              </a:rPr>
+              <a:t>'&lt;':          </a:t>
+            </a:r>
+            <a:r>
+              <a:rPr lang="en-US" dirty="0" err="1">
+                <a:solidFill>
+                  <a:srgbClr val="FFFFFF"/>
+                </a:solidFill>
+                <a:uFill>
+                  <a:solidFill>
+                    <a:srgbClr val="000000"/>
+                  </a:solidFill>
+                </a:uFill>
+                <a:latin typeface="+mn-lt"/>
+              </a:rPr>
+              <a:t>operator.lt</a:t>
+            </a:r>
+            <a:r>
+              <a:rPr lang="en-US" dirty="0">
+                <a:solidFill>
+                  <a:srgbClr val="FFFFFF"/>
+                </a:solidFill>
+                <a:uFill>
+                  <a:solidFill>
+                    <a:srgbClr val="000000"/>
+                  </a:solidFill>
+                </a:uFill>
+                <a:latin typeface="+mn-lt"/>
+              </a:rPr>
+              <a:t>,</a:t>
+            </a:r>
+          </a:p>
+          <a:p>
+            <a:pPr algn="l" rtl="0" latinLnBrk="1" hangingPunct="0"/>
+            <a:r>
+              <a:rPr lang="en-US" dirty="0">
+                <a:solidFill>
+                  <a:srgbClr val="FFFFFF"/>
+                </a:solidFill>
+                <a:uFill>
+                  <a:solidFill>
+                    <a:srgbClr val="000000"/>
+                  </a:solidFill>
+                </a:uFill>
+                <a:latin typeface="+mn-lt"/>
+              </a:rPr>
+              <a:t>   </a:t>
+            </a:r>
+            <a:r>
+              <a:rPr lang="en-US" dirty="0" smtClean="0">
+                <a:solidFill>
+                  <a:srgbClr val="FFFFFF"/>
+                </a:solidFill>
+                <a:uFill>
+                  <a:solidFill>
+                    <a:srgbClr val="000000"/>
+                  </a:solidFill>
+                </a:uFill>
+                <a:latin typeface="+mn-lt"/>
+              </a:rPr>
+              <a:t>     </a:t>
+            </a:r>
+            <a:r>
+              <a:rPr lang="en-US" dirty="0">
+                <a:solidFill>
+                  <a:srgbClr val="FFFFFF"/>
+                </a:solidFill>
+                <a:uFill>
+                  <a:solidFill>
+                    <a:srgbClr val="000000"/>
+                  </a:solidFill>
+                </a:uFill>
+                <a:latin typeface="+mn-lt"/>
+              </a:rPr>
+              <a:t>'&gt;':          </a:t>
+            </a:r>
+            <a:r>
+              <a:rPr lang="en-US" dirty="0" err="1">
+                <a:solidFill>
+                  <a:srgbClr val="FFFFFF"/>
+                </a:solidFill>
+                <a:uFill>
+                  <a:solidFill>
+                    <a:srgbClr val="000000"/>
+                  </a:solidFill>
+                </a:uFill>
+                <a:latin typeface="+mn-lt"/>
+              </a:rPr>
+              <a:t>operator.gt</a:t>
+            </a:r>
+            <a:r>
+              <a:rPr lang="en-US" dirty="0">
+                <a:solidFill>
+                  <a:srgbClr val="FFFFFF"/>
+                </a:solidFill>
+                <a:uFill>
+                  <a:solidFill>
+                    <a:srgbClr val="000000"/>
+                  </a:solidFill>
+                </a:uFill>
+                <a:latin typeface="+mn-lt"/>
+              </a:rPr>
+              <a:t>,</a:t>
+            </a:r>
+          </a:p>
+          <a:p>
+            <a:pPr algn="l" rtl="0" latinLnBrk="1" hangingPunct="0"/>
+            <a:r>
+              <a:rPr lang="en-US" dirty="0">
+                <a:solidFill>
+                  <a:srgbClr val="FFFFFF"/>
+                </a:solidFill>
+                <a:uFill>
+                  <a:solidFill>
+                    <a:srgbClr val="000000"/>
+                  </a:solidFill>
+                </a:uFill>
+                <a:latin typeface="+mn-lt"/>
+              </a:rPr>
+              <a:t>   </a:t>
+            </a:r>
+            <a:r>
+              <a:rPr lang="en-US" dirty="0" smtClean="0">
+                <a:solidFill>
+                  <a:srgbClr val="FFFFFF"/>
+                </a:solidFill>
+                <a:uFill>
+                  <a:solidFill>
+                    <a:srgbClr val="000000"/>
+                  </a:solidFill>
+                </a:uFill>
+                <a:latin typeface="+mn-lt"/>
+              </a:rPr>
+              <a:t>     </a:t>
+            </a:r>
+            <a:r>
+              <a:rPr lang="en-US" dirty="0">
+                <a:solidFill>
+                  <a:srgbClr val="FFFFFF"/>
+                </a:solidFill>
+                <a:uFill>
+                  <a:solidFill>
+                    <a:srgbClr val="000000"/>
+                  </a:solidFill>
+                </a:uFill>
+                <a:latin typeface="+mn-lt"/>
+              </a:rPr>
+              <a:t>'&lt;=':         </a:t>
+            </a:r>
+            <a:r>
+              <a:rPr lang="en-US" dirty="0" err="1">
+                <a:solidFill>
+                  <a:srgbClr val="FFFFFF"/>
+                </a:solidFill>
+                <a:uFill>
+                  <a:solidFill>
+                    <a:srgbClr val="000000"/>
+                  </a:solidFill>
+                </a:uFill>
+                <a:latin typeface="+mn-lt"/>
+              </a:rPr>
+              <a:t>operator.le</a:t>
+            </a:r>
+            <a:r>
+              <a:rPr lang="en-US" dirty="0">
+                <a:solidFill>
+                  <a:srgbClr val="FFFFFF"/>
+                </a:solidFill>
+                <a:uFill>
+                  <a:solidFill>
+                    <a:srgbClr val="000000"/>
+                  </a:solidFill>
+                </a:uFill>
+                <a:latin typeface="+mn-lt"/>
+              </a:rPr>
+              <a:t>,</a:t>
+            </a:r>
+          </a:p>
+          <a:p>
+            <a:pPr algn="l" rtl="0" latinLnBrk="1" hangingPunct="0"/>
+            <a:r>
+              <a:rPr lang="en-US" dirty="0">
+                <a:solidFill>
+                  <a:srgbClr val="FFFFFF"/>
+                </a:solidFill>
+                <a:uFill>
+                  <a:solidFill>
+                    <a:srgbClr val="000000"/>
+                  </a:solidFill>
+                </a:uFill>
+                <a:latin typeface="+mn-lt"/>
+              </a:rPr>
+              <a:t>    </a:t>
+            </a:r>
+            <a:r>
+              <a:rPr lang="en-US" dirty="0" smtClean="0">
+                <a:solidFill>
+                  <a:srgbClr val="FFFFFF"/>
+                </a:solidFill>
+                <a:uFill>
+                  <a:solidFill>
+                    <a:srgbClr val="000000"/>
+                  </a:solidFill>
+                </a:uFill>
+                <a:latin typeface="+mn-lt"/>
+              </a:rPr>
+              <a:t>    </a:t>
+            </a:r>
+            <a:r>
+              <a:rPr lang="en-US" dirty="0">
+                <a:solidFill>
+                  <a:srgbClr val="FFFFFF"/>
+                </a:solidFill>
+                <a:uFill>
+                  <a:solidFill>
+                    <a:srgbClr val="000000"/>
+                  </a:solidFill>
+                </a:uFill>
+                <a:latin typeface="+mn-lt"/>
+              </a:rPr>
+              <a:t>'&gt;=':         </a:t>
+            </a:r>
+            <a:r>
+              <a:rPr lang="en-US" dirty="0" err="1">
+                <a:solidFill>
+                  <a:srgbClr val="FFFFFF"/>
+                </a:solidFill>
+                <a:uFill>
+                  <a:solidFill>
+                    <a:srgbClr val="000000"/>
+                  </a:solidFill>
+                </a:uFill>
+                <a:latin typeface="+mn-lt"/>
+              </a:rPr>
+              <a:t>operator.ge</a:t>
+            </a:r>
+            <a:r>
+              <a:rPr lang="en-US" dirty="0">
+                <a:solidFill>
+                  <a:srgbClr val="FFFFFF"/>
+                </a:solidFill>
+                <a:uFill>
+                  <a:solidFill>
+                    <a:srgbClr val="000000"/>
+                  </a:solidFill>
+                </a:uFill>
+                <a:latin typeface="+mn-lt"/>
+              </a:rPr>
+              <a:t>,</a:t>
+            </a:r>
+          </a:p>
+          <a:p>
+            <a:pPr algn="l" rtl="0" latinLnBrk="1" hangingPunct="0"/>
+            <a:r>
+              <a:rPr lang="en-US" dirty="0">
+                <a:solidFill>
+                  <a:srgbClr val="FFFFFF"/>
+                </a:solidFill>
+                <a:uFill>
+                  <a:solidFill>
+                    <a:srgbClr val="000000"/>
+                  </a:solidFill>
+                </a:uFill>
+                <a:latin typeface="+mn-lt"/>
+              </a:rPr>
+              <a:t>    </a:t>
+            </a:r>
+            <a:r>
+              <a:rPr lang="en-US" dirty="0" smtClean="0">
+                <a:solidFill>
+                  <a:srgbClr val="FFFFFF"/>
+                </a:solidFill>
+                <a:uFill>
+                  <a:solidFill>
+                    <a:srgbClr val="000000"/>
+                  </a:solidFill>
+                </a:uFill>
+                <a:latin typeface="+mn-lt"/>
+              </a:rPr>
+              <a:t>    </a:t>
+            </a:r>
+            <a:r>
+              <a:rPr lang="en-US" dirty="0">
+                <a:solidFill>
+                  <a:srgbClr val="FFFFFF"/>
+                </a:solidFill>
+                <a:uFill>
+                  <a:solidFill>
+                    <a:srgbClr val="000000"/>
+                  </a:solidFill>
+                </a:uFill>
+                <a:latin typeface="+mn-lt"/>
+              </a:rPr>
+              <a:t>'=':          </a:t>
+            </a:r>
+            <a:r>
+              <a:rPr lang="en-US" dirty="0" err="1">
+                <a:solidFill>
+                  <a:srgbClr val="FFFFFF"/>
+                </a:solidFill>
+                <a:uFill>
+                  <a:solidFill>
+                    <a:srgbClr val="000000"/>
+                  </a:solidFill>
+                </a:uFill>
+                <a:latin typeface="+mn-lt"/>
+              </a:rPr>
+              <a:t>operator.eq</a:t>
+            </a:r>
+            <a:r>
+              <a:rPr lang="en-US" dirty="0">
+                <a:solidFill>
+                  <a:srgbClr val="FFFFFF"/>
+                </a:solidFill>
+                <a:uFill>
+                  <a:solidFill>
+                    <a:srgbClr val="000000"/>
+                  </a:solidFill>
+                </a:uFill>
+                <a:latin typeface="+mn-lt"/>
+              </a:rPr>
+              <a:t>,</a:t>
+            </a:r>
+          </a:p>
+          <a:p>
+            <a:pPr algn="l" rtl="0" latinLnBrk="1" hangingPunct="0"/>
+            <a:r>
+              <a:rPr lang="en-US" dirty="0">
+                <a:solidFill>
+                  <a:srgbClr val="FFFFFF"/>
+                </a:solidFill>
+                <a:uFill>
+                  <a:solidFill>
+                    <a:srgbClr val="000000"/>
+                  </a:solidFill>
+                </a:uFill>
+                <a:latin typeface="+mn-lt"/>
+              </a:rPr>
+              <a:t>    </a:t>
+            </a:r>
+            <a:r>
+              <a:rPr lang="en-US" dirty="0" smtClean="0">
+                <a:solidFill>
+                  <a:srgbClr val="FFFFFF"/>
+                </a:solidFill>
+                <a:uFill>
+                  <a:solidFill>
+                    <a:srgbClr val="000000"/>
+                  </a:solidFill>
+                </a:uFill>
+                <a:latin typeface="+mn-lt"/>
+              </a:rPr>
+              <a:t>    </a:t>
+            </a:r>
+            <a:r>
+              <a:rPr lang="en-US" dirty="0">
+                <a:solidFill>
+                  <a:srgbClr val="FFFFFF"/>
+                </a:solidFill>
+                <a:uFill>
+                  <a:solidFill>
+                    <a:srgbClr val="000000"/>
+                  </a:solidFill>
+                </a:uFill>
+                <a:latin typeface="+mn-lt"/>
+              </a:rPr>
+              <a:t>'&lt;&gt;':         </a:t>
+            </a:r>
+            <a:r>
+              <a:rPr lang="en-US" dirty="0" err="1">
+                <a:solidFill>
+                  <a:srgbClr val="FFFFFF"/>
+                </a:solidFill>
+                <a:uFill>
+                  <a:solidFill>
+                    <a:srgbClr val="000000"/>
+                  </a:solidFill>
+                </a:uFill>
+                <a:latin typeface="+mn-lt"/>
+              </a:rPr>
+              <a:t>operator.ne</a:t>
+            </a:r>
+            <a:r>
+              <a:rPr lang="en-US" dirty="0">
+                <a:solidFill>
+                  <a:srgbClr val="FFFFFF"/>
+                </a:solidFill>
+                <a:uFill>
+                  <a:solidFill>
+                    <a:srgbClr val="000000"/>
+                  </a:solidFill>
+                </a:uFill>
+                <a:latin typeface="+mn-lt"/>
+              </a:rPr>
+              <a:t>,</a:t>
+            </a:r>
+            <a:endParaRPr kumimoji="0" lang="en-US" b="0" i="0" u="none" strike="noStrike" cap="none" spc="0" normalizeH="0" baseline="0" dirty="0" smtClean="0">
+              <a:ln>
+                <a:noFill/>
+              </a:ln>
+              <a:solidFill>
+                <a:srgbClr val="FFFFFF"/>
+              </a:solidFill>
+              <a:effectLst/>
+              <a:uFill>
+                <a:solidFill>
+                  <a:srgbClr val="000000"/>
+                </a:solidFill>
+              </a:uFill>
+              <a:latin typeface="+mn-lt"/>
+              <a:ea typeface="Open Sans"/>
+              <a:cs typeface="Open Sans"/>
+              <a:sym typeface="Open Sans"/>
+            </a:endParaRPr>
+          </a:p>
+        </p:txBody>
+      </p:sp>
+      <p:pic>
+        <p:nvPicPr>
+          <p:cNvPr id="11" name="Picture 10" descr="multicorn.png"/>
+          <p:cNvPicPr>
+            <a:picLocks noChangeAspect="1"/>
+          </p:cNvPicPr>
+          <p:nvPr/>
+        </p:nvPicPr>
+        <p:blipFill>
+          <a:blip r:embed="rId3">
+            <a:extLst>
+              <a:ext uri="{28A0092B-C50C-407E-A947-70E740481C1C}">
+                <a14:useLocalDpi xmlns:a14="http://schemas.microsoft.com/office/drawing/2010/main"/>
+              </a:ext>
+            </a:extLst>
+          </a:blip>
+          <a:stretch>
+            <a:fillRect/>
+          </a:stretch>
+        </p:blipFill>
+        <p:spPr>
+          <a:xfrm>
+            <a:off x="241934" y="81858"/>
+            <a:ext cx="946916" cy="973219"/>
+          </a:xfrm>
+          <a:prstGeom prst="rect">
+            <a:avLst/>
+          </a:prstGeom>
+        </p:spPr>
+      </p:pic>
+    </p:spTree>
+    <p:extLst>
+      <p:ext uri="{BB962C8B-B14F-4D97-AF65-F5344CB8AC3E}">
+        <p14:creationId xmlns:p14="http://schemas.microsoft.com/office/powerpoint/2010/main" val="1795777695"/>
+      </p:ext>
+    </p:extLst>
+  </p:cSld>
+  <p:clrMapOvr>
+    <a:masterClrMapping/>
+  </p:clrMapOvr>
+  <mc:AlternateContent xmlns:mc="http://schemas.openxmlformats.org/markup-compatibility/2006" xmlns:p14="http://schemas.microsoft.com/office/powerpoint/2010/main">
+    <mc:Choice Requires="p14">
+      <p:transition spd="med" p14:dur="700">
+        <p:fade/>
+      </p:transition>
+    </mc:Choice>
+    <mc:Fallback xmlns="">
+      <p:transition spd="med">
+        <p:fade/>
+      </p:transition>
+    </mc:Fallback>
+  </mc:AlternateContent>
+  <p:timing>
+    <p:tnLst>
+      <p:par>
+        <p:cTn xmlns:p14="http://schemas.microsoft.com/office/powerpoint/2010/main" id="1" dur="indefinite" restart="never" nodeType="tmRoot"/>
+      </p:par>
+    </p:tnLst>
+  </p:timing>
+</p:sld>
+</file>
+
+<file path=ppt/slides/slide21.xml><?xml version="1.0" encoding="utf-8"?>
+<p:sld xmlns:a="http://schemas.openxmlformats.org/drawingml/2006/main" xmlns:r="http://schemas.openxmlformats.org/officeDocument/2006/relationships" xmlns:p="http://schemas.openxmlformats.org/presentationml/2006/main">
+  <p:cSld>
+    <p:spTree>
+      <p:nvGrpSpPr>
+        <p:cNvPr id="1" name=""/>
+        <p:cNvGrpSpPr/>
+        <p:nvPr/>
+      </p:nvGrpSpPr>
+      <p:grpSpPr>
+        <a:xfrm>
+          <a:off x="0" y="0"/>
+          <a:ext cx="0" cy="0"/>
+          <a:chOff x="0" y="0"/>
+          <a:chExt cx="0" cy="0"/>
+        </a:xfrm>
+      </p:grpSpPr>
+      <p:sp>
+        <p:nvSpPr>
+          <p:cNvPr id="3" name="Title 2"/>
+          <p:cNvSpPr>
+            <a:spLocks noGrp="1"/>
+          </p:cNvSpPr>
+          <p:nvPr>
+            <p:ph type="title"/>
+          </p:nvPr>
+        </p:nvSpPr>
+        <p:spPr>
+          <a:xfrm>
+            <a:off x="1188850" y="254000"/>
+            <a:ext cx="9166535" cy="801077"/>
+          </a:xfrm>
+        </p:spPr>
+        <p:txBody>
+          <a:bodyPr/>
+          <a:lstStyle/>
+          <a:p>
+            <a:r>
+              <a:rPr lang="en-US" dirty="0" smtClean="0"/>
+              <a:t>Multicorn</a:t>
+            </a:r>
+            <a:endParaRPr lang="en-US" dirty="0"/>
+          </a:p>
+        </p:txBody>
+      </p:sp>
+      <p:sp>
+        <p:nvSpPr>
+          <p:cNvPr id="2" name="Slide Number Placeholder 1"/>
+          <p:cNvSpPr>
+            <a:spLocks noGrp="1"/>
+          </p:cNvSpPr>
+          <p:nvPr>
+            <p:ph type="sldNum" sz="quarter" idx="2"/>
+          </p:nvPr>
+        </p:nvSpPr>
+        <p:spPr/>
+        <p:txBody>
+          <a:bodyPr/>
+          <a:lstStyle/>
+          <a:p>
+            <a:fld id="{B08C2786-D3C6-A741-908B-9F349F99BB9B}" type="slidenum">
+              <a:rPr lang="en-US" smtClean="0"/>
+              <a:pPr/>
+              <a:t>21</a:t>
+            </a:fld>
+            <a:endParaRPr lang="en-US" dirty="0"/>
+          </a:p>
+        </p:txBody>
+      </p:sp>
+      <p:sp>
+        <p:nvSpPr>
+          <p:cNvPr id="8" name="Text Placeholder 7"/>
+          <p:cNvSpPr>
+            <a:spLocks noGrp="1"/>
+          </p:cNvSpPr>
+          <p:nvPr>
+            <p:ph type="body" sz="quarter" idx="10"/>
+          </p:nvPr>
+        </p:nvSpPr>
+        <p:spPr>
+          <a:xfrm>
             <a:off x="1188850" y="1257300"/>
             <a:ext cx="14305150" cy="731072"/>
           </a:xfrm>
@@ -16328,7 +17123,7 @@
 </p:sld>
 </file>
 
-<file path=ppt/slides/slide21.xml><?xml version="1.0" encoding="utf-8"?>
+<file path=ppt/slides/slide22.xml><?xml version="1.0" encoding="utf-8"?>
 <p:sld xmlns:a="http://schemas.openxmlformats.org/drawingml/2006/main" xmlns:r="http://schemas.openxmlformats.org/officeDocument/2006/relationships" xmlns:p="http://schemas.openxmlformats.org/presentationml/2006/main">
   <p:cSld>
     <p:spTree>
@@ -16391,7 +17186,7 @@
             <a:fld id="{B08C2786-D3C6-A741-908B-9F349F99BB9B}" type="slidenum">
               <a:rPr lang="en-US" smtClean="0"/>
               <a:pPr/>
-              <a:t>21</a:t>
+              <a:t>22</a:t>
             </a:fld>
             <a:endParaRPr lang="en-US" dirty="0"/>
           </a:p>
@@ -17615,7 +18410,7 @@
 </p:sld>
 </file>
 
-<file path=ppt/slides/slide22.xml><?xml version="1.0" encoding="utf-8"?>
+<file path=ppt/slides/slide23.xml><?xml version="1.0" encoding="utf-8"?>
 <p:sld xmlns:a="http://schemas.openxmlformats.org/drawingml/2006/main" xmlns:r="http://schemas.openxmlformats.org/officeDocument/2006/relationships" xmlns:p="http://schemas.openxmlformats.org/presentationml/2006/main">
   <p:cSld>
     <p:spTree>
@@ -17678,7 +18473,7 @@
             <a:fld id="{B08C2786-D3C6-A741-908B-9F349F99BB9B}" type="slidenum">
               <a:rPr lang="en-US" smtClean="0"/>
               <a:pPr/>
-              <a:t>22</a:t>
+              <a:t>23</a:t>
             </a:fld>
             <a:endParaRPr lang="en-US" dirty="0"/>
           </a:p>
@@ -18643,7 +19438,7 @@
 </p:sld>
 </file>
 
-<file path=ppt/slides/slide23.xml><?xml version="1.0" encoding="utf-8"?>
+<file path=ppt/slides/slide24.xml><?xml version="1.0" encoding="utf-8"?>
 <p:sld xmlns:a="http://schemas.openxmlformats.org/drawingml/2006/main" xmlns:r="http://schemas.openxmlformats.org/officeDocument/2006/relationships" xmlns:p="http://schemas.openxmlformats.org/presentationml/2006/main">
   <p:cSld>
     <p:spTree>
@@ -18706,7 +19501,7 @@
             <a:fld id="{B08C2786-D3C6-A741-908B-9F349F99BB9B}" type="slidenum">
               <a:rPr lang="en-US" smtClean="0"/>
               <a:pPr/>
-              <a:t>23</a:t>
+              <a:t>24</a:t>
             </a:fld>
             <a:endParaRPr lang="en-US" dirty="0"/>
           </a:p>
@@ -19474,1159 +20269,6 @@
     <p:extLst>
       <p:ext uri="{BB962C8B-B14F-4D97-AF65-F5344CB8AC3E}">
         <p14:creationId xmlns:p14="http://schemas.microsoft.com/office/powerpoint/2010/main" val="651037970"/>
-      </p:ext>
-    </p:extLst>
-  </p:cSld>
-  <p:clrMapOvr>
-    <a:masterClrMapping/>
-  </p:clrMapOvr>
-  <mc:AlternateContent xmlns:mc="http://schemas.openxmlformats.org/markup-compatibility/2006" xmlns:p14="http://schemas.microsoft.com/office/powerpoint/2010/main">
-    <mc:Choice Requires="p14">
-      <p:transition spd="med" p14:dur="700">
-        <p:fade/>
-      </p:transition>
-    </mc:Choice>
-    <mc:Fallback xmlns="">
-      <p:transition spd="med">
-        <p:fade/>
-      </p:transition>
-    </mc:Fallback>
-  </mc:AlternateContent>
-  <p:timing>
-    <p:tnLst>
-      <p:par>
-        <p:cTn xmlns:p14="http://schemas.microsoft.com/office/powerpoint/2010/main" id="1" dur="indefinite" restart="never" nodeType="tmRoot"/>
-      </p:par>
-    </p:tnLst>
-  </p:timing>
-</p:sld>
-</file>
-
-<file path=ppt/slides/slide24.xml><?xml version="1.0" encoding="utf-8"?>
-<p:sld xmlns:a="http://schemas.openxmlformats.org/drawingml/2006/main" xmlns:r="http://schemas.openxmlformats.org/officeDocument/2006/relationships" xmlns:p="http://schemas.openxmlformats.org/presentationml/2006/main">
-  <p:cSld>
-    <p:spTree>
-      <p:nvGrpSpPr>
-        <p:cNvPr id="1" name=""/>
-        <p:cNvGrpSpPr/>
-        <p:nvPr/>
-      </p:nvGrpSpPr>
-      <p:grpSpPr>
-        <a:xfrm>
-          <a:off x="0" y="0"/>
-          <a:ext cx="0" cy="0"/>
-          <a:chOff x="0" y="0"/>
-          <a:chExt cx="0" cy="0"/>
-        </a:xfrm>
-      </p:grpSpPr>
-      <p:sp>
-        <p:nvSpPr>
-          <p:cNvPr id="3" name="Title 2"/>
-          <p:cNvSpPr>
-            <a:spLocks noGrp="1"/>
-          </p:cNvSpPr>
-          <p:nvPr>
-            <p:ph type="title"/>
-          </p:nvPr>
-        </p:nvSpPr>
-        <p:spPr>
-          <a:xfrm>
-            <a:off x="1188850" y="254000"/>
-            <a:ext cx="9166535" cy="801077"/>
-          </a:xfrm>
-        </p:spPr>
-        <p:txBody>
-          <a:bodyPr/>
-          <a:lstStyle/>
-          <a:p>
-            <a:r>
-              <a:rPr lang="en-US" dirty="0" smtClean="0"/>
-              <a:t>Colors</a:t>
-            </a:r>
-            <a:endParaRPr lang="en-US" dirty="0"/>
-          </a:p>
-        </p:txBody>
-      </p:sp>
-      <p:sp>
-        <p:nvSpPr>
-          <p:cNvPr id="2" name="Slide Number Placeholder 1"/>
-          <p:cNvSpPr>
-            <a:spLocks noGrp="1"/>
-          </p:cNvSpPr>
-          <p:nvPr>
-            <p:ph type="sldNum" sz="quarter" idx="2"/>
-          </p:nvPr>
-        </p:nvSpPr>
-        <p:spPr/>
-        <p:txBody>
-          <a:bodyPr/>
-          <a:lstStyle/>
-          <a:p>
-            <a:fld id="{B08C2786-D3C6-A741-908B-9F349F99BB9B}" type="slidenum">
-              <a:rPr lang="en-US" smtClean="0"/>
-              <a:pPr/>
-              <a:t>24</a:t>
-            </a:fld>
-            <a:endParaRPr lang="en-US" dirty="0"/>
-          </a:p>
-        </p:txBody>
-      </p:sp>
-      <p:sp>
-        <p:nvSpPr>
-          <p:cNvPr id="8" name="Text Placeholder 7"/>
-          <p:cNvSpPr>
-            <a:spLocks noGrp="1"/>
-          </p:cNvSpPr>
-          <p:nvPr>
-            <p:ph type="body" sz="quarter" idx="10"/>
-          </p:nvPr>
-        </p:nvSpPr>
-        <p:spPr>
-          <a:xfrm>
-            <a:off x="1188850" y="891764"/>
-            <a:ext cx="14305150" cy="731072"/>
-          </a:xfrm>
-        </p:spPr>
-        <p:txBody>
-          <a:bodyPr/>
-          <a:lstStyle/>
-          <a:p>
-            <a:r>
-              <a:rPr lang="en-US" dirty="0" smtClean="0"/>
-              <a:t>Using color names</a:t>
-            </a:r>
-          </a:p>
-        </p:txBody>
-      </p:sp>
-      <p:sp>
-        <p:nvSpPr>
-          <p:cNvPr id="6" name="TextBox 5"/>
-          <p:cNvSpPr txBox="1"/>
-          <p:nvPr/>
-        </p:nvSpPr>
-        <p:spPr>
-          <a:xfrm>
-            <a:off x="1188850" y="2244746"/>
-            <a:ext cx="12447640" cy="1210588"/>
-          </a:xfrm>
-          <a:prstGeom prst="rect">
-            <a:avLst/>
-          </a:prstGeom>
-          <a:noFill/>
-          <a:ln w="12700" cap="flat">
-            <a:noFill/>
-            <a:miter lim="400000"/>
-          </a:ln>
-          <a:effectLst/>
-        </p:spPr>
-        <p:style>
-          <a:lnRef idx="0">
-            <a:scrgbClr r="0" g="0" b="0"/>
-          </a:lnRef>
-          <a:fillRef idx="0">
-            <a:scrgbClr r="0" g="0" b="0"/>
-          </a:fillRef>
-          <a:effectRef idx="0">
-            <a:scrgbClr r="0" g="0" b="0"/>
-          </a:effectRef>
-          <a:fontRef idx="none"/>
-        </p:style>
-        <p:txBody>
-          <a:bodyPr rot="0" spcFirstLastPara="1" vertOverflow="overflow" horzOverflow="overflow" vert="horz" wrap="square" lIns="50800" tIns="50800" rIns="50800" bIns="50800" numCol="1" spcCol="38100" rtlCol="0" anchor="ctr">
-            <a:spAutoFit/>
-          </a:bodyPr>
-          <a:lstStyle/>
-          <a:p>
-            <a:pPr marL="342900" indent="-342900" algn="l" rtl="0" latinLnBrk="1" hangingPunct="0">
-              <a:buFont typeface="Arial"/>
-              <a:buChar char="•"/>
-            </a:pPr>
-            <a:r>
-              <a:rPr lang="en-US" dirty="0">
-                <a:solidFill>
-                  <a:schemeClr val="tx1"/>
-                </a:solidFill>
-                <a:uFill>
-                  <a:solidFill>
-                    <a:srgbClr val="000000"/>
-                  </a:solidFill>
-                </a:uFill>
-                <a:latin typeface="+mn-lt"/>
-              </a:rPr>
-              <a:t>create table </a:t>
-            </a:r>
-            <a:r>
-              <a:rPr lang="en-US" dirty="0" err="1" smtClean="0">
-                <a:solidFill>
-                  <a:schemeClr val="tx1"/>
-                </a:solidFill>
-                <a:uFill>
-                  <a:solidFill>
-                    <a:srgbClr val="000000"/>
-                  </a:solidFill>
-                </a:uFill>
-                <a:latin typeface="+mn-lt"/>
-              </a:rPr>
-              <a:t>html_colors</a:t>
-            </a:r>
-            <a:endParaRPr lang="en-US" dirty="0" smtClean="0">
-              <a:solidFill>
-                <a:schemeClr val="tx1"/>
-              </a:solidFill>
-              <a:uFill>
-                <a:solidFill>
-                  <a:srgbClr val="000000"/>
-                </a:solidFill>
-              </a:uFill>
-              <a:latin typeface="+mn-lt"/>
-            </a:endParaRPr>
-          </a:p>
-          <a:p>
-            <a:pPr marL="342900" indent="-342900" algn="l" rtl="0" latinLnBrk="1" hangingPunct="0">
-              <a:buFont typeface="Arial"/>
-              <a:buChar char="•"/>
-            </a:pPr>
-            <a:r>
-              <a:rPr lang="en-US" dirty="0">
-                <a:solidFill>
-                  <a:schemeClr val="tx1"/>
-                </a:solidFill>
-                <a:uFill>
-                  <a:solidFill>
-                    <a:srgbClr val="000000"/>
-                  </a:solidFill>
-                </a:uFill>
-                <a:latin typeface="+mn-lt"/>
-              </a:rPr>
-              <a:t>copy </a:t>
-            </a:r>
-            <a:r>
-              <a:rPr lang="en-US" dirty="0" err="1">
-                <a:solidFill>
-                  <a:schemeClr val="tx1"/>
-                </a:solidFill>
-                <a:uFill>
-                  <a:solidFill>
-                    <a:srgbClr val="000000"/>
-                  </a:solidFill>
-                </a:uFill>
-                <a:latin typeface="+mn-lt"/>
-              </a:rPr>
-              <a:t>html_colors</a:t>
-            </a:r>
-            <a:r>
-              <a:rPr lang="en-US" dirty="0">
-                <a:solidFill>
-                  <a:schemeClr val="tx1"/>
-                </a:solidFill>
-                <a:uFill>
-                  <a:solidFill>
-                    <a:srgbClr val="000000"/>
-                  </a:solidFill>
-                </a:uFill>
-                <a:latin typeface="+mn-lt"/>
-              </a:rPr>
-              <a:t> from '/some/path/to/</a:t>
-            </a:r>
-            <a:r>
-              <a:rPr lang="en-US" dirty="0" err="1">
-                <a:solidFill>
-                  <a:schemeClr val="tx1"/>
-                </a:solidFill>
-                <a:uFill>
-                  <a:solidFill>
-                    <a:srgbClr val="000000"/>
-                  </a:solidFill>
-                </a:uFill>
-                <a:latin typeface="+mn-lt"/>
-              </a:rPr>
-              <a:t>html_colors_data.csv</a:t>
-            </a:r>
-            <a:r>
-              <a:rPr lang="en-US" dirty="0">
-                <a:solidFill>
-                  <a:schemeClr val="tx1"/>
-                </a:solidFill>
-                <a:uFill>
-                  <a:solidFill>
-                    <a:srgbClr val="000000"/>
-                  </a:solidFill>
-                </a:uFill>
-                <a:latin typeface="+mn-lt"/>
-              </a:rPr>
-              <a:t>' with CSV </a:t>
-            </a:r>
-            <a:r>
-              <a:rPr lang="en-US" dirty="0" smtClean="0">
-                <a:solidFill>
-                  <a:schemeClr val="tx1"/>
-                </a:solidFill>
-                <a:uFill>
-                  <a:solidFill>
-                    <a:srgbClr val="000000"/>
-                  </a:solidFill>
-                </a:uFill>
-                <a:latin typeface="+mn-lt"/>
-              </a:rPr>
-              <a:t>HEADER</a:t>
-            </a:r>
-          </a:p>
-          <a:p>
-            <a:pPr algn="l" rtl="0" latinLnBrk="1" hangingPunct="0"/>
-            <a:endParaRPr kumimoji="0" lang="en-US" b="0" i="0" u="none" strike="noStrike" cap="none" spc="0" normalizeH="0" baseline="0" dirty="0" smtClean="0">
-              <a:ln>
-                <a:noFill/>
-              </a:ln>
-              <a:solidFill>
-                <a:schemeClr val="tx1"/>
-              </a:solidFill>
-              <a:effectLst/>
-              <a:uFill>
-                <a:solidFill>
-                  <a:srgbClr val="000000"/>
-                </a:solidFill>
-              </a:uFill>
-              <a:latin typeface="+mn-lt"/>
-              <a:ea typeface="Open Sans"/>
-              <a:cs typeface="Open Sans"/>
-              <a:sym typeface="Open Sans"/>
-            </a:endParaRPr>
-          </a:p>
-        </p:txBody>
-      </p:sp>
-      <p:sp>
-        <p:nvSpPr>
-          <p:cNvPr id="10" name="TextBox 9"/>
-          <p:cNvSpPr txBox="1"/>
-          <p:nvPr/>
-        </p:nvSpPr>
-        <p:spPr>
-          <a:xfrm>
-            <a:off x="1188850" y="1752410"/>
-            <a:ext cx="4258177" cy="471924"/>
-          </a:xfrm>
-          <a:prstGeom prst="rect">
-            <a:avLst/>
-          </a:prstGeom>
-          <a:noFill/>
-          <a:ln w="12700" cap="flat">
-            <a:noFill/>
-            <a:miter lim="400000"/>
-          </a:ln>
-          <a:effectLst/>
-        </p:spPr>
-        <p:style>
-          <a:lnRef idx="0">
-            <a:scrgbClr r="0" g="0" b="0"/>
-          </a:lnRef>
-          <a:fillRef idx="0">
-            <a:scrgbClr r="0" g="0" b="0"/>
-          </a:fillRef>
-          <a:effectRef idx="0">
-            <a:scrgbClr r="0" g="0" b="0"/>
-          </a:effectRef>
-          <a:fontRef idx="none"/>
-        </p:style>
-        <p:txBody>
-          <a:bodyPr rot="0" spcFirstLastPara="1" vertOverflow="overflow" horzOverflow="overflow" vert="horz" wrap="none" lIns="50800" tIns="50800" rIns="50800" bIns="50800" numCol="1" spcCol="38100" rtlCol="0" anchor="ctr">
-            <a:spAutoFit/>
-          </a:bodyPr>
-          <a:lstStyle/>
-          <a:p>
-            <a:pPr marL="0" marR="0" indent="0" algn="l" defTabSz="1219200" rtl="0" fontAlgn="auto" latinLnBrk="1" hangingPunct="0">
-              <a:lnSpc>
-                <a:spcPct val="100000"/>
-              </a:lnSpc>
-              <a:spcBef>
-                <a:spcPts val="0"/>
-              </a:spcBef>
-              <a:spcAft>
-                <a:spcPts val="0"/>
-              </a:spcAft>
-              <a:buClrTx/>
-              <a:buSzTx/>
-              <a:buFontTx/>
-              <a:buNone/>
-              <a:tabLst/>
-            </a:pPr>
-            <a:r>
-              <a:rPr lang="en-US" b="1" dirty="0" smtClean="0">
-                <a:solidFill>
-                  <a:schemeClr val="accent5"/>
-                </a:solidFill>
-                <a:uFill>
-                  <a:solidFill>
-                    <a:srgbClr val="000000"/>
-                  </a:solidFill>
-                </a:uFill>
-                <a:latin typeface="+mn-lt"/>
-              </a:rPr>
-              <a:t>colors</a:t>
-            </a:r>
-            <a:r>
-              <a:rPr kumimoji="0" lang="en-US" b="1" i="0" u="none" strike="noStrike" cap="none" spc="0" normalizeH="0" baseline="0" dirty="0" smtClean="0">
-                <a:ln>
-                  <a:noFill/>
-                </a:ln>
-                <a:solidFill>
-                  <a:schemeClr val="accent5"/>
-                </a:solidFill>
-                <a:effectLst/>
-                <a:uFill>
-                  <a:solidFill>
-                    <a:srgbClr val="000000"/>
-                  </a:solidFill>
-                </a:uFill>
-                <a:latin typeface="+mn-lt"/>
-                <a:sym typeface="Open Sans"/>
-              </a:rPr>
-              <a:t>/</a:t>
-            </a:r>
-            <a:r>
-              <a:rPr kumimoji="0" lang="en-US" b="1" i="0" u="none" strike="noStrike" cap="none" spc="0" normalizeH="0" baseline="0" dirty="0" err="1" smtClean="0">
-                <a:ln>
-                  <a:noFill/>
-                </a:ln>
-                <a:solidFill>
-                  <a:schemeClr val="accent5"/>
-                </a:solidFill>
-                <a:effectLst/>
-                <a:uFill>
-                  <a:solidFill>
-                    <a:srgbClr val="000000"/>
-                  </a:solidFill>
-                </a:uFill>
-                <a:latin typeface="+mn-lt"/>
-                <a:sym typeface="Open Sans"/>
-              </a:rPr>
-              <a:t>html_colors_table.ddl</a:t>
-            </a:r>
-            <a:endParaRPr kumimoji="0" lang="en-US" b="1" i="0" u="none" strike="noStrike" cap="none" spc="0" normalizeH="0" baseline="0" dirty="0" smtClean="0">
-              <a:ln>
-                <a:noFill/>
-              </a:ln>
-              <a:solidFill>
-                <a:schemeClr val="accent5"/>
-              </a:solidFill>
-              <a:effectLst/>
-              <a:uFill>
-                <a:solidFill>
-                  <a:srgbClr val="000000"/>
-                </a:solidFill>
-              </a:uFill>
-              <a:latin typeface="+mn-lt"/>
-              <a:sym typeface="Open Sans"/>
-            </a:endParaRPr>
-          </a:p>
-        </p:txBody>
-      </p:sp>
-      <p:sp>
-        <p:nvSpPr>
-          <p:cNvPr id="11" name="TextBox 10"/>
-          <p:cNvSpPr txBox="1"/>
-          <p:nvPr/>
-        </p:nvSpPr>
-        <p:spPr>
-          <a:xfrm>
-            <a:off x="1188850" y="3485323"/>
-            <a:ext cx="7985234" cy="1641475"/>
-          </a:xfrm>
-          <a:prstGeom prst="rect">
-            <a:avLst/>
-          </a:prstGeom>
-          <a:ln/>
-        </p:spPr>
-        <p:style>
-          <a:lnRef idx="2">
-            <a:schemeClr val="accent3">
-              <a:shade val="50000"/>
-            </a:schemeClr>
-          </a:lnRef>
-          <a:fillRef idx="1">
-            <a:schemeClr val="accent3"/>
-          </a:fillRef>
-          <a:effectRef idx="0">
-            <a:schemeClr val="accent3"/>
-          </a:effectRef>
-          <a:fontRef idx="minor">
-            <a:schemeClr val="lt1"/>
-          </a:fontRef>
-        </p:style>
-        <p:txBody>
-          <a:bodyPr rot="0" spcFirstLastPara="1" vertOverflow="overflow" horzOverflow="overflow" vert="horz" wrap="none" lIns="50800" tIns="50800" rIns="50800" bIns="50800" numCol="1" spcCol="38100" rtlCol="0" anchor="ctr">
-            <a:spAutoFit/>
-          </a:bodyPr>
-          <a:lstStyle/>
-          <a:p>
-            <a:pPr algn="l" rtl="0" latinLnBrk="1" hangingPunct="0"/>
-            <a:r>
-              <a:rPr lang="en-US" sz="2000" dirty="0">
-                <a:solidFill>
-                  <a:srgbClr val="FFFF00"/>
-                </a:solidFill>
-                <a:uFill>
-                  <a:solidFill>
-                    <a:srgbClr val="000000"/>
-                  </a:solidFill>
-                </a:uFill>
-                <a:latin typeface="+mn-lt"/>
-              </a:rPr>
-              <a:t>update </a:t>
-            </a:r>
-            <a:r>
-              <a:rPr lang="en-US" sz="2000" dirty="0" err="1">
-                <a:solidFill>
-                  <a:srgbClr val="FFFF00"/>
-                </a:solidFill>
-                <a:uFill>
-                  <a:solidFill>
-                    <a:srgbClr val="000000"/>
-                  </a:solidFill>
-                </a:uFill>
-                <a:latin typeface="+mn-lt"/>
-              </a:rPr>
-              <a:t>mylights</a:t>
-            </a:r>
-            <a:endParaRPr lang="en-US" sz="2000" dirty="0">
-              <a:solidFill>
-                <a:srgbClr val="FFFF00"/>
-              </a:solidFill>
-              <a:uFill>
-                <a:solidFill>
-                  <a:srgbClr val="000000"/>
-                </a:solidFill>
-              </a:uFill>
-              <a:latin typeface="+mn-lt"/>
-            </a:endParaRPr>
-          </a:p>
-          <a:p>
-            <a:pPr algn="l" rtl="0" latinLnBrk="1" hangingPunct="0"/>
-            <a:r>
-              <a:rPr lang="en-US" sz="2000" dirty="0">
-                <a:solidFill>
-                  <a:srgbClr val="FFFF00"/>
-                </a:solidFill>
-                <a:uFill>
-                  <a:solidFill>
-                    <a:srgbClr val="000000"/>
-                  </a:solidFill>
-                </a:uFill>
-                <a:latin typeface="+mn-lt"/>
-              </a:rPr>
-              <a:t>  set</a:t>
-            </a:r>
-          </a:p>
-          <a:p>
-            <a:pPr algn="l" rtl="0" latinLnBrk="1" hangingPunct="0"/>
-            <a:r>
-              <a:rPr lang="en-US" sz="2000" dirty="0">
-                <a:solidFill>
-                  <a:srgbClr val="FFFF00"/>
-                </a:solidFill>
-                <a:uFill>
-                  <a:solidFill>
-                    <a:srgbClr val="000000"/>
-                  </a:solidFill>
-                </a:uFill>
-                <a:latin typeface="+mn-lt"/>
-              </a:rPr>
-              <a:t>  </a:t>
-            </a:r>
-            <a:r>
-              <a:rPr lang="en-US" sz="2000" dirty="0" err="1">
-                <a:solidFill>
-                  <a:srgbClr val="FFFF00"/>
-                </a:solidFill>
-                <a:uFill>
-                  <a:solidFill>
-                    <a:srgbClr val="000000"/>
-                  </a:solidFill>
-                </a:uFill>
-                <a:latin typeface="+mn-lt"/>
-              </a:rPr>
-              <a:t>xy</a:t>
-            </a:r>
-            <a:r>
-              <a:rPr lang="en-US" sz="2000" dirty="0">
-                <a:solidFill>
-                  <a:srgbClr val="FFFF00"/>
-                </a:solidFill>
-                <a:uFill>
-                  <a:solidFill>
-                    <a:srgbClr val="000000"/>
-                  </a:solidFill>
-                </a:uFill>
-                <a:latin typeface="+mn-lt"/>
-              </a:rPr>
-              <a:t> = (select </a:t>
-            </a:r>
-            <a:r>
-              <a:rPr lang="en-US" sz="2000" dirty="0" err="1">
-                <a:solidFill>
-                  <a:srgbClr val="FFFF00"/>
-                </a:solidFill>
-                <a:uFill>
-                  <a:solidFill>
-                    <a:srgbClr val="000000"/>
-                  </a:solidFill>
-                </a:uFill>
-                <a:latin typeface="+mn-lt"/>
-              </a:rPr>
-              <a:t>xy</a:t>
-            </a:r>
-            <a:r>
-              <a:rPr lang="en-US" sz="2000" dirty="0">
-                <a:solidFill>
-                  <a:srgbClr val="FFFF00"/>
-                </a:solidFill>
-                <a:uFill>
-                  <a:solidFill>
-                    <a:srgbClr val="000000"/>
-                  </a:solidFill>
-                </a:uFill>
-                <a:latin typeface="+mn-lt"/>
-              </a:rPr>
-              <a:t> from </a:t>
-            </a:r>
-            <a:r>
-              <a:rPr lang="en-US" sz="2000" dirty="0" err="1">
-                <a:solidFill>
-                  <a:srgbClr val="FFFF00"/>
-                </a:solidFill>
-                <a:uFill>
-                  <a:solidFill>
-                    <a:srgbClr val="000000"/>
-                  </a:solidFill>
-                </a:uFill>
-                <a:latin typeface="+mn-lt"/>
-              </a:rPr>
-              <a:t>html_colors</a:t>
-            </a:r>
-            <a:r>
-              <a:rPr lang="en-US" sz="2000" dirty="0">
-                <a:solidFill>
-                  <a:srgbClr val="FFFF00"/>
-                </a:solidFill>
-                <a:uFill>
-                  <a:solidFill>
-                    <a:srgbClr val="000000"/>
-                  </a:solidFill>
-                </a:uFill>
-                <a:latin typeface="+mn-lt"/>
-              </a:rPr>
-              <a:t> where </a:t>
-            </a:r>
-            <a:r>
-              <a:rPr lang="en-US" sz="2000" dirty="0" err="1">
-                <a:solidFill>
-                  <a:srgbClr val="FFFF00"/>
-                </a:solidFill>
-                <a:uFill>
-                  <a:solidFill>
-                    <a:srgbClr val="000000"/>
-                  </a:solidFill>
-                </a:uFill>
-                <a:latin typeface="+mn-lt"/>
-              </a:rPr>
-              <a:t>color_name</a:t>
-            </a:r>
-            <a:r>
-              <a:rPr lang="en-US" sz="2000" dirty="0">
-                <a:solidFill>
-                  <a:srgbClr val="FFFF00"/>
-                </a:solidFill>
-                <a:uFill>
-                  <a:solidFill>
-                    <a:srgbClr val="000000"/>
-                  </a:solidFill>
-                </a:uFill>
-                <a:latin typeface="+mn-lt"/>
-              </a:rPr>
-              <a:t> = 'crimson red')</a:t>
-            </a:r>
-          </a:p>
-          <a:p>
-            <a:pPr algn="l" rtl="0" latinLnBrk="1" hangingPunct="0"/>
-            <a:r>
-              <a:rPr lang="en-US" sz="2000" dirty="0">
-                <a:solidFill>
-                  <a:srgbClr val="FFFF00"/>
-                </a:solidFill>
-                <a:uFill>
-                  <a:solidFill>
-                    <a:srgbClr val="000000"/>
-                  </a:solidFill>
-                </a:uFill>
-                <a:latin typeface="+mn-lt"/>
-              </a:rPr>
-              <a:t>where</a:t>
-            </a:r>
-          </a:p>
-          <a:p>
-            <a:pPr algn="l" rtl="0" latinLnBrk="1" hangingPunct="0"/>
-            <a:r>
-              <a:rPr lang="en-US" sz="2000" dirty="0">
-                <a:solidFill>
-                  <a:srgbClr val="FFFF00"/>
-                </a:solidFill>
-                <a:uFill>
-                  <a:solidFill>
-                    <a:srgbClr val="000000"/>
-                  </a:solidFill>
-                </a:uFill>
-                <a:latin typeface="+mn-lt"/>
-              </a:rPr>
-              <a:t>   </a:t>
-            </a:r>
-            <a:r>
-              <a:rPr lang="en-US" sz="2000" dirty="0" err="1">
-                <a:solidFill>
-                  <a:srgbClr val="FFFF00"/>
-                </a:solidFill>
-                <a:uFill>
-                  <a:solidFill>
-                    <a:srgbClr val="000000"/>
-                  </a:solidFill>
-                </a:uFill>
-                <a:latin typeface="+mn-lt"/>
-              </a:rPr>
-              <a:t>light_id</a:t>
-            </a:r>
-            <a:r>
-              <a:rPr lang="en-US" sz="2000" dirty="0">
-                <a:solidFill>
-                  <a:srgbClr val="FFFF00"/>
-                </a:solidFill>
-                <a:uFill>
-                  <a:solidFill>
-                    <a:srgbClr val="000000"/>
-                  </a:solidFill>
-                </a:uFill>
-                <a:latin typeface="+mn-lt"/>
-              </a:rPr>
-              <a:t> = 1;</a:t>
-            </a:r>
-            <a:endParaRPr kumimoji="0" lang="en-US" sz="2000" b="0" i="0" u="none" strike="noStrike" cap="none" spc="0" normalizeH="0" baseline="0" dirty="0" smtClean="0">
-              <a:ln>
-                <a:noFill/>
-              </a:ln>
-              <a:solidFill>
-                <a:srgbClr val="FFFF00"/>
-              </a:solidFill>
-              <a:effectLst/>
-              <a:uFill>
-                <a:solidFill>
-                  <a:srgbClr val="000000"/>
-                </a:solidFill>
-              </a:uFill>
-              <a:latin typeface="+mn-lt"/>
-              <a:sym typeface="Open Sans"/>
-            </a:endParaRPr>
-          </a:p>
-        </p:txBody>
-      </p:sp>
-      <p:sp>
-        <p:nvSpPr>
-          <p:cNvPr id="12" name="TextBox 11"/>
-          <p:cNvSpPr txBox="1"/>
-          <p:nvPr/>
-        </p:nvSpPr>
-        <p:spPr>
-          <a:xfrm>
-            <a:off x="1188850" y="5366309"/>
-            <a:ext cx="10112469" cy="2872581"/>
-          </a:xfrm>
-          <a:prstGeom prst="rect">
-            <a:avLst/>
-          </a:prstGeom>
-          <a:ln/>
-        </p:spPr>
-        <p:style>
-          <a:lnRef idx="2">
-            <a:schemeClr val="accent3">
-              <a:shade val="50000"/>
-            </a:schemeClr>
-          </a:lnRef>
-          <a:fillRef idx="1">
-            <a:schemeClr val="accent3"/>
-          </a:fillRef>
-          <a:effectRef idx="0">
-            <a:schemeClr val="accent3"/>
-          </a:effectRef>
-          <a:fontRef idx="minor">
-            <a:schemeClr val="lt1"/>
-          </a:fontRef>
-        </p:style>
-        <p:txBody>
-          <a:bodyPr rot="0" spcFirstLastPara="1" vertOverflow="overflow" horzOverflow="overflow" vert="horz" wrap="none" lIns="50800" tIns="50800" rIns="50800" bIns="50800" numCol="1" spcCol="38100" rtlCol="0" anchor="ctr">
-            <a:spAutoFit/>
-          </a:bodyPr>
-          <a:lstStyle/>
-          <a:p>
-            <a:pPr algn="l" rtl="0" latinLnBrk="1" hangingPunct="0"/>
-            <a:r>
-              <a:rPr lang="en-US" sz="2000" dirty="0">
-                <a:solidFill>
-                  <a:srgbClr val="FFFF00"/>
-                </a:solidFill>
-                <a:uFill>
-                  <a:solidFill>
-                    <a:srgbClr val="000000"/>
-                  </a:solidFill>
-                </a:uFill>
-                <a:latin typeface="+mn-lt"/>
-              </a:rPr>
-              <a:t>update </a:t>
-            </a:r>
-            <a:r>
-              <a:rPr lang="en-US" sz="2000" dirty="0" err="1">
-                <a:solidFill>
-                  <a:srgbClr val="FFFF00"/>
-                </a:solidFill>
-                <a:uFill>
-                  <a:solidFill>
-                    <a:srgbClr val="000000"/>
-                  </a:solidFill>
-                </a:uFill>
-                <a:latin typeface="+mn-lt"/>
-              </a:rPr>
-              <a:t>mylights</a:t>
-            </a:r>
-            <a:endParaRPr lang="en-US" sz="2000" dirty="0">
-              <a:solidFill>
-                <a:srgbClr val="FFFF00"/>
-              </a:solidFill>
-              <a:uFill>
-                <a:solidFill>
-                  <a:srgbClr val="000000"/>
-                </a:solidFill>
-              </a:uFill>
-              <a:latin typeface="+mn-lt"/>
-            </a:endParaRPr>
-          </a:p>
-          <a:p>
-            <a:pPr algn="l" rtl="0" latinLnBrk="1" hangingPunct="0"/>
-            <a:r>
-              <a:rPr lang="en-US" sz="2000" dirty="0">
-                <a:solidFill>
-                  <a:srgbClr val="FFFF00"/>
-                </a:solidFill>
-                <a:uFill>
-                  <a:solidFill>
-                    <a:srgbClr val="000000"/>
-                  </a:solidFill>
-                </a:uFill>
-                <a:latin typeface="+mn-lt"/>
-              </a:rPr>
-              <a:t>  set</a:t>
-            </a:r>
-          </a:p>
-          <a:p>
-            <a:pPr algn="l" rtl="0" latinLnBrk="1" hangingPunct="0"/>
-            <a:r>
-              <a:rPr lang="en-US" sz="2000" dirty="0">
-                <a:solidFill>
-                  <a:srgbClr val="FFFF00"/>
-                </a:solidFill>
-                <a:uFill>
-                  <a:solidFill>
-                    <a:srgbClr val="000000"/>
-                  </a:solidFill>
-                </a:uFill>
-                <a:latin typeface="+mn-lt"/>
-              </a:rPr>
-              <a:t>  hue = </a:t>
-            </a:r>
-            <a:r>
-              <a:rPr lang="en-US" sz="2000" dirty="0" err="1">
-                <a:solidFill>
-                  <a:srgbClr val="FFFF00"/>
-                </a:solidFill>
-                <a:uFill>
-                  <a:solidFill>
-                    <a:srgbClr val="000000"/>
-                  </a:solidFill>
-                </a:uFill>
-                <a:latin typeface="+mn-lt"/>
-              </a:rPr>
-              <a:t>c.hue</a:t>
-            </a:r>
-            <a:r>
-              <a:rPr lang="en-US" sz="2000" dirty="0">
-                <a:solidFill>
-                  <a:srgbClr val="FFFF00"/>
-                </a:solidFill>
-                <a:uFill>
-                  <a:solidFill>
-                    <a:srgbClr val="000000"/>
-                  </a:solidFill>
-                </a:uFill>
-                <a:latin typeface="+mn-lt"/>
-              </a:rPr>
-              <a:t>,</a:t>
-            </a:r>
-          </a:p>
-          <a:p>
-            <a:pPr algn="l" rtl="0" latinLnBrk="1" hangingPunct="0"/>
-            <a:r>
-              <a:rPr lang="en-US" sz="2000" dirty="0">
-                <a:solidFill>
-                  <a:srgbClr val="FFFF00"/>
-                </a:solidFill>
-                <a:uFill>
-                  <a:solidFill>
-                    <a:srgbClr val="000000"/>
-                  </a:solidFill>
-                </a:uFill>
-                <a:latin typeface="+mn-lt"/>
-              </a:rPr>
-              <a:t>  saturation = </a:t>
-            </a:r>
-            <a:r>
-              <a:rPr lang="en-US" sz="2000" dirty="0" err="1">
-                <a:solidFill>
-                  <a:srgbClr val="FFFF00"/>
-                </a:solidFill>
-                <a:uFill>
-                  <a:solidFill>
-                    <a:srgbClr val="000000"/>
-                  </a:solidFill>
-                </a:uFill>
-                <a:latin typeface="+mn-lt"/>
-              </a:rPr>
-              <a:t>c.saturation</a:t>
-            </a:r>
-            <a:r>
-              <a:rPr lang="en-US" sz="2000" dirty="0">
-                <a:solidFill>
-                  <a:srgbClr val="FFFF00"/>
-                </a:solidFill>
-                <a:uFill>
-                  <a:solidFill>
-                    <a:srgbClr val="000000"/>
-                  </a:solidFill>
-                </a:uFill>
-                <a:latin typeface="+mn-lt"/>
-              </a:rPr>
-              <a:t>,</a:t>
-            </a:r>
-          </a:p>
-          <a:p>
-            <a:pPr algn="l" rtl="0" latinLnBrk="1" hangingPunct="0"/>
-            <a:r>
-              <a:rPr lang="en-US" sz="2000" dirty="0">
-                <a:solidFill>
-                  <a:srgbClr val="FFFF00"/>
-                </a:solidFill>
-                <a:uFill>
-                  <a:solidFill>
-                    <a:srgbClr val="000000"/>
-                  </a:solidFill>
-                </a:uFill>
-                <a:latin typeface="+mn-lt"/>
-              </a:rPr>
-              <a:t>  brightness = </a:t>
-            </a:r>
-            <a:r>
-              <a:rPr lang="en-US" sz="2000" dirty="0" err="1">
-                <a:solidFill>
-                  <a:srgbClr val="FFFF00"/>
-                </a:solidFill>
-                <a:uFill>
-                  <a:solidFill>
-                    <a:srgbClr val="000000"/>
-                  </a:solidFill>
-                </a:uFill>
-                <a:latin typeface="+mn-lt"/>
-              </a:rPr>
-              <a:t>c.brightness</a:t>
-            </a:r>
-            <a:endParaRPr lang="en-US" sz="2000" dirty="0">
-              <a:solidFill>
-                <a:srgbClr val="FFFF00"/>
-              </a:solidFill>
-              <a:uFill>
-                <a:solidFill>
-                  <a:srgbClr val="000000"/>
-                </a:solidFill>
-              </a:uFill>
-              <a:latin typeface="+mn-lt"/>
-            </a:endParaRPr>
-          </a:p>
-          <a:p>
-            <a:pPr algn="l" rtl="0" latinLnBrk="1" hangingPunct="0"/>
-            <a:r>
-              <a:rPr lang="en-US" sz="2000" dirty="0">
-                <a:solidFill>
-                  <a:srgbClr val="FFFF00"/>
-                </a:solidFill>
-                <a:uFill>
-                  <a:solidFill>
-                    <a:srgbClr val="000000"/>
-                  </a:solidFill>
-                </a:uFill>
-                <a:latin typeface="+mn-lt"/>
-              </a:rPr>
-              <a:t>from</a:t>
-            </a:r>
-          </a:p>
-          <a:p>
-            <a:pPr algn="l" rtl="0" latinLnBrk="1" hangingPunct="0"/>
-            <a:r>
-              <a:rPr lang="en-US" sz="2000" dirty="0">
-                <a:solidFill>
-                  <a:srgbClr val="FFFF00"/>
-                </a:solidFill>
-                <a:uFill>
-                  <a:solidFill>
-                    <a:srgbClr val="000000"/>
-                  </a:solidFill>
-                </a:uFill>
-                <a:latin typeface="+mn-lt"/>
-              </a:rPr>
-              <a:t>   (select hue, saturation, brightness from </a:t>
-            </a:r>
-            <a:r>
-              <a:rPr lang="en-US" sz="2000" dirty="0" err="1">
-                <a:solidFill>
-                  <a:srgbClr val="FFFF00"/>
-                </a:solidFill>
-                <a:uFill>
-                  <a:solidFill>
-                    <a:srgbClr val="000000"/>
-                  </a:solidFill>
-                </a:uFill>
-                <a:latin typeface="+mn-lt"/>
-              </a:rPr>
-              <a:t>html_colors</a:t>
-            </a:r>
-            <a:r>
-              <a:rPr lang="en-US" sz="2000" dirty="0">
-                <a:solidFill>
-                  <a:srgbClr val="FFFF00"/>
-                </a:solidFill>
-                <a:uFill>
-                  <a:solidFill>
-                    <a:srgbClr val="000000"/>
-                  </a:solidFill>
-                </a:uFill>
-                <a:latin typeface="+mn-lt"/>
-              </a:rPr>
-              <a:t> where </a:t>
-            </a:r>
-            <a:r>
-              <a:rPr lang="en-US" sz="2000" dirty="0" err="1">
-                <a:solidFill>
-                  <a:srgbClr val="FFFF00"/>
-                </a:solidFill>
-                <a:uFill>
-                  <a:solidFill>
-                    <a:srgbClr val="000000"/>
-                  </a:solidFill>
-                </a:uFill>
-                <a:latin typeface="+mn-lt"/>
-              </a:rPr>
-              <a:t>color_name</a:t>
-            </a:r>
-            <a:r>
-              <a:rPr lang="en-US" sz="2000" dirty="0">
-                <a:solidFill>
-                  <a:srgbClr val="FFFF00"/>
-                </a:solidFill>
-                <a:uFill>
-                  <a:solidFill>
-                    <a:srgbClr val="000000"/>
-                  </a:solidFill>
-                </a:uFill>
-                <a:latin typeface="+mn-lt"/>
-              </a:rPr>
-              <a:t> = 'crimson') c</a:t>
-            </a:r>
-          </a:p>
-          <a:p>
-            <a:pPr algn="l" rtl="0" latinLnBrk="1" hangingPunct="0"/>
-            <a:r>
-              <a:rPr lang="en-US" sz="2000" dirty="0">
-                <a:solidFill>
-                  <a:srgbClr val="FFFF00"/>
-                </a:solidFill>
-                <a:uFill>
-                  <a:solidFill>
-                    <a:srgbClr val="000000"/>
-                  </a:solidFill>
-                </a:uFill>
-                <a:latin typeface="+mn-lt"/>
-              </a:rPr>
-              <a:t>where</a:t>
-            </a:r>
-          </a:p>
-          <a:p>
-            <a:pPr algn="l" rtl="0" latinLnBrk="1" hangingPunct="0"/>
-            <a:r>
-              <a:rPr lang="en-US" sz="2000" dirty="0">
-                <a:solidFill>
-                  <a:srgbClr val="FFFF00"/>
-                </a:solidFill>
-                <a:uFill>
-                  <a:solidFill>
-                    <a:srgbClr val="000000"/>
-                  </a:solidFill>
-                </a:uFill>
-                <a:latin typeface="+mn-lt"/>
-              </a:rPr>
-              <a:t>   </a:t>
-            </a:r>
-            <a:r>
-              <a:rPr lang="en-US" sz="2000" dirty="0" err="1">
-                <a:solidFill>
-                  <a:srgbClr val="FFFF00"/>
-                </a:solidFill>
-                <a:uFill>
-                  <a:solidFill>
-                    <a:srgbClr val="000000"/>
-                  </a:solidFill>
-                </a:uFill>
-                <a:latin typeface="+mn-lt"/>
-              </a:rPr>
-              <a:t>light_id</a:t>
-            </a:r>
-            <a:r>
-              <a:rPr lang="en-US" sz="2000" dirty="0">
-                <a:solidFill>
-                  <a:srgbClr val="FFFF00"/>
-                </a:solidFill>
-                <a:uFill>
-                  <a:solidFill>
-                    <a:srgbClr val="000000"/>
-                  </a:solidFill>
-                </a:uFill>
-                <a:latin typeface="+mn-lt"/>
-              </a:rPr>
-              <a:t> = 1;</a:t>
-            </a:r>
-            <a:endParaRPr kumimoji="0" lang="en-US" sz="2000" b="0" i="0" u="none" strike="noStrike" cap="none" spc="0" normalizeH="0" baseline="0" dirty="0" smtClean="0">
-              <a:ln>
-                <a:noFill/>
-              </a:ln>
-              <a:solidFill>
-                <a:srgbClr val="FFFF00"/>
-              </a:solidFill>
-              <a:effectLst/>
-              <a:uFill>
-                <a:solidFill>
-                  <a:srgbClr val="000000"/>
-                </a:solidFill>
-              </a:uFill>
-              <a:latin typeface="+mn-lt"/>
-              <a:sym typeface="Open Sans"/>
-            </a:endParaRPr>
-          </a:p>
-        </p:txBody>
-      </p:sp>
-    </p:spTree>
-    <p:extLst>
-      <p:ext uri="{BB962C8B-B14F-4D97-AF65-F5344CB8AC3E}">
-        <p14:creationId xmlns:p14="http://schemas.microsoft.com/office/powerpoint/2010/main" val="2764451029"/>
       </p:ext>
     </p:extLst>
   </p:cSld>
@@ -20694,7 +20336,7 @@
           <a:p>
             <a:r>
               <a:rPr lang="en-US" dirty="0" smtClean="0"/>
-              <a:t>Thank You</a:t>
+              <a:t>Colors</a:t>
             </a:r>
             <a:endParaRPr lang="en-US" dirty="0"/>
           </a:p>
@@ -20719,6 +20361,1159 @@
               <a:rPr lang="en-US" smtClean="0"/>
               <a:pPr/>
               <a:t>25</a:t>
+            </a:fld>
+            <a:endParaRPr lang="en-US" dirty="0"/>
+          </a:p>
+        </p:txBody>
+      </p:sp>
+      <p:sp>
+        <p:nvSpPr>
+          <p:cNvPr id="8" name="Text Placeholder 7"/>
+          <p:cNvSpPr>
+            <a:spLocks noGrp="1"/>
+          </p:cNvSpPr>
+          <p:nvPr>
+            <p:ph type="body" sz="quarter" idx="10"/>
+          </p:nvPr>
+        </p:nvSpPr>
+        <p:spPr>
+          <a:xfrm>
+            <a:off x="1188850" y="891764"/>
+            <a:ext cx="14305150" cy="731072"/>
+          </a:xfrm>
+        </p:spPr>
+        <p:txBody>
+          <a:bodyPr/>
+          <a:lstStyle/>
+          <a:p>
+            <a:r>
+              <a:rPr lang="en-US" dirty="0" smtClean="0"/>
+              <a:t>Using color names</a:t>
+            </a:r>
+          </a:p>
+        </p:txBody>
+      </p:sp>
+      <p:sp>
+        <p:nvSpPr>
+          <p:cNvPr id="6" name="TextBox 5"/>
+          <p:cNvSpPr txBox="1"/>
+          <p:nvPr/>
+        </p:nvSpPr>
+        <p:spPr>
+          <a:xfrm>
+            <a:off x="1188850" y="2244746"/>
+            <a:ext cx="12447640" cy="1210588"/>
+          </a:xfrm>
+          <a:prstGeom prst="rect">
+            <a:avLst/>
+          </a:prstGeom>
+          <a:noFill/>
+          <a:ln w="12700" cap="flat">
+            <a:noFill/>
+            <a:miter lim="400000"/>
+          </a:ln>
+          <a:effectLst/>
+        </p:spPr>
+        <p:style>
+          <a:lnRef idx="0">
+            <a:scrgbClr r="0" g="0" b="0"/>
+          </a:lnRef>
+          <a:fillRef idx="0">
+            <a:scrgbClr r="0" g="0" b="0"/>
+          </a:fillRef>
+          <a:effectRef idx="0">
+            <a:scrgbClr r="0" g="0" b="0"/>
+          </a:effectRef>
+          <a:fontRef idx="none"/>
+        </p:style>
+        <p:txBody>
+          <a:bodyPr rot="0" spcFirstLastPara="1" vertOverflow="overflow" horzOverflow="overflow" vert="horz" wrap="square" lIns="50800" tIns="50800" rIns="50800" bIns="50800" numCol="1" spcCol="38100" rtlCol="0" anchor="ctr">
+            <a:spAutoFit/>
+          </a:bodyPr>
+          <a:lstStyle/>
+          <a:p>
+            <a:pPr marL="342900" indent="-342900" algn="l" rtl="0" latinLnBrk="1" hangingPunct="0">
+              <a:buFont typeface="Arial"/>
+              <a:buChar char="•"/>
+            </a:pPr>
+            <a:r>
+              <a:rPr lang="en-US" dirty="0">
+                <a:solidFill>
+                  <a:schemeClr val="tx1"/>
+                </a:solidFill>
+                <a:uFill>
+                  <a:solidFill>
+                    <a:srgbClr val="000000"/>
+                  </a:solidFill>
+                </a:uFill>
+                <a:latin typeface="+mn-lt"/>
+              </a:rPr>
+              <a:t>create table </a:t>
+            </a:r>
+            <a:r>
+              <a:rPr lang="en-US" dirty="0" err="1" smtClean="0">
+                <a:solidFill>
+                  <a:schemeClr val="tx1"/>
+                </a:solidFill>
+                <a:uFill>
+                  <a:solidFill>
+                    <a:srgbClr val="000000"/>
+                  </a:solidFill>
+                </a:uFill>
+                <a:latin typeface="+mn-lt"/>
+              </a:rPr>
+              <a:t>html_colors</a:t>
+            </a:r>
+            <a:endParaRPr lang="en-US" dirty="0" smtClean="0">
+              <a:solidFill>
+                <a:schemeClr val="tx1"/>
+              </a:solidFill>
+              <a:uFill>
+                <a:solidFill>
+                  <a:srgbClr val="000000"/>
+                </a:solidFill>
+              </a:uFill>
+              <a:latin typeface="+mn-lt"/>
+            </a:endParaRPr>
+          </a:p>
+          <a:p>
+            <a:pPr marL="342900" indent="-342900" algn="l" rtl="0" latinLnBrk="1" hangingPunct="0">
+              <a:buFont typeface="Arial"/>
+              <a:buChar char="•"/>
+            </a:pPr>
+            <a:r>
+              <a:rPr lang="en-US" dirty="0">
+                <a:solidFill>
+                  <a:schemeClr val="tx1"/>
+                </a:solidFill>
+                <a:uFill>
+                  <a:solidFill>
+                    <a:srgbClr val="000000"/>
+                  </a:solidFill>
+                </a:uFill>
+                <a:latin typeface="+mn-lt"/>
+              </a:rPr>
+              <a:t>copy </a:t>
+            </a:r>
+            <a:r>
+              <a:rPr lang="en-US" dirty="0" err="1">
+                <a:solidFill>
+                  <a:schemeClr val="tx1"/>
+                </a:solidFill>
+                <a:uFill>
+                  <a:solidFill>
+                    <a:srgbClr val="000000"/>
+                  </a:solidFill>
+                </a:uFill>
+                <a:latin typeface="+mn-lt"/>
+              </a:rPr>
+              <a:t>html_colors</a:t>
+            </a:r>
+            <a:r>
+              <a:rPr lang="en-US" dirty="0">
+                <a:solidFill>
+                  <a:schemeClr val="tx1"/>
+                </a:solidFill>
+                <a:uFill>
+                  <a:solidFill>
+                    <a:srgbClr val="000000"/>
+                  </a:solidFill>
+                </a:uFill>
+                <a:latin typeface="+mn-lt"/>
+              </a:rPr>
+              <a:t> from '/some/path/to/</a:t>
+            </a:r>
+            <a:r>
+              <a:rPr lang="en-US" dirty="0" err="1">
+                <a:solidFill>
+                  <a:schemeClr val="tx1"/>
+                </a:solidFill>
+                <a:uFill>
+                  <a:solidFill>
+                    <a:srgbClr val="000000"/>
+                  </a:solidFill>
+                </a:uFill>
+                <a:latin typeface="+mn-lt"/>
+              </a:rPr>
+              <a:t>html_colors_data.csv</a:t>
+            </a:r>
+            <a:r>
+              <a:rPr lang="en-US" dirty="0">
+                <a:solidFill>
+                  <a:schemeClr val="tx1"/>
+                </a:solidFill>
+                <a:uFill>
+                  <a:solidFill>
+                    <a:srgbClr val="000000"/>
+                  </a:solidFill>
+                </a:uFill>
+                <a:latin typeface="+mn-lt"/>
+              </a:rPr>
+              <a:t>' with CSV </a:t>
+            </a:r>
+            <a:r>
+              <a:rPr lang="en-US" dirty="0" smtClean="0">
+                <a:solidFill>
+                  <a:schemeClr val="tx1"/>
+                </a:solidFill>
+                <a:uFill>
+                  <a:solidFill>
+                    <a:srgbClr val="000000"/>
+                  </a:solidFill>
+                </a:uFill>
+                <a:latin typeface="+mn-lt"/>
+              </a:rPr>
+              <a:t>HEADER</a:t>
+            </a:r>
+          </a:p>
+          <a:p>
+            <a:pPr algn="l" rtl="0" latinLnBrk="1" hangingPunct="0"/>
+            <a:endParaRPr kumimoji="0" lang="en-US" b="0" i="0" u="none" strike="noStrike" cap="none" spc="0" normalizeH="0" baseline="0" dirty="0" smtClean="0">
+              <a:ln>
+                <a:noFill/>
+              </a:ln>
+              <a:solidFill>
+                <a:schemeClr val="tx1"/>
+              </a:solidFill>
+              <a:effectLst/>
+              <a:uFill>
+                <a:solidFill>
+                  <a:srgbClr val="000000"/>
+                </a:solidFill>
+              </a:uFill>
+              <a:latin typeface="+mn-lt"/>
+              <a:ea typeface="Open Sans"/>
+              <a:cs typeface="Open Sans"/>
+              <a:sym typeface="Open Sans"/>
+            </a:endParaRPr>
+          </a:p>
+        </p:txBody>
+      </p:sp>
+      <p:sp>
+        <p:nvSpPr>
+          <p:cNvPr id="10" name="TextBox 9"/>
+          <p:cNvSpPr txBox="1"/>
+          <p:nvPr/>
+        </p:nvSpPr>
+        <p:spPr>
+          <a:xfrm>
+            <a:off x="1188850" y="1752410"/>
+            <a:ext cx="4258177" cy="471924"/>
+          </a:xfrm>
+          <a:prstGeom prst="rect">
+            <a:avLst/>
+          </a:prstGeom>
+          <a:noFill/>
+          <a:ln w="12700" cap="flat">
+            <a:noFill/>
+            <a:miter lim="400000"/>
+          </a:ln>
+          <a:effectLst/>
+        </p:spPr>
+        <p:style>
+          <a:lnRef idx="0">
+            <a:scrgbClr r="0" g="0" b="0"/>
+          </a:lnRef>
+          <a:fillRef idx="0">
+            <a:scrgbClr r="0" g="0" b="0"/>
+          </a:fillRef>
+          <a:effectRef idx="0">
+            <a:scrgbClr r="0" g="0" b="0"/>
+          </a:effectRef>
+          <a:fontRef idx="none"/>
+        </p:style>
+        <p:txBody>
+          <a:bodyPr rot="0" spcFirstLastPara="1" vertOverflow="overflow" horzOverflow="overflow" vert="horz" wrap="none" lIns="50800" tIns="50800" rIns="50800" bIns="50800" numCol="1" spcCol="38100" rtlCol="0" anchor="ctr">
+            <a:spAutoFit/>
+          </a:bodyPr>
+          <a:lstStyle/>
+          <a:p>
+            <a:pPr marL="0" marR="0" indent="0" algn="l" defTabSz="1219200" rtl="0" fontAlgn="auto" latinLnBrk="1" hangingPunct="0">
+              <a:lnSpc>
+                <a:spcPct val="100000"/>
+              </a:lnSpc>
+              <a:spcBef>
+                <a:spcPts val="0"/>
+              </a:spcBef>
+              <a:spcAft>
+                <a:spcPts val="0"/>
+              </a:spcAft>
+              <a:buClrTx/>
+              <a:buSzTx/>
+              <a:buFontTx/>
+              <a:buNone/>
+              <a:tabLst/>
+            </a:pPr>
+            <a:r>
+              <a:rPr lang="en-US" b="1" dirty="0" smtClean="0">
+                <a:solidFill>
+                  <a:schemeClr val="accent5"/>
+                </a:solidFill>
+                <a:uFill>
+                  <a:solidFill>
+                    <a:srgbClr val="000000"/>
+                  </a:solidFill>
+                </a:uFill>
+                <a:latin typeface="+mn-lt"/>
+              </a:rPr>
+              <a:t>colors</a:t>
+            </a:r>
+            <a:r>
+              <a:rPr kumimoji="0" lang="en-US" b="1" i="0" u="none" strike="noStrike" cap="none" spc="0" normalizeH="0" baseline="0" dirty="0" smtClean="0">
+                <a:ln>
+                  <a:noFill/>
+                </a:ln>
+                <a:solidFill>
+                  <a:schemeClr val="accent5"/>
+                </a:solidFill>
+                <a:effectLst/>
+                <a:uFill>
+                  <a:solidFill>
+                    <a:srgbClr val="000000"/>
+                  </a:solidFill>
+                </a:uFill>
+                <a:latin typeface="+mn-lt"/>
+                <a:sym typeface="Open Sans"/>
+              </a:rPr>
+              <a:t>/</a:t>
+            </a:r>
+            <a:r>
+              <a:rPr kumimoji="0" lang="en-US" b="1" i="0" u="none" strike="noStrike" cap="none" spc="0" normalizeH="0" baseline="0" dirty="0" err="1" smtClean="0">
+                <a:ln>
+                  <a:noFill/>
+                </a:ln>
+                <a:solidFill>
+                  <a:schemeClr val="accent5"/>
+                </a:solidFill>
+                <a:effectLst/>
+                <a:uFill>
+                  <a:solidFill>
+                    <a:srgbClr val="000000"/>
+                  </a:solidFill>
+                </a:uFill>
+                <a:latin typeface="+mn-lt"/>
+                <a:sym typeface="Open Sans"/>
+              </a:rPr>
+              <a:t>html_colors_table.ddl</a:t>
+            </a:r>
+            <a:endParaRPr kumimoji="0" lang="en-US" b="1" i="0" u="none" strike="noStrike" cap="none" spc="0" normalizeH="0" baseline="0" dirty="0" smtClean="0">
+              <a:ln>
+                <a:noFill/>
+              </a:ln>
+              <a:solidFill>
+                <a:schemeClr val="accent5"/>
+              </a:solidFill>
+              <a:effectLst/>
+              <a:uFill>
+                <a:solidFill>
+                  <a:srgbClr val="000000"/>
+                </a:solidFill>
+              </a:uFill>
+              <a:latin typeface="+mn-lt"/>
+              <a:sym typeface="Open Sans"/>
+            </a:endParaRPr>
+          </a:p>
+        </p:txBody>
+      </p:sp>
+      <p:sp>
+        <p:nvSpPr>
+          <p:cNvPr id="11" name="TextBox 10"/>
+          <p:cNvSpPr txBox="1"/>
+          <p:nvPr/>
+        </p:nvSpPr>
+        <p:spPr>
+          <a:xfrm>
+            <a:off x="1188850" y="3485323"/>
+            <a:ext cx="7985234" cy="1641475"/>
+          </a:xfrm>
+          <a:prstGeom prst="rect">
+            <a:avLst/>
+          </a:prstGeom>
+          <a:ln/>
+        </p:spPr>
+        <p:style>
+          <a:lnRef idx="2">
+            <a:schemeClr val="accent3">
+              <a:shade val="50000"/>
+            </a:schemeClr>
+          </a:lnRef>
+          <a:fillRef idx="1">
+            <a:schemeClr val="accent3"/>
+          </a:fillRef>
+          <a:effectRef idx="0">
+            <a:schemeClr val="accent3"/>
+          </a:effectRef>
+          <a:fontRef idx="minor">
+            <a:schemeClr val="lt1"/>
+          </a:fontRef>
+        </p:style>
+        <p:txBody>
+          <a:bodyPr rot="0" spcFirstLastPara="1" vertOverflow="overflow" horzOverflow="overflow" vert="horz" wrap="none" lIns="50800" tIns="50800" rIns="50800" bIns="50800" numCol="1" spcCol="38100" rtlCol="0" anchor="ctr">
+            <a:spAutoFit/>
+          </a:bodyPr>
+          <a:lstStyle/>
+          <a:p>
+            <a:pPr algn="l" rtl="0" latinLnBrk="1" hangingPunct="0"/>
+            <a:r>
+              <a:rPr lang="en-US" sz="2000" dirty="0">
+                <a:solidFill>
+                  <a:srgbClr val="FFFF00"/>
+                </a:solidFill>
+                <a:uFill>
+                  <a:solidFill>
+                    <a:srgbClr val="000000"/>
+                  </a:solidFill>
+                </a:uFill>
+                <a:latin typeface="+mn-lt"/>
+              </a:rPr>
+              <a:t>update </a:t>
+            </a:r>
+            <a:r>
+              <a:rPr lang="en-US" sz="2000" dirty="0" err="1">
+                <a:solidFill>
+                  <a:srgbClr val="FFFF00"/>
+                </a:solidFill>
+                <a:uFill>
+                  <a:solidFill>
+                    <a:srgbClr val="000000"/>
+                  </a:solidFill>
+                </a:uFill>
+                <a:latin typeface="+mn-lt"/>
+              </a:rPr>
+              <a:t>mylights</a:t>
+            </a:r>
+            <a:endParaRPr lang="en-US" sz="2000" dirty="0">
+              <a:solidFill>
+                <a:srgbClr val="FFFF00"/>
+              </a:solidFill>
+              <a:uFill>
+                <a:solidFill>
+                  <a:srgbClr val="000000"/>
+                </a:solidFill>
+              </a:uFill>
+              <a:latin typeface="+mn-lt"/>
+            </a:endParaRPr>
+          </a:p>
+          <a:p>
+            <a:pPr algn="l" rtl="0" latinLnBrk="1" hangingPunct="0"/>
+            <a:r>
+              <a:rPr lang="en-US" sz="2000" dirty="0">
+                <a:solidFill>
+                  <a:srgbClr val="FFFF00"/>
+                </a:solidFill>
+                <a:uFill>
+                  <a:solidFill>
+                    <a:srgbClr val="000000"/>
+                  </a:solidFill>
+                </a:uFill>
+                <a:latin typeface="+mn-lt"/>
+              </a:rPr>
+              <a:t>  set</a:t>
+            </a:r>
+          </a:p>
+          <a:p>
+            <a:pPr algn="l" rtl="0" latinLnBrk="1" hangingPunct="0"/>
+            <a:r>
+              <a:rPr lang="en-US" sz="2000" dirty="0">
+                <a:solidFill>
+                  <a:srgbClr val="FFFF00"/>
+                </a:solidFill>
+                <a:uFill>
+                  <a:solidFill>
+                    <a:srgbClr val="000000"/>
+                  </a:solidFill>
+                </a:uFill>
+                <a:latin typeface="+mn-lt"/>
+              </a:rPr>
+              <a:t>  </a:t>
+            </a:r>
+            <a:r>
+              <a:rPr lang="en-US" sz="2000" dirty="0" err="1">
+                <a:solidFill>
+                  <a:srgbClr val="FFFF00"/>
+                </a:solidFill>
+                <a:uFill>
+                  <a:solidFill>
+                    <a:srgbClr val="000000"/>
+                  </a:solidFill>
+                </a:uFill>
+                <a:latin typeface="+mn-lt"/>
+              </a:rPr>
+              <a:t>xy</a:t>
+            </a:r>
+            <a:r>
+              <a:rPr lang="en-US" sz="2000" dirty="0">
+                <a:solidFill>
+                  <a:srgbClr val="FFFF00"/>
+                </a:solidFill>
+                <a:uFill>
+                  <a:solidFill>
+                    <a:srgbClr val="000000"/>
+                  </a:solidFill>
+                </a:uFill>
+                <a:latin typeface="+mn-lt"/>
+              </a:rPr>
+              <a:t> = (select </a:t>
+            </a:r>
+            <a:r>
+              <a:rPr lang="en-US" sz="2000" dirty="0" err="1">
+                <a:solidFill>
+                  <a:srgbClr val="FFFF00"/>
+                </a:solidFill>
+                <a:uFill>
+                  <a:solidFill>
+                    <a:srgbClr val="000000"/>
+                  </a:solidFill>
+                </a:uFill>
+                <a:latin typeface="+mn-lt"/>
+              </a:rPr>
+              <a:t>xy</a:t>
+            </a:r>
+            <a:r>
+              <a:rPr lang="en-US" sz="2000" dirty="0">
+                <a:solidFill>
+                  <a:srgbClr val="FFFF00"/>
+                </a:solidFill>
+                <a:uFill>
+                  <a:solidFill>
+                    <a:srgbClr val="000000"/>
+                  </a:solidFill>
+                </a:uFill>
+                <a:latin typeface="+mn-lt"/>
+              </a:rPr>
+              <a:t> from </a:t>
+            </a:r>
+            <a:r>
+              <a:rPr lang="en-US" sz="2000" dirty="0" err="1">
+                <a:solidFill>
+                  <a:srgbClr val="FFFF00"/>
+                </a:solidFill>
+                <a:uFill>
+                  <a:solidFill>
+                    <a:srgbClr val="000000"/>
+                  </a:solidFill>
+                </a:uFill>
+                <a:latin typeface="+mn-lt"/>
+              </a:rPr>
+              <a:t>html_colors</a:t>
+            </a:r>
+            <a:r>
+              <a:rPr lang="en-US" sz="2000" dirty="0">
+                <a:solidFill>
+                  <a:srgbClr val="FFFF00"/>
+                </a:solidFill>
+                <a:uFill>
+                  <a:solidFill>
+                    <a:srgbClr val="000000"/>
+                  </a:solidFill>
+                </a:uFill>
+                <a:latin typeface="+mn-lt"/>
+              </a:rPr>
+              <a:t> where </a:t>
+            </a:r>
+            <a:r>
+              <a:rPr lang="en-US" sz="2000" dirty="0" err="1">
+                <a:solidFill>
+                  <a:srgbClr val="FFFF00"/>
+                </a:solidFill>
+                <a:uFill>
+                  <a:solidFill>
+                    <a:srgbClr val="000000"/>
+                  </a:solidFill>
+                </a:uFill>
+                <a:latin typeface="+mn-lt"/>
+              </a:rPr>
+              <a:t>color_name</a:t>
+            </a:r>
+            <a:r>
+              <a:rPr lang="en-US" sz="2000" dirty="0">
+                <a:solidFill>
+                  <a:srgbClr val="FFFF00"/>
+                </a:solidFill>
+                <a:uFill>
+                  <a:solidFill>
+                    <a:srgbClr val="000000"/>
+                  </a:solidFill>
+                </a:uFill>
+                <a:latin typeface="+mn-lt"/>
+              </a:rPr>
+              <a:t> = 'crimson red')</a:t>
+            </a:r>
+          </a:p>
+          <a:p>
+            <a:pPr algn="l" rtl="0" latinLnBrk="1" hangingPunct="0"/>
+            <a:r>
+              <a:rPr lang="en-US" sz="2000" dirty="0">
+                <a:solidFill>
+                  <a:srgbClr val="FFFF00"/>
+                </a:solidFill>
+                <a:uFill>
+                  <a:solidFill>
+                    <a:srgbClr val="000000"/>
+                  </a:solidFill>
+                </a:uFill>
+                <a:latin typeface="+mn-lt"/>
+              </a:rPr>
+              <a:t>where</a:t>
+            </a:r>
+          </a:p>
+          <a:p>
+            <a:pPr algn="l" rtl="0" latinLnBrk="1" hangingPunct="0"/>
+            <a:r>
+              <a:rPr lang="en-US" sz="2000" dirty="0">
+                <a:solidFill>
+                  <a:srgbClr val="FFFF00"/>
+                </a:solidFill>
+                <a:uFill>
+                  <a:solidFill>
+                    <a:srgbClr val="000000"/>
+                  </a:solidFill>
+                </a:uFill>
+                <a:latin typeface="+mn-lt"/>
+              </a:rPr>
+              <a:t>   </a:t>
+            </a:r>
+            <a:r>
+              <a:rPr lang="en-US" sz="2000" dirty="0" err="1">
+                <a:solidFill>
+                  <a:srgbClr val="FFFF00"/>
+                </a:solidFill>
+                <a:uFill>
+                  <a:solidFill>
+                    <a:srgbClr val="000000"/>
+                  </a:solidFill>
+                </a:uFill>
+                <a:latin typeface="+mn-lt"/>
+              </a:rPr>
+              <a:t>light_id</a:t>
+            </a:r>
+            <a:r>
+              <a:rPr lang="en-US" sz="2000" dirty="0">
+                <a:solidFill>
+                  <a:srgbClr val="FFFF00"/>
+                </a:solidFill>
+                <a:uFill>
+                  <a:solidFill>
+                    <a:srgbClr val="000000"/>
+                  </a:solidFill>
+                </a:uFill>
+                <a:latin typeface="+mn-lt"/>
+              </a:rPr>
+              <a:t> = 1;</a:t>
+            </a:r>
+            <a:endParaRPr kumimoji="0" lang="en-US" sz="2000" b="0" i="0" u="none" strike="noStrike" cap="none" spc="0" normalizeH="0" baseline="0" dirty="0" smtClean="0">
+              <a:ln>
+                <a:noFill/>
+              </a:ln>
+              <a:solidFill>
+                <a:srgbClr val="FFFF00"/>
+              </a:solidFill>
+              <a:effectLst/>
+              <a:uFill>
+                <a:solidFill>
+                  <a:srgbClr val="000000"/>
+                </a:solidFill>
+              </a:uFill>
+              <a:latin typeface="+mn-lt"/>
+              <a:sym typeface="Open Sans"/>
+            </a:endParaRPr>
+          </a:p>
+        </p:txBody>
+      </p:sp>
+      <p:sp>
+        <p:nvSpPr>
+          <p:cNvPr id="12" name="TextBox 11"/>
+          <p:cNvSpPr txBox="1"/>
+          <p:nvPr/>
+        </p:nvSpPr>
+        <p:spPr>
+          <a:xfrm>
+            <a:off x="1188850" y="5366309"/>
+            <a:ext cx="10112469" cy="2872581"/>
+          </a:xfrm>
+          <a:prstGeom prst="rect">
+            <a:avLst/>
+          </a:prstGeom>
+          <a:ln/>
+        </p:spPr>
+        <p:style>
+          <a:lnRef idx="2">
+            <a:schemeClr val="accent3">
+              <a:shade val="50000"/>
+            </a:schemeClr>
+          </a:lnRef>
+          <a:fillRef idx="1">
+            <a:schemeClr val="accent3"/>
+          </a:fillRef>
+          <a:effectRef idx="0">
+            <a:schemeClr val="accent3"/>
+          </a:effectRef>
+          <a:fontRef idx="minor">
+            <a:schemeClr val="lt1"/>
+          </a:fontRef>
+        </p:style>
+        <p:txBody>
+          <a:bodyPr rot="0" spcFirstLastPara="1" vertOverflow="overflow" horzOverflow="overflow" vert="horz" wrap="none" lIns="50800" tIns="50800" rIns="50800" bIns="50800" numCol="1" spcCol="38100" rtlCol="0" anchor="ctr">
+            <a:spAutoFit/>
+          </a:bodyPr>
+          <a:lstStyle/>
+          <a:p>
+            <a:pPr algn="l" rtl="0" latinLnBrk="1" hangingPunct="0"/>
+            <a:r>
+              <a:rPr lang="en-US" sz="2000" dirty="0">
+                <a:solidFill>
+                  <a:srgbClr val="FFFF00"/>
+                </a:solidFill>
+                <a:uFill>
+                  <a:solidFill>
+                    <a:srgbClr val="000000"/>
+                  </a:solidFill>
+                </a:uFill>
+                <a:latin typeface="+mn-lt"/>
+              </a:rPr>
+              <a:t>update </a:t>
+            </a:r>
+            <a:r>
+              <a:rPr lang="en-US" sz="2000" dirty="0" err="1">
+                <a:solidFill>
+                  <a:srgbClr val="FFFF00"/>
+                </a:solidFill>
+                <a:uFill>
+                  <a:solidFill>
+                    <a:srgbClr val="000000"/>
+                  </a:solidFill>
+                </a:uFill>
+                <a:latin typeface="+mn-lt"/>
+              </a:rPr>
+              <a:t>mylights</a:t>
+            </a:r>
+            <a:endParaRPr lang="en-US" sz="2000" dirty="0">
+              <a:solidFill>
+                <a:srgbClr val="FFFF00"/>
+              </a:solidFill>
+              <a:uFill>
+                <a:solidFill>
+                  <a:srgbClr val="000000"/>
+                </a:solidFill>
+              </a:uFill>
+              <a:latin typeface="+mn-lt"/>
+            </a:endParaRPr>
+          </a:p>
+          <a:p>
+            <a:pPr algn="l" rtl="0" latinLnBrk="1" hangingPunct="0"/>
+            <a:r>
+              <a:rPr lang="en-US" sz="2000" dirty="0">
+                <a:solidFill>
+                  <a:srgbClr val="FFFF00"/>
+                </a:solidFill>
+                <a:uFill>
+                  <a:solidFill>
+                    <a:srgbClr val="000000"/>
+                  </a:solidFill>
+                </a:uFill>
+                <a:latin typeface="+mn-lt"/>
+              </a:rPr>
+              <a:t>  set</a:t>
+            </a:r>
+          </a:p>
+          <a:p>
+            <a:pPr algn="l" rtl="0" latinLnBrk="1" hangingPunct="0"/>
+            <a:r>
+              <a:rPr lang="en-US" sz="2000" dirty="0">
+                <a:solidFill>
+                  <a:srgbClr val="FFFF00"/>
+                </a:solidFill>
+                <a:uFill>
+                  <a:solidFill>
+                    <a:srgbClr val="000000"/>
+                  </a:solidFill>
+                </a:uFill>
+                <a:latin typeface="+mn-lt"/>
+              </a:rPr>
+              <a:t>  hue = </a:t>
+            </a:r>
+            <a:r>
+              <a:rPr lang="en-US" sz="2000" dirty="0" err="1">
+                <a:solidFill>
+                  <a:srgbClr val="FFFF00"/>
+                </a:solidFill>
+                <a:uFill>
+                  <a:solidFill>
+                    <a:srgbClr val="000000"/>
+                  </a:solidFill>
+                </a:uFill>
+                <a:latin typeface="+mn-lt"/>
+              </a:rPr>
+              <a:t>c.hue</a:t>
+            </a:r>
+            <a:r>
+              <a:rPr lang="en-US" sz="2000" dirty="0">
+                <a:solidFill>
+                  <a:srgbClr val="FFFF00"/>
+                </a:solidFill>
+                <a:uFill>
+                  <a:solidFill>
+                    <a:srgbClr val="000000"/>
+                  </a:solidFill>
+                </a:uFill>
+                <a:latin typeface="+mn-lt"/>
+              </a:rPr>
+              <a:t>,</a:t>
+            </a:r>
+          </a:p>
+          <a:p>
+            <a:pPr algn="l" rtl="0" latinLnBrk="1" hangingPunct="0"/>
+            <a:r>
+              <a:rPr lang="en-US" sz="2000" dirty="0">
+                <a:solidFill>
+                  <a:srgbClr val="FFFF00"/>
+                </a:solidFill>
+                <a:uFill>
+                  <a:solidFill>
+                    <a:srgbClr val="000000"/>
+                  </a:solidFill>
+                </a:uFill>
+                <a:latin typeface="+mn-lt"/>
+              </a:rPr>
+              <a:t>  saturation = </a:t>
+            </a:r>
+            <a:r>
+              <a:rPr lang="en-US" sz="2000" dirty="0" err="1">
+                <a:solidFill>
+                  <a:srgbClr val="FFFF00"/>
+                </a:solidFill>
+                <a:uFill>
+                  <a:solidFill>
+                    <a:srgbClr val="000000"/>
+                  </a:solidFill>
+                </a:uFill>
+                <a:latin typeface="+mn-lt"/>
+              </a:rPr>
+              <a:t>c.saturation</a:t>
+            </a:r>
+            <a:r>
+              <a:rPr lang="en-US" sz="2000" dirty="0">
+                <a:solidFill>
+                  <a:srgbClr val="FFFF00"/>
+                </a:solidFill>
+                <a:uFill>
+                  <a:solidFill>
+                    <a:srgbClr val="000000"/>
+                  </a:solidFill>
+                </a:uFill>
+                <a:latin typeface="+mn-lt"/>
+              </a:rPr>
+              <a:t>,</a:t>
+            </a:r>
+          </a:p>
+          <a:p>
+            <a:pPr algn="l" rtl="0" latinLnBrk="1" hangingPunct="0"/>
+            <a:r>
+              <a:rPr lang="en-US" sz="2000" dirty="0">
+                <a:solidFill>
+                  <a:srgbClr val="FFFF00"/>
+                </a:solidFill>
+                <a:uFill>
+                  <a:solidFill>
+                    <a:srgbClr val="000000"/>
+                  </a:solidFill>
+                </a:uFill>
+                <a:latin typeface="+mn-lt"/>
+              </a:rPr>
+              <a:t>  brightness = </a:t>
+            </a:r>
+            <a:r>
+              <a:rPr lang="en-US" sz="2000" dirty="0" err="1">
+                <a:solidFill>
+                  <a:srgbClr val="FFFF00"/>
+                </a:solidFill>
+                <a:uFill>
+                  <a:solidFill>
+                    <a:srgbClr val="000000"/>
+                  </a:solidFill>
+                </a:uFill>
+                <a:latin typeface="+mn-lt"/>
+              </a:rPr>
+              <a:t>c.brightness</a:t>
+            </a:r>
+            <a:endParaRPr lang="en-US" sz="2000" dirty="0">
+              <a:solidFill>
+                <a:srgbClr val="FFFF00"/>
+              </a:solidFill>
+              <a:uFill>
+                <a:solidFill>
+                  <a:srgbClr val="000000"/>
+                </a:solidFill>
+              </a:uFill>
+              <a:latin typeface="+mn-lt"/>
+            </a:endParaRPr>
+          </a:p>
+          <a:p>
+            <a:pPr algn="l" rtl="0" latinLnBrk="1" hangingPunct="0"/>
+            <a:r>
+              <a:rPr lang="en-US" sz="2000" dirty="0">
+                <a:solidFill>
+                  <a:srgbClr val="FFFF00"/>
+                </a:solidFill>
+                <a:uFill>
+                  <a:solidFill>
+                    <a:srgbClr val="000000"/>
+                  </a:solidFill>
+                </a:uFill>
+                <a:latin typeface="+mn-lt"/>
+              </a:rPr>
+              <a:t>from</a:t>
+            </a:r>
+          </a:p>
+          <a:p>
+            <a:pPr algn="l" rtl="0" latinLnBrk="1" hangingPunct="0"/>
+            <a:r>
+              <a:rPr lang="en-US" sz="2000" dirty="0">
+                <a:solidFill>
+                  <a:srgbClr val="FFFF00"/>
+                </a:solidFill>
+                <a:uFill>
+                  <a:solidFill>
+                    <a:srgbClr val="000000"/>
+                  </a:solidFill>
+                </a:uFill>
+                <a:latin typeface="+mn-lt"/>
+              </a:rPr>
+              <a:t>   (select hue, saturation, brightness from </a:t>
+            </a:r>
+            <a:r>
+              <a:rPr lang="en-US" sz="2000" dirty="0" err="1">
+                <a:solidFill>
+                  <a:srgbClr val="FFFF00"/>
+                </a:solidFill>
+                <a:uFill>
+                  <a:solidFill>
+                    <a:srgbClr val="000000"/>
+                  </a:solidFill>
+                </a:uFill>
+                <a:latin typeface="+mn-lt"/>
+              </a:rPr>
+              <a:t>html_colors</a:t>
+            </a:r>
+            <a:r>
+              <a:rPr lang="en-US" sz="2000" dirty="0">
+                <a:solidFill>
+                  <a:srgbClr val="FFFF00"/>
+                </a:solidFill>
+                <a:uFill>
+                  <a:solidFill>
+                    <a:srgbClr val="000000"/>
+                  </a:solidFill>
+                </a:uFill>
+                <a:latin typeface="+mn-lt"/>
+              </a:rPr>
+              <a:t> where </a:t>
+            </a:r>
+            <a:r>
+              <a:rPr lang="en-US" sz="2000" dirty="0" err="1">
+                <a:solidFill>
+                  <a:srgbClr val="FFFF00"/>
+                </a:solidFill>
+                <a:uFill>
+                  <a:solidFill>
+                    <a:srgbClr val="000000"/>
+                  </a:solidFill>
+                </a:uFill>
+                <a:latin typeface="+mn-lt"/>
+              </a:rPr>
+              <a:t>color_name</a:t>
+            </a:r>
+            <a:r>
+              <a:rPr lang="en-US" sz="2000" dirty="0">
+                <a:solidFill>
+                  <a:srgbClr val="FFFF00"/>
+                </a:solidFill>
+                <a:uFill>
+                  <a:solidFill>
+                    <a:srgbClr val="000000"/>
+                  </a:solidFill>
+                </a:uFill>
+                <a:latin typeface="+mn-lt"/>
+              </a:rPr>
+              <a:t> = 'crimson') c</a:t>
+            </a:r>
+          </a:p>
+          <a:p>
+            <a:pPr algn="l" rtl="0" latinLnBrk="1" hangingPunct="0"/>
+            <a:r>
+              <a:rPr lang="en-US" sz="2000" dirty="0">
+                <a:solidFill>
+                  <a:srgbClr val="FFFF00"/>
+                </a:solidFill>
+                <a:uFill>
+                  <a:solidFill>
+                    <a:srgbClr val="000000"/>
+                  </a:solidFill>
+                </a:uFill>
+                <a:latin typeface="+mn-lt"/>
+              </a:rPr>
+              <a:t>where</a:t>
+            </a:r>
+          </a:p>
+          <a:p>
+            <a:pPr algn="l" rtl="0" latinLnBrk="1" hangingPunct="0"/>
+            <a:r>
+              <a:rPr lang="en-US" sz="2000" dirty="0">
+                <a:solidFill>
+                  <a:srgbClr val="FFFF00"/>
+                </a:solidFill>
+                <a:uFill>
+                  <a:solidFill>
+                    <a:srgbClr val="000000"/>
+                  </a:solidFill>
+                </a:uFill>
+                <a:latin typeface="+mn-lt"/>
+              </a:rPr>
+              <a:t>   </a:t>
+            </a:r>
+            <a:r>
+              <a:rPr lang="en-US" sz="2000" dirty="0" err="1">
+                <a:solidFill>
+                  <a:srgbClr val="FFFF00"/>
+                </a:solidFill>
+                <a:uFill>
+                  <a:solidFill>
+                    <a:srgbClr val="000000"/>
+                  </a:solidFill>
+                </a:uFill>
+                <a:latin typeface="+mn-lt"/>
+              </a:rPr>
+              <a:t>light_id</a:t>
+            </a:r>
+            <a:r>
+              <a:rPr lang="en-US" sz="2000" dirty="0">
+                <a:solidFill>
+                  <a:srgbClr val="FFFF00"/>
+                </a:solidFill>
+                <a:uFill>
+                  <a:solidFill>
+                    <a:srgbClr val="000000"/>
+                  </a:solidFill>
+                </a:uFill>
+                <a:latin typeface="+mn-lt"/>
+              </a:rPr>
+              <a:t> = 1;</a:t>
+            </a:r>
+            <a:endParaRPr kumimoji="0" lang="en-US" sz="2000" b="0" i="0" u="none" strike="noStrike" cap="none" spc="0" normalizeH="0" baseline="0" dirty="0" smtClean="0">
+              <a:ln>
+                <a:noFill/>
+              </a:ln>
+              <a:solidFill>
+                <a:srgbClr val="FFFF00"/>
+              </a:solidFill>
+              <a:effectLst/>
+              <a:uFill>
+                <a:solidFill>
+                  <a:srgbClr val="000000"/>
+                </a:solidFill>
+              </a:uFill>
+              <a:latin typeface="+mn-lt"/>
+              <a:sym typeface="Open Sans"/>
+            </a:endParaRPr>
+          </a:p>
+        </p:txBody>
+      </p:sp>
+    </p:spTree>
+    <p:extLst>
+      <p:ext uri="{BB962C8B-B14F-4D97-AF65-F5344CB8AC3E}">
+        <p14:creationId xmlns:p14="http://schemas.microsoft.com/office/powerpoint/2010/main" val="2764451029"/>
+      </p:ext>
+    </p:extLst>
+  </p:cSld>
+  <p:clrMapOvr>
+    <a:masterClrMapping/>
+  </p:clrMapOvr>
+  <mc:AlternateContent xmlns:mc="http://schemas.openxmlformats.org/markup-compatibility/2006" xmlns:p14="http://schemas.microsoft.com/office/powerpoint/2010/main">
+    <mc:Choice Requires="p14">
+      <p:transition spd="med" p14:dur="700">
+        <p:fade/>
+      </p:transition>
+    </mc:Choice>
+    <mc:Fallback xmlns="">
+      <p:transition spd="med">
+        <p:fade/>
+      </p:transition>
+    </mc:Fallback>
+  </mc:AlternateContent>
+  <p:timing>
+    <p:tnLst>
+      <p:par>
+        <p:cTn xmlns:p14="http://schemas.microsoft.com/office/powerpoint/2010/main" id="1" dur="indefinite" restart="never" nodeType="tmRoot"/>
+      </p:par>
+    </p:tnLst>
+  </p:timing>
+</p:sld>
+</file>
+
+<file path=ppt/slides/slide26.xml><?xml version="1.0" encoding="utf-8"?>
+<p:sld xmlns:a="http://schemas.openxmlformats.org/drawingml/2006/main" xmlns:r="http://schemas.openxmlformats.org/officeDocument/2006/relationships" xmlns:p="http://schemas.openxmlformats.org/presentationml/2006/main">
+  <p:cSld>
+    <p:spTree>
+      <p:nvGrpSpPr>
+        <p:cNvPr id="1" name=""/>
+        <p:cNvGrpSpPr/>
+        <p:nvPr/>
+      </p:nvGrpSpPr>
+      <p:grpSpPr>
+        <a:xfrm>
+          <a:off x="0" y="0"/>
+          <a:ext cx="0" cy="0"/>
+          <a:chOff x="0" y="0"/>
+          <a:chExt cx="0" cy="0"/>
+        </a:xfrm>
+      </p:grpSpPr>
+      <p:sp>
+        <p:nvSpPr>
+          <p:cNvPr id="3" name="Title 2"/>
+          <p:cNvSpPr>
+            <a:spLocks noGrp="1"/>
+          </p:cNvSpPr>
+          <p:nvPr>
+            <p:ph type="title"/>
+          </p:nvPr>
+        </p:nvSpPr>
+        <p:spPr>
+          <a:xfrm>
+            <a:off x="1188850" y="254000"/>
+            <a:ext cx="9166535" cy="801077"/>
+          </a:xfrm>
+        </p:spPr>
+        <p:txBody>
+          <a:bodyPr/>
+          <a:lstStyle/>
+          <a:p>
+            <a:r>
+              <a:rPr lang="en-US" dirty="0" smtClean="0"/>
+              <a:t>Thank You</a:t>
+            </a:r>
+            <a:endParaRPr lang="en-US" dirty="0"/>
+          </a:p>
+        </p:txBody>
+      </p:sp>
+      <p:sp>
+        <p:nvSpPr>
+          <p:cNvPr id="2" name="Slide Number Placeholder 1"/>
+          <p:cNvSpPr>
+            <a:spLocks noGrp="1"/>
+          </p:cNvSpPr>
+          <p:nvPr>
+            <p:ph type="sldNum" sz="quarter" idx="2"/>
+          </p:nvPr>
+        </p:nvSpPr>
+        <p:spPr/>
+        <p:txBody>
+          <a:bodyPr/>
+          <a:lstStyle/>
+          <a:p>
+            <a:fld id="{B08C2786-D3C6-A741-908B-9F349F99BB9B}" type="slidenum">
+              <a:rPr lang="en-US" smtClean="0"/>
+              <a:pPr/>
+              <a:t>26</a:t>
             </a:fld>
             <a:endParaRPr lang="en-US" dirty="0"/>
           </a:p>

--- a/extra/Database_Of_Things_PGConf_US_2015.pptx
+++ b/extra/Database_Of_Things_PGConf_US_2015.pptx
@@ -22130,7 +22130,7 @@
         </p:nvSpPr>
         <p:spPr>
           <a:xfrm>
-            <a:off x="1188850" y="6549928"/>
+            <a:off x="1247016" y="5704366"/>
             <a:ext cx="12156974" cy="471924"/>
           </a:xfrm>
           <a:prstGeom prst="rect">
@@ -22290,7 +22290,7 @@
         </p:nvSpPr>
         <p:spPr>
           <a:xfrm>
-            <a:off x="1188850" y="7752976"/>
+            <a:off x="1188850" y="7988938"/>
             <a:ext cx="3387596" cy="471924"/>
           </a:xfrm>
           <a:prstGeom prst="rect">
@@ -22380,6 +22380,154 @@
           </a:p>
         </p:txBody>
       </p:sp>
+      <p:sp>
+        <p:nvSpPr>
+          <p:cNvPr id="13" name="TextBox 12"/>
+          <p:cNvSpPr txBox="1"/>
+          <p:nvPr/>
+        </p:nvSpPr>
+        <p:spPr>
+          <a:xfrm>
+            <a:off x="1818900" y="7243914"/>
+            <a:ext cx="1761400" cy="471924"/>
+          </a:xfrm>
+          <a:prstGeom prst="rect">
+            <a:avLst/>
+          </a:prstGeom>
+          <a:noFill/>
+          <a:ln w="12700" cap="flat">
+            <a:noFill/>
+            <a:miter lim="400000"/>
+          </a:ln>
+          <a:effectLst/>
+        </p:spPr>
+        <p:style>
+          <a:lnRef idx="0">
+            <a:scrgbClr r="0" g="0" b="0"/>
+          </a:lnRef>
+          <a:fillRef idx="0">
+            <a:scrgbClr r="0" g="0" b="0"/>
+          </a:fillRef>
+          <a:effectRef idx="0">
+            <a:scrgbClr r="0" g="0" b="0"/>
+          </a:effectRef>
+          <a:fontRef idx="none"/>
+        </p:style>
+        <p:txBody>
+          <a:bodyPr rot="0" spcFirstLastPara="1" vertOverflow="overflow" horzOverflow="overflow" vert="horz" wrap="none" lIns="50800" tIns="50800" rIns="50800" bIns="50800" numCol="1" spcCol="38100" rtlCol="0" anchor="ctr">
+            <a:spAutoFit/>
+          </a:bodyPr>
+          <a:lstStyle/>
+          <a:p>
+            <a:pPr marL="0" marR="0" indent="0" algn="l" defTabSz="1219200" rtl="0" fontAlgn="auto" latinLnBrk="1" hangingPunct="0">
+              <a:lnSpc>
+                <a:spcPct val="100000"/>
+              </a:lnSpc>
+              <a:spcBef>
+                <a:spcPts val="0"/>
+              </a:spcBef>
+              <a:spcAft>
+                <a:spcPts val="0"/>
+              </a:spcAft>
+              <a:buClrTx/>
+              <a:buSzTx/>
+              <a:buFontTx/>
+              <a:buNone/>
+              <a:tabLst/>
+            </a:pPr>
+            <a:r>
+              <a:rPr kumimoji="0" lang="en-US" b="0" i="0" u="none" strike="noStrike" cap="none" spc="0" normalizeH="0" baseline="0" dirty="0" smtClean="0">
+                <a:ln>
+                  <a:noFill/>
+                </a:ln>
+                <a:solidFill>
+                  <a:schemeClr val="tx1"/>
+                </a:solidFill>
+                <a:effectLst/>
+                <a:uFill>
+                  <a:solidFill>
+                    <a:srgbClr val="000000"/>
+                  </a:solidFill>
+                </a:uFill>
+                <a:latin typeface="+mn-lt"/>
+                <a:ea typeface="Open Sans"/>
+                <a:cs typeface="Open Sans"/>
+                <a:sym typeface="Open Sans"/>
+              </a:rPr>
+              <a:t>@</a:t>
+            </a:r>
+            <a:r>
+              <a:rPr kumimoji="0" lang="en-US" b="0" i="0" u="none" strike="noStrike" cap="none" spc="0" normalizeH="0" baseline="0" dirty="0" err="1" smtClean="0">
+                <a:ln>
+                  <a:noFill/>
+                </a:ln>
+                <a:solidFill>
+                  <a:schemeClr val="tx1"/>
+                </a:solidFill>
+                <a:effectLst/>
+                <a:uFill>
+                  <a:solidFill>
+                    <a:srgbClr val="000000"/>
+                  </a:solidFill>
+                </a:uFill>
+                <a:latin typeface="+mn-lt"/>
+                <a:ea typeface="Open Sans"/>
+                <a:cs typeface="Open Sans"/>
+                <a:sym typeface="Open Sans"/>
+              </a:rPr>
+              <a:t>rick_otten</a:t>
+            </a:r>
+            <a:endParaRPr kumimoji="0" lang="en-US" b="0" i="0" u="none" strike="noStrike" cap="none" spc="0" normalizeH="0" baseline="0" dirty="0" smtClean="0">
+              <a:ln>
+                <a:noFill/>
+              </a:ln>
+              <a:solidFill>
+                <a:schemeClr val="tx1"/>
+              </a:solidFill>
+              <a:effectLst/>
+              <a:uFill>
+                <a:solidFill>
+                  <a:srgbClr val="000000"/>
+                </a:solidFill>
+              </a:uFill>
+              <a:latin typeface="+mn-lt"/>
+              <a:ea typeface="Open Sans"/>
+              <a:cs typeface="Open Sans"/>
+              <a:sym typeface="Open Sans"/>
+            </a:endParaRPr>
+          </a:p>
+        </p:txBody>
+      </p:sp>
+      <p:pic>
+        <p:nvPicPr>
+          <p:cNvPr id="14" name="Picture 13" descr="twitter.png"/>
+          <p:cNvPicPr>
+            <a:picLocks noChangeAspect="1"/>
+          </p:cNvPicPr>
+          <p:nvPr/>
+        </p:nvPicPr>
+        <p:blipFill>
+          <a:blip r:embed="rId4">
+            <a:extLst>
+              <a:ext uri="{28A0092B-C50C-407E-A947-70E740481C1C}">
+                <a14:useLocalDpi xmlns:a14="http://schemas.microsoft.com/office/drawing/2010/main" val="0"/>
+              </a:ext>
+            </a:extLst>
+          </a:blip>
+          <a:stretch>
+            <a:fillRect/>
+          </a:stretch>
+        </p:blipFill>
+        <p:spPr>
+          <a:xfrm>
+            <a:off x="1073833" y="7007909"/>
+            <a:ext cx="745067" cy="745067"/>
+          </a:xfrm>
+          <a:prstGeom prst="rect">
+            <a:avLst/>
+          </a:prstGeom>
+        </p:spPr>
+      </p:pic>
     </p:spTree>
     <p:extLst>
       <p:ext uri="{BB962C8B-B14F-4D97-AF65-F5344CB8AC3E}">
